--- a/cr_group/cr_call_2023_09_22.pptx
+++ b/cr_group/cr_call_2023_09_22.pptx
@@ -5,7 +5,7 @@
     <p:sldMasterId id="2147483660" r:id="rId1"/>
   </p:sldMasterIdLst>
   <p:notesMasterIdLst>
-    <p:notesMasterId r:id="rId26"/>
+    <p:notesMasterId r:id="rId29"/>
   </p:notesMasterIdLst>
   <p:sldIdLst>
     <p:sldId id="258" r:id="rId2"/>
@@ -13,25 +13,28 @@
     <p:sldId id="279" r:id="rId4"/>
     <p:sldId id="280" r:id="rId5"/>
     <p:sldId id="282" r:id="rId6"/>
-    <p:sldId id="283" r:id="rId7"/>
-    <p:sldId id="284" r:id="rId8"/>
-    <p:sldId id="281" r:id="rId9"/>
-    <p:sldId id="288" r:id="rId10"/>
-    <p:sldId id="289" r:id="rId11"/>
-    <p:sldId id="285" r:id="rId12"/>
-    <p:sldId id="286" r:id="rId13"/>
-    <p:sldId id="287" r:id="rId14"/>
-    <p:sldId id="290" r:id="rId15"/>
-    <p:sldId id="291" r:id="rId16"/>
-    <p:sldId id="292" r:id="rId17"/>
-    <p:sldId id="293" r:id="rId18"/>
-    <p:sldId id="294" r:id="rId19"/>
-    <p:sldId id="260" r:id="rId20"/>
-    <p:sldId id="295" r:id="rId21"/>
-    <p:sldId id="278" r:id="rId22"/>
-    <p:sldId id="265" r:id="rId23"/>
-    <p:sldId id="296" r:id="rId24"/>
-    <p:sldId id="277" r:id="rId25"/>
+    <p:sldId id="299" r:id="rId7"/>
+    <p:sldId id="283" r:id="rId8"/>
+    <p:sldId id="284" r:id="rId9"/>
+    <p:sldId id="281" r:id="rId10"/>
+    <p:sldId id="288" r:id="rId11"/>
+    <p:sldId id="289" r:id="rId12"/>
+    <p:sldId id="297" r:id="rId13"/>
+    <p:sldId id="285" r:id="rId14"/>
+    <p:sldId id="286" r:id="rId15"/>
+    <p:sldId id="287" r:id="rId16"/>
+    <p:sldId id="290" r:id="rId17"/>
+    <p:sldId id="291" r:id="rId18"/>
+    <p:sldId id="292" r:id="rId19"/>
+    <p:sldId id="293" r:id="rId20"/>
+    <p:sldId id="294" r:id="rId21"/>
+    <p:sldId id="260" r:id="rId22"/>
+    <p:sldId id="295" r:id="rId23"/>
+    <p:sldId id="278" r:id="rId24"/>
+    <p:sldId id="265" r:id="rId25"/>
+    <p:sldId id="296" r:id="rId26"/>
+    <p:sldId id="277" r:id="rId27"/>
+    <p:sldId id="298" r:id="rId28"/>
   </p:sldIdLst>
   <p:sldSz cx="12192000" cy="6858000"/>
   <p:notesSz cx="6858000" cy="9144000"/>
@@ -130,6 +133,11 @@
       </a:defRPr>
     </a:lvl9pPr>
   </p:defaultTextStyle>
+  <p:extLst>
+    <p:ext uri="{EFAFB233-063F-42B5-8137-9DF3F51BA10A}">
+      <p15:sldGuideLst xmlns:p15="http://schemas.microsoft.com/office/powerpoint/2012/main"/>
+    </p:ext>
+  </p:extLst>
 </p:presentation>
 </file>
 
@@ -215,7 +223,7 @@
           <a:p>
             <a:fld id="{3303E88C-5052-EB47-BBCD-87ED51A84B6C}" type="datetimeFigureOut">
               <a:rPr lang="en-DE" smtClean="0"/>
-              <a:t>19.09.23</a:t>
+              <a:t>22.09.23</a:t>
             </a:fld>
             <a:endParaRPr lang="en-DE"/>
           </a:p>
@@ -692,7 +700,7 @@
           <a:p>
             <a:fld id="{B70C131E-6A5F-7C4D-B446-5120FAFA4622}" type="slidenum">
               <a:rPr lang="en-US" smtClean="0"/>
-              <a:t>21</a:t>
+              <a:t>23</a:t>
             </a:fld>
             <a:endParaRPr lang="en-US"/>
           </a:p>
@@ -4562,7 +4570,7 @@
           <p:cNvPr id="2" name="Title 1">
             <a:extLst>
               <a:ext uri="{FF2B5EF4-FFF2-40B4-BE49-F238E27FC236}">
-                <a16:creationId xmlns:a16="http://schemas.microsoft.com/office/drawing/2014/main" id="{8E735C82-AE78-7562-0EA6-BF877ED11062}"/>
+                <a16:creationId xmlns:a16="http://schemas.microsoft.com/office/drawing/2014/main" id="{74DF8551-AA5A-92AB-C654-1E0B302BACCC}"/>
               </a:ext>
             </a:extLst>
           </p:cNvPr>
@@ -4580,7 +4588,7 @@
           <a:p>
             <a:r>
               <a:rPr lang="en-DE" dirty="0"/>
-              <a:t>Data-MC: HitStatistics</a:t>
+              <a:t>Data-MC agreements</a:t>
             </a:r>
           </a:p>
         </p:txBody>
@@ -4590,7 +4598,7 @@
           <p:cNvPr id="3" name="Content Placeholder 2">
             <a:extLst>
               <a:ext uri="{FF2B5EF4-FFF2-40B4-BE49-F238E27FC236}">
-                <a16:creationId xmlns:a16="http://schemas.microsoft.com/office/drawing/2014/main" id="{3941C887-75D5-3F6C-CFF0-6A078EF5FF36}"/>
+                <a16:creationId xmlns:a16="http://schemas.microsoft.com/office/drawing/2014/main" id="{9BCD1D6E-91E5-7C54-BAC8-26095A457173}"/>
               </a:ext>
             </a:extLst>
           </p:cNvPr>
@@ -4603,25 +4611,116 @@
         </p:nvSpPr>
         <p:spPr/>
         <p:txBody>
-          <a:bodyPr/>
-          <a:lstStyle/>
-          <a:p>
-            <a:r>
-              <a:rPr lang="en-GB" dirty="0">
-                <a:solidFill>
-                  <a:srgbClr val="C00000"/>
-                </a:solidFill>
-              </a:rPr>
-              <a:t>I</a:t>
-            </a:r>
-            <a:r>
-              <a:rPr lang="en-DE" dirty="0">
-                <a:solidFill>
-                  <a:srgbClr val="C00000"/>
-                </a:solidFill>
-              </a:rPr>
-              <a:t>nsert plots with hit statistics</a:t>
-            </a:r>
+          <a:bodyPr>
+            <a:normAutofit fontScale="85000" lnSpcReduction="20000"/>
+          </a:bodyPr>
+          <a:lstStyle/>
+          <a:p>
+            <a:r>
+              <a:rPr lang="en-DE" sz="2000" dirty="0"/>
+              <a:t>Two bachelor students worked on reconstructions using the dnn_reco framework:</a:t>
+            </a:r>
+          </a:p>
+          <a:p>
+            <a:pPr lvl="1"/>
+            <a:r>
+              <a:rPr lang="en-DE" sz="1600" dirty="0"/>
+              <a:t>Leander Flottau</a:t>
+            </a:r>
+          </a:p>
+          <a:p>
+            <a:pPr lvl="1"/>
+            <a:r>
+              <a:rPr lang="en-DE" sz="1600" dirty="0"/>
+              <a:t>Benjamin Brandt</a:t>
+            </a:r>
+          </a:p>
+          <a:p>
+            <a:pPr marL="0" indent="0">
+              <a:buNone/>
+            </a:pPr>
+            <a:r>
+              <a:rPr lang="en-DE" sz="2000" dirty="0"/>
+              <a:t>Reconstructions:</a:t>
+            </a:r>
+          </a:p>
+          <a:p>
+            <a:r>
+              <a:rPr lang="en-DE" sz="2000" dirty="0"/>
+              <a:t>Leading energy</a:t>
+            </a:r>
+          </a:p>
+          <a:p>
+            <a:r>
+              <a:rPr lang="en-DE" sz="2000" dirty="0"/>
+              <a:t>Leading fraction</a:t>
+            </a:r>
+          </a:p>
+          <a:p>
+            <a:r>
+              <a:rPr lang="en-DE" sz="2000" dirty="0"/>
+              <a:t>Bundle energy</a:t>
+            </a:r>
+          </a:p>
+          <a:p>
+            <a:r>
+              <a:rPr lang="en-DE" sz="2000" dirty="0"/>
+              <a:t>Multiplicity</a:t>
+            </a:r>
+          </a:p>
+          <a:p>
+            <a:r>
+              <a:rPr lang="en-GB" sz="2000" dirty="0"/>
+              <a:t>A</a:t>
+            </a:r>
+            <a:r>
+              <a:rPr lang="en-DE" sz="2000" dirty="0"/>
+              <a:t>zimuth</a:t>
+            </a:r>
+          </a:p>
+          <a:p>
+            <a:r>
+              <a:rPr lang="en-GB" sz="2000" dirty="0"/>
+              <a:t>Z</a:t>
+            </a:r>
+            <a:r>
+              <a:rPr lang="en-DE" sz="2000" dirty="0"/>
+              <a:t>enith </a:t>
+            </a:r>
+          </a:p>
+          <a:p>
+            <a:endParaRPr lang="en-DE" sz="2000" dirty="0"/>
+          </a:p>
+          <a:p>
+            <a:pPr marL="0" indent="0">
+              <a:buNone/>
+            </a:pPr>
+            <a:r>
+              <a:rPr lang="en-DE" sz="2000" dirty="0"/>
+              <a:t>General:</a:t>
+            </a:r>
+          </a:p>
+          <a:p>
+            <a:r>
+              <a:rPr lang="en-GB" sz="2000" dirty="0"/>
+              <a:t>T</a:t>
+            </a:r>
+            <a:r>
+              <a:rPr lang="en-DE" sz="2000" dirty="0"/>
+              <a:t>rained on uncleaned and 6µs cleaned muon pulses</a:t>
+            </a:r>
+          </a:p>
+          <a:p>
+            <a:r>
+              <a:rPr lang="en-DE" sz="2000" dirty="0"/>
+              <a:t>Processed 1 day of experimental data from 2011 to 2020 (July 4th)</a:t>
+            </a:r>
+          </a:p>
+          <a:p>
+            <a:endParaRPr lang="en-DE" sz="2000" dirty="0"/>
+          </a:p>
+          <a:p>
+            <a:endParaRPr lang="en-DE" sz="2000" dirty="0"/>
           </a:p>
         </p:txBody>
       </p:sp>
@@ -4630,7 +4729,7 @@
           <p:cNvPr id="4" name="Date Placeholder 3">
             <a:extLst>
               <a:ext uri="{FF2B5EF4-FFF2-40B4-BE49-F238E27FC236}">
-                <a16:creationId xmlns:a16="http://schemas.microsoft.com/office/drawing/2014/main" id="{3186EB7D-569E-C2A8-9EB1-1AC9C9740676}"/>
+                <a16:creationId xmlns:a16="http://schemas.microsoft.com/office/drawing/2014/main" id="{64BB03D8-584B-AF38-60AA-364B2DD1CFD7}"/>
               </a:ext>
             </a:extLst>
           </p:cNvPr>
@@ -4659,7 +4758,7 @@
           <p:cNvPr id="5" name="Slide Number Placeholder 4">
             <a:extLst>
               <a:ext uri="{FF2B5EF4-FFF2-40B4-BE49-F238E27FC236}">
-                <a16:creationId xmlns:a16="http://schemas.microsoft.com/office/drawing/2014/main" id="{3F1DE0E5-E7C6-3416-7BEB-3C05DCA1455C}"/>
+                <a16:creationId xmlns:a16="http://schemas.microsoft.com/office/drawing/2014/main" id="{8EEEE76D-6281-285A-E944-FD2ED79C4D85}"/>
               </a:ext>
             </a:extLst>
           </p:cNvPr>
@@ -4688,7 +4787,7 @@
           <p:cNvPr id="6" name="Grafik 9">
             <a:extLst>
               <a:ext uri="{FF2B5EF4-FFF2-40B4-BE49-F238E27FC236}">
-                <a16:creationId xmlns:a16="http://schemas.microsoft.com/office/drawing/2014/main" id="{C71D4173-B645-FAFB-3ED2-44878D01EE87}"/>
+                <a16:creationId xmlns:a16="http://schemas.microsoft.com/office/drawing/2014/main" id="{F4521686-84CC-0F33-E806-9A96EA07C7B4}"/>
               </a:ext>
             </a:extLst>
           </p:cNvPr>
@@ -4713,10 +4812,57 @@
           </a:prstGeom>
         </p:spPr>
       </p:pic>
+      <p:sp>
+        <p:nvSpPr>
+          <p:cNvPr id="7" name="TextBox 6">
+            <a:extLst>
+              <a:ext uri="{FF2B5EF4-FFF2-40B4-BE49-F238E27FC236}">
+                <a16:creationId xmlns:a16="http://schemas.microsoft.com/office/drawing/2014/main" id="{3CDAA2B3-B330-5B5E-F9FE-66C5DD0A4250}"/>
+              </a:ext>
+            </a:extLst>
+          </p:cNvPr>
+          <p:cNvSpPr txBox="1"/>
+          <p:nvPr/>
+        </p:nvSpPr>
+        <p:spPr>
+          <a:xfrm rot="1309674">
+            <a:off x="3768810" y="3091565"/>
+            <a:ext cx="2977979" cy="369332"/>
+          </a:xfrm>
+          <a:prstGeom prst="rect">
+            <a:avLst/>
+          </a:prstGeom>
+          <a:noFill/>
+        </p:spPr>
+        <p:txBody>
+          <a:bodyPr wrap="square" rtlCol="0">
+            <a:spAutoFit/>
+          </a:bodyPr>
+          <a:lstStyle/>
+          <a:p>
+            <a:r>
+              <a:rPr lang="en-GB" dirty="0">
+                <a:solidFill>
+                  <a:schemeClr val="accent6"/>
+                </a:solidFill>
+              </a:rPr>
+              <a:t>W</a:t>
+            </a:r>
+            <a:r>
+              <a:rPr lang="en-DE" dirty="0">
+                <a:solidFill>
+                  <a:schemeClr val="accent6"/>
+                </a:solidFill>
+              </a:rPr>
+              <a:t>ork in progress</a:t>
+            </a:r>
+          </a:p>
+        </p:txBody>
+      </p:sp>
     </p:spTree>
     <p:extLst>
       <p:ext uri="{BB962C8B-B14F-4D97-AF65-F5344CB8AC3E}">
-        <p14:creationId xmlns:p14="http://schemas.microsoft.com/office/powerpoint/2010/main" val="1364422340"/>
+        <p14:creationId xmlns:p14="http://schemas.microsoft.com/office/powerpoint/2010/main" val="3283814381"/>
       </p:ext>
     </p:extLst>
   </p:cSld>
@@ -4748,7 +4894,7 @@
           <p:cNvPr id="2" name="Title 1">
             <a:extLst>
               <a:ext uri="{FF2B5EF4-FFF2-40B4-BE49-F238E27FC236}">
-                <a16:creationId xmlns:a16="http://schemas.microsoft.com/office/drawing/2014/main" id="{27CF1E20-4358-436B-5FCB-7B3E580CBD4A}"/>
+                <a16:creationId xmlns:a16="http://schemas.microsoft.com/office/drawing/2014/main" id="{8E735C82-AE78-7562-0EA6-BF877ED11062}"/>
               </a:ext>
             </a:extLst>
           </p:cNvPr>
@@ -4766,134 +4912,26 @@
           <a:p>
             <a:r>
               <a:rPr lang="en-DE" dirty="0"/>
-              <a:t>Data-MC: cos(zenith)</a:t>
-            </a:r>
-          </a:p>
-        </p:txBody>
-      </p:sp>
-      <p:sp>
-        <p:nvSpPr>
-          <p:cNvPr id="3" name="Content Placeholder 2">
-            <a:extLst>
-              <a:ext uri="{FF2B5EF4-FFF2-40B4-BE49-F238E27FC236}">
-                <a16:creationId xmlns:a16="http://schemas.microsoft.com/office/drawing/2014/main" id="{F77B5F32-7617-4BC1-AB49-E0EA7702BC1E}"/>
-              </a:ext>
-            </a:extLst>
-          </p:cNvPr>
-          <p:cNvSpPr>
-            <a:spLocks noGrp="1"/>
-          </p:cNvSpPr>
-          <p:nvPr>
-            <p:ph idx="1"/>
-          </p:nvPr>
-        </p:nvSpPr>
-        <p:spPr/>
-        <p:txBody>
-          <a:bodyPr/>
-          <a:lstStyle/>
-          <a:p>
-            <a:r>
-              <a:rPr lang="en-DE" dirty="0">
-                <a:solidFill>
-                  <a:srgbClr val="C00000"/>
-                </a:solidFill>
-              </a:rPr>
-              <a:t>2 plots: </a:t>
-            </a:r>
-          </a:p>
-          <a:p>
-            <a:r>
-              <a:rPr lang="en-DE" dirty="0">
-                <a:solidFill>
-                  <a:srgbClr val="C00000"/>
-                </a:solidFill>
-              </a:rPr>
-              <a:t>1. reconstructed cos_zenith for data and MC GST and GSF</a:t>
-            </a:r>
-          </a:p>
-          <a:p>
-            <a:r>
-              <a:rPr lang="en-DE" dirty="0">
-                <a:solidFill>
-                  <a:srgbClr val="C00000"/>
-                </a:solidFill>
-              </a:rPr>
-              <a:t>2. reconstructed cos_zenith with energy cut (reconstrcuted bundle energy &gt; 1e4?)</a:t>
-            </a:r>
-          </a:p>
-        </p:txBody>
-      </p:sp>
-      <p:sp>
-        <p:nvSpPr>
-          <p:cNvPr id="4" name="Date Placeholder 3">
-            <a:extLst>
-              <a:ext uri="{FF2B5EF4-FFF2-40B4-BE49-F238E27FC236}">
-                <a16:creationId xmlns:a16="http://schemas.microsoft.com/office/drawing/2014/main" id="{510B92DE-0A9C-A94F-3482-BB84197F5513}"/>
-              </a:ext>
-            </a:extLst>
-          </p:cNvPr>
-          <p:cNvSpPr>
-            <a:spLocks noGrp="1"/>
-          </p:cNvSpPr>
-          <p:nvPr>
-            <p:ph type="dt" sz="half" idx="10"/>
-          </p:nvPr>
-        </p:nvSpPr>
-        <p:spPr/>
-        <p:txBody>
-          <a:bodyPr/>
-          <a:lstStyle/>
-          <a:p>
-            <a:r>
-              <a:rPr lang="de-DE"/>
-              <a:t>P. Gutjahr</a:t>
-            </a:r>
-            <a:endParaRPr lang="en-US"/>
-          </a:p>
-        </p:txBody>
-      </p:sp>
-      <p:sp>
-        <p:nvSpPr>
-          <p:cNvPr id="5" name="Slide Number Placeholder 4">
-            <a:extLst>
-              <a:ext uri="{FF2B5EF4-FFF2-40B4-BE49-F238E27FC236}">
-                <a16:creationId xmlns:a16="http://schemas.microsoft.com/office/drawing/2014/main" id="{B91F052B-52AB-F65C-A81C-CD7151AC23C6}"/>
-              </a:ext>
-            </a:extLst>
-          </p:cNvPr>
-          <p:cNvSpPr>
-            <a:spLocks noGrp="1"/>
-          </p:cNvSpPr>
-          <p:nvPr>
-            <p:ph type="sldNum" sz="quarter" idx="12"/>
-          </p:nvPr>
-        </p:nvSpPr>
-        <p:spPr/>
-        <p:txBody>
-          <a:bodyPr/>
-          <a:lstStyle/>
-          <a:p>
-            <a:fld id="{CD8304E6-5469-594D-85BC-E468E92D2243}" type="slidenum">
-              <a:rPr lang="en-US" smtClean="0"/>
-              <a:t>11</a:t>
-            </a:fld>
-            <a:endParaRPr lang="en-US"/>
+              <a:t>Data-MC: HitStatistics - SplitInIceDSTPulses</a:t>
+            </a:r>
           </a:p>
         </p:txBody>
       </p:sp>
       <p:pic>
         <p:nvPicPr>
-          <p:cNvPr id="6" name="Grafik 9">
-            <a:extLst>
-              <a:ext uri="{FF2B5EF4-FFF2-40B4-BE49-F238E27FC236}">
-                <a16:creationId xmlns:a16="http://schemas.microsoft.com/office/drawing/2014/main" id="{C8032B92-1703-C800-A245-3E64C2FC4F05}"/>
+          <p:cNvPr id="7" name="Content Placeholder 6">
+            <a:extLst>
+              <a:ext uri="{FF2B5EF4-FFF2-40B4-BE49-F238E27FC236}">
+                <a16:creationId xmlns:a16="http://schemas.microsoft.com/office/drawing/2014/main" id="{C146BBAC-6C08-EF35-F90A-DB11178C1BE0}"/>
               </a:ext>
             </a:extLst>
           </p:cNvPr>
           <p:cNvPicPr>
-            <a:picLocks noChangeAspect="1"/>
+            <a:picLocks noGrp="1" noChangeAspect="1"/>
           </p:cNvPicPr>
-          <p:nvPr/>
+          <p:nvPr>
+            <p:ph idx="1"/>
+          </p:nvPr>
         </p:nvPicPr>
         <p:blipFill>
           <a:blip r:embed="rId2"/>
@@ -4903,8 +4941,453 @@
         </p:blipFill>
         <p:spPr>
           <a:xfrm>
+            <a:off x="562130" y="1483519"/>
+            <a:ext cx="1699807" cy="1650298"/>
+          </a:xfrm>
+        </p:spPr>
+      </p:pic>
+      <p:sp>
+        <p:nvSpPr>
+          <p:cNvPr id="4" name="Date Placeholder 3">
+            <a:extLst>
+              <a:ext uri="{FF2B5EF4-FFF2-40B4-BE49-F238E27FC236}">
+                <a16:creationId xmlns:a16="http://schemas.microsoft.com/office/drawing/2014/main" id="{3186EB7D-569E-C2A8-9EB1-1AC9C9740676}"/>
+              </a:ext>
+            </a:extLst>
+          </p:cNvPr>
+          <p:cNvSpPr>
+            <a:spLocks noGrp="1"/>
+          </p:cNvSpPr>
+          <p:nvPr>
+            <p:ph type="dt" sz="half" idx="10"/>
+          </p:nvPr>
+        </p:nvSpPr>
+        <p:spPr/>
+        <p:txBody>
+          <a:bodyPr/>
+          <a:lstStyle/>
+          <a:p>
+            <a:r>
+              <a:rPr lang="de-DE"/>
+              <a:t>P. Gutjahr</a:t>
+            </a:r>
+            <a:endParaRPr lang="en-US"/>
+          </a:p>
+        </p:txBody>
+      </p:sp>
+      <p:sp>
+        <p:nvSpPr>
+          <p:cNvPr id="5" name="Slide Number Placeholder 4">
+            <a:extLst>
+              <a:ext uri="{FF2B5EF4-FFF2-40B4-BE49-F238E27FC236}">
+                <a16:creationId xmlns:a16="http://schemas.microsoft.com/office/drawing/2014/main" id="{3F1DE0E5-E7C6-3416-7BEB-3C05DCA1455C}"/>
+              </a:ext>
+            </a:extLst>
+          </p:cNvPr>
+          <p:cNvSpPr>
+            <a:spLocks noGrp="1"/>
+          </p:cNvSpPr>
+          <p:nvPr>
+            <p:ph type="sldNum" sz="quarter" idx="12"/>
+          </p:nvPr>
+        </p:nvSpPr>
+        <p:spPr/>
+        <p:txBody>
+          <a:bodyPr/>
+          <a:lstStyle/>
+          <a:p>
+            <a:fld id="{CD8304E6-5469-594D-85BC-E468E92D2243}" type="slidenum">
+              <a:rPr lang="en-US" smtClean="0"/>
+              <a:t>11</a:t>
+            </a:fld>
+            <a:endParaRPr lang="en-US"/>
+          </a:p>
+        </p:txBody>
+      </p:sp>
+      <p:pic>
+        <p:nvPicPr>
+          <p:cNvPr id="6" name="Grafik 9">
+            <a:extLst>
+              <a:ext uri="{FF2B5EF4-FFF2-40B4-BE49-F238E27FC236}">
+                <a16:creationId xmlns:a16="http://schemas.microsoft.com/office/drawing/2014/main" id="{C71D4173-B645-FAFB-3ED2-44878D01EE87}"/>
+              </a:ext>
+            </a:extLst>
+          </p:cNvPr>
+          <p:cNvPicPr>
+            <a:picLocks noChangeAspect="1"/>
+          </p:cNvPicPr>
+          <p:nvPr/>
+        </p:nvPicPr>
+        <p:blipFill>
+          <a:blip r:embed="rId3"/>
+          <a:stretch>
+            <a:fillRect/>
+          </a:stretch>
+        </p:blipFill>
+        <p:spPr>
+          <a:xfrm>
             <a:off x="145510" y="92738"/>
             <a:ext cx="1832786" cy="365125"/>
+          </a:xfrm>
+          <a:prstGeom prst="rect">
+            <a:avLst/>
+          </a:prstGeom>
+        </p:spPr>
+      </p:pic>
+      <p:pic>
+        <p:nvPicPr>
+          <p:cNvPr id="8" name="Picture 7">
+            <a:extLst>
+              <a:ext uri="{FF2B5EF4-FFF2-40B4-BE49-F238E27FC236}">
+                <a16:creationId xmlns:a16="http://schemas.microsoft.com/office/drawing/2014/main" id="{2F683415-913C-E878-0CC9-DEBF16A2D844}"/>
+              </a:ext>
+            </a:extLst>
+          </p:cNvPr>
+          <p:cNvPicPr>
+            <a:picLocks noChangeAspect="1"/>
+          </p:cNvPicPr>
+          <p:nvPr/>
+        </p:nvPicPr>
+        <p:blipFill>
+          <a:blip r:embed="rId4"/>
+          <a:stretch>
+            <a:fillRect/>
+          </a:stretch>
+        </p:blipFill>
+        <p:spPr>
+          <a:xfrm>
+            <a:off x="2261937" y="1475701"/>
+            <a:ext cx="1699807" cy="1650298"/>
+          </a:xfrm>
+          <a:prstGeom prst="rect">
+            <a:avLst/>
+          </a:prstGeom>
+        </p:spPr>
+      </p:pic>
+      <p:pic>
+        <p:nvPicPr>
+          <p:cNvPr id="9" name="Picture 8">
+            <a:extLst>
+              <a:ext uri="{FF2B5EF4-FFF2-40B4-BE49-F238E27FC236}">
+                <a16:creationId xmlns:a16="http://schemas.microsoft.com/office/drawing/2014/main" id="{FD6A6FA6-C188-2942-0DCA-0E289B17F813}"/>
+              </a:ext>
+            </a:extLst>
+          </p:cNvPr>
+          <p:cNvPicPr>
+            <a:picLocks noChangeAspect="1"/>
+          </p:cNvPicPr>
+          <p:nvPr/>
+        </p:nvPicPr>
+        <p:blipFill>
+          <a:blip r:embed="rId5"/>
+          <a:stretch>
+            <a:fillRect/>
+          </a:stretch>
+        </p:blipFill>
+        <p:spPr>
+          <a:xfrm>
+            <a:off x="3961744" y="1458912"/>
+            <a:ext cx="1699807" cy="1650298"/>
+          </a:xfrm>
+          <a:prstGeom prst="rect">
+            <a:avLst/>
+          </a:prstGeom>
+        </p:spPr>
+      </p:pic>
+      <p:pic>
+        <p:nvPicPr>
+          <p:cNvPr id="10" name="Picture 9">
+            <a:extLst>
+              <a:ext uri="{FF2B5EF4-FFF2-40B4-BE49-F238E27FC236}">
+                <a16:creationId xmlns:a16="http://schemas.microsoft.com/office/drawing/2014/main" id="{36A4DFB1-0AF8-2100-69D9-12BCAA2F9AE2}"/>
+              </a:ext>
+            </a:extLst>
+          </p:cNvPr>
+          <p:cNvPicPr>
+            <a:picLocks noChangeAspect="1"/>
+          </p:cNvPicPr>
+          <p:nvPr/>
+        </p:nvPicPr>
+        <p:blipFill>
+          <a:blip r:embed="rId6"/>
+          <a:stretch>
+            <a:fillRect/>
+          </a:stretch>
+        </p:blipFill>
+        <p:spPr>
+          <a:xfrm>
+            <a:off x="9134035" y="1458912"/>
+            <a:ext cx="1699807" cy="1650298"/>
+          </a:xfrm>
+          <a:prstGeom prst="rect">
+            <a:avLst/>
+          </a:prstGeom>
+        </p:spPr>
+      </p:pic>
+      <p:pic>
+        <p:nvPicPr>
+          <p:cNvPr id="11" name="Picture 10">
+            <a:extLst>
+              <a:ext uri="{FF2B5EF4-FFF2-40B4-BE49-F238E27FC236}">
+                <a16:creationId xmlns:a16="http://schemas.microsoft.com/office/drawing/2014/main" id="{216E7B15-0DE8-4901-571A-C94DD7596447}"/>
+              </a:ext>
+            </a:extLst>
+          </p:cNvPr>
+          <p:cNvPicPr>
+            <a:picLocks noChangeAspect="1"/>
+          </p:cNvPicPr>
+          <p:nvPr/>
+        </p:nvPicPr>
+        <p:blipFill>
+          <a:blip r:embed="rId7"/>
+          <a:stretch>
+            <a:fillRect/>
+          </a:stretch>
+        </p:blipFill>
+        <p:spPr>
+          <a:xfrm>
+            <a:off x="485756" y="3429000"/>
+            <a:ext cx="1699807" cy="1650298"/>
+          </a:xfrm>
+          <a:prstGeom prst="rect">
+            <a:avLst/>
+          </a:prstGeom>
+        </p:spPr>
+      </p:pic>
+      <p:pic>
+        <p:nvPicPr>
+          <p:cNvPr id="12" name="Picture 11">
+            <a:extLst>
+              <a:ext uri="{FF2B5EF4-FFF2-40B4-BE49-F238E27FC236}">
+                <a16:creationId xmlns:a16="http://schemas.microsoft.com/office/drawing/2014/main" id="{561E1C51-AC0E-1D9E-3AF6-086881C135E9}"/>
+              </a:ext>
+            </a:extLst>
+          </p:cNvPr>
+          <p:cNvPicPr>
+            <a:picLocks noChangeAspect="1"/>
+          </p:cNvPicPr>
+          <p:nvPr/>
+        </p:nvPicPr>
+        <p:blipFill>
+          <a:blip r:embed="rId8"/>
+          <a:stretch>
+            <a:fillRect/>
+          </a:stretch>
+        </p:blipFill>
+        <p:spPr>
+          <a:xfrm>
+            <a:off x="2209800" y="3429000"/>
+            <a:ext cx="1699807" cy="1650298"/>
+          </a:xfrm>
+          <a:prstGeom prst="rect">
+            <a:avLst/>
+          </a:prstGeom>
+        </p:spPr>
+      </p:pic>
+      <p:pic>
+        <p:nvPicPr>
+          <p:cNvPr id="13" name="Picture 12">
+            <a:extLst>
+              <a:ext uri="{FF2B5EF4-FFF2-40B4-BE49-F238E27FC236}">
+                <a16:creationId xmlns:a16="http://schemas.microsoft.com/office/drawing/2014/main" id="{30D281F3-248E-0EDC-4762-44B9B53C00DD}"/>
+              </a:ext>
+            </a:extLst>
+          </p:cNvPr>
+          <p:cNvPicPr>
+            <a:picLocks noChangeAspect="1"/>
+          </p:cNvPicPr>
+          <p:nvPr/>
+        </p:nvPicPr>
+        <p:blipFill>
+          <a:blip r:embed="rId9"/>
+          <a:stretch>
+            <a:fillRect/>
+          </a:stretch>
+        </p:blipFill>
+        <p:spPr>
+          <a:xfrm>
+            <a:off x="3961744" y="3402497"/>
+            <a:ext cx="1699807" cy="1650298"/>
+          </a:xfrm>
+          <a:prstGeom prst="rect">
+            <a:avLst/>
+          </a:prstGeom>
+        </p:spPr>
+      </p:pic>
+      <p:pic>
+        <p:nvPicPr>
+          <p:cNvPr id="14" name="Picture 13">
+            <a:extLst>
+              <a:ext uri="{FF2B5EF4-FFF2-40B4-BE49-F238E27FC236}">
+                <a16:creationId xmlns:a16="http://schemas.microsoft.com/office/drawing/2014/main" id="{DDCFAB16-95D3-E066-0B74-D8DCABFED6E8}"/>
+              </a:ext>
+            </a:extLst>
+          </p:cNvPr>
+          <p:cNvPicPr>
+            <a:picLocks noChangeAspect="1"/>
+          </p:cNvPicPr>
+          <p:nvPr/>
+        </p:nvPicPr>
+        <p:blipFill>
+          <a:blip r:embed="rId10"/>
+          <a:stretch>
+            <a:fillRect/>
+          </a:stretch>
+        </p:blipFill>
+        <p:spPr>
+          <a:xfrm>
+            <a:off x="5697986" y="1458912"/>
+            <a:ext cx="1699807" cy="1650298"/>
+          </a:xfrm>
+          <a:prstGeom prst="rect">
+            <a:avLst/>
+          </a:prstGeom>
+        </p:spPr>
+      </p:pic>
+      <p:pic>
+        <p:nvPicPr>
+          <p:cNvPr id="15" name="Picture 14">
+            <a:extLst>
+              <a:ext uri="{FF2B5EF4-FFF2-40B4-BE49-F238E27FC236}">
+                <a16:creationId xmlns:a16="http://schemas.microsoft.com/office/drawing/2014/main" id="{E9EF508F-A409-4CF4-150C-1741725F9A44}"/>
+              </a:ext>
+            </a:extLst>
+          </p:cNvPr>
+          <p:cNvPicPr>
+            <a:picLocks noChangeAspect="1"/>
+          </p:cNvPicPr>
+          <p:nvPr/>
+        </p:nvPicPr>
+        <p:blipFill>
+          <a:blip r:embed="rId11"/>
+          <a:stretch>
+            <a:fillRect/>
+          </a:stretch>
+        </p:blipFill>
+        <p:spPr>
+          <a:xfrm>
+            <a:off x="7434228" y="1480328"/>
+            <a:ext cx="1699807" cy="1650298"/>
+          </a:xfrm>
+          <a:prstGeom prst="rect">
+            <a:avLst/>
+          </a:prstGeom>
+        </p:spPr>
+      </p:pic>
+      <p:pic>
+        <p:nvPicPr>
+          <p:cNvPr id="16" name="Picture 15">
+            <a:extLst>
+              <a:ext uri="{FF2B5EF4-FFF2-40B4-BE49-F238E27FC236}">
+                <a16:creationId xmlns:a16="http://schemas.microsoft.com/office/drawing/2014/main" id="{8DB67068-A97A-FF7A-23BF-D1885EB91E17}"/>
+              </a:ext>
+            </a:extLst>
+          </p:cNvPr>
+          <p:cNvPicPr>
+            <a:picLocks noChangeAspect="1"/>
+          </p:cNvPicPr>
+          <p:nvPr/>
+        </p:nvPicPr>
+        <p:blipFill>
+          <a:blip r:embed="rId12"/>
+          <a:stretch>
+            <a:fillRect/>
+          </a:stretch>
+        </p:blipFill>
+        <p:spPr>
+          <a:xfrm>
+            <a:off x="5713688" y="3402497"/>
+            <a:ext cx="1699807" cy="1650298"/>
+          </a:xfrm>
+          <a:prstGeom prst="rect">
+            <a:avLst/>
+          </a:prstGeom>
+        </p:spPr>
+      </p:pic>
+      <p:pic>
+        <p:nvPicPr>
+          <p:cNvPr id="17" name="Picture 16">
+            <a:extLst>
+              <a:ext uri="{FF2B5EF4-FFF2-40B4-BE49-F238E27FC236}">
+                <a16:creationId xmlns:a16="http://schemas.microsoft.com/office/drawing/2014/main" id="{DB1C347F-5846-8695-517B-1357483F794F}"/>
+              </a:ext>
+            </a:extLst>
+          </p:cNvPr>
+          <p:cNvPicPr>
+            <a:picLocks noChangeAspect="1"/>
+          </p:cNvPicPr>
+          <p:nvPr/>
+        </p:nvPicPr>
+        <p:blipFill>
+          <a:blip r:embed="rId13"/>
+          <a:stretch>
+            <a:fillRect/>
+          </a:stretch>
+        </p:blipFill>
+        <p:spPr>
+          <a:xfrm>
+            <a:off x="7397793" y="3385389"/>
+            <a:ext cx="1699807" cy="1650298"/>
+          </a:xfrm>
+          <a:prstGeom prst="rect">
+            <a:avLst/>
+          </a:prstGeom>
+        </p:spPr>
+      </p:pic>
+      <p:pic>
+        <p:nvPicPr>
+          <p:cNvPr id="18" name="Picture 17">
+            <a:extLst>
+              <a:ext uri="{FF2B5EF4-FFF2-40B4-BE49-F238E27FC236}">
+                <a16:creationId xmlns:a16="http://schemas.microsoft.com/office/drawing/2014/main" id="{197DD5ED-B006-B592-81F6-58FAFF63EC76}"/>
+              </a:ext>
+            </a:extLst>
+          </p:cNvPr>
+          <p:cNvPicPr>
+            <a:picLocks noChangeAspect="1"/>
+          </p:cNvPicPr>
+          <p:nvPr/>
+        </p:nvPicPr>
+        <p:blipFill>
+          <a:blip r:embed="rId14"/>
+          <a:stretch>
+            <a:fillRect/>
+          </a:stretch>
+        </p:blipFill>
+        <p:spPr>
+          <a:xfrm>
+            <a:off x="9149737" y="3385389"/>
+            <a:ext cx="1699807" cy="1650298"/>
+          </a:xfrm>
+          <a:prstGeom prst="rect">
+            <a:avLst/>
+          </a:prstGeom>
+        </p:spPr>
+      </p:pic>
+      <p:pic>
+        <p:nvPicPr>
+          <p:cNvPr id="19" name="Picture 18">
+            <a:extLst>
+              <a:ext uri="{FF2B5EF4-FFF2-40B4-BE49-F238E27FC236}">
+                <a16:creationId xmlns:a16="http://schemas.microsoft.com/office/drawing/2014/main" id="{4F1A5DAB-1DDB-0FC1-EEC7-815368F56BDF}"/>
+              </a:ext>
+            </a:extLst>
+          </p:cNvPr>
+          <p:cNvPicPr>
+            <a:picLocks noChangeAspect="1"/>
+          </p:cNvPicPr>
+          <p:nvPr/>
+        </p:nvPicPr>
+        <p:blipFill>
+          <a:blip r:embed="rId15"/>
+          <a:stretch>
+            <a:fillRect/>
+          </a:stretch>
+        </p:blipFill>
+        <p:spPr>
+          <a:xfrm>
+            <a:off x="2185563" y="5148474"/>
+            <a:ext cx="1620191" cy="1573001"/>
           </a:xfrm>
           <a:prstGeom prst="rect">
             <a:avLst/>
@@ -4914,7 +5397,7 @@
     </p:spTree>
     <p:extLst>
       <p:ext uri="{BB962C8B-B14F-4D97-AF65-F5344CB8AC3E}">
-        <p14:creationId xmlns:p14="http://schemas.microsoft.com/office/powerpoint/2010/main" val="172947764"/>
+        <p14:creationId xmlns:p14="http://schemas.microsoft.com/office/powerpoint/2010/main" val="1364422340"/>
       </p:ext>
     </p:extLst>
   </p:cSld>
@@ -4946,7 +5429,7 @@
           <p:cNvPr id="2" name="Title 1">
             <a:extLst>
               <a:ext uri="{FF2B5EF4-FFF2-40B4-BE49-F238E27FC236}">
-                <a16:creationId xmlns:a16="http://schemas.microsoft.com/office/drawing/2014/main" id="{E230F0BD-9631-395E-FBC8-D6EBB8C82BF0}"/>
+                <a16:creationId xmlns:a16="http://schemas.microsoft.com/office/drawing/2014/main" id="{CB91C210-C138-C587-9DB4-163EC0F8D3D6}"/>
               </a:ext>
             </a:extLst>
           </p:cNvPr>
@@ -4964,114 +5447,26 @@
           <a:p>
             <a:r>
               <a:rPr lang="en-DE" dirty="0"/>
-              <a:t>Data-MC: energy spectrum</a:t>
-            </a:r>
-          </a:p>
-        </p:txBody>
-      </p:sp>
-      <p:sp>
-        <p:nvSpPr>
-          <p:cNvPr id="3" name="Content Placeholder 2">
-            <a:extLst>
-              <a:ext uri="{FF2B5EF4-FFF2-40B4-BE49-F238E27FC236}">
-                <a16:creationId xmlns:a16="http://schemas.microsoft.com/office/drawing/2014/main" id="{5A6B7D9A-ADCF-5603-F58A-545CD02485EF}"/>
-              </a:ext>
-            </a:extLst>
-          </p:cNvPr>
-          <p:cNvSpPr>
-            <a:spLocks noGrp="1"/>
-          </p:cNvSpPr>
-          <p:nvPr>
-            <p:ph idx="1"/>
-          </p:nvPr>
-        </p:nvSpPr>
-        <p:spPr/>
-        <p:txBody>
-          <a:bodyPr/>
-          <a:lstStyle/>
-          <a:p>
-            <a:r>
-              <a:rPr lang="en-DE" dirty="0">
-                <a:solidFill>
-                  <a:srgbClr val="C00000"/>
-                </a:solidFill>
-              </a:rPr>
-              <a:t>2 plots: leading energy and bundle energy spectrum</a:t>
-            </a:r>
-          </a:p>
-        </p:txBody>
-      </p:sp>
-      <p:sp>
-        <p:nvSpPr>
-          <p:cNvPr id="4" name="Date Placeholder 3">
-            <a:extLst>
-              <a:ext uri="{FF2B5EF4-FFF2-40B4-BE49-F238E27FC236}">
-                <a16:creationId xmlns:a16="http://schemas.microsoft.com/office/drawing/2014/main" id="{461394CB-2DD6-FD84-9AF8-69868186E36B}"/>
-              </a:ext>
-            </a:extLst>
-          </p:cNvPr>
-          <p:cNvSpPr>
-            <a:spLocks noGrp="1"/>
-          </p:cNvSpPr>
-          <p:nvPr>
-            <p:ph type="dt" sz="half" idx="10"/>
-          </p:nvPr>
-        </p:nvSpPr>
-        <p:spPr/>
-        <p:txBody>
-          <a:bodyPr/>
-          <a:lstStyle/>
-          <a:p>
-            <a:r>
-              <a:rPr lang="de-DE"/>
-              <a:t>P. Gutjahr</a:t>
-            </a:r>
-            <a:endParaRPr lang="en-US"/>
-          </a:p>
-        </p:txBody>
-      </p:sp>
-      <p:sp>
-        <p:nvSpPr>
-          <p:cNvPr id="5" name="Slide Number Placeholder 4">
-            <a:extLst>
-              <a:ext uri="{FF2B5EF4-FFF2-40B4-BE49-F238E27FC236}">
-                <a16:creationId xmlns:a16="http://schemas.microsoft.com/office/drawing/2014/main" id="{D01F4ED7-0868-8C6F-2055-4CA111E193C3}"/>
-              </a:ext>
-            </a:extLst>
-          </p:cNvPr>
-          <p:cNvSpPr>
-            <a:spLocks noGrp="1"/>
-          </p:cNvSpPr>
-          <p:nvPr>
-            <p:ph type="sldNum" sz="quarter" idx="12"/>
-          </p:nvPr>
-        </p:nvSpPr>
-        <p:spPr/>
-        <p:txBody>
-          <a:bodyPr/>
-          <a:lstStyle/>
-          <a:p>
-            <a:fld id="{CD8304E6-5469-594D-85BC-E468E92D2243}" type="slidenum">
-              <a:rPr lang="en-US" smtClean="0"/>
-              <a:t>12</a:t>
-            </a:fld>
-            <a:endParaRPr lang="en-US"/>
+              <a:t>Data-MC: HitStatistics - SplitInIceDSTPulses </a:t>
+            </a:r>
           </a:p>
         </p:txBody>
       </p:sp>
       <p:pic>
         <p:nvPicPr>
-          <p:cNvPr id="6" name="Grafik 9">
-            <a:extLst>
-              <a:ext uri="{FF2B5EF4-FFF2-40B4-BE49-F238E27FC236}">
-                <a16:creationId xmlns:a16="http://schemas.microsoft.com/office/drawing/2014/main" id="{6F0ECEA3-4483-438C-6566-CBC405DEC5AD}"/>
+          <p:cNvPr id="6" name="Content Placeholder 5">
+            <a:extLst>
+              <a:ext uri="{FF2B5EF4-FFF2-40B4-BE49-F238E27FC236}">
+                <a16:creationId xmlns:a16="http://schemas.microsoft.com/office/drawing/2014/main" id="{D65C68AC-21CA-656F-7916-185B8F7B97FA}"/>
               </a:ext>
             </a:extLst>
           </p:cNvPr>
           <p:cNvPicPr>
-            <a:picLocks noChangeAspect="1"/>
+            <a:picLocks noGrp="1" noChangeAspect="1"/>
           </p:cNvPicPr>
-          <p:nvPr/>
+          <p:nvPr>
+            <p:ph idx="1"/>
+          </p:nvPr>
         </p:nvPicPr>
         <p:blipFill>
           <a:blip r:embed="rId2"/>
@@ -5081,6 +5476,91 @@
         </p:blipFill>
         <p:spPr>
           <a:xfrm>
+            <a:off x="494467" y="1525461"/>
+            <a:ext cx="1715333" cy="1665372"/>
+          </a:xfrm>
+        </p:spPr>
+      </p:pic>
+      <p:sp>
+        <p:nvSpPr>
+          <p:cNvPr id="4" name="Date Placeholder 3">
+            <a:extLst>
+              <a:ext uri="{FF2B5EF4-FFF2-40B4-BE49-F238E27FC236}">
+                <a16:creationId xmlns:a16="http://schemas.microsoft.com/office/drawing/2014/main" id="{63AA50D9-0497-6428-3965-4C8685E5084B}"/>
+              </a:ext>
+            </a:extLst>
+          </p:cNvPr>
+          <p:cNvSpPr>
+            <a:spLocks noGrp="1"/>
+          </p:cNvSpPr>
+          <p:nvPr>
+            <p:ph type="dt" sz="half" idx="10"/>
+          </p:nvPr>
+        </p:nvSpPr>
+        <p:spPr/>
+        <p:txBody>
+          <a:bodyPr/>
+          <a:lstStyle/>
+          <a:p>
+            <a:r>
+              <a:rPr lang="de-DE"/>
+              <a:t>P. Gutjahr</a:t>
+            </a:r>
+            <a:endParaRPr lang="en-US"/>
+          </a:p>
+        </p:txBody>
+      </p:sp>
+      <p:sp>
+        <p:nvSpPr>
+          <p:cNvPr id="5" name="Slide Number Placeholder 4">
+            <a:extLst>
+              <a:ext uri="{FF2B5EF4-FFF2-40B4-BE49-F238E27FC236}">
+                <a16:creationId xmlns:a16="http://schemas.microsoft.com/office/drawing/2014/main" id="{17513E5E-DE29-6A40-502F-8EC36AEFA944}"/>
+              </a:ext>
+            </a:extLst>
+          </p:cNvPr>
+          <p:cNvSpPr>
+            <a:spLocks noGrp="1"/>
+          </p:cNvSpPr>
+          <p:nvPr>
+            <p:ph type="sldNum" sz="quarter" idx="12"/>
+          </p:nvPr>
+        </p:nvSpPr>
+        <p:spPr/>
+        <p:txBody>
+          <a:bodyPr/>
+          <a:lstStyle/>
+          <a:p>
+            <a:fld id="{CD8304E6-5469-594D-85BC-E468E92D2243}" type="slidenum">
+              <a:rPr lang="en-US" smtClean="0"/>
+              <a:t>12</a:t>
+            </a:fld>
+            <a:endParaRPr lang="en-US"/>
+          </a:p>
+        </p:txBody>
+      </p:sp>
+      <p:pic>
+        <p:nvPicPr>
+          <p:cNvPr id="7" name="Grafik 9">
+            <a:extLst>
+              <a:ext uri="{FF2B5EF4-FFF2-40B4-BE49-F238E27FC236}">
+                <a16:creationId xmlns:a16="http://schemas.microsoft.com/office/drawing/2014/main" id="{17094B73-FF06-421F-8532-4124D74F8C7F}"/>
+              </a:ext>
+            </a:extLst>
+          </p:cNvPr>
+          <p:cNvPicPr>
+            <a:picLocks noChangeAspect="1"/>
+          </p:cNvPicPr>
+          <p:nvPr/>
+        </p:nvPicPr>
+        <p:blipFill>
+          <a:blip r:embed="rId3"/>
+          <a:stretch>
+            <a:fillRect/>
+          </a:stretch>
+        </p:blipFill>
+        <p:spPr>
+          <a:xfrm>
             <a:off x="145510" y="92738"/>
             <a:ext cx="1832786" cy="365125"/>
           </a:xfrm>
@@ -5089,10 +5569,405 @@
           </a:prstGeom>
         </p:spPr>
       </p:pic>
+      <p:pic>
+        <p:nvPicPr>
+          <p:cNvPr id="8" name="Picture 7">
+            <a:extLst>
+              <a:ext uri="{FF2B5EF4-FFF2-40B4-BE49-F238E27FC236}">
+                <a16:creationId xmlns:a16="http://schemas.microsoft.com/office/drawing/2014/main" id="{E254297E-AEC7-CC7A-F588-ED07A2D3AF99}"/>
+              </a:ext>
+            </a:extLst>
+          </p:cNvPr>
+          <p:cNvPicPr>
+            <a:picLocks noChangeAspect="1"/>
+          </p:cNvPicPr>
+          <p:nvPr/>
+        </p:nvPicPr>
+        <p:blipFill>
+          <a:blip r:embed="rId4"/>
+          <a:stretch>
+            <a:fillRect/>
+          </a:stretch>
+        </p:blipFill>
+        <p:spPr>
+          <a:xfrm>
+            <a:off x="2209800" y="1525461"/>
+            <a:ext cx="1715333" cy="1665372"/>
+          </a:xfrm>
+          <a:prstGeom prst="rect">
+            <a:avLst/>
+          </a:prstGeom>
+        </p:spPr>
+      </p:pic>
+      <p:pic>
+        <p:nvPicPr>
+          <p:cNvPr id="9" name="Picture 8">
+            <a:extLst>
+              <a:ext uri="{FF2B5EF4-FFF2-40B4-BE49-F238E27FC236}">
+                <a16:creationId xmlns:a16="http://schemas.microsoft.com/office/drawing/2014/main" id="{E0F6E770-6AA7-DA35-B52B-10B9849CD561}"/>
+              </a:ext>
+            </a:extLst>
+          </p:cNvPr>
+          <p:cNvPicPr>
+            <a:picLocks noChangeAspect="1"/>
+          </p:cNvPicPr>
+          <p:nvPr/>
+        </p:nvPicPr>
+        <p:blipFill>
+          <a:blip r:embed="rId5"/>
+          <a:stretch>
+            <a:fillRect/>
+          </a:stretch>
+        </p:blipFill>
+        <p:spPr>
+          <a:xfrm>
+            <a:off x="3925133" y="1525461"/>
+            <a:ext cx="1715333" cy="1665372"/>
+          </a:xfrm>
+          <a:prstGeom prst="rect">
+            <a:avLst/>
+          </a:prstGeom>
+        </p:spPr>
+      </p:pic>
+      <p:pic>
+        <p:nvPicPr>
+          <p:cNvPr id="10" name="Picture 9">
+            <a:extLst>
+              <a:ext uri="{FF2B5EF4-FFF2-40B4-BE49-F238E27FC236}">
+                <a16:creationId xmlns:a16="http://schemas.microsoft.com/office/drawing/2014/main" id="{64EB6087-4620-3593-6C3E-BC68BCE15F5C}"/>
+              </a:ext>
+            </a:extLst>
+          </p:cNvPr>
+          <p:cNvPicPr>
+            <a:picLocks noChangeAspect="1"/>
+          </p:cNvPicPr>
+          <p:nvPr/>
+        </p:nvPicPr>
+        <p:blipFill>
+          <a:blip r:embed="rId6"/>
+          <a:stretch>
+            <a:fillRect/>
+          </a:stretch>
+        </p:blipFill>
+        <p:spPr>
+          <a:xfrm>
+            <a:off x="5640466" y="1525461"/>
+            <a:ext cx="1715333" cy="1665372"/>
+          </a:xfrm>
+          <a:prstGeom prst="rect">
+            <a:avLst/>
+          </a:prstGeom>
+        </p:spPr>
+      </p:pic>
+      <p:pic>
+        <p:nvPicPr>
+          <p:cNvPr id="11" name="Picture 10">
+            <a:extLst>
+              <a:ext uri="{FF2B5EF4-FFF2-40B4-BE49-F238E27FC236}">
+                <a16:creationId xmlns:a16="http://schemas.microsoft.com/office/drawing/2014/main" id="{8A653118-083C-FF60-A804-BE33BA52D133}"/>
+              </a:ext>
+            </a:extLst>
+          </p:cNvPr>
+          <p:cNvPicPr>
+            <a:picLocks noChangeAspect="1"/>
+          </p:cNvPicPr>
+          <p:nvPr/>
+        </p:nvPicPr>
+        <p:blipFill>
+          <a:blip r:embed="rId7"/>
+          <a:stretch>
+            <a:fillRect/>
+          </a:stretch>
+        </p:blipFill>
+        <p:spPr>
+          <a:xfrm>
+            <a:off x="7355799" y="1525461"/>
+            <a:ext cx="1715333" cy="1665372"/>
+          </a:xfrm>
+          <a:prstGeom prst="rect">
+            <a:avLst/>
+          </a:prstGeom>
+        </p:spPr>
+      </p:pic>
+      <p:pic>
+        <p:nvPicPr>
+          <p:cNvPr id="12" name="Picture 11">
+            <a:extLst>
+              <a:ext uri="{FF2B5EF4-FFF2-40B4-BE49-F238E27FC236}">
+                <a16:creationId xmlns:a16="http://schemas.microsoft.com/office/drawing/2014/main" id="{71B70740-9C1E-61C7-254C-159D52151708}"/>
+              </a:ext>
+            </a:extLst>
+          </p:cNvPr>
+          <p:cNvPicPr>
+            <a:picLocks noChangeAspect="1"/>
+          </p:cNvPicPr>
+          <p:nvPr/>
+        </p:nvPicPr>
+        <p:blipFill>
+          <a:blip r:embed="rId8"/>
+          <a:stretch>
+            <a:fillRect/>
+          </a:stretch>
+        </p:blipFill>
+        <p:spPr>
+          <a:xfrm>
+            <a:off x="9071132" y="1525461"/>
+            <a:ext cx="1715333" cy="1665372"/>
+          </a:xfrm>
+          <a:prstGeom prst="rect">
+            <a:avLst/>
+          </a:prstGeom>
+        </p:spPr>
+      </p:pic>
+      <p:pic>
+        <p:nvPicPr>
+          <p:cNvPr id="13" name="Picture 12">
+            <a:extLst>
+              <a:ext uri="{FF2B5EF4-FFF2-40B4-BE49-F238E27FC236}">
+                <a16:creationId xmlns:a16="http://schemas.microsoft.com/office/drawing/2014/main" id="{FC814BD2-A781-8AD6-DD15-4CE9E096AAF4}"/>
+              </a:ext>
+            </a:extLst>
+          </p:cNvPr>
+          <p:cNvPicPr>
+            <a:picLocks noChangeAspect="1"/>
+          </p:cNvPicPr>
+          <p:nvPr/>
+        </p:nvPicPr>
+        <p:blipFill>
+          <a:blip r:embed="rId9"/>
+          <a:stretch>
+            <a:fillRect/>
+          </a:stretch>
+        </p:blipFill>
+        <p:spPr>
+          <a:xfrm>
+            <a:off x="484165" y="3190833"/>
+            <a:ext cx="1715333" cy="1665372"/>
+          </a:xfrm>
+          <a:prstGeom prst="rect">
+            <a:avLst/>
+          </a:prstGeom>
+        </p:spPr>
+      </p:pic>
+      <p:pic>
+        <p:nvPicPr>
+          <p:cNvPr id="14" name="Picture 13">
+            <a:extLst>
+              <a:ext uri="{FF2B5EF4-FFF2-40B4-BE49-F238E27FC236}">
+                <a16:creationId xmlns:a16="http://schemas.microsoft.com/office/drawing/2014/main" id="{691225AD-73EE-1932-0D7E-CC6C61403DC2}"/>
+              </a:ext>
+            </a:extLst>
+          </p:cNvPr>
+          <p:cNvPicPr>
+            <a:picLocks noChangeAspect="1"/>
+          </p:cNvPicPr>
+          <p:nvPr/>
+        </p:nvPicPr>
+        <p:blipFill>
+          <a:blip r:embed="rId10"/>
+          <a:stretch>
+            <a:fillRect/>
+          </a:stretch>
+        </p:blipFill>
+        <p:spPr>
+          <a:xfrm>
+            <a:off x="2199498" y="3190833"/>
+            <a:ext cx="1715333" cy="1665372"/>
+          </a:xfrm>
+          <a:prstGeom prst="rect">
+            <a:avLst/>
+          </a:prstGeom>
+        </p:spPr>
+      </p:pic>
+      <p:pic>
+        <p:nvPicPr>
+          <p:cNvPr id="15" name="Picture 14">
+            <a:extLst>
+              <a:ext uri="{FF2B5EF4-FFF2-40B4-BE49-F238E27FC236}">
+                <a16:creationId xmlns:a16="http://schemas.microsoft.com/office/drawing/2014/main" id="{97DC6173-2E15-0B69-AAFB-5BF854A65DA4}"/>
+              </a:ext>
+            </a:extLst>
+          </p:cNvPr>
+          <p:cNvPicPr>
+            <a:picLocks noChangeAspect="1"/>
+          </p:cNvPicPr>
+          <p:nvPr/>
+        </p:nvPicPr>
+        <p:blipFill>
+          <a:blip r:embed="rId11"/>
+          <a:stretch>
+            <a:fillRect/>
+          </a:stretch>
+        </p:blipFill>
+        <p:spPr>
+          <a:xfrm>
+            <a:off x="3904529" y="3190833"/>
+            <a:ext cx="1715333" cy="1665372"/>
+          </a:xfrm>
+          <a:prstGeom prst="rect">
+            <a:avLst/>
+          </a:prstGeom>
+        </p:spPr>
+      </p:pic>
+      <p:pic>
+        <p:nvPicPr>
+          <p:cNvPr id="16" name="Picture 15">
+            <a:extLst>
+              <a:ext uri="{FF2B5EF4-FFF2-40B4-BE49-F238E27FC236}">
+                <a16:creationId xmlns:a16="http://schemas.microsoft.com/office/drawing/2014/main" id="{29438D4E-BEE8-944B-3DC2-65D9226F14A1}"/>
+              </a:ext>
+            </a:extLst>
+          </p:cNvPr>
+          <p:cNvPicPr>
+            <a:picLocks noChangeAspect="1"/>
+          </p:cNvPicPr>
+          <p:nvPr/>
+        </p:nvPicPr>
+        <p:blipFill>
+          <a:blip r:embed="rId12"/>
+          <a:stretch>
+            <a:fillRect/>
+          </a:stretch>
+        </p:blipFill>
+        <p:spPr>
+          <a:xfrm>
+            <a:off x="5630164" y="3182646"/>
+            <a:ext cx="1715333" cy="1665372"/>
+          </a:xfrm>
+          <a:prstGeom prst="rect">
+            <a:avLst/>
+          </a:prstGeom>
+        </p:spPr>
+      </p:pic>
+      <p:pic>
+        <p:nvPicPr>
+          <p:cNvPr id="17" name="Picture 16">
+            <a:extLst>
+              <a:ext uri="{FF2B5EF4-FFF2-40B4-BE49-F238E27FC236}">
+                <a16:creationId xmlns:a16="http://schemas.microsoft.com/office/drawing/2014/main" id="{32EFDA87-0E86-CE26-BCF1-0CA491920D55}"/>
+              </a:ext>
+            </a:extLst>
+          </p:cNvPr>
+          <p:cNvPicPr>
+            <a:picLocks noChangeAspect="1"/>
+          </p:cNvPicPr>
+          <p:nvPr/>
+        </p:nvPicPr>
+        <p:blipFill>
+          <a:blip r:embed="rId13"/>
+          <a:stretch>
+            <a:fillRect/>
+          </a:stretch>
+        </p:blipFill>
+        <p:spPr>
+          <a:xfrm>
+            <a:off x="7376302" y="3178286"/>
+            <a:ext cx="1715333" cy="1665372"/>
+          </a:xfrm>
+          <a:prstGeom prst="rect">
+            <a:avLst/>
+          </a:prstGeom>
+        </p:spPr>
+      </p:pic>
+      <p:pic>
+        <p:nvPicPr>
+          <p:cNvPr id="18" name="Picture 17">
+            <a:extLst>
+              <a:ext uri="{FF2B5EF4-FFF2-40B4-BE49-F238E27FC236}">
+                <a16:creationId xmlns:a16="http://schemas.microsoft.com/office/drawing/2014/main" id="{066742C6-AE89-7A6A-3795-A984814193EB}"/>
+              </a:ext>
+            </a:extLst>
+          </p:cNvPr>
+          <p:cNvPicPr>
+            <a:picLocks noChangeAspect="1"/>
+          </p:cNvPicPr>
+          <p:nvPr/>
+        </p:nvPicPr>
+        <p:blipFill>
+          <a:blip r:embed="rId14"/>
+          <a:stretch>
+            <a:fillRect/>
+          </a:stretch>
+        </p:blipFill>
+        <p:spPr>
+          <a:xfrm>
+            <a:off x="9122440" y="3178286"/>
+            <a:ext cx="1715333" cy="1665372"/>
+          </a:xfrm>
+          <a:prstGeom prst="rect">
+            <a:avLst/>
+          </a:prstGeom>
+        </p:spPr>
+      </p:pic>
+      <p:pic>
+        <p:nvPicPr>
+          <p:cNvPr id="19" name="Picture 18">
+            <a:extLst>
+              <a:ext uri="{FF2B5EF4-FFF2-40B4-BE49-F238E27FC236}">
+                <a16:creationId xmlns:a16="http://schemas.microsoft.com/office/drawing/2014/main" id="{572F2458-ABA4-0450-A4FB-9C572BF67E04}"/>
+              </a:ext>
+            </a:extLst>
+          </p:cNvPr>
+          <p:cNvPicPr>
+            <a:picLocks noChangeAspect="1"/>
+          </p:cNvPicPr>
+          <p:nvPr/>
+        </p:nvPicPr>
+        <p:blipFill>
+          <a:blip r:embed="rId15"/>
+          <a:stretch>
+            <a:fillRect/>
+          </a:stretch>
+        </p:blipFill>
+        <p:spPr>
+          <a:xfrm>
+            <a:off x="2273300" y="4891796"/>
+            <a:ext cx="1715333" cy="1665372"/>
+          </a:xfrm>
+          <a:prstGeom prst="rect">
+            <a:avLst/>
+          </a:prstGeom>
+        </p:spPr>
+      </p:pic>
+      <p:sp>
+        <p:nvSpPr>
+          <p:cNvPr id="20" name="TextBox 19">
+            <a:extLst>
+              <a:ext uri="{FF2B5EF4-FFF2-40B4-BE49-F238E27FC236}">
+                <a16:creationId xmlns:a16="http://schemas.microsoft.com/office/drawing/2014/main" id="{F8ED321F-4C9D-6AB1-158B-943A0EFB65B4}"/>
+              </a:ext>
+            </a:extLst>
+          </p:cNvPr>
+          <p:cNvSpPr txBox="1"/>
+          <p:nvPr/>
+        </p:nvSpPr>
+        <p:spPr>
+          <a:xfrm>
+            <a:off x="4802819" y="5672831"/>
+            <a:ext cx="3807781" cy="369332"/>
+          </a:xfrm>
+          <a:prstGeom prst="rect">
+            <a:avLst/>
+          </a:prstGeom>
+          <a:noFill/>
+        </p:spPr>
+        <p:txBody>
+          <a:bodyPr wrap="square" rtlCol="0">
+            <a:spAutoFit/>
+          </a:bodyPr>
+          <a:lstStyle/>
+          <a:p>
+            <a:r>
+              <a:rPr lang="en-DE" dirty="0"/>
+              <a:t>Reconstructed bundle energy &gt; 10 TeV</a:t>
+            </a:r>
+          </a:p>
+        </p:txBody>
+      </p:sp>
     </p:spTree>
     <p:extLst>
       <p:ext uri="{BB962C8B-B14F-4D97-AF65-F5344CB8AC3E}">
-        <p14:creationId xmlns:p14="http://schemas.microsoft.com/office/powerpoint/2010/main" val="1580652350"/>
+        <p14:creationId xmlns:p14="http://schemas.microsoft.com/office/powerpoint/2010/main" val="1778016176"/>
       </p:ext>
     </p:extLst>
   </p:cSld>
@@ -5124,7 +5999,7 @@
           <p:cNvPr id="2" name="Title 1">
             <a:extLst>
               <a:ext uri="{FF2B5EF4-FFF2-40B4-BE49-F238E27FC236}">
-                <a16:creationId xmlns:a16="http://schemas.microsoft.com/office/drawing/2014/main" id="{8DCD5DF9-2504-209F-D1A4-9020ABF780B2}"/>
+                <a16:creationId xmlns:a16="http://schemas.microsoft.com/office/drawing/2014/main" id="{27CF1E20-4358-436B-5FCB-7B3E580CBD4A}"/>
               </a:ext>
             </a:extLst>
           </p:cNvPr>
@@ -5140,120 +6015,28 @@
           <a:bodyPr/>
           <a:lstStyle/>
           <a:p>
-            <a:endParaRPr lang="en-DE" dirty="0"/>
-          </a:p>
-        </p:txBody>
-      </p:sp>
-      <p:sp>
-        <p:nvSpPr>
-          <p:cNvPr id="3" name="Content Placeholder 2">
-            <a:extLst>
-              <a:ext uri="{FF2B5EF4-FFF2-40B4-BE49-F238E27FC236}">
-                <a16:creationId xmlns:a16="http://schemas.microsoft.com/office/drawing/2014/main" id="{EF90C414-3045-AAC9-A644-97439C90300C}"/>
-              </a:ext>
-            </a:extLst>
-          </p:cNvPr>
-          <p:cNvSpPr>
-            <a:spLocks noGrp="1"/>
-          </p:cNvSpPr>
-          <p:nvPr>
-            <p:ph idx="1"/>
-          </p:nvPr>
-        </p:nvSpPr>
-        <p:spPr/>
-        <p:txBody>
-          <a:bodyPr>
-            <a:normAutofit/>
-          </a:bodyPr>
-          <a:lstStyle/>
-          <a:p>
-            <a:pPr marL="0" indent="0" algn="ctr">
-              <a:buNone/>
-            </a:pPr>
-            <a:endParaRPr lang="en-DE" sz="5400" dirty="0"/>
-          </a:p>
-          <a:p>
-            <a:pPr marL="0" indent="0" algn="ctr">
-              <a:buNone/>
-            </a:pPr>
-            <a:r>
-              <a:rPr lang="en-DE" sz="5400" dirty="0"/>
-              <a:t>Pseudo analysis</a:t>
-            </a:r>
-          </a:p>
-        </p:txBody>
-      </p:sp>
-      <p:sp>
-        <p:nvSpPr>
-          <p:cNvPr id="4" name="Date Placeholder 3">
-            <a:extLst>
-              <a:ext uri="{FF2B5EF4-FFF2-40B4-BE49-F238E27FC236}">
-                <a16:creationId xmlns:a16="http://schemas.microsoft.com/office/drawing/2014/main" id="{494DAA17-3A69-0291-30AD-FCB638EC9072}"/>
-              </a:ext>
-            </a:extLst>
-          </p:cNvPr>
-          <p:cNvSpPr>
-            <a:spLocks noGrp="1"/>
-          </p:cNvSpPr>
-          <p:nvPr>
-            <p:ph type="dt" sz="half" idx="10"/>
-          </p:nvPr>
-        </p:nvSpPr>
-        <p:spPr/>
-        <p:txBody>
-          <a:bodyPr/>
-          <a:lstStyle/>
-          <a:p>
-            <a:r>
-              <a:rPr lang="de-DE"/>
-              <a:t>P. Gutjahr</a:t>
-            </a:r>
-            <a:endParaRPr lang="en-US"/>
-          </a:p>
-        </p:txBody>
-      </p:sp>
-      <p:sp>
-        <p:nvSpPr>
-          <p:cNvPr id="5" name="Slide Number Placeholder 4">
-            <a:extLst>
-              <a:ext uri="{FF2B5EF4-FFF2-40B4-BE49-F238E27FC236}">
-                <a16:creationId xmlns:a16="http://schemas.microsoft.com/office/drawing/2014/main" id="{F2F0A0F1-89DC-F16B-5D80-08225D41DC12}"/>
-              </a:ext>
-            </a:extLst>
-          </p:cNvPr>
-          <p:cNvSpPr>
-            <a:spLocks noGrp="1"/>
-          </p:cNvSpPr>
-          <p:nvPr>
-            <p:ph type="sldNum" sz="quarter" idx="12"/>
-          </p:nvPr>
-        </p:nvSpPr>
-        <p:spPr/>
-        <p:txBody>
-          <a:bodyPr/>
-          <a:lstStyle/>
-          <a:p>
-            <a:fld id="{CD8304E6-5469-594D-85BC-E468E92D2243}" type="slidenum">
-              <a:rPr lang="en-US" smtClean="0"/>
-              <a:t>13</a:t>
-            </a:fld>
-            <a:endParaRPr lang="en-US"/>
+            <a:r>
+              <a:rPr lang="en-DE" dirty="0"/>
+              <a:t>Data-MC: cos(zenith)</a:t>
+            </a:r>
           </a:p>
         </p:txBody>
       </p:sp>
       <p:pic>
         <p:nvPicPr>
-          <p:cNvPr id="6" name="Grafik 9">
-            <a:extLst>
-              <a:ext uri="{FF2B5EF4-FFF2-40B4-BE49-F238E27FC236}">
-                <a16:creationId xmlns:a16="http://schemas.microsoft.com/office/drawing/2014/main" id="{2864DE99-F732-A2B7-6E34-412587A5FA28}"/>
+          <p:cNvPr id="8" name="Content Placeholder 7" descr="A graph of a graph&#10;&#10;Description automatically generated with medium confidence">
+            <a:extLst>
+              <a:ext uri="{FF2B5EF4-FFF2-40B4-BE49-F238E27FC236}">
+                <a16:creationId xmlns:a16="http://schemas.microsoft.com/office/drawing/2014/main" id="{07AB063E-7A05-6E99-CB9A-86CD1F4DFA0C}"/>
               </a:ext>
             </a:extLst>
           </p:cNvPr>
           <p:cNvPicPr>
-            <a:picLocks noChangeAspect="1"/>
+            <a:picLocks noGrp="1" noChangeAspect="1"/>
           </p:cNvPicPr>
-          <p:nvPr/>
+          <p:nvPr>
+            <p:ph idx="1"/>
+          </p:nvPr>
         </p:nvPicPr>
         <p:blipFill>
           <a:blip r:embed="rId2"/>
@@ -5263,6 +6046,91 @@
         </p:blipFill>
         <p:spPr>
           <a:xfrm>
+            <a:off x="544990" y="1690688"/>
+            <a:ext cx="5384800" cy="3759200"/>
+          </a:xfrm>
+        </p:spPr>
+      </p:pic>
+      <p:sp>
+        <p:nvSpPr>
+          <p:cNvPr id="4" name="Date Placeholder 3">
+            <a:extLst>
+              <a:ext uri="{FF2B5EF4-FFF2-40B4-BE49-F238E27FC236}">
+                <a16:creationId xmlns:a16="http://schemas.microsoft.com/office/drawing/2014/main" id="{510B92DE-0A9C-A94F-3482-BB84197F5513}"/>
+              </a:ext>
+            </a:extLst>
+          </p:cNvPr>
+          <p:cNvSpPr>
+            <a:spLocks noGrp="1"/>
+          </p:cNvSpPr>
+          <p:nvPr>
+            <p:ph type="dt" sz="half" idx="10"/>
+          </p:nvPr>
+        </p:nvSpPr>
+        <p:spPr/>
+        <p:txBody>
+          <a:bodyPr/>
+          <a:lstStyle/>
+          <a:p>
+            <a:r>
+              <a:rPr lang="de-DE"/>
+              <a:t>P. Gutjahr</a:t>
+            </a:r>
+            <a:endParaRPr lang="en-US"/>
+          </a:p>
+        </p:txBody>
+      </p:sp>
+      <p:sp>
+        <p:nvSpPr>
+          <p:cNvPr id="5" name="Slide Number Placeholder 4">
+            <a:extLst>
+              <a:ext uri="{FF2B5EF4-FFF2-40B4-BE49-F238E27FC236}">
+                <a16:creationId xmlns:a16="http://schemas.microsoft.com/office/drawing/2014/main" id="{B91F052B-52AB-F65C-A81C-CD7151AC23C6}"/>
+              </a:ext>
+            </a:extLst>
+          </p:cNvPr>
+          <p:cNvSpPr>
+            <a:spLocks noGrp="1"/>
+          </p:cNvSpPr>
+          <p:nvPr>
+            <p:ph type="sldNum" sz="quarter" idx="12"/>
+          </p:nvPr>
+        </p:nvSpPr>
+        <p:spPr/>
+        <p:txBody>
+          <a:bodyPr/>
+          <a:lstStyle/>
+          <a:p>
+            <a:fld id="{CD8304E6-5469-594D-85BC-E468E92D2243}" type="slidenum">
+              <a:rPr lang="en-US" smtClean="0"/>
+              <a:t>13</a:t>
+            </a:fld>
+            <a:endParaRPr lang="en-US"/>
+          </a:p>
+        </p:txBody>
+      </p:sp>
+      <p:pic>
+        <p:nvPicPr>
+          <p:cNvPr id="6" name="Grafik 9">
+            <a:extLst>
+              <a:ext uri="{FF2B5EF4-FFF2-40B4-BE49-F238E27FC236}">
+                <a16:creationId xmlns:a16="http://schemas.microsoft.com/office/drawing/2014/main" id="{C8032B92-1703-C800-A245-3E64C2FC4F05}"/>
+              </a:ext>
+            </a:extLst>
+          </p:cNvPr>
+          <p:cNvPicPr>
+            <a:picLocks noChangeAspect="1"/>
+          </p:cNvPicPr>
+          <p:nvPr/>
+        </p:nvPicPr>
+        <p:blipFill>
+          <a:blip r:embed="rId3"/>
+          <a:stretch>
+            <a:fillRect/>
+          </a:stretch>
+        </p:blipFill>
+        <p:spPr>
+          <a:xfrm>
             <a:off x="145510" y="92738"/>
             <a:ext cx="1832786" cy="365125"/>
           </a:xfrm>
@@ -5271,10 +6139,75 @@
           </a:prstGeom>
         </p:spPr>
       </p:pic>
+      <p:pic>
+        <p:nvPicPr>
+          <p:cNvPr id="9" name="Picture 8">
+            <a:extLst>
+              <a:ext uri="{FF2B5EF4-FFF2-40B4-BE49-F238E27FC236}">
+                <a16:creationId xmlns:a16="http://schemas.microsoft.com/office/drawing/2014/main" id="{E8B21C43-CDC5-46A4-9949-6FA3325A931B}"/>
+              </a:ext>
+            </a:extLst>
+          </p:cNvPr>
+          <p:cNvPicPr>
+            <a:picLocks noChangeAspect="1"/>
+          </p:cNvPicPr>
+          <p:nvPr/>
+        </p:nvPicPr>
+        <p:blipFill>
+          <a:blip r:embed="rId4"/>
+          <a:stretch>
+            <a:fillRect/>
+          </a:stretch>
+        </p:blipFill>
+        <p:spPr>
+          <a:xfrm>
+            <a:off x="6350987" y="1690688"/>
+            <a:ext cx="5384800" cy="3759200"/>
+          </a:xfrm>
+          <a:prstGeom prst="rect">
+            <a:avLst/>
+          </a:prstGeom>
+        </p:spPr>
+      </p:pic>
+      <p:sp>
+        <p:nvSpPr>
+          <p:cNvPr id="10" name="TextBox 9">
+            <a:extLst>
+              <a:ext uri="{FF2B5EF4-FFF2-40B4-BE49-F238E27FC236}">
+                <a16:creationId xmlns:a16="http://schemas.microsoft.com/office/drawing/2014/main" id="{7BCC11AC-3F77-2FC9-39C6-45568AFFB3A0}"/>
+              </a:ext>
+            </a:extLst>
+          </p:cNvPr>
+          <p:cNvSpPr txBox="1"/>
+          <p:nvPr/>
+        </p:nvSpPr>
+        <p:spPr>
+          <a:xfrm>
+            <a:off x="7208668" y="1506022"/>
+            <a:ext cx="3807781" cy="369332"/>
+          </a:xfrm>
+          <a:prstGeom prst="rect">
+            <a:avLst/>
+          </a:prstGeom>
+          <a:noFill/>
+        </p:spPr>
+        <p:txBody>
+          <a:bodyPr wrap="square" rtlCol="0">
+            <a:spAutoFit/>
+          </a:bodyPr>
+          <a:lstStyle/>
+          <a:p>
+            <a:r>
+              <a:rPr lang="en-DE" dirty="0"/>
+              <a:t>Reconstructed bundle energy &gt; 10 TeV</a:t>
+            </a:r>
+          </a:p>
+        </p:txBody>
+      </p:sp>
     </p:spTree>
     <p:extLst>
       <p:ext uri="{BB962C8B-B14F-4D97-AF65-F5344CB8AC3E}">
-        <p14:creationId xmlns:p14="http://schemas.microsoft.com/office/powerpoint/2010/main" val="839654735"/>
+        <p14:creationId xmlns:p14="http://schemas.microsoft.com/office/powerpoint/2010/main" val="172947764"/>
       </p:ext>
     </p:extLst>
   </p:cSld>
@@ -5306,7 +6239,7 @@
           <p:cNvPr id="2" name="Title 1">
             <a:extLst>
               <a:ext uri="{FF2B5EF4-FFF2-40B4-BE49-F238E27FC236}">
-                <a16:creationId xmlns:a16="http://schemas.microsoft.com/office/drawing/2014/main" id="{E5B4F335-0DF1-5E81-EE42-EF5E9D6BA8FD}"/>
+                <a16:creationId xmlns:a16="http://schemas.microsoft.com/office/drawing/2014/main" id="{E230F0BD-9631-395E-FBC8-D6EBB8C82BF0}"/>
               </a:ext>
             </a:extLst>
           </p:cNvPr>
@@ -5324,107 +6257,26 @@
           <a:p>
             <a:r>
               <a:rPr lang="en-DE" dirty="0"/>
-              <a:t>Pseudo data sampling</a:t>
-            </a:r>
-          </a:p>
-        </p:txBody>
-      </p:sp>
-      <p:sp>
-        <p:nvSpPr>
-          <p:cNvPr id="3" name="Content Placeholder 2">
-            <a:extLst>
-              <a:ext uri="{FF2B5EF4-FFF2-40B4-BE49-F238E27FC236}">
-                <a16:creationId xmlns:a16="http://schemas.microsoft.com/office/drawing/2014/main" id="{661C05F0-E2C8-8043-BDC7-2FBA4138B69F}"/>
-              </a:ext>
-            </a:extLst>
-          </p:cNvPr>
-          <p:cNvSpPr>
-            <a:spLocks noGrp="1"/>
-          </p:cNvSpPr>
-          <p:nvPr>
-            <p:ph idx="1"/>
-          </p:nvPr>
-        </p:nvSpPr>
-        <p:spPr/>
-        <p:txBody>
-          <a:bodyPr/>
-          <a:lstStyle/>
-          <a:p>
-            <a:endParaRPr lang="en-DE"/>
-          </a:p>
-        </p:txBody>
-      </p:sp>
-      <p:sp>
-        <p:nvSpPr>
-          <p:cNvPr id="4" name="Date Placeholder 3">
-            <a:extLst>
-              <a:ext uri="{FF2B5EF4-FFF2-40B4-BE49-F238E27FC236}">
-                <a16:creationId xmlns:a16="http://schemas.microsoft.com/office/drawing/2014/main" id="{FF554441-40EA-3F7B-BFB6-484497EF0B2F}"/>
-              </a:ext>
-            </a:extLst>
-          </p:cNvPr>
-          <p:cNvSpPr>
-            <a:spLocks noGrp="1"/>
-          </p:cNvSpPr>
-          <p:nvPr>
-            <p:ph type="dt" sz="half" idx="10"/>
-          </p:nvPr>
-        </p:nvSpPr>
-        <p:spPr/>
-        <p:txBody>
-          <a:bodyPr/>
-          <a:lstStyle/>
-          <a:p>
-            <a:r>
-              <a:rPr lang="de-DE"/>
-              <a:t>P. Gutjahr</a:t>
-            </a:r>
-            <a:endParaRPr lang="en-US"/>
-          </a:p>
-        </p:txBody>
-      </p:sp>
-      <p:sp>
-        <p:nvSpPr>
-          <p:cNvPr id="5" name="Slide Number Placeholder 4">
-            <a:extLst>
-              <a:ext uri="{FF2B5EF4-FFF2-40B4-BE49-F238E27FC236}">
-                <a16:creationId xmlns:a16="http://schemas.microsoft.com/office/drawing/2014/main" id="{BB2466FF-C984-D087-6784-649291658C9F}"/>
-              </a:ext>
-            </a:extLst>
-          </p:cNvPr>
-          <p:cNvSpPr>
-            <a:spLocks noGrp="1"/>
-          </p:cNvSpPr>
-          <p:nvPr>
-            <p:ph type="sldNum" sz="quarter" idx="12"/>
-          </p:nvPr>
-        </p:nvSpPr>
-        <p:spPr/>
-        <p:txBody>
-          <a:bodyPr/>
-          <a:lstStyle/>
-          <a:p>
-            <a:fld id="{CD8304E6-5469-594D-85BC-E468E92D2243}" type="slidenum">
-              <a:rPr lang="en-US" smtClean="0"/>
-              <a:t>14</a:t>
-            </a:fld>
-            <a:endParaRPr lang="en-US"/>
+              <a:t>Data-MC: energy spectrum</a:t>
+            </a:r>
           </a:p>
         </p:txBody>
       </p:sp>
       <p:pic>
         <p:nvPicPr>
-          <p:cNvPr id="6" name="Grafik 9">
-            <a:extLst>
-              <a:ext uri="{FF2B5EF4-FFF2-40B4-BE49-F238E27FC236}">
-                <a16:creationId xmlns:a16="http://schemas.microsoft.com/office/drawing/2014/main" id="{1B7B4E19-25A7-1338-3E9C-7CA5BC398E22}"/>
+          <p:cNvPr id="7" name="Content Placeholder 6">
+            <a:extLst>
+              <a:ext uri="{FF2B5EF4-FFF2-40B4-BE49-F238E27FC236}">
+                <a16:creationId xmlns:a16="http://schemas.microsoft.com/office/drawing/2014/main" id="{DF7BA7FC-965A-0542-72D7-20D558D7E27F}"/>
               </a:ext>
             </a:extLst>
           </p:cNvPr>
           <p:cNvPicPr>
-            <a:picLocks noChangeAspect="1"/>
+            <a:picLocks noGrp="1" noChangeAspect="1"/>
           </p:cNvPicPr>
-          <p:nvPr/>
+          <p:nvPr>
+            <p:ph idx="1"/>
+          </p:nvPr>
         </p:nvPicPr>
         <p:blipFill>
           <a:blip r:embed="rId2"/>
@@ -5434,8 +6286,123 @@
         </p:blipFill>
         <p:spPr>
           <a:xfrm>
+            <a:off x="491855" y="1549400"/>
+            <a:ext cx="5384800" cy="3759200"/>
+          </a:xfrm>
+        </p:spPr>
+      </p:pic>
+      <p:sp>
+        <p:nvSpPr>
+          <p:cNvPr id="4" name="Date Placeholder 3">
+            <a:extLst>
+              <a:ext uri="{FF2B5EF4-FFF2-40B4-BE49-F238E27FC236}">
+                <a16:creationId xmlns:a16="http://schemas.microsoft.com/office/drawing/2014/main" id="{461394CB-2DD6-FD84-9AF8-69868186E36B}"/>
+              </a:ext>
+            </a:extLst>
+          </p:cNvPr>
+          <p:cNvSpPr>
+            <a:spLocks noGrp="1"/>
+          </p:cNvSpPr>
+          <p:nvPr>
+            <p:ph type="dt" sz="half" idx="10"/>
+          </p:nvPr>
+        </p:nvSpPr>
+        <p:spPr/>
+        <p:txBody>
+          <a:bodyPr/>
+          <a:lstStyle/>
+          <a:p>
+            <a:r>
+              <a:rPr lang="de-DE"/>
+              <a:t>P. Gutjahr</a:t>
+            </a:r>
+            <a:endParaRPr lang="en-US"/>
+          </a:p>
+        </p:txBody>
+      </p:sp>
+      <p:sp>
+        <p:nvSpPr>
+          <p:cNvPr id="5" name="Slide Number Placeholder 4">
+            <a:extLst>
+              <a:ext uri="{FF2B5EF4-FFF2-40B4-BE49-F238E27FC236}">
+                <a16:creationId xmlns:a16="http://schemas.microsoft.com/office/drawing/2014/main" id="{D01F4ED7-0868-8C6F-2055-4CA111E193C3}"/>
+              </a:ext>
+            </a:extLst>
+          </p:cNvPr>
+          <p:cNvSpPr>
+            <a:spLocks noGrp="1"/>
+          </p:cNvSpPr>
+          <p:nvPr>
+            <p:ph type="sldNum" sz="quarter" idx="12"/>
+          </p:nvPr>
+        </p:nvSpPr>
+        <p:spPr/>
+        <p:txBody>
+          <a:bodyPr/>
+          <a:lstStyle/>
+          <a:p>
+            <a:fld id="{CD8304E6-5469-594D-85BC-E468E92D2243}" type="slidenum">
+              <a:rPr lang="en-US" smtClean="0"/>
+              <a:t>14</a:t>
+            </a:fld>
+            <a:endParaRPr lang="en-US"/>
+          </a:p>
+        </p:txBody>
+      </p:sp>
+      <p:pic>
+        <p:nvPicPr>
+          <p:cNvPr id="6" name="Grafik 9">
+            <a:extLst>
+              <a:ext uri="{FF2B5EF4-FFF2-40B4-BE49-F238E27FC236}">
+                <a16:creationId xmlns:a16="http://schemas.microsoft.com/office/drawing/2014/main" id="{6F0ECEA3-4483-438C-6566-CBC405DEC5AD}"/>
+              </a:ext>
+            </a:extLst>
+          </p:cNvPr>
+          <p:cNvPicPr>
+            <a:picLocks noChangeAspect="1"/>
+          </p:cNvPicPr>
+          <p:nvPr/>
+        </p:nvPicPr>
+        <p:blipFill>
+          <a:blip r:embed="rId3"/>
+          <a:stretch>
+            <a:fillRect/>
+          </a:stretch>
+        </p:blipFill>
+        <p:spPr>
+          <a:xfrm>
             <a:off x="145510" y="92738"/>
             <a:ext cx="1832786" cy="365125"/>
+          </a:xfrm>
+          <a:prstGeom prst="rect">
+            <a:avLst/>
+          </a:prstGeom>
+        </p:spPr>
+      </p:pic>
+      <p:pic>
+        <p:nvPicPr>
+          <p:cNvPr id="8" name="Picture 7">
+            <a:extLst>
+              <a:ext uri="{FF2B5EF4-FFF2-40B4-BE49-F238E27FC236}">
+                <a16:creationId xmlns:a16="http://schemas.microsoft.com/office/drawing/2014/main" id="{62A0ACE7-158C-4E80-3ECE-2C7321FA22E0}"/>
+              </a:ext>
+            </a:extLst>
+          </p:cNvPr>
+          <p:cNvPicPr>
+            <a:picLocks noChangeAspect="1"/>
+          </p:cNvPicPr>
+          <p:nvPr/>
+        </p:nvPicPr>
+        <p:blipFill>
+          <a:blip r:embed="rId4"/>
+          <a:stretch>
+            <a:fillRect/>
+          </a:stretch>
+        </p:blipFill>
+        <p:spPr>
+          <a:xfrm>
+            <a:off x="6223000" y="1549400"/>
+            <a:ext cx="5384800" cy="3759200"/>
           </a:xfrm>
           <a:prstGeom prst="rect">
             <a:avLst/>
@@ -5445,7 +6412,7 @@
     </p:spTree>
     <p:extLst>
       <p:ext uri="{BB962C8B-B14F-4D97-AF65-F5344CB8AC3E}">
-        <p14:creationId xmlns:p14="http://schemas.microsoft.com/office/powerpoint/2010/main" val="2863907028"/>
+        <p14:creationId xmlns:p14="http://schemas.microsoft.com/office/powerpoint/2010/main" val="1580652350"/>
       </p:ext>
     </p:extLst>
   </p:cSld>
@@ -5477,7 +6444,7 @@
           <p:cNvPr id="2" name="Title 1">
             <a:extLst>
               <a:ext uri="{FF2B5EF4-FFF2-40B4-BE49-F238E27FC236}">
-                <a16:creationId xmlns:a16="http://schemas.microsoft.com/office/drawing/2014/main" id="{A7A3F6E2-73F4-EA5B-0662-82BE9E26AB06}"/>
+                <a16:creationId xmlns:a16="http://schemas.microsoft.com/office/drawing/2014/main" id="{8DCD5DF9-2504-209F-D1A4-9020ABF780B2}"/>
               </a:ext>
             </a:extLst>
           </p:cNvPr>
@@ -5493,10 +6460,7 @@
           <a:bodyPr/>
           <a:lstStyle/>
           <a:p>
-            <a:r>
-              <a:rPr lang="en-DE" dirty="0"/>
-              <a:t>Test bias</a:t>
-            </a:r>
+            <a:endParaRPr lang="en-DE" dirty="0"/>
           </a:p>
         </p:txBody>
       </p:sp>
@@ -5505,7 +6469,7 @@
           <p:cNvPr id="3" name="Content Placeholder 2">
             <a:extLst>
               <a:ext uri="{FF2B5EF4-FFF2-40B4-BE49-F238E27FC236}">
-                <a16:creationId xmlns:a16="http://schemas.microsoft.com/office/drawing/2014/main" id="{7309830D-5668-D04E-817A-B940385D5475}"/>
+                <a16:creationId xmlns:a16="http://schemas.microsoft.com/office/drawing/2014/main" id="{EF90C414-3045-AAC9-A644-97439C90300C}"/>
               </a:ext>
             </a:extLst>
           </p:cNvPr>
@@ -5518,10 +6482,24 @@
         </p:nvSpPr>
         <p:spPr/>
         <p:txBody>
-          <a:bodyPr/>
-          <a:lstStyle/>
-          <a:p>
-            <a:endParaRPr lang="en-DE"/>
+          <a:bodyPr>
+            <a:normAutofit/>
+          </a:bodyPr>
+          <a:lstStyle/>
+          <a:p>
+            <a:pPr marL="0" indent="0" algn="ctr">
+              <a:buNone/>
+            </a:pPr>
+            <a:endParaRPr lang="en-DE" sz="5400" dirty="0"/>
+          </a:p>
+          <a:p>
+            <a:pPr marL="0" indent="0" algn="ctr">
+              <a:buNone/>
+            </a:pPr>
+            <a:r>
+              <a:rPr lang="en-DE" sz="5400" dirty="0"/>
+              <a:t>Pseudo analysis</a:t>
+            </a:r>
           </a:p>
         </p:txBody>
       </p:sp>
@@ -5530,7 +6508,7 @@
           <p:cNvPr id="4" name="Date Placeholder 3">
             <a:extLst>
               <a:ext uri="{FF2B5EF4-FFF2-40B4-BE49-F238E27FC236}">
-                <a16:creationId xmlns:a16="http://schemas.microsoft.com/office/drawing/2014/main" id="{5CF573ED-111C-A97A-DEB4-3194E2FE117E}"/>
+                <a16:creationId xmlns:a16="http://schemas.microsoft.com/office/drawing/2014/main" id="{494DAA17-3A69-0291-30AD-FCB638EC9072}"/>
               </a:ext>
             </a:extLst>
           </p:cNvPr>
@@ -5559,7 +6537,7 @@
           <p:cNvPr id="5" name="Slide Number Placeholder 4">
             <a:extLst>
               <a:ext uri="{FF2B5EF4-FFF2-40B4-BE49-F238E27FC236}">
-                <a16:creationId xmlns:a16="http://schemas.microsoft.com/office/drawing/2014/main" id="{37821597-BA4C-2B45-6D66-566632A1A200}"/>
+                <a16:creationId xmlns:a16="http://schemas.microsoft.com/office/drawing/2014/main" id="{F2F0A0F1-89DC-F16B-5D80-08225D41DC12}"/>
               </a:ext>
             </a:extLst>
           </p:cNvPr>
@@ -5588,7 +6566,7 @@
           <p:cNvPr id="6" name="Grafik 9">
             <a:extLst>
               <a:ext uri="{FF2B5EF4-FFF2-40B4-BE49-F238E27FC236}">
-                <a16:creationId xmlns:a16="http://schemas.microsoft.com/office/drawing/2014/main" id="{23D53759-5CB6-F6D9-8565-4619639D8499}"/>
+                <a16:creationId xmlns:a16="http://schemas.microsoft.com/office/drawing/2014/main" id="{2864DE99-F732-A2B7-6E34-412587A5FA28}"/>
               </a:ext>
             </a:extLst>
           </p:cNvPr>
@@ -5616,7 +6594,7 @@
     </p:spTree>
     <p:extLst>
       <p:ext uri="{BB962C8B-B14F-4D97-AF65-F5344CB8AC3E}">
-        <p14:creationId xmlns:p14="http://schemas.microsoft.com/office/powerpoint/2010/main" val="3233898661"/>
+        <p14:creationId xmlns:p14="http://schemas.microsoft.com/office/powerpoint/2010/main" val="839654735"/>
       </p:ext>
     </p:extLst>
   </p:cSld>
@@ -5648,7 +6626,7 @@
           <p:cNvPr id="2" name="Title 1">
             <a:extLst>
               <a:ext uri="{FF2B5EF4-FFF2-40B4-BE49-F238E27FC236}">
-                <a16:creationId xmlns:a16="http://schemas.microsoft.com/office/drawing/2014/main" id="{5AFB7219-4648-A7C8-1BCF-B8D87F58ABA4}"/>
+                <a16:creationId xmlns:a16="http://schemas.microsoft.com/office/drawing/2014/main" id="{E5B4F335-0DF1-5E81-EE42-EF5E9D6BA8FD}"/>
               </a:ext>
             </a:extLst>
           </p:cNvPr>
@@ -5666,107 +6644,26 @@
           <a:p>
             <a:r>
               <a:rPr lang="en-DE" dirty="0"/>
-              <a:t>Test background statistics</a:t>
-            </a:r>
-          </a:p>
-        </p:txBody>
-      </p:sp>
-      <p:sp>
-        <p:nvSpPr>
-          <p:cNvPr id="3" name="Content Placeholder 2">
-            <a:extLst>
-              <a:ext uri="{FF2B5EF4-FFF2-40B4-BE49-F238E27FC236}">
-                <a16:creationId xmlns:a16="http://schemas.microsoft.com/office/drawing/2014/main" id="{FC3E56C4-EDD4-0618-9E1F-DD68C959CB7A}"/>
-              </a:ext>
-            </a:extLst>
-          </p:cNvPr>
-          <p:cNvSpPr>
-            <a:spLocks noGrp="1"/>
-          </p:cNvSpPr>
-          <p:nvPr>
-            <p:ph idx="1"/>
-          </p:nvPr>
-        </p:nvSpPr>
-        <p:spPr/>
-        <p:txBody>
-          <a:bodyPr/>
-          <a:lstStyle/>
-          <a:p>
-            <a:endParaRPr lang="en-DE"/>
-          </a:p>
-        </p:txBody>
-      </p:sp>
-      <p:sp>
-        <p:nvSpPr>
-          <p:cNvPr id="4" name="Date Placeholder 3">
-            <a:extLst>
-              <a:ext uri="{FF2B5EF4-FFF2-40B4-BE49-F238E27FC236}">
-                <a16:creationId xmlns:a16="http://schemas.microsoft.com/office/drawing/2014/main" id="{D6849B7C-3987-FD82-D772-28B1FF202D95}"/>
-              </a:ext>
-            </a:extLst>
-          </p:cNvPr>
-          <p:cNvSpPr>
-            <a:spLocks noGrp="1"/>
-          </p:cNvSpPr>
-          <p:nvPr>
-            <p:ph type="dt" sz="half" idx="10"/>
-          </p:nvPr>
-        </p:nvSpPr>
-        <p:spPr/>
-        <p:txBody>
-          <a:bodyPr/>
-          <a:lstStyle/>
-          <a:p>
-            <a:r>
-              <a:rPr lang="de-DE"/>
-              <a:t>P. Gutjahr</a:t>
-            </a:r>
-            <a:endParaRPr lang="en-US"/>
-          </a:p>
-        </p:txBody>
-      </p:sp>
-      <p:sp>
-        <p:nvSpPr>
-          <p:cNvPr id="5" name="Slide Number Placeholder 4">
-            <a:extLst>
-              <a:ext uri="{FF2B5EF4-FFF2-40B4-BE49-F238E27FC236}">
-                <a16:creationId xmlns:a16="http://schemas.microsoft.com/office/drawing/2014/main" id="{DC26E9D7-E37B-152E-1966-D7158322DF84}"/>
-              </a:ext>
-            </a:extLst>
-          </p:cNvPr>
-          <p:cNvSpPr>
-            <a:spLocks noGrp="1"/>
-          </p:cNvSpPr>
-          <p:nvPr>
-            <p:ph type="sldNum" sz="quarter" idx="12"/>
-          </p:nvPr>
-        </p:nvSpPr>
-        <p:spPr/>
-        <p:txBody>
-          <a:bodyPr/>
-          <a:lstStyle/>
-          <a:p>
-            <a:fld id="{CD8304E6-5469-594D-85BC-E468E92D2243}" type="slidenum">
-              <a:rPr lang="en-US" smtClean="0"/>
-              <a:t>16</a:t>
-            </a:fld>
-            <a:endParaRPr lang="en-US"/>
+              <a:t>Pseudo data sampling</a:t>
+            </a:r>
           </a:p>
         </p:txBody>
       </p:sp>
       <p:pic>
         <p:nvPicPr>
-          <p:cNvPr id="6" name="Grafik 9">
-            <a:extLst>
-              <a:ext uri="{FF2B5EF4-FFF2-40B4-BE49-F238E27FC236}">
-                <a16:creationId xmlns:a16="http://schemas.microsoft.com/office/drawing/2014/main" id="{2D817297-4D9A-FD19-60B7-B026DF4B06F0}"/>
+          <p:cNvPr id="7" name="Content Placeholder 6">
+            <a:extLst>
+              <a:ext uri="{FF2B5EF4-FFF2-40B4-BE49-F238E27FC236}">
+                <a16:creationId xmlns:a16="http://schemas.microsoft.com/office/drawing/2014/main" id="{A674F451-4F63-D4DF-E161-DBC17BD0ADF4}"/>
               </a:ext>
             </a:extLst>
           </p:cNvPr>
           <p:cNvPicPr>
-            <a:picLocks noChangeAspect="1"/>
+            <a:picLocks noGrp="1" noChangeAspect="1"/>
           </p:cNvPicPr>
-          <p:nvPr/>
+          <p:nvPr>
+            <p:ph idx="1"/>
+          </p:nvPr>
         </p:nvPicPr>
         <p:blipFill>
           <a:blip r:embed="rId2"/>
@@ -5776,8 +6673,123 @@
         </p:blipFill>
         <p:spPr>
           <a:xfrm>
+            <a:off x="252027" y="1793220"/>
+            <a:ext cx="5384800" cy="3759200"/>
+          </a:xfrm>
+        </p:spPr>
+      </p:pic>
+      <p:sp>
+        <p:nvSpPr>
+          <p:cNvPr id="4" name="Date Placeholder 3">
+            <a:extLst>
+              <a:ext uri="{FF2B5EF4-FFF2-40B4-BE49-F238E27FC236}">
+                <a16:creationId xmlns:a16="http://schemas.microsoft.com/office/drawing/2014/main" id="{FF554441-40EA-3F7B-BFB6-484497EF0B2F}"/>
+              </a:ext>
+            </a:extLst>
+          </p:cNvPr>
+          <p:cNvSpPr>
+            <a:spLocks noGrp="1"/>
+          </p:cNvSpPr>
+          <p:nvPr>
+            <p:ph type="dt" sz="half" idx="10"/>
+          </p:nvPr>
+        </p:nvSpPr>
+        <p:spPr/>
+        <p:txBody>
+          <a:bodyPr/>
+          <a:lstStyle/>
+          <a:p>
+            <a:r>
+              <a:rPr lang="de-DE"/>
+              <a:t>P. Gutjahr</a:t>
+            </a:r>
+            <a:endParaRPr lang="en-US"/>
+          </a:p>
+        </p:txBody>
+      </p:sp>
+      <p:sp>
+        <p:nvSpPr>
+          <p:cNvPr id="5" name="Slide Number Placeholder 4">
+            <a:extLst>
+              <a:ext uri="{FF2B5EF4-FFF2-40B4-BE49-F238E27FC236}">
+                <a16:creationId xmlns:a16="http://schemas.microsoft.com/office/drawing/2014/main" id="{BB2466FF-C984-D087-6784-649291658C9F}"/>
+              </a:ext>
+            </a:extLst>
+          </p:cNvPr>
+          <p:cNvSpPr>
+            <a:spLocks noGrp="1"/>
+          </p:cNvSpPr>
+          <p:nvPr>
+            <p:ph type="sldNum" sz="quarter" idx="12"/>
+          </p:nvPr>
+        </p:nvSpPr>
+        <p:spPr/>
+        <p:txBody>
+          <a:bodyPr/>
+          <a:lstStyle/>
+          <a:p>
+            <a:fld id="{CD8304E6-5469-594D-85BC-E468E92D2243}" type="slidenum">
+              <a:rPr lang="en-US" smtClean="0"/>
+              <a:t>16</a:t>
+            </a:fld>
+            <a:endParaRPr lang="en-US"/>
+          </a:p>
+        </p:txBody>
+      </p:sp>
+      <p:pic>
+        <p:nvPicPr>
+          <p:cNvPr id="6" name="Grafik 9">
+            <a:extLst>
+              <a:ext uri="{FF2B5EF4-FFF2-40B4-BE49-F238E27FC236}">
+                <a16:creationId xmlns:a16="http://schemas.microsoft.com/office/drawing/2014/main" id="{1B7B4E19-25A7-1338-3E9C-7CA5BC398E22}"/>
+              </a:ext>
+            </a:extLst>
+          </p:cNvPr>
+          <p:cNvPicPr>
+            <a:picLocks noChangeAspect="1"/>
+          </p:cNvPicPr>
+          <p:nvPr/>
+        </p:nvPicPr>
+        <p:blipFill>
+          <a:blip r:embed="rId3"/>
+          <a:stretch>
+            <a:fillRect/>
+          </a:stretch>
+        </p:blipFill>
+        <p:spPr>
+          <a:xfrm>
             <a:off x="145510" y="92738"/>
             <a:ext cx="1832786" cy="365125"/>
+          </a:xfrm>
+          <a:prstGeom prst="rect">
+            <a:avLst/>
+          </a:prstGeom>
+        </p:spPr>
+      </p:pic>
+      <p:pic>
+        <p:nvPicPr>
+          <p:cNvPr id="8" name="Picture 7">
+            <a:extLst>
+              <a:ext uri="{FF2B5EF4-FFF2-40B4-BE49-F238E27FC236}">
+                <a16:creationId xmlns:a16="http://schemas.microsoft.com/office/drawing/2014/main" id="{4351EA0B-B50E-420C-E43F-0E52FFD9F659}"/>
+              </a:ext>
+            </a:extLst>
+          </p:cNvPr>
+          <p:cNvPicPr>
+            <a:picLocks noChangeAspect="1"/>
+          </p:cNvPicPr>
+          <p:nvPr/>
+        </p:nvPicPr>
+        <p:blipFill>
+          <a:blip r:embed="rId4"/>
+          <a:stretch>
+            <a:fillRect/>
+          </a:stretch>
+        </p:blipFill>
+        <p:spPr>
+          <a:xfrm>
+            <a:off x="6069105" y="1793220"/>
+            <a:ext cx="5384800" cy="3759200"/>
           </a:xfrm>
           <a:prstGeom prst="rect">
             <a:avLst/>
@@ -5787,7 +6799,7 @@
     </p:spTree>
     <p:extLst>
       <p:ext uri="{BB962C8B-B14F-4D97-AF65-F5344CB8AC3E}">
-        <p14:creationId xmlns:p14="http://schemas.microsoft.com/office/powerpoint/2010/main" val="3299799934"/>
+        <p14:creationId xmlns:p14="http://schemas.microsoft.com/office/powerpoint/2010/main" val="2863907028"/>
       </p:ext>
     </p:extLst>
   </p:cSld>
@@ -5819,7 +6831,7 @@
           <p:cNvPr id="2" name="Title 1">
             <a:extLst>
               <a:ext uri="{FF2B5EF4-FFF2-40B4-BE49-F238E27FC236}">
-                <a16:creationId xmlns:a16="http://schemas.microsoft.com/office/drawing/2014/main" id="{F2B57172-7359-5C8B-19B5-C51B2CC2C898}"/>
+                <a16:creationId xmlns:a16="http://schemas.microsoft.com/office/drawing/2014/main" id="{A7A3F6E2-73F4-EA5B-0662-82BE9E26AB06}"/>
               </a:ext>
             </a:extLst>
           </p:cNvPr>
@@ -5837,107 +6849,26 @@
           <a:p>
             <a:r>
               <a:rPr lang="en-DE" dirty="0"/>
-              <a:t>Discovery potential and sensitivity</a:t>
-            </a:r>
-          </a:p>
-        </p:txBody>
-      </p:sp>
-      <p:sp>
-        <p:nvSpPr>
-          <p:cNvPr id="3" name="Content Placeholder 2">
-            <a:extLst>
-              <a:ext uri="{FF2B5EF4-FFF2-40B4-BE49-F238E27FC236}">
-                <a16:creationId xmlns:a16="http://schemas.microsoft.com/office/drawing/2014/main" id="{9DD7F4E0-D96C-D8D0-F207-A29EC000F2F1}"/>
-              </a:ext>
-            </a:extLst>
-          </p:cNvPr>
-          <p:cNvSpPr>
-            <a:spLocks noGrp="1"/>
-          </p:cNvSpPr>
-          <p:nvPr>
-            <p:ph idx="1"/>
-          </p:nvPr>
-        </p:nvSpPr>
-        <p:spPr/>
-        <p:txBody>
-          <a:bodyPr/>
-          <a:lstStyle/>
-          <a:p>
-            <a:endParaRPr lang="en-DE" dirty="0"/>
-          </a:p>
-        </p:txBody>
-      </p:sp>
-      <p:sp>
-        <p:nvSpPr>
-          <p:cNvPr id="4" name="Date Placeholder 3">
-            <a:extLst>
-              <a:ext uri="{FF2B5EF4-FFF2-40B4-BE49-F238E27FC236}">
-                <a16:creationId xmlns:a16="http://schemas.microsoft.com/office/drawing/2014/main" id="{5A26C7EF-F222-0C8D-1E54-8FC56E159DDF}"/>
-              </a:ext>
-            </a:extLst>
-          </p:cNvPr>
-          <p:cNvSpPr>
-            <a:spLocks noGrp="1"/>
-          </p:cNvSpPr>
-          <p:nvPr>
-            <p:ph type="dt" sz="half" idx="10"/>
-          </p:nvPr>
-        </p:nvSpPr>
-        <p:spPr/>
-        <p:txBody>
-          <a:bodyPr/>
-          <a:lstStyle/>
-          <a:p>
-            <a:r>
-              <a:rPr lang="de-DE"/>
-              <a:t>P. Gutjahr</a:t>
-            </a:r>
-            <a:endParaRPr lang="en-US"/>
-          </a:p>
-        </p:txBody>
-      </p:sp>
-      <p:sp>
-        <p:nvSpPr>
-          <p:cNvPr id="5" name="Slide Number Placeholder 4">
-            <a:extLst>
-              <a:ext uri="{FF2B5EF4-FFF2-40B4-BE49-F238E27FC236}">
-                <a16:creationId xmlns:a16="http://schemas.microsoft.com/office/drawing/2014/main" id="{804FC3CD-7016-A6FC-D8F4-E9B26E9BC762}"/>
-              </a:ext>
-            </a:extLst>
-          </p:cNvPr>
-          <p:cNvSpPr>
-            <a:spLocks noGrp="1"/>
-          </p:cNvSpPr>
-          <p:nvPr>
-            <p:ph type="sldNum" sz="quarter" idx="12"/>
-          </p:nvPr>
-        </p:nvSpPr>
-        <p:spPr/>
-        <p:txBody>
-          <a:bodyPr/>
-          <a:lstStyle/>
-          <a:p>
-            <a:fld id="{CD8304E6-5469-594D-85BC-E468E92D2243}" type="slidenum">
-              <a:rPr lang="en-US" smtClean="0"/>
-              <a:t>17</a:t>
-            </a:fld>
-            <a:endParaRPr lang="en-US"/>
+              <a:t>Test bias</a:t>
+            </a:r>
           </a:p>
         </p:txBody>
       </p:sp>
       <p:pic>
         <p:nvPicPr>
-          <p:cNvPr id="6" name="Grafik 9">
-            <a:extLst>
-              <a:ext uri="{FF2B5EF4-FFF2-40B4-BE49-F238E27FC236}">
-                <a16:creationId xmlns:a16="http://schemas.microsoft.com/office/drawing/2014/main" id="{FC8542A3-201B-F93E-25AB-93C8B7D9D52A}"/>
+          <p:cNvPr id="7" name="Content Placeholder 6">
+            <a:extLst>
+              <a:ext uri="{FF2B5EF4-FFF2-40B4-BE49-F238E27FC236}">
+                <a16:creationId xmlns:a16="http://schemas.microsoft.com/office/drawing/2014/main" id="{614BF1BE-22B8-F4D7-8D9B-32592BFAAD10}"/>
               </a:ext>
             </a:extLst>
           </p:cNvPr>
           <p:cNvPicPr>
-            <a:picLocks noChangeAspect="1"/>
+            <a:picLocks noGrp="1" noChangeAspect="1"/>
           </p:cNvPicPr>
-          <p:nvPr/>
+          <p:nvPr>
+            <p:ph idx="1"/>
+          </p:nvPr>
         </p:nvPicPr>
         <p:blipFill>
           <a:blip r:embed="rId2"/>
@@ -5947,6 +6878,91 @@
         </p:blipFill>
         <p:spPr>
           <a:xfrm>
+            <a:off x="4474345" y="1346985"/>
+            <a:ext cx="5069273" cy="4773976"/>
+          </a:xfrm>
+        </p:spPr>
+      </p:pic>
+      <p:sp>
+        <p:nvSpPr>
+          <p:cNvPr id="4" name="Date Placeholder 3">
+            <a:extLst>
+              <a:ext uri="{FF2B5EF4-FFF2-40B4-BE49-F238E27FC236}">
+                <a16:creationId xmlns:a16="http://schemas.microsoft.com/office/drawing/2014/main" id="{5CF573ED-111C-A97A-DEB4-3194E2FE117E}"/>
+              </a:ext>
+            </a:extLst>
+          </p:cNvPr>
+          <p:cNvSpPr>
+            <a:spLocks noGrp="1"/>
+          </p:cNvSpPr>
+          <p:nvPr>
+            <p:ph type="dt" sz="half" idx="10"/>
+          </p:nvPr>
+        </p:nvSpPr>
+        <p:spPr/>
+        <p:txBody>
+          <a:bodyPr/>
+          <a:lstStyle/>
+          <a:p>
+            <a:r>
+              <a:rPr lang="de-DE"/>
+              <a:t>P. Gutjahr</a:t>
+            </a:r>
+            <a:endParaRPr lang="en-US"/>
+          </a:p>
+        </p:txBody>
+      </p:sp>
+      <p:sp>
+        <p:nvSpPr>
+          <p:cNvPr id="5" name="Slide Number Placeholder 4">
+            <a:extLst>
+              <a:ext uri="{FF2B5EF4-FFF2-40B4-BE49-F238E27FC236}">
+                <a16:creationId xmlns:a16="http://schemas.microsoft.com/office/drawing/2014/main" id="{37821597-BA4C-2B45-6D66-566632A1A200}"/>
+              </a:ext>
+            </a:extLst>
+          </p:cNvPr>
+          <p:cNvSpPr>
+            <a:spLocks noGrp="1"/>
+          </p:cNvSpPr>
+          <p:nvPr>
+            <p:ph type="sldNum" sz="quarter" idx="12"/>
+          </p:nvPr>
+        </p:nvSpPr>
+        <p:spPr/>
+        <p:txBody>
+          <a:bodyPr/>
+          <a:lstStyle/>
+          <a:p>
+            <a:fld id="{CD8304E6-5469-594D-85BC-E468E92D2243}" type="slidenum">
+              <a:rPr lang="en-US" smtClean="0"/>
+              <a:t>17</a:t>
+            </a:fld>
+            <a:endParaRPr lang="en-US"/>
+          </a:p>
+        </p:txBody>
+      </p:sp>
+      <p:pic>
+        <p:nvPicPr>
+          <p:cNvPr id="6" name="Grafik 9">
+            <a:extLst>
+              <a:ext uri="{FF2B5EF4-FFF2-40B4-BE49-F238E27FC236}">
+                <a16:creationId xmlns:a16="http://schemas.microsoft.com/office/drawing/2014/main" id="{23D53759-5CB6-F6D9-8565-4619639D8499}"/>
+              </a:ext>
+            </a:extLst>
+          </p:cNvPr>
+          <p:cNvPicPr>
+            <a:picLocks noChangeAspect="1"/>
+          </p:cNvPicPr>
+          <p:nvPr/>
+        </p:nvPicPr>
+        <p:blipFill>
+          <a:blip r:embed="rId3"/>
+          <a:stretch>
+            <a:fillRect/>
+          </a:stretch>
+        </p:blipFill>
+        <p:spPr>
+          <a:xfrm>
             <a:off x="145510" y="92738"/>
             <a:ext cx="1832786" cy="365125"/>
           </a:xfrm>
@@ -5958,7 +6974,7 @@
     </p:spTree>
     <p:extLst>
       <p:ext uri="{BB962C8B-B14F-4D97-AF65-F5344CB8AC3E}">
-        <p14:creationId xmlns:p14="http://schemas.microsoft.com/office/powerpoint/2010/main" val="1003419666"/>
+        <p14:creationId xmlns:p14="http://schemas.microsoft.com/office/powerpoint/2010/main" val="3233898661"/>
       </p:ext>
     </p:extLst>
   </p:cSld>
@@ -5990,7 +7006,7 @@
           <p:cNvPr id="2" name="Title 1">
             <a:extLst>
               <a:ext uri="{FF2B5EF4-FFF2-40B4-BE49-F238E27FC236}">
-                <a16:creationId xmlns:a16="http://schemas.microsoft.com/office/drawing/2014/main" id="{D0369D6F-A78A-1B0B-53E7-6AF5F8220CDB}"/>
+                <a16:creationId xmlns:a16="http://schemas.microsoft.com/office/drawing/2014/main" id="{5AFB7219-4648-A7C8-1BCF-B8D87F58ABA4}"/>
               </a:ext>
             </a:extLst>
           </p:cNvPr>
@@ -6008,273 +7024,26 @@
           <a:p>
             <a:r>
               <a:rPr lang="en-DE" dirty="0"/>
-              <a:t>Conclusion and outlook</a:t>
-            </a:r>
-          </a:p>
-        </p:txBody>
-      </p:sp>
-      <p:sp>
-        <p:nvSpPr>
-          <p:cNvPr id="3" name="Content Placeholder 2">
-            <a:extLst>
-              <a:ext uri="{FF2B5EF4-FFF2-40B4-BE49-F238E27FC236}">
-                <a16:creationId xmlns:a16="http://schemas.microsoft.com/office/drawing/2014/main" id="{A13C2670-0EAD-86C4-7E07-9E4544978033}"/>
-              </a:ext>
-            </a:extLst>
-          </p:cNvPr>
-          <p:cNvSpPr>
-            <a:spLocks noGrp="1"/>
-          </p:cNvSpPr>
-          <p:nvPr>
-            <p:ph sz="half" idx="1"/>
-          </p:nvPr>
-        </p:nvSpPr>
-        <p:spPr/>
-        <p:txBody>
-          <a:bodyPr>
-            <a:normAutofit fontScale="70000" lnSpcReduction="20000"/>
-          </a:bodyPr>
-          <a:lstStyle/>
-          <a:p>
-            <a:r>
-              <a:rPr lang="en-DE" dirty="0"/>
-              <a:t>New CORSIKA EHIST simulations</a:t>
-            </a:r>
-          </a:p>
-          <a:p>
-            <a:r>
-              <a:rPr lang="en-DE" dirty="0"/>
-              <a:t>CORSIKA vs. MCEq agreement</a:t>
-            </a:r>
-          </a:p>
-          <a:p>
-            <a:r>
-              <a:rPr lang="en-DE" dirty="0"/>
-              <a:t>DNN angular and energy reconstructions</a:t>
-            </a:r>
-          </a:p>
-          <a:p>
-            <a:r>
-              <a:rPr lang="en-DE" dirty="0"/>
-              <a:t>First data-MC comparisons</a:t>
-            </a:r>
-          </a:p>
-          <a:p>
-            <a:r>
-              <a:rPr lang="en-DE" dirty="0"/>
-              <a:t>Pseudo analysis set up</a:t>
-            </a:r>
-          </a:p>
-        </p:txBody>
-      </p:sp>
-      <p:sp>
-        <p:nvSpPr>
-          <p:cNvPr id="4" name="Content Placeholder 3">
-            <a:extLst>
-              <a:ext uri="{FF2B5EF4-FFF2-40B4-BE49-F238E27FC236}">
-                <a16:creationId xmlns:a16="http://schemas.microsoft.com/office/drawing/2014/main" id="{4E03A144-FACB-F029-8410-76C71C7C49D2}"/>
-              </a:ext>
-            </a:extLst>
-          </p:cNvPr>
-          <p:cNvSpPr>
-            <a:spLocks noGrp="1"/>
-          </p:cNvSpPr>
-          <p:nvPr>
-            <p:ph sz="half" idx="2"/>
-          </p:nvPr>
-        </p:nvSpPr>
-        <p:spPr/>
-        <p:txBody>
-          <a:bodyPr>
-            <a:normAutofit fontScale="70000" lnSpcReduction="20000"/>
-          </a:bodyPr>
-          <a:lstStyle/>
-          <a:p>
-            <a:r>
-              <a:rPr lang="en-DE" dirty="0"/>
-              <a:t>Wiki page</a:t>
-            </a:r>
-          </a:p>
-          <a:p>
-            <a:r>
-              <a:rPr lang="en-DE" dirty="0"/>
-              <a:t>Data-MC agreement of dnn input </a:t>
-            </a:r>
-          </a:p>
-          <a:p>
-            <a:r>
-              <a:rPr lang="en-DE" dirty="0"/>
-              <a:t>Optimize DNN reconstructions</a:t>
-            </a:r>
-          </a:p>
-          <a:p>
-            <a:r>
-              <a:rPr lang="en-GB" dirty="0"/>
-              <a:t>I</a:t>
-            </a:r>
-            <a:r>
-              <a:rPr lang="en-DE" dirty="0"/>
-              <a:t>nclude systematics (snowstorm)</a:t>
-            </a:r>
-          </a:p>
-          <a:p>
-            <a:pPr lvl="1"/>
-            <a:r>
-              <a:rPr lang="en-GB" dirty="0"/>
-              <a:t>S</a:t>
-            </a:r>
-            <a:r>
-              <a:rPr lang="en-DE" dirty="0"/>
-              <a:t>cattering</a:t>
-            </a:r>
-          </a:p>
-          <a:p>
-            <a:pPr lvl="1"/>
-            <a:r>
-              <a:rPr lang="en-DE" dirty="0"/>
-              <a:t>Absorption</a:t>
-            </a:r>
-          </a:p>
-          <a:p>
-            <a:pPr lvl="1"/>
-            <a:r>
-              <a:rPr lang="en-DE" dirty="0"/>
-              <a:t>Anisotropy</a:t>
-            </a:r>
-          </a:p>
-          <a:p>
-            <a:pPr lvl="1"/>
-            <a:r>
-              <a:rPr lang="en-DE" dirty="0"/>
-              <a:t>Hole ice 1</a:t>
-            </a:r>
-          </a:p>
-          <a:p>
-            <a:pPr lvl="1"/>
-            <a:r>
-              <a:rPr lang="en-DE" dirty="0"/>
-              <a:t>Hole ice 2</a:t>
-            </a:r>
-          </a:p>
-          <a:p>
-            <a:pPr lvl="1"/>
-            <a:r>
-              <a:rPr lang="en-DE" dirty="0"/>
-              <a:t>Dom efficiency </a:t>
-            </a:r>
-          </a:p>
-          <a:p>
-            <a:pPr lvl="1"/>
-            <a:r>
-              <a:rPr lang="en-GB" dirty="0"/>
-              <a:t>C</a:t>
-            </a:r>
-            <a:r>
-              <a:rPr lang="en-DE" dirty="0"/>
-              <a:t>onventional normalization</a:t>
-            </a:r>
-          </a:p>
-          <a:p>
-            <a:pPr lvl="1">
-              <a:buFont typeface="Wingdings" pitchFamily="2" charset="2"/>
-              <a:buChar char="v"/>
-            </a:pPr>
-            <a:r>
-              <a:rPr lang="en-GB" dirty="0"/>
-              <a:t>W</a:t>
-            </a:r>
-            <a:r>
-              <a:rPr lang="en-DE" dirty="0"/>
-              <a:t>e do not include systematics of the primary fluxes, instead we perform the analysis several times for different flux models</a:t>
-            </a:r>
-          </a:p>
-          <a:p>
-            <a:pPr lvl="1">
-              <a:buFont typeface="Wingdings" pitchFamily="2" charset="2"/>
-              <a:buChar char="v"/>
-            </a:pPr>
-            <a:r>
-              <a:rPr lang="en-GB" dirty="0"/>
-              <a:t>E</a:t>
-            </a:r>
-            <a:r>
-              <a:rPr lang="en-DE" dirty="0"/>
-              <a:t>ntire analysis is based on CORSIKA 7 and SIBYLL 2.3d, perform “minor” simulation with another hadronic model?</a:t>
-            </a:r>
-          </a:p>
-        </p:txBody>
-      </p:sp>
-      <p:sp>
-        <p:nvSpPr>
-          <p:cNvPr id="5" name="Date Placeholder 4">
-            <a:extLst>
-              <a:ext uri="{FF2B5EF4-FFF2-40B4-BE49-F238E27FC236}">
-                <a16:creationId xmlns:a16="http://schemas.microsoft.com/office/drawing/2014/main" id="{EBEC273B-CD24-CF41-FA0F-746AF07DCD9F}"/>
-              </a:ext>
-            </a:extLst>
-          </p:cNvPr>
-          <p:cNvSpPr>
-            <a:spLocks noGrp="1"/>
-          </p:cNvSpPr>
-          <p:nvPr>
-            <p:ph type="dt" sz="half" idx="10"/>
-          </p:nvPr>
-        </p:nvSpPr>
-        <p:spPr/>
-        <p:txBody>
-          <a:bodyPr/>
-          <a:lstStyle/>
-          <a:p>
-            <a:r>
-              <a:rPr lang="de-DE"/>
-              <a:t>P. Gutjahr</a:t>
-            </a:r>
-            <a:endParaRPr lang="en-US"/>
-          </a:p>
-        </p:txBody>
-      </p:sp>
-      <p:sp>
-        <p:nvSpPr>
-          <p:cNvPr id="6" name="Slide Number Placeholder 5">
-            <a:extLst>
-              <a:ext uri="{FF2B5EF4-FFF2-40B4-BE49-F238E27FC236}">
-                <a16:creationId xmlns:a16="http://schemas.microsoft.com/office/drawing/2014/main" id="{2E955A34-101A-9640-354F-96CC0EA2186B}"/>
-              </a:ext>
-            </a:extLst>
-          </p:cNvPr>
-          <p:cNvSpPr>
-            <a:spLocks noGrp="1"/>
-          </p:cNvSpPr>
-          <p:nvPr>
-            <p:ph type="sldNum" sz="quarter" idx="12"/>
-          </p:nvPr>
-        </p:nvSpPr>
-        <p:spPr/>
-        <p:txBody>
-          <a:bodyPr/>
-          <a:lstStyle/>
-          <a:p>
-            <a:fld id="{CD8304E6-5469-594D-85BC-E468E92D2243}" type="slidenum">
-              <a:rPr lang="en-US" smtClean="0"/>
-              <a:t>18</a:t>
-            </a:fld>
-            <a:endParaRPr lang="en-US"/>
+              <a:t>Test background statistics</a:t>
+            </a:r>
           </a:p>
         </p:txBody>
       </p:sp>
       <p:pic>
         <p:nvPicPr>
-          <p:cNvPr id="7" name="Grafik 9">
-            <a:extLst>
-              <a:ext uri="{FF2B5EF4-FFF2-40B4-BE49-F238E27FC236}">
-                <a16:creationId xmlns:a16="http://schemas.microsoft.com/office/drawing/2014/main" id="{A93A521E-772B-1A87-C01E-9EC35DBC05B7}"/>
+          <p:cNvPr id="7" name="Content Placeholder 6">
+            <a:extLst>
+              <a:ext uri="{FF2B5EF4-FFF2-40B4-BE49-F238E27FC236}">
+                <a16:creationId xmlns:a16="http://schemas.microsoft.com/office/drawing/2014/main" id="{81480692-BB1D-877F-ABED-F43B87598EF3}"/>
               </a:ext>
             </a:extLst>
           </p:cNvPr>
           <p:cNvPicPr>
-            <a:picLocks noChangeAspect="1"/>
+            <a:picLocks noGrp="1" noChangeAspect="1"/>
           </p:cNvPicPr>
-          <p:nvPr/>
+          <p:nvPr>
+            <p:ph idx="1"/>
+          </p:nvPr>
         </p:nvPicPr>
         <p:blipFill>
           <a:blip r:embed="rId2"/>
@@ -6284,8 +7053,123 @@
         </p:blipFill>
         <p:spPr>
           <a:xfrm>
+            <a:off x="491724" y="1881997"/>
+            <a:ext cx="5384800" cy="3759200"/>
+          </a:xfrm>
+        </p:spPr>
+      </p:pic>
+      <p:sp>
+        <p:nvSpPr>
+          <p:cNvPr id="4" name="Date Placeholder 3">
+            <a:extLst>
+              <a:ext uri="{FF2B5EF4-FFF2-40B4-BE49-F238E27FC236}">
+                <a16:creationId xmlns:a16="http://schemas.microsoft.com/office/drawing/2014/main" id="{D6849B7C-3987-FD82-D772-28B1FF202D95}"/>
+              </a:ext>
+            </a:extLst>
+          </p:cNvPr>
+          <p:cNvSpPr>
+            <a:spLocks noGrp="1"/>
+          </p:cNvSpPr>
+          <p:nvPr>
+            <p:ph type="dt" sz="half" idx="10"/>
+          </p:nvPr>
+        </p:nvSpPr>
+        <p:spPr/>
+        <p:txBody>
+          <a:bodyPr/>
+          <a:lstStyle/>
+          <a:p>
+            <a:r>
+              <a:rPr lang="de-DE"/>
+              <a:t>P. Gutjahr</a:t>
+            </a:r>
+            <a:endParaRPr lang="en-US"/>
+          </a:p>
+        </p:txBody>
+      </p:sp>
+      <p:sp>
+        <p:nvSpPr>
+          <p:cNvPr id="5" name="Slide Number Placeholder 4">
+            <a:extLst>
+              <a:ext uri="{FF2B5EF4-FFF2-40B4-BE49-F238E27FC236}">
+                <a16:creationId xmlns:a16="http://schemas.microsoft.com/office/drawing/2014/main" id="{DC26E9D7-E37B-152E-1966-D7158322DF84}"/>
+              </a:ext>
+            </a:extLst>
+          </p:cNvPr>
+          <p:cNvSpPr>
+            <a:spLocks noGrp="1"/>
+          </p:cNvSpPr>
+          <p:nvPr>
+            <p:ph type="sldNum" sz="quarter" idx="12"/>
+          </p:nvPr>
+        </p:nvSpPr>
+        <p:spPr/>
+        <p:txBody>
+          <a:bodyPr/>
+          <a:lstStyle/>
+          <a:p>
+            <a:fld id="{CD8304E6-5469-594D-85BC-E468E92D2243}" type="slidenum">
+              <a:rPr lang="en-US" smtClean="0"/>
+              <a:t>18</a:t>
+            </a:fld>
+            <a:endParaRPr lang="en-US"/>
+          </a:p>
+        </p:txBody>
+      </p:sp>
+      <p:pic>
+        <p:nvPicPr>
+          <p:cNvPr id="6" name="Grafik 9">
+            <a:extLst>
+              <a:ext uri="{FF2B5EF4-FFF2-40B4-BE49-F238E27FC236}">
+                <a16:creationId xmlns:a16="http://schemas.microsoft.com/office/drawing/2014/main" id="{2D817297-4D9A-FD19-60B7-B026DF4B06F0}"/>
+              </a:ext>
+            </a:extLst>
+          </p:cNvPr>
+          <p:cNvPicPr>
+            <a:picLocks noChangeAspect="1"/>
+          </p:cNvPicPr>
+          <p:nvPr/>
+        </p:nvPicPr>
+        <p:blipFill>
+          <a:blip r:embed="rId3"/>
+          <a:stretch>
+            <a:fillRect/>
+          </a:stretch>
+        </p:blipFill>
+        <p:spPr>
+          <a:xfrm>
             <a:off x="145510" y="92738"/>
             <a:ext cx="1832786" cy="365125"/>
+          </a:xfrm>
+          <a:prstGeom prst="rect">
+            <a:avLst/>
+          </a:prstGeom>
+        </p:spPr>
+      </p:pic>
+      <p:pic>
+        <p:nvPicPr>
+          <p:cNvPr id="8" name="Picture 7">
+            <a:extLst>
+              <a:ext uri="{FF2B5EF4-FFF2-40B4-BE49-F238E27FC236}">
+                <a16:creationId xmlns:a16="http://schemas.microsoft.com/office/drawing/2014/main" id="{BDCFCD96-FDFE-C37F-BCEA-E4FE2C70FE61}"/>
+              </a:ext>
+            </a:extLst>
+          </p:cNvPr>
+          <p:cNvPicPr>
+            <a:picLocks noChangeAspect="1"/>
+          </p:cNvPicPr>
+          <p:nvPr/>
+        </p:nvPicPr>
+        <p:blipFill>
+          <a:blip r:embed="rId4"/>
+          <a:stretch>
+            <a:fillRect/>
+          </a:stretch>
+        </p:blipFill>
+        <p:spPr>
+          <a:xfrm>
+            <a:off x="6112276" y="1881997"/>
+            <a:ext cx="5588000" cy="3759200"/>
           </a:xfrm>
           <a:prstGeom prst="rect">
             <a:avLst/>
@@ -6295,7 +7179,7 @@
     </p:spTree>
     <p:extLst>
       <p:ext uri="{BB962C8B-B14F-4D97-AF65-F5344CB8AC3E}">
-        <p14:creationId xmlns:p14="http://schemas.microsoft.com/office/powerpoint/2010/main" val="3747441538"/>
+        <p14:creationId xmlns:p14="http://schemas.microsoft.com/office/powerpoint/2010/main" val="3299799934"/>
       </p:ext>
     </p:extLst>
   </p:cSld>
@@ -6327,7 +7211,7 @@
           <p:cNvPr id="2" name="Title 1">
             <a:extLst>
               <a:ext uri="{FF2B5EF4-FFF2-40B4-BE49-F238E27FC236}">
-                <a16:creationId xmlns:a16="http://schemas.microsoft.com/office/drawing/2014/main" id="{BEC8E4FC-BAB6-0B2A-AB9A-E64E32710738}"/>
+                <a16:creationId xmlns:a16="http://schemas.microsoft.com/office/drawing/2014/main" id="{F2B57172-7359-5C8B-19B5-C51B2CC2C898}"/>
               </a:ext>
             </a:extLst>
           </p:cNvPr>
@@ -6343,86 +7227,28 @@
           <a:bodyPr/>
           <a:lstStyle/>
           <a:p>
-            <a:pPr algn="ctr"/>
-            <a:endParaRPr lang="en-DE" dirty="0"/>
-          </a:p>
-        </p:txBody>
-      </p:sp>
-      <p:sp>
-        <p:nvSpPr>
-          <p:cNvPr id="3" name="Content Placeholder 2">
-            <a:extLst>
-              <a:ext uri="{FF2B5EF4-FFF2-40B4-BE49-F238E27FC236}">
-                <a16:creationId xmlns:a16="http://schemas.microsoft.com/office/drawing/2014/main" id="{9148CD2E-160D-9518-CFA4-C5522692D89B}"/>
-              </a:ext>
-            </a:extLst>
-          </p:cNvPr>
-          <p:cNvSpPr>
-            <a:spLocks noGrp="1"/>
-          </p:cNvSpPr>
-          <p:nvPr>
-            <p:ph idx="1"/>
-          </p:nvPr>
-        </p:nvSpPr>
-        <p:spPr/>
-        <p:txBody>
-          <a:bodyPr>
-            <a:normAutofit/>
-          </a:bodyPr>
-          <a:lstStyle/>
-          <a:p>
-            <a:pPr marL="0" indent="0" algn="ctr">
-              <a:buNone/>
-            </a:pPr>
-            <a:r>
-              <a:rPr lang="en-DE" sz="5400" dirty="0"/>
-              <a:t>Backup</a:t>
-            </a:r>
-          </a:p>
-        </p:txBody>
-      </p:sp>
-      <p:sp>
-        <p:nvSpPr>
-          <p:cNvPr id="4" name="Slide Number Placeholder 3">
-            <a:extLst>
-              <a:ext uri="{FF2B5EF4-FFF2-40B4-BE49-F238E27FC236}">
-                <a16:creationId xmlns:a16="http://schemas.microsoft.com/office/drawing/2014/main" id="{92246147-5535-B4B5-3845-77A493ECF7B5}"/>
-              </a:ext>
-            </a:extLst>
-          </p:cNvPr>
-          <p:cNvSpPr>
-            <a:spLocks noGrp="1"/>
-          </p:cNvSpPr>
-          <p:nvPr>
-            <p:ph type="sldNum" sz="quarter" idx="12"/>
-          </p:nvPr>
-        </p:nvSpPr>
-        <p:spPr/>
-        <p:txBody>
-          <a:bodyPr/>
-          <a:lstStyle/>
-          <a:p>
-            <a:fld id="{CD8304E6-5469-594D-85BC-E468E92D2243}" type="slidenum">
-              <a:rPr lang="en-US" smtClean="0"/>
-              <a:t>19</a:t>
-            </a:fld>
-            <a:endParaRPr lang="en-US"/>
+            <a:r>
+              <a:rPr lang="en-DE" dirty="0"/>
+              <a:t>Discovery potential and sensitivity</a:t>
+            </a:r>
           </a:p>
         </p:txBody>
       </p:sp>
       <p:pic>
         <p:nvPicPr>
-          <p:cNvPr id="5" name="Grafik 9">
-            <a:extLst>
-              <a:ext uri="{FF2B5EF4-FFF2-40B4-BE49-F238E27FC236}">
-                <a16:creationId xmlns:a16="http://schemas.microsoft.com/office/drawing/2014/main" id="{FE0EB224-EA63-BC79-4FBC-6279A9976CAF}"/>
+          <p:cNvPr id="7" name="Content Placeholder 6">
+            <a:extLst>
+              <a:ext uri="{FF2B5EF4-FFF2-40B4-BE49-F238E27FC236}">
+                <a16:creationId xmlns:a16="http://schemas.microsoft.com/office/drawing/2014/main" id="{CE645729-4DAC-A01C-AB22-0D657C3561AE}"/>
               </a:ext>
             </a:extLst>
           </p:cNvPr>
           <p:cNvPicPr>
-            <a:picLocks noChangeAspect="1"/>
+            <a:picLocks noGrp="1" noChangeAspect="1"/>
           </p:cNvPicPr>
-          <p:nvPr/>
+          <p:nvPr>
+            <p:ph idx="1"/>
+          </p:nvPr>
         </p:nvPicPr>
         <p:blipFill>
           <a:blip r:embed="rId2"/>
@@ -6432,6 +7258,91 @@
         </p:blipFill>
         <p:spPr>
           <a:xfrm>
+            <a:off x="5418831" y="1864241"/>
+            <a:ext cx="5384800" cy="3759200"/>
+          </a:xfrm>
+        </p:spPr>
+      </p:pic>
+      <p:sp>
+        <p:nvSpPr>
+          <p:cNvPr id="4" name="Date Placeholder 3">
+            <a:extLst>
+              <a:ext uri="{FF2B5EF4-FFF2-40B4-BE49-F238E27FC236}">
+                <a16:creationId xmlns:a16="http://schemas.microsoft.com/office/drawing/2014/main" id="{5A26C7EF-F222-0C8D-1E54-8FC56E159DDF}"/>
+              </a:ext>
+            </a:extLst>
+          </p:cNvPr>
+          <p:cNvSpPr>
+            <a:spLocks noGrp="1"/>
+          </p:cNvSpPr>
+          <p:nvPr>
+            <p:ph type="dt" sz="half" idx="10"/>
+          </p:nvPr>
+        </p:nvSpPr>
+        <p:spPr/>
+        <p:txBody>
+          <a:bodyPr/>
+          <a:lstStyle/>
+          <a:p>
+            <a:r>
+              <a:rPr lang="de-DE"/>
+              <a:t>P. Gutjahr</a:t>
+            </a:r>
+            <a:endParaRPr lang="en-US"/>
+          </a:p>
+        </p:txBody>
+      </p:sp>
+      <p:sp>
+        <p:nvSpPr>
+          <p:cNvPr id="5" name="Slide Number Placeholder 4">
+            <a:extLst>
+              <a:ext uri="{FF2B5EF4-FFF2-40B4-BE49-F238E27FC236}">
+                <a16:creationId xmlns:a16="http://schemas.microsoft.com/office/drawing/2014/main" id="{804FC3CD-7016-A6FC-D8F4-E9B26E9BC762}"/>
+              </a:ext>
+            </a:extLst>
+          </p:cNvPr>
+          <p:cNvSpPr>
+            <a:spLocks noGrp="1"/>
+          </p:cNvSpPr>
+          <p:nvPr>
+            <p:ph type="sldNum" sz="quarter" idx="12"/>
+          </p:nvPr>
+        </p:nvSpPr>
+        <p:spPr/>
+        <p:txBody>
+          <a:bodyPr/>
+          <a:lstStyle/>
+          <a:p>
+            <a:fld id="{CD8304E6-5469-594D-85BC-E468E92D2243}" type="slidenum">
+              <a:rPr lang="en-US" smtClean="0"/>
+              <a:t>19</a:t>
+            </a:fld>
+            <a:endParaRPr lang="en-US"/>
+          </a:p>
+        </p:txBody>
+      </p:sp>
+      <p:pic>
+        <p:nvPicPr>
+          <p:cNvPr id="6" name="Grafik 9">
+            <a:extLst>
+              <a:ext uri="{FF2B5EF4-FFF2-40B4-BE49-F238E27FC236}">
+                <a16:creationId xmlns:a16="http://schemas.microsoft.com/office/drawing/2014/main" id="{FC8542A3-201B-F93E-25AB-93C8B7D9D52A}"/>
+              </a:ext>
+            </a:extLst>
+          </p:cNvPr>
+          <p:cNvPicPr>
+            <a:picLocks noChangeAspect="1"/>
+          </p:cNvPicPr>
+          <p:nvPr/>
+        </p:nvPicPr>
+        <p:blipFill>
+          <a:blip r:embed="rId3"/>
+          <a:stretch>
+            <a:fillRect/>
+          </a:stretch>
+        </p:blipFill>
+        <p:spPr>
+          <a:xfrm>
             <a:off x="145510" y="92738"/>
             <a:ext cx="1832786" cy="365125"/>
           </a:xfrm>
@@ -6442,37 +7353,56 @@
       </p:pic>
       <p:sp>
         <p:nvSpPr>
-          <p:cNvPr id="6" name="Date Placeholder 5">
-            <a:extLst>
-              <a:ext uri="{FF2B5EF4-FFF2-40B4-BE49-F238E27FC236}">
-                <a16:creationId xmlns:a16="http://schemas.microsoft.com/office/drawing/2014/main" id="{EF6180A6-14B7-CE54-C2DD-890A2C5EC092}"/>
-              </a:ext>
-            </a:extLst>
-          </p:cNvPr>
-          <p:cNvSpPr>
-            <a:spLocks noGrp="1"/>
-          </p:cNvSpPr>
-          <p:nvPr>
-            <p:ph type="dt" sz="half" idx="10"/>
-          </p:nvPr>
-        </p:nvSpPr>
-        <p:spPr/>
-        <p:txBody>
-          <a:bodyPr/>
-          <a:lstStyle/>
-          <a:p>
-            <a:r>
-              <a:rPr lang="de-DE"/>
-              <a:t>P. Gutjahr</a:t>
-            </a:r>
-            <a:endParaRPr lang="en-US"/>
+          <p:cNvPr id="8" name="TextBox 7">
+            <a:extLst>
+              <a:ext uri="{FF2B5EF4-FFF2-40B4-BE49-F238E27FC236}">
+                <a16:creationId xmlns:a16="http://schemas.microsoft.com/office/drawing/2014/main" id="{AA71ED94-43C7-4063-695C-0609409D7AD8}"/>
+              </a:ext>
+            </a:extLst>
+          </p:cNvPr>
+          <p:cNvSpPr txBox="1"/>
+          <p:nvPr/>
+        </p:nvSpPr>
+        <p:spPr>
+          <a:xfrm>
+            <a:off x="550415" y="2769833"/>
+            <a:ext cx="4358935" cy="923330"/>
+          </a:xfrm>
+          <a:prstGeom prst="rect">
+            <a:avLst/>
+          </a:prstGeom>
+          <a:noFill/>
+        </p:spPr>
+        <p:txBody>
+          <a:bodyPr wrap="square" rtlCol="0">
+            <a:spAutoFit/>
+          </a:bodyPr>
+          <a:lstStyle/>
+          <a:p>
+            <a:r>
+              <a:rPr lang="en-DE" dirty="0"/>
+              <a:t>5 sigma discovery potential: 0.102 ± 0.005</a:t>
+            </a:r>
+          </a:p>
+          <a:p>
+            <a:endParaRPr lang="en-DE" dirty="0"/>
+          </a:p>
+          <a:p>
+            <a:r>
+              <a:rPr lang="en-GB" dirty="0"/>
+              <a:t>S</a:t>
+            </a:r>
+            <a:r>
+              <a:rPr lang="en-DE" dirty="0"/>
+              <a:t>ensitivity: 0.024 ± 0.001</a:t>
+            </a:r>
           </a:p>
         </p:txBody>
       </p:sp>
     </p:spTree>
     <p:extLst>
       <p:ext uri="{BB962C8B-B14F-4D97-AF65-F5344CB8AC3E}">
-        <p14:creationId xmlns:p14="http://schemas.microsoft.com/office/powerpoint/2010/main" val="1124796099"/>
+        <p14:creationId xmlns:p14="http://schemas.microsoft.com/office/powerpoint/2010/main" val="1003419666"/>
       </p:ext>
     </p:extLst>
   </p:cSld>
@@ -6960,6 +7890,520 @@
           <p:cNvPr id="2" name="Title 1">
             <a:extLst>
               <a:ext uri="{FF2B5EF4-FFF2-40B4-BE49-F238E27FC236}">
+                <a16:creationId xmlns:a16="http://schemas.microsoft.com/office/drawing/2014/main" id="{D0369D6F-A78A-1B0B-53E7-6AF5F8220CDB}"/>
+              </a:ext>
+            </a:extLst>
+          </p:cNvPr>
+          <p:cNvSpPr>
+            <a:spLocks noGrp="1"/>
+          </p:cNvSpPr>
+          <p:nvPr>
+            <p:ph type="title"/>
+          </p:nvPr>
+        </p:nvSpPr>
+        <p:spPr/>
+        <p:txBody>
+          <a:bodyPr/>
+          <a:lstStyle/>
+          <a:p>
+            <a:r>
+              <a:rPr lang="en-DE" dirty="0"/>
+              <a:t>Conclusion and outlook</a:t>
+            </a:r>
+          </a:p>
+        </p:txBody>
+      </p:sp>
+      <p:sp>
+        <p:nvSpPr>
+          <p:cNvPr id="3" name="Content Placeholder 2">
+            <a:extLst>
+              <a:ext uri="{FF2B5EF4-FFF2-40B4-BE49-F238E27FC236}">
+                <a16:creationId xmlns:a16="http://schemas.microsoft.com/office/drawing/2014/main" id="{A13C2670-0EAD-86C4-7E07-9E4544978033}"/>
+              </a:ext>
+            </a:extLst>
+          </p:cNvPr>
+          <p:cNvSpPr>
+            <a:spLocks noGrp="1"/>
+          </p:cNvSpPr>
+          <p:nvPr>
+            <p:ph sz="half" idx="1"/>
+          </p:nvPr>
+        </p:nvSpPr>
+        <p:spPr/>
+        <p:txBody>
+          <a:bodyPr>
+            <a:normAutofit fontScale="70000" lnSpcReduction="20000"/>
+          </a:bodyPr>
+          <a:lstStyle/>
+          <a:p>
+            <a:r>
+              <a:rPr lang="en-DE" dirty="0"/>
+              <a:t>New CORSIKA EHIST simulations</a:t>
+            </a:r>
+          </a:p>
+          <a:p>
+            <a:r>
+              <a:rPr lang="en-DE" dirty="0"/>
+              <a:t>CORSIKA vs. MCEq agreement</a:t>
+            </a:r>
+          </a:p>
+          <a:p>
+            <a:r>
+              <a:rPr lang="en-DE" dirty="0"/>
+              <a:t>DNN angular and energy reconstructions</a:t>
+            </a:r>
+          </a:p>
+          <a:p>
+            <a:r>
+              <a:rPr lang="en-DE" dirty="0"/>
+              <a:t>First data-MC comparisons</a:t>
+            </a:r>
+          </a:p>
+          <a:p>
+            <a:r>
+              <a:rPr lang="en-DE" dirty="0"/>
+              <a:t>Pseudo analysis set up</a:t>
+            </a:r>
+          </a:p>
+        </p:txBody>
+      </p:sp>
+      <p:sp>
+        <p:nvSpPr>
+          <p:cNvPr id="4" name="Content Placeholder 3">
+            <a:extLst>
+              <a:ext uri="{FF2B5EF4-FFF2-40B4-BE49-F238E27FC236}">
+                <a16:creationId xmlns:a16="http://schemas.microsoft.com/office/drawing/2014/main" id="{4E03A144-FACB-F029-8410-76C71C7C49D2}"/>
+              </a:ext>
+            </a:extLst>
+          </p:cNvPr>
+          <p:cNvSpPr>
+            <a:spLocks noGrp="1"/>
+          </p:cNvSpPr>
+          <p:nvPr>
+            <p:ph sz="half" idx="2"/>
+          </p:nvPr>
+        </p:nvSpPr>
+        <p:spPr/>
+        <p:txBody>
+          <a:bodyPr>
+            <a:normAutofit fontScale="70000" lnSpcReduction="20000"/>
+          </a:bodyPr>
+          <a:lstStyle/>
+          <a:p>
+            <a:r>
+              <a:rPr lang="en-DE" dirty="0"/>
+              <a:t>Wiki page</a:t>
+            </a:r>
+          </a:p>
+          <a:p>
+            <a:r>
+              <a:rPr lang="en-DE" dirty="0"/>
+              <a:t>Data-MC agreement of dnn input </a:t>
+            </a:r>
+          </a:p>
+          <a:p>
+            <a:r>
+              <a:rPr lang="en-DE" dirty="0"/>
+              <a:t>Optimize DNN reconstructions</a:t>
+            </a:r>
+          </a:p>
+          <a:p>
+            <a:r>
+              <a:rPr lang="en-GB" dirty="0"/>
+              <a:t>I</a:t>
+            </a:r>
+            <a:r>
+              <a:rPr lang="en-DE" dirty="0"/>
+              <a:t>nclude systematics (snowstorm)</a:t>
+            </a:r>
+          </a:p>
+          <a:p>
+            <a:pPr lvl="1"/>
+            <a:r>
+              <a:rPr lang="en-GB" dirty="0"/>
+              <a:t>S</a:t>
+            </a:r>
+            <a:r>
+              <a:rPr lang="en-DE" dirty="0"/>
+              <a:t>cattering</a:t>
+            </a:r>
+          </a:p>
+          <a:p>
+            <a:pPr lvl="1"/>
+            <a:r>
+              <a:rPr lang="en-DE" dirty="0"/>
+              <a:t>Absorption</a:t>
+            </a:r>
+          </a:p>
+          <a:p>
+            <a:pPr lvl="1"/>
+            <a:r>
+              <a:rPr lang="en-DE" dirty="0"/>
+              <a:t>Anisotropy</a:t>
+            </a:r>
+          </a:p>
+          <a:p>
+            <a:pPr lvl="1"/>
+            <a:r>
+              <a:rPr lang="en-DE" dirty="0"/>
+              <a:t>Hole ice 1</a:t>
+            </a:r>
+          </a:p>
+          <a:p>
+            <a:pPr lvl="1"/>
+            <a:r>
+              <a:rPr lang="en-DE" dirty="0"/>
+              <a:t>Hole ice 2</a:t>
+            </a:r>
+          </a:p>
+          <a:p>
+            <a:pPr lvl="1"/>
+            <a:r>
+              <a:rPr lang="en-DE" dirty="0"/>
+              <a:t>Dom efficiency </a:t>
+            </a:r>
+          </a:p>
+          <a:p>
+            <a:pPr lvl="1"/>
+            <a:r>
+              <a:rPr lang="en-GB" dirty="0"/>
+              <a:t>C</a:t>
+            </a:r>
+            <a:r>
+              <a:rPr lang="en-DE" dirty="0"/>
+              <a:t>onventional normalization</a:t>
+            </a:r>
+          </a:p>
+          <a:p>
+            <a:pPr lvl="1">
+              <a:buFont typeface="Wingdings" pitchFamily="2" charset="2"/>
+              <a:buChar char="v"/>
+            </a:pPr>
+            <a:r>
+              <a:rPr lang="en-GB" dirty="0"/>
+              <a:t>W</a:t>
+            </a:r>
+            <a:r>
+              <a:rPr lang="en-DE" dirty="0"/>
+              <a:t>e do not include systematics of the primary fluxes, instead we perform the analysis several times for different flux models</a:t>
+            </a:r>
+          </a:p>
+          <a:p>
+            <a:pPr lvl="1">
+              <a:buFont typeface="Wingdings" pitchFamily="2" charset="2"/>
+              <a:buChar char="v"/>
+            </a:pPr>
+            <a:r>
+              <a:rPr lang="en-GB" dirty="0"/>
+              <a:t>E</a:t>
+            </a:r>
+            <a:r>
+              <a:rPr lang="en-DE" dirty="0"/>
+              <a:t>ntire analysis is based on CORSIKA 7 and SIBYLL 2.3d, perform “minor” simulation with another hadronic model?</a:t>
+            </a:r>
+          </a:p>
+        </p:txBody>
+      </p:sp>
+      <p:sp>
+        <p:nvSpPr>
+          <p:cNvPr id="5" name="Date Placeholder 4">
+            <a:extLst>
+              <a:ext uri="{FF2B5EF4-FFF2-40B4-BE49-F238E27FC236}">
+                <a16:creationId xmlns:a16="http://schemas.microsoft.com/office/drawing/2014/main" id="{EBEC273B-CD24-CF41-FA0F-746AF07DCD9F}"/>
+              </a:ext>
+            </a:extLst>
+          </p:cNvPr>
+          <p:cNvSpPr>
+            <a:spLocks noGrp="1"/>
+          </p:cNvSpPr>
+          <p:nvPr>
+            <p:ph type="dt" sz="half" idx="10"/>
+          </p:nvPr>
+        </p:nvSpPr>
+        <p:spPr/>
+        <p:txBody>
+          <a:bodyPr/>
+          <a:lstStyle/>
+          <a:p>
+            <a:r>
+              <a:rPr lang="de-DE"/>
+              <a:t>P. Gutjahr</a:t>
+            </a:r>
+            <a:endParaRPr lang="en-US"/>
+          </a:p>
+        </p:txBody>
+      </p:sp>
+      <p:sp>
+        <p:nvSpPr>
+          <p:cNvPr id="6" name="Slide Number Placeholder 5">
+            <a:extLst>
+              <a:ext uri="{FF2B5EF4-FFF2-40B4-BE49-F238E27FC236}">
+                <a16:creationId xmlns:a16="http://schemas.microsoft.com/office/drawing/2014/main" id="{2E955A34-101A-9640-354F-96CC0EA2186B}"/>
+              </a:ext>
+            </a:extLst>
+          </p:cNvPr>
+          <p:cNvSpPr>
+            <a:spLocks noGrp="1"/>
+          </p:cNvSpPr>
+          <p:nvPr>
+            <p:ph type="sldNum" sz="quarter" idx="12"/>
+          </p:nvPr>
+        </p:nvSpPr>
+        <p:spPr/>
+        <p:txBody>
+          <a:bodyPr/>
+          <a:lstStyle/>
+          <a:p>
+            <a:fld id="{CD8304E6-5469-594D-85BC-E468E92D2243}" type="slidenum">
+              <a:rPr lang="en-US" smtClean="0"/>
+              <a:t>20</a:t>
+            </a:fld>
+            <a:endParaRPr lang="en-US"/>
+          </a:p>
+        </p:txBody>
+      </p:sp>
+      <p:pic>
+        <p:nvPicPr>
+          <p:cNvPr id="7" name="Grafik 9">
+            <a:extLst>
+              <a:ext uri="{FF2B5EF4-FFF2-40B4-BE49-F238E27FC236}">
+                <a16:creationId xmlns:a16="http://schemas.microsoft.com/office/drawing/2014/main" id="{A93A521E-772B-1A87-C01E-9EC35DBC05B7}"/>
+              </a:ext>
+            </a:extLst>
+          </p:cNvPr>
+          <p:cNvPicPr>
+            <a:picLocks noChangeAspect="1"/>
+          </p:cNvPicPr>
+          <p:nvPr/>
+        </p:nvPicPr>
+        <p:blipFill>
+          <a:blip r:embed="rId2"/>
+          <a:stretch>
+            <a:fillRect/>
+          </a:stretch>
+        </p:blipFill>
+        <p:spPr>
+          <a:xfrm>
+            <a:off x="145510" y="92738"/>
+            <a:ext cx="1832786" cy="365125"/>
+          </a:xfrm>
+          <a:prstGeom prst="rect">
+            <a:avLst/>
+          </a:prstGeom>
+        </p:spPr>
+      </p:pic>
+    </p:spTree>
+    <p:extLst>
+      <p:ext uri="{BB962C8B-B14F-4D97-AF65-F5344CB8AC3E}">
+        <p14:creationId xmlns:p14="http://schemas.microsoft.com/office/powerpoint/2010/main" val="3747441538"/>
+      </p:ext>
+    </p:extLst>
+  </p:cSld>
+  <p:clrMapOvr>
+    <a:masterClrMapping/>
+  </p:clrMapOvr>
+</p:sld>
+</file>
+
+<file path=ppt/slides/slide21.xml><?xml version="1.0" encoding="utf-8"?>
+<p:sld xmlns:a="http://schemas.openxmlformats.org/drawingml/2006/main" xmlns:r="http://schemas.openxmlformats.org/officeDocument/2006/relationships" xmlns:p="http://schemas.openxmlformats.org/presentationml/2006/main">
+  <p:cSld>
+    <p:spTree>
+      <p:nvGrpSpPr>
+        <p:cNvPr id="1" name=""/>
+        <p:cNvGrpSpPr/>
+        <p:nvPr/>
+      </p:nvGrpSpPr>
+      <p:grpSpPr>
+        <a:xfrm>
+          <a:off x="0" y="0"/>
+          <a:ext cx="0" cy="0"/>
+          <a:chOff x="0" y="0"/>
+          <a:chExt cx="0" cy="0"/>
+        </a:xfrm>
+      </p:grpSpPr>
+      <p:sp>
+        <p:nvSpPr>
+          <p:cNvPr id="2" name="Title 1">
+            <a:extLst>
+              <a:ext uri="{FF2B5EF4-FFF2-40B4-BE49-F238E27FC236}">
+                <a16:creationId xmlns:a16="http://schemas.microsoft.com/office/drawing/2014/main" id="{BEC8E4FC-BAB6-0B2A-AB9A-E64E32710738}"/>
+              </a:ext>
+            </a:extLst>
+          </p:cNvPr>
+          <p:cNvSpPr>
+            <a:spLocks noGrp="1"/>
+          </p:cNvSpPr>
+          <p:nvPr>
+            <p:ph type="title"/>
+          </p:nvPr>
+        </p:nvSpPr>
+        <p:spPr/>
+        <p:txBody>
+          <a:bodyPr/>
+          <a:lstStyle/>
+          <a:p>
+            <a:pPr algn="ctr"/>
+            <a:endParaRPr lang="en-DE" dirty="0"/>
+          </a:p>
+        </p:txBody>
+      </p:sp>
+      <p:sp>
+        <p:nvSpPr>
+          <p:cNvPr id="3" name="Content Placeholder 2">
+            <a:extLst>
+              <a:ext uri="{FF2B5EF4-FFF2-40B4-BE49-F238E27FC236}">
+                <a16:creationId xmlns:a16="http://schemas.microsoft.com/office/drawing/2014/main" id="{9148CD2E-160D-9518-CFA4-C5522692D89B}"/>
+              </a:ext>
+            </a:extLst>
+          </p:cNvPr>
+          <p:cNvSpPr>
+            <a:spLocks noGrp="1"/>
+          </p:cNvSpPr>
+          <p:nvPr>
+            <p:ph idx="1"/>
+          </p:nvPr>
+        </p:nvSpPr>
+        <p:spPr/>
+        <p:txBody>
+          <a:bodyPr>
+            <a:normAutofit/>
+          </a:bodyPr>
+          <a:lstStyle/>
+          <a:p>
+            <a:pPr marL="0" indent="0" algn="ctr">
+              <a:buNone/>
+            </a:pPr>
+            <a:r>
+              <a:rPr lang="en-DE" sz="5400" dirty="0"/>
+              <a:t>Backup</a:t>
+            </a:r>
+          </a:p>
+        </p:txBody>
+      </p:sp>
+      <p:sp>
+        <p:nvSpPr>
+          <p:cNvPr id="4" name="Slide Number Placeholder 3">
+            <a:extLst>
+              <a:ext uri="{FF2B5EF4-FFF2-40B4-BE49-F238E27FC236}">
+                <a16:creationId xmlns:a16="http://schemas.microsoft.com/office/drawing/2014/main" id="{92246147-5535-B4B5-3845-77A493ECF7B5}"/>
+              </a:ext>
+            </a:extLst>
+          </p:cNvPr>
+          <p:cNvSpPr>
+            <a:spLocks noGrp="1"/>
+          </p:cNvSpPr>
+          <p:nvPr>
+            <p:ph type="sldNum" sz="quarter" idx="12"/>
+          </p:nvPr>
+        </p:nvSpPr>
+        <p:spPr/>
+        <p:txBody>
+          <a:bodyPr/>
+          <a:lstStyle/>
+          <a:p>
+            <a:fld id="{CD8304E6-5469-594D-85BC-E468E92D2243}" type="slidenum">
+              <a:rPr lang="en-US" smtClean="0"/>
+              <a:t>21</a:t>
+            </a:fld>
+            <a:endParaRPr lang="en-US"/>
+          </a:p>
+        </p:txBody>
+      </p:sp>
+      <p:pic>
+        <p:nvPicPr>
+          <p:cNvPr id="5" name="Grafik 9">
+            <a:extLst>
+              <a:ext uri="{FF2B5EF4-FFF2-40B4-BE49-F238E27FC236}">
+                <a16:creationId xmlns:a16="http://schemas.microsoft.com/office/drawing/2014/main" id="{FE0EB224-EA63-BC79-4FBC-6279A9976CAF}"/>
+              </a:ext>
+            </a:extLst>
+          </p:cNvPr>
+          <p:cNvPicPr>
+            <a:picLocks noChangeAspect="1"/>
+          </p:cNvPicPr>
+          <p:nvPr/>
+        </p:nvPicPr>
+        <p:blipFill>
+          <a:blip r:embed="rId2"/>
+          <a:stretch>
+            <a:fillRect/>
+          </a:stretch>
+        </p:blipFill>
+        <p:spPr>
+          <a:xfrm>
+            <a:off x="145510" y="92738"/>
+            <a:ext cx="1832786" cy="365125"/>
+          </a:xfrm>
+          <a:prstGeom prst="rect">
+            <a:avLst/>
+          </a:prstGeom>
+        </p:spPr>
+      </p:pic>
+      <p:sp>
+        <p:nvSpPr>
+          <p:cNvPr id="6" name="Date Placeholder 5">
+            <a:extLst>
+              <a:ext uri="{FF2B5EF4-FFF2-40B4-BE49-F238E27FC236}">
+                <a16:creationId xmlns:a16="http://schemas.microsoft.com/office/drawing/2014/main" id="{EF6180A6-14B7-CE54-C2DD-890A2C5EC092}"/>
+              </a:ext>
+            </a:extLst>
+          </p:cNvPr>
+          <p:cNvSpPr>
+            <a:spLocks noGrp="1"/>
+          </p:cNvSpPr>
+          <p:nvPr>
+            <p:ph type="dt" sz="half" idx="10"/>
+          </p:nvPr>
+        </p:nvSpPr>
+        <p:spPr/>
+        <p:txBody>
+          <a:bodyPr/>
+          <a:lstStyle/>
+          <a:p>
+            <a:r>
+              <a:rPr lang="de-DE"/>
+              <a:t>P. Gutjahr</a:t>
+            </a:r>
+            <a:endParaRPr lang="en-US"/>
+          </a:p>
+        </p:txBody>
+      </p:sp>
+    </p:spTree>
+    <p:extLst>
+      <p:ext uri="{BB962C8B-B14F-4D97-AF65-F5344CB8AC3E}">
+        <p14:creationId xmlns:p14="http://schemas.microsoft.com/office/powerpoint/2010/main" val="1124796099"/>
+      </p:ext>
+    </p:extLst>
+  </p:cSld>
+  <p:clrMapOvr>
+    <a:masterClrMapping/>
+  </p:clrMapOvr>
+</p:sld>
+</file>
+
+<file path=ppt/slides/slide22.xml><?xml version="1.0" encoding="utf-8"?>
+<p:sld xmlns:a="http://schemas.openxmlformats.org/drawingml/2006/main" xmlns:r="http://schemas.openxmlformats.org/officeDocument/2006/relationships" xmlns:p="http://schemas.openxmlformats.org/presentationml/2006/main">
+  <p:cSld>
+    <p:spTree>
+      <p:nvGrpSpPr>
+        <p:cNvPr id="1" name=""/>
+        <p:cNvGrpSpPr/>
+        <p:nvPr/>
+      </p:nvGrpSpPr>
+      <p:grpSpPr>
+        <a:xfrm>
+          <a:off x="0" y="0"/>
+          <a:ext cx="0" cy="0"/>
+          <a:chOff x="0" y="0"/>
+          <a:chExt cx="0" cy="0"/>
+        </a:xfrm>
+      </p:grpSpPr>
+      <p:sp>
+        <p:nvSpPr>
+          <p:cNvPr id="2" name="Title 1">
+            <a:extLst>
+              <a:ext uri="{FF2B5EF4-FFF2-40B4-BE49-F238E27FC236}">
                 <a16:creationId xmlns:a16="http://schemas.microsoft.com/office/drawing/2014/main" id="{38B22C72-F738-6861-6CB5-26ED5790BF17}"/>
               </a:ext>
             </a:extLst>
@@ -7079,7 +8523,7 @@
           <a:p>
             <a:fld id="{CD8304E6-5469-594D-85BC-E468E92D2243}" type="slidenum">
               <a:rPr lang="en-US" smtClean="0"/>
-              <a:t>20</a:t>
+              <a:t>22</a:t>
             </a:fld>
             <a:endParaRPr lang="en-US"/>
           </a:p>
@@ -7098,7 +8542,7 @@
 </p:sld>
 </file>
 
-<file path=ppt/slides/slide21.xml><?xml version="1.0" encoding="utf-8"?>
+<file path=ppt/slides/slide23.xml><?xml version="1.0" encoding="utf-8"?>
 <p:sld xmlns:a="http://schemas.openxmlformats.org/drawingml/2006/main" xmlns:r="http://schemas.openxmlformats.org/officeDocument/2006/relationships" xmlns:p="http://schemas.openxmlformats.org/presentationml/2006/main">
   <p:cSld>
     <p:spTree>
@@ -7350,7 +8794,7 @@
           <a:p>
             <a:fld id="{CD8304E6-5469-594D-85BC-E468E92D2243}" type="slidenum">
               <a:rPr lang="en-US" smtClean="0"/>
-              <a:t>21</a:t>
+              <a:t>23</a:t>
             </a:fld>
             <a:endParaRPr lang="en-US"/>
           </a:p>
@@ -7907,7 +9351,7 @@
 </p:sld>
 </file>
 
-<file path=ppt/slides/slide22.xml><?xml version="1.0" encoding="utf-8"?>
+<file path=ppt/slides/slide24.xml><?xml version="1.0" encoding="utf-8"?>
 <p:sld xmlns:a="http://schemas.openxmlformats.org/drawingml/2006/main" xmlns:r="http://schemas.openxmlformats.org/officeDocument/2006/relationships" xmlns:p="http://schemas.openxmlformats.org/presentationml/2006/main">
   <p:cSld>
     <p:spTree>
@@ -8186,7 +9630,7 @@
           <a:p>
             <a:fld id="{CD8304E6-5469-594D-85BC-E468E92D2243}" type="slidenum">
               <a:rPr lang="en-US" smtClean="0"/>
-              <a:t>22</a:t>
+              <a:t>24</a:t>
             </a:fld>
             <a:endParaRPr lang="en-US"/>
           </a:p>
@@ -8566,7 +10010,7 @@
 </p:sld>
 </file>
 
-<file path=ppt/slides/slide23.xml><?xml version="1.0" encoding="utf-8"?>
+<file path=ppt/slides/slide25.xml><?xml version="1.0" encoding="utf-8"?>
 <p:sld xmlns:a="http://schemas.openxmlformats.org/drawingml/2006/main" xmlns:r="http://schemas.openxmlformats.org/officeDocument/2006/relationships" xmlns:p="http://schemas.openxmlformats.org/presentationml/2006/main">
   <p:cSld>
     <p:spTree>
@@ -8736,7 +10180,7 @@
           <a:p>
             <a:fld id="{5AE0D498-42EE-5F49-9FFD-85B9B54DD666}" type="slidenum">
               <a:rPr lang="en-DE" smtClean="0"/>
-              <a:t>23</a:t>
+              <a:t>25</a:t>
             </a:fld>
             <a:endParaRPr lang="en-DE"/>
           </a:p>
@@ -8785,7 +10229,7 @@
 </p:sld>
 </file>
 
-<file path=ppt/slides/slide24.xml><?xml version="1.0" encoding="utf-8"?>
+<file path=ppt/slides/slide26.xml><?xml version="1.0" encoding="utf-8"?>
 <p:sld xmlns:a="http://schemas.openxmlformats.org/drawingml/2006/main" xmlns:r="http://schemas.openxmlformats.org/officeDocument/2006/relationships" xmlns:p="http://schemas.openxmlformats.org/presentationml/2006/main">
   <p:cSld>
     <p:spTree>
@@ -8853,7 +10297,7 @@
           <a:p>
             <a:fld id="{CD8304E6-5469-594D-85BC-E468E92D2243}" type="slidenum">
               <a:rPr lang="en-US" smtClean="0"/>
-              <a:t>24</a:t>
+              <a:t>26</a:t>
             </a:fld>
             <a:endParaRPr lang="en-US"/>
           </a:p>
@@ -9026,6 +10470,245 @@
     <p:extLst>
       <p:ext uri="{BB962C8B-B14F-4D97-AF65-F5344CB8AC3E}">
         <p14:creationId xmlns:p14="http://schemas.microsoft.com/office/powerpoint/2010/main" val="1732105963"/>
+      </p:ext>
+    </p:extLst>
+  </p:cSld>
+  <p:clrMapOvr>
+    <a:masterClrMapping/>
+  </p:clrMapOvr>
+</p:sld>
+</file>
+
+<file path=ppt/slides/slide27.xml><?xml version="1.0" encoding="utf-8"?>
+<p:sld xmlns:a="http://schemas.openxmlformats.org/drawingml/2006/main" xmlns:r="http://schemas.openxmlformats.org/officeDocument/2006/relationships" xmlns:p="http://schemas.openxmlformats.org/presentationml/2006/main">
+  <p:cSld>
+    <p:spTree>
+      <p:nvGrpSpPr>
+        <p:cNvPr id="1" name=""/>
+        <p:cNvGrpSpPr/>
+        <p:nvPr/>
+      </p:nvGrpSpPr>
+      <p:grpSpPr>
+        <a:xfrm>
+          <a:off x="0" y="0"/>
+          <a:ext cx="0" cy="0"/>
+          <a:chOff x="0" y="0"/>
+          <a:chExt cx="0" cy="0"/>
+        </a:xfrm>
+      </p:grpSpPr>
+      <p:sp>
+        <p:nvSpPr>
+          <p:cNvPr id="2" name="Title 1">
+            <a:extLst>
+              <a:ext uri="{FF2B5EF4-FFF2-40B4-BE49-F238E27FC236}">
+                <a16:creationId xmlns:a16="http://schemas.microsoft.com/office/drawing/2014/main" id="{1F445261-A8A3-EB47-5609-292F8E03CBF3}"/>
+              </a:ext>
+            </a:extLst>
+          </p:cNvPr>
+          <p:cNvSpPr>
+            <a:spLocks noGrp="1"/>
+          </p:cNvSpPr>
+          <p:nvPr>
+            <p:ph type="title"/>
+          </p:nvPr>
+        </p:nvSpPr>
+        <p:spPr/>
+        <p:txBody>
+          <a:bodyPr/>
+          <a:lstStyle/>
+          <a:p>
+            <a:r>
+              <a:rPr lang="en-DE" dirty="0"/>
+              <a:t>Simulated events</a:t>
+            </a:r>
+          </a:p>
+        </p:txBody>
+      </p:sp>
+      <p:pic>
+        <p:nvPicPr>
+          <p:cNvPr id="7" name="Content Placeholder 6">
+            <a:extLst>
+              <a:ext uri="{FF2B5EF4-FFF2-40B4-BE49-F238E27FC236}">
+                <a16:creationId xmlns:a16="http://schemas.microsoft.com/office/drawing/2014/main" id="{E9C79BD1-4D6F-B1C6-6215-307EE024F01B}"/>
+              </a:ext>
+            </a:extLst>
+          </p:cNvPr>
+          <p:cNvPicPr>
+            <a:picLocks noGrp="1" noChangeAspect="1"/>
+          </p:cNvPicPr>
+          <p:nvPr>
+            <p:ph sz="half" idx="1"/>
+          </p:nvPr>
+        </p:nvPicPr>
+        <p:blipFill>
+          <a:blip r:embed="rId2"/>
+          <a:stretch>
+            <a:fillRect/>
+          </a:stretch>
+        </p:blipFill>
+        <p:spPr>
+          <a:xfrm>
+            <a:off x="838200" y="2192622"/>
+            <a:ext cx="5181600" cy="3617343"/>
+          </a:xfrm>
+        </p:spPr>
+      </p:pic>
+      <p:sp>
+        <p:nvSpPr>
+          <p:cNvPr id="4" name="Content Placeholder 3">
+            <a:extLst>
+              <a:ext uri="{FF2B5EF4-FFF2-40B4-BE49-F238E27FC236}">
+                <a16:creationId xmlns:a16="http://schemas.microsoft.com/office/drawing/2014/main" id="{7D813AC9-977D-E5E6-3304-7FDF9CB024C9}"/>
+              </a:ext>
+            </a:extLst>
+          </p:cNvPr>
+          <p:cNvSpPr>
+            <a:spLocks noGrp="1"/>
+          </p:cNvSpPr>
+          <p:nvPr>
+            <p:ph sz="half" idx="2"/>
+          </p:nvPr>
+        </p:nvSpPr>
+        <p:spPr/>
+        <p:txBody>
+          <a:bodyPr/>
+          <a:lstStyle/>
+          <a:p>
+            <a:endParaRPr lang="en-DE"/>
+          </a:p>
+        </p:txBody>
+      </p:sp>
+      <p:sp>
+        <p:nvSpPr>
+          <p:cNvPr id="5" name="Date Placeholder 4">
+            <a:extLst>
+              <a:ext uri="{FF2B5EF4-FFF2-40B4-BE49-F238E27FC236}">
+                <a16:creationId xmlns:a16="http://schemas.microsoft.com/office/drawing/2014/main" id="{DA61A265-FB4E-D6A4-1753-7556362E9C82}"/>
+              </a:ext>
+            </a:extLst>
+          </p:cNvPr>
+          <p:cNvSpPr>
+            <a:spLocks noGrp="1"/>
+          </p:cNvSpPr>
+          <p:nvPr>
+            <p:ph type="dt" sz="half" idx="10"/>
+          </p:nvPr>
+        </p:nvSpPr>
+        <p:spPr/>
+        <p:txBody>
+          <a:bodyPr/>
+          <a:lstStyle/>
+          <a:p>
+            <a:r>
+              <a:rPr lang="de-DE"/>
+              <a:t>P. Gutjahr</a:t>
+            </a:r>
+            <a:endParaRPr lang="en-US"/>
+          </a:p>
+        </p:txBody>
+      </p:sp>
+      <p:sp>
+        <p:nvSpPr>
+          <p:cNvPr id="6" name="Slide Number Placeholder 5">
+            <a:extLst>
+              <a:ext uri="{FF2B5EF4-FFF2-40B4-BE49-F238E27FC236}">
+                <a16:creationId xmlns:a16="http://schemas.microsoft.com/office/drawing/2014/main" id="{EA8E1054-8423-8311-32B2-6261C88516FD}"/>
+              </a:ext>
+            </a:extLst>
+          </p:cNvPr>
+          <p:cNvSpPr>
+            <a:spLocks noGrp="1"/>
+          </p:cNvSpPr>
+          <p:nvPr>
+            <p:ph type="sldNum" sz="quarter" idx="12"/>
+          </p:nvPr>
+        </p:nvSpPr>
+        <p:spPr/>
+        <p:txBody>
+          <a:bodyPr/>
+          <a:lstStyle/>
+          <a:p>
+            <a:fld id="{CD8304E6-5469-594D-85BC-E468E92D2243}" type="slidenum">
+              <a:rPr lang="en-US" smtClean="0"/>
+              <a:t>27</a:t>
+            </a:fld>
+            <a:endParaRPr lang="en-US"/>
+          </a:p>
+        </p:txBody>
+      </p:sp>
+      <p:pic>
+        <p:nvPicPr>
+          <p:cNvPr id="8" name="Grafik 9">
+            <a:extLst>
+              <a:ext uri="{FF2B5EF4-FFF2-40B4-BE49-F238E27FC236}">
+                <a16:creationId xmlns:a16="http://schemas.microsoft.com/office/drawing/2014/main" id="{E57A2013-756C-586D-9093-AB3489C50A16}"/>
+              </a:ext>
+            </a:extLst>
+          </p:cNvPr>
+          <p:cNvPicPr>
+            <a:picLocks noChangeAspect="1"/>
+          </p:cNvPicPr>
+          <p:nvPr/>
+        </p:nvPicPr>
+        <p:blipFill>
+          <a:blip r:embed="rId3"/>
+          <a:stretch>
+            <a:fillRect/>
+          </a:stretch>
+        </p:blipFill>
+        <p:spPr>
+          <a:xfrm>
+            <a:off x="145510" y="92738"/>
+            <a:ext cx="1832786" cy="365125"/>
+          </a:xfrm>
+          <a:prstGeom prst="rect">
+            <a:avLst/>
+          </a:prstGeom>
+        </p:spPr>
+      </p:pic>
+      <p:sp>
+        <p:nvSpPr>
+          <p:cNvPr id="9" name="TextBox 8">
+            <a:extLst>
+              <a:ext uri="{FF2B5EF4-FFF2-40B4-BE49-F238E27FC236}">
+                <a16:creationId xmlns:a16="http://schemas.microsoft.com/office/drawing/2014/main" id="{5D5F0D0A-D1C1-CCC6-F174-ACE031E65557}"/>
+              </a:ext>
+            </a:extLst>
+          </p:cNvPr>
+          <p:cNvSpPr txBox="1"/>
+          <p:nvPr/>
+        </p:nvSpPr>
+        <p:spPr>
+          <a:xfrm>
+            <a:off x="4356549" y="1988287"/>
+            <a:ext cx="2450236" cy="307777"/>
+          </a:xfrm>
+          <a:prstGeom prst="rect">
+            <a:avLst/>
+          </a:prstGeom>
+          <a:noFill/>
+        </p:spPr>
+        <p:txBody>
+          <a:bodyPr wrap="square" rtlCol="0">
+            <a:spAutoFit/>
+          </a:bodyPr>
+          <a:lstStyle/>
+          <a:p>
+            <a:r>
+              <a:rPr lang="en-GB" sz="1400" dirty="0"/>
+              <a:t>P</a:t>
+            </a:r>
+            <a:r>
+              <a:rPr lang="en-DE" sz="1400" dirty="0"/>
+              <a:t>assed muon filter</a:t>
+            </a:r>
+          </a:p>
+        </p:txBody>
+      </p:sp>
+    </p:spTree>
+    <p:extLst>
+      <p:ext uri="{BB962C8B-B14F-4D97-AF65-F5344CB8AC3E}">
+        <p14:creationId xmlns:p14="http://schemas.microsoft.com/office/powerpoint/2010/main" val="2372299448"/>
       </p:ext>
     </p:extLst>
   </p:cSld>
@@ -9397,53 +11080,6 @@
           </a:prstGeom>
         </p:spPr>
       </p:pic>
-      <p:sp>
-        <p:nvSpPr>
-          <p:cNvPr id="10" name="TextBox 9">
-            <a:extLst>
-              <a:ext uri="{FF2B5EF4-FFF2-40B4-BE49-F238E27FC236}">
-                <a16:creationId xmlns:a16="http://schemas.microsoft.com/office/drawing/2014/main" id="{EB7DCE5F-A658-8537-DA05-1BEC6789471A}"/>
-              </a:ext>
-            </a:extLst>
-          </p:cNvPr>
-          <p:cNvSpPr txBox="1"/>
-          <p:nvPr/>
-        </p:nvSpPr>
-        <p:spPr>
-          <a:xfrm>
-            <a:off x="6388443" y="5643495"/>
-            <a:ext cx="2582562" cy="1200329"/>
-          </a:xfrm>
-          <a:prstGeom prst="rect">
-            <a:avLst/>
-          </a:prstGeom>
-          <a:noFill/>
-        </p:spPr>
-        <p:txBody>
-          <a:bodyPr wrap="square" rtlCol="0">
-            <a:spAutoFit/>
-          </a:bodyPr>
-          <a:lstStyle/>
-          <a:p>
-            <a:r>
-              <a:rPr lang="en-GB" dirty="0">
-                <a:solidFill>
-                  <a:srgbClr val="C00000"/>
-                </a:solidFill>
-              </a:rPr>
-              <a:t>R</a:t>
-            </a:r>
-            <a:r>
-              <a:rPr lang="en-DE" dirty="0">
-                <a:solidFill>
-                  <a:srgbClr val="C00000"/>
-                </a:solidFill>
-              </a:rPr>
-              <a:t>econstructed energy used here?! -&gt; create this plot with MC primary energy!</a:t>
-            </a:r>
-          </a:p>
-        </p:txBody>
-      </p:sp>
     </p:spTree>
     <p:extLst>
       <p:ext uri="{BB962C8B-B14F-4D97-AF65-F5344CB8AC3E}">
@@ -9614,8 +11250,8 @@
         </p:blipFill>
         <p:spPr>
           <a:xfrm>
-            <a:off x="5812921" y="1690688"/>
-            <a:ext cx="6233569" cy="4351338"/>
+            <a:off x="6226519" y="1690688"/>
+            <a:ext cx="5819972" cy="4062627"/>
           </a:xfrm>
           <a:prstGeom prst="rect">
             <a:avLst/>
@@ -9672,7 +11308,7 @@
         <p:spPr>
           <a:xfrm>
             <a:off x="6215449" y="630195"/>
-            <a:ext cx="3286897" cy="369332"/>
+            <a:ext cx="4027368" cy="369332"/>
           </a:xfrm>
           <a:prstGeom prst="rect">
             <a:avLst/>
@@ -9686,12 +11322,8 @@
           <a:lstStyle/>
           <a:p>
             <a:r>
-              <a:rPr lang="en-DE" dirty="0">
-                <a:solidFill>
-                  <a:srgbClr val="C00000"/>
-                </a:solidFill>
-              </a:rPr>
-              <a:t>Prompt definition:</a:t>
+              <a:rPr lang="en-DE" dirty="0"/>
+              <a:t>Prompt definition: not pion and kaon</a:t>
             </a:r>
           </a:p>
         </p:txBody>
@@ -9739,53 +11371,36 @@
           </a:p>
         </p:txBody>
       </p:sp>
-      <p:sp>
-        <p:nvSpPr>
-          <p:cNvPr id="11" name="TextBox 10">
-            <a:extLst>
-              <a:ext uri="{FF2B5EF4-FFF2-40B4-BE49-F238E27FC236}">
-                <a16:creationId xmlns:a16="http://schemas.microsoft.com/office/drawing/2014/main" id="{DC84D00A-7F49-75C8-C0FB-C5B70D152AD5}"/>
-              </a:ext>
-            </a:extLst>
-          </p:cNvPr>
-          <p:cNvSpPr txBox="1"/>
+      <p:pic>
+        <p:nvPicPr>
+          <p:cNvPr id="12" name="Picture 11">
+            <a:extLst>
+              <a:ext uri="{FF2B5EF4-FFF2-40B4-BE49-F238E27FC236}">
+                <a16:creationId xmlns:a16="http://schemas.microsoft.com/office/drawing/2014/main" id="{F640E8B5-B5AF-33CF-D271-D4B8C45C9C65}"/>
+              </a:ext>
+            </a:extLst>
+          </p:cNvPr>
+          <p:cNvPicPr>
+            <a:picLocks noChangeAspect="1"/>
+          </p:cNvPicPr>
           <p:nvPr/>
-        </p:nvSpPr>
-        <p:spPr>
-          <a:xfrm>
-            <a:off x="1173892" y="2817341"/>
-            <a:ext cx="2174789" cy="646331"/>
+        </p:nvPicPr>
+        <p:blipFill>
+          <a:blip r:embed="rId4"/>
+          <a:stretch>
+            <a:fillRect/>
+          </a:stretch>
+        </p:blipFill>
+        <p:spPr>
+          <a:xfrm>
+            <a:off x="451795" y="1778814"/>
+            <a:ext cx="5644205" cy="3907527"/>
           </a:xfrm>
           <a:prstGeom prst="rect">
             <a:avLst/>
           </a:prstGeom>
-          <a:noFill/>
-        </p:spPr>
-        <p:txBody>
-          <a:bodyPr wrap="square" rtlCol="0">
-            <a:spAutoFit/>
-          </a:bodyPr>
-          <a:lstStyle/>
-          <a:p>
-            <a:r>
-              <a:rPr lang="en-GB" dirty="0">
-                <a:solidFill>
-                  <a:srgbClr val="C00000"/>
-                </a:solidFill>
-              </a:rPr>
-              <a:t>I</a:t>
-            </a:r>
-            <a:r>
-              <a:rPr lang="en-DE" dirty="0">
-                <a:solidFill>
-                  <a:srgbClr val="C00000"/>
-                </a:solidFill>
-              </a:rPr>
-              <a:t>nsert plot: corsika standalone vs. mceq</a:t>
-            </a:r>
-          </a:p>
-        </p:txBody>
-      </p:sp>
+        </p:spPr>
+      </p:pic>
     </p:spTree>
     <p:extLst>
       <p:ext uri="{BB962C8B-B14F-4D97-AF65-F5344CB8AC3E}">
@@ -9846,105 +11461,6 @@
       </p:sp>
       <p:sp>
         <p:nvSpPr>
-          <p:cNvPr id="3" name="Content Placeholder 2">
-            <a:extLst>
-              <a:ext uri="{FF2B5EF4-FFF2-40B4-BE49-F238E27FC236}">
-                <a16:creationId xmlns:a16="http://schemas.microsoft.com/office/drawing/2014/main" id="{7FA7B7FB-392F-BA18-EBE6-AC6282AB20CF}"/>
-              </a:ext>
-            </a:extLst>
-          </p:cNvPr>
-          <p:cNvSpPr>
-            <a:spLocks noGrp="1"/>
-          </p:cNvSpPr>
-          <p:nvPr>
-            <p:ph idx="1"/>
-          </p:nvPr>
-        </p:nvSpPr>
-        <p:spPr/>
-        <p:txBody>
-          <a:bodyPr/>
-          <a:lstStyle/>
-          <a:p>
-            <a:r>
-              <a:rPr lang="en-GB" dirty="0">
-                <a:solidFill>
-                  <a:srgbClr val="C00000"/>
-                </a:solidFill>
-              </a:rPr>
-              <a:t>S</a:t>
-            </a:r>
-            <a:r>
-              <a:rPr lang="en-DE" dirty="0">
-                <a:solidFill>
-                  <a:srgbClr val="C00000"/>
-                </a:solidFill>
-              </a:rPr>
-              <a:t>how 2 plots: number of muons in 10 years as a function of the energy (M</a:t>
-            </a:r>
-            <a:r>
-              <a:rPr lang="en-GB" dirty="0">
-                <a:solidFill>
-                  <a:srgbClr val="C00000"/>
-                </a:solidFill>
-              </a:rPr>
-              <a:t>c</a:t>
-            </a:r>
-            <a:r>
-              <a:rPr lang="en-DE" dirty="0">
-                <a:solidFill>
-                  <a:srgbClr val="C00000"/>
-                </a:solidFill>
-              </a:rPr>
-              <a:t>leading muon energy at entry and mc bundle energy at entry)</a:t>
-            </a:r>
-          </a:p>
-          <a:p>
-            <a:r>
-              <a:rPr lang="en-GB" dirty="0">
-                <a:solidFill>
-                  <a:srgbClr val="C00000"/>
-                </a:solidFill>
-              </a:rPr>
-              <a:t>U</a:t>
-            </a:r>
-            <a:r>
-              <a:rPr lang="en-DE" dirty="0">
-                <a:solidFill>
-                  <a:srgbClr val="C00000"/>
-                </a:solidFill>
-              </a:rPr>
-              <a:t>se 4 weighting models</a:t>
-            </a:r>
-          </a:p>
-          <a:p>
-            <a:endParaRPr lang="en-DE" dirty="0">
-              <a:solidFill>
-                <a:srgbClr val="C00000"/>
-              </a:solidFill>
-            </a:endParaRPr>
-          </a:p>
-          <a:p>
-            <a:r>
-              <a:rPr lang="en-GB" dirty="0">
-                <a:solidFill>
-                  <a:srgbClr val="C00000"/>
-                </a:solidFill>
-              </a:rPr>
-              <a:t>S</a:t>
-            </a:r>
-            <a:r>
-              <a:rPr lang="en-DE" dirty="0">
-                <a:solidFill>
-                  <a:srgbClr val="C00000"/>
-                </a:solidFill>
-              </a:rPr>
-              <a:t>how, that the leading energy is more senstive to detect prompt</a:t>
-            </a:r>
-          </a:p>
-        </p:txBody>
-      </p:sp>
-      <p:sp>
-        <p:nvSpPr>
           <p:cNvPr id="4" name="Date Placeholder 3">
             <a:extLst>
               <a:ext uri="{FF2B5EF4-FFF2-40B4-BE49-F238E27FC236}">
@@ -10025,6 +11541,66 @@
           <a:xfrm>
             <a:off x="145510" y="92738"/>
             <a:ext cx="1832786" cy="365125"/>
+          </a:xfrm>
+          <a:prstGeom prst="rect">
+            <a:avLst/>
+          </a:prstGeom>
+        </p:spPr>
+      </p:pic>
+      <p:pic>
+        <p:nvPicPr>
+          <p:cNvPr id="7" name="Picture 6">
+            <a:extLst>
+              <a:ext uri="{FF2B5EF4-FFF2-40B4-BE49-F238E27FC236}">
+                <a16:creationId xmlns:a16="http://schemas.microsoft.com/office/drawing/2014/main" id="{39812B57-8291-134B-5A77-0FFFCD3CB7D0}"/>
+              </a:ext>
+            </a:extLst>
+          </p:cNvPr>
+          <p:cNvPicPr>
+            <a:picLocks noChangeAspect="1"/>
+          </p:cNvPicPr>
+          <p:nvPr/>
+        </p:nvPicPr>
+        <p:blipFill>
+          <a:blip r:embed="rId3"/>
+          <a:stretch>
+            <a:fillRect/>
+          </a:stretch>
+        </p:blipFill>
+        <p:spPr>
+          <a:xfrm>
+            <a:off x="447336" y="1842363"/>
+            <a:ext cx="5384800" cy="3759200"/>
+          </a:xfrm>
+          <a:prstGeom prst="rect">
+            <a:avLst/>
+          </a:prstGeom>
+        </p:spPr>
+      </p:pic>
+      <p:pic>
+        <p:nvPicPr>
+          <p:cNvPr id="8" name="Picture 7">
+            <a:extLst>
+              <a:ext uri="{FF2B5EF4-FFF2-40B4-BE49-F238E27FC236}">
+                <a16:creationId xmlns:a16="http://schemas.microsoft.com/office/drawing/2014/main" id="{46A15475-5D6A-0ED0-D952-97B26F5558B1}"/>
+              </a:ext>
+            </a:extLst>
+          </p:cNvPr>
+          <p:cNvPicPr>
+            <a:picLocks noChangeAspect="1"/>
+          </p:cNvPicPr>
+          <p:nvPr/>
+        </p:nvPicPr>
+        <p:blipFill>
+          <a:blip r:embed="rId4"/>
+          <a:stretch>
+            <a:fillRect/>
+          </a:stretch>
+        </p:blipFill>
+        <p:spPr>
+          <a:xfrm>
+            <a:off x="6359864" y="1842363"/>
+            <a:ext cx="5384800" cy="3759200"/>
           </a:xfrm>
           <a:prstGeom prst="rect">
             <a:avLst/>
@@ -10066,7 +11642,7 @@
           <p:cNvPr id="2" name="Title 1">
             <a:extLst>
               <a:ext uri="{FF2B5EF4-FFF2-40B4-BE49-F238E27FC236}">
-                <a16:creationId xmlns:a16="http://schemas.microsoft.com/office/drawing/2014/main" id="{E24A93B4-DDCA-4F67-32CA-6BE9BC5B12AA}"/>
+                <a16:creationId xmlns:a16="http://schemas.microsoft.com/office/drawing/2014/main" id="{13EECCC0-81CA-A109-6BC9-2FB19DDE2578}"/>
               </a:ext>
             </a:extLst>
           </p:cNvPr>
@@ -10084,56 +11660,46 @@
           <a:p>
             <a:r>
               <a:rPr lang="en-DE" dirty="0"/>
-              <a:t>Leading muon energy fraction</a:t>
-            </a:r>
-          </a:p>
-        </p:txBody>
-      </p:sp>
-      <p:sp>
-        <p:nvSpPr>
-          <p:cNvPr id="3" name="Content Placeholder 2">
-            <a:extLst>
-              <a:ext uri="{FF2B5EF4-FFF2-40B4-BE49-F238E27FC236}">
-                <a16:creationId xmlns:a16="http://schemas.microsoft.com/office/drawing/2014/main" id="{96D32BCF-BF40-9C92-D525-FB9E5AC8FDA4}"/>
-              </a:ext>
-            </a:extLst>
-          </p:cNvPr>
-          <p:cNvSpPr>
-            <a:spLocks noGrp="1"/>
-          </p:cNvSpPr>
+              <a:t>Expected muons for 10 years: leading vs. bundle energy</a:t>
+            </a:r>
+          </a:p>
+        </p:txBody>
+      </p:sp>
+      <p:pic>
+        <p:nvPicPr>
+          <p:cNvPr id="7" name="Content Placeholder 6">
+            <a:extLst>
+              <a:ext uri="{FF2B5EF4-FFF2-40B4-BE49-F238E27FC236}">
+                <a16:creationId xmlns:a16="http://schemas.microsoft.com/office/drawing/2014/main" id="{2DDCF4EF-76ED-6C73-B1C2-EBAC92837D4A}"/>
+              </a:ext>
+            </a:extLst>
+          </p:cNvPr>
+          <p:cNvPicPr>
+            <a:picLocks noGrp="1" noChangeAspect="1"/>
+          </p:cNvPicPr>
           <p:nvPr>
             <p:ph idx="1"/>
           </p:nvPr>
-        </p:nvSpPr>
-        <p:spPr>
-          <a:xfrm>
-            <a:off x="838200" y="1825624"/>
-            <a:ext cx="4233458" cy="4530725"/>
-          </a:xfrm>
-        </p:spPr>
-        <p:txBody>
-          <a:bodyPr/>
-          <a:lstStyle/>
-          <a:p>
-            <a:r>
-              <a:rPr lang="en-DE" dirty="0"/>
-              <a:t>Prompt dominates for energies &gt; 1 PeV</a:t>
-            </a:r>
-          </a:p>
-          <a:p>
-            <a:r>
-              <a:rPr lang="en-DE" dirty="0"/>
-              <a:t>Leading energy sweet spot: 0.1 – 0.9  </a:t>
-            </a:r>
-          </a:p>
-        </p:txBody>
-      </p:sp>
+        </p:nvPicPr>
+        <p:blipFill>
+          <a:blip r:embed="rId2"/>
+          <a:stretch>
+            <a:fillRect/>
+          </a:stretch>
+        </p:blipFill>
+        <p:spPr>
+          <a:xfrm>
+            <a:off x="482846" y="1846486"/>
+            <a:ext cx="5384800" cy="3759200"/>
+          </a:xfrm>
+        </p:spPr>
+      </p:pic>
       <p:sp>
         <p:nvSpPr>
           <p:cNvPr id="4" name="Date Placeholder 3">
             <a:extLst>
               <a:ext uri="{FF2B5EF4-FFF2-40B4-BE49-F238E27FC236}">
-                <a16:creationId xmlns:a16="http://schemas.microsoft.com/office/drawing/2014/main" id="{C315B6BC-FF8B-F073-4FA1-75B3851526FC}"/>
+                <a16:creationId xmlns:a16="http://schemas.microsoft.com/office/drawing/2014/main" id="{76D51072-A771-182E-D4EE-1628C0CCB9FE}"/>
               </a:ext>
             </a:extLst>
           </p:cNvPr>
@@ -10162,7 +11728,7 @@
           <p:cNvPr id="5" name="Slide Number Placeholder 4">
             <a:extLst>
               <a:ext uri="{FF2B5EF4-FFF2-40B4-BE49-F238E27FC236}">
-                <a16:creationId xmlns:a16="http://schemas.microsoft.com/office/drawing/2014/main" id="{7DE0D164-D5DD-3528-A353-BA51A85D148D}"/>
+                <a16:creationId xmlns:a16="http://schemas.microsoft.com/office/drawing/2014/main" id="{B11E5B0B-5DBE-EDD4-BE13-64C298B4CB99}"/>
               </a:ext>
             </a:extLst>
           </p:cNvPr>
@@ -10181,6 +11747,368 @@
             <a:fld id="{CD8304E6-5469-594D-85BC-E468E92D2243}" type="slidenum">
               <a:rPr lang="en-US" smtClean="0"/>
               <a:t>6</a:t>
+            </a:fld>
+            <a:endParaRPr lang="en-US"/>
+          </a:p>
+        </p:txBody>
+      </p:sp>
+      <p:pic>
+        <p:nvPicPr>
+          <p:cNvPr id="6" name="Grafik 9">
+            <a:extLst>
+              <a:ext uri="{FF2B5EF4-FFF2-40B4-BE49-F238E27FC236}">
+                <a16:creationId xmlns:a16="http://schemas.microsoft.com/office/drawing/2014/main" id="{22F3CF62-966F-EAAE-7B90-7822B10E2720}"/>
+              </a:ext>
+            </a:extLst>
+          </p:cNvPr>
+          <p:cNvPicPr>
+            <a:picLocks noChangeAspect="1"/>
+          </p:cNvPicPr>
+          <p:nvPr/>
+        </p:nvPicPr>
+        <p:blipFill>
+          <a:blip r:embed="rId3"/>
+          <a:stretch>
+            <a:fillRect/>
+          </a:stretch>
+        </p:blipFill>
+        <p:spPr>
+          <a:xfrm>
+            <a:off x="145510" y="92738"/>
+            <a:ext cx="1832786" cy="365125"/>
+          </a:xfrm>
+          <a:prstGeom prst="rect">
+            <a:avLst/>
+          </a:prstGeom>
+        </p:spPr>
+      </p:pic>
+      <p:pic>
+        <p:nvPicPr>
+          <p:cNvPr id="8" name="Picture 7">
+            <a:extLst>
+              <a:ext uri="{FF2B5EF4-FFF2-40B4-BE49-F238E27FC236}">
+                <a16:creationId xmlns:a16="http://schemas.microsoft.com/office/drawing/2014/main" id="{945EE3EE-812B-E851-694A-72C327334F67}"/>
+              </a:ext>
+            </a:extLst>
+          </p:cNvPr>
+          <p:cNvPicPr>
+            <a:picLocks noChangeAspect="1"/>
+          </p:cNvPicPr>
+          <p:nvPr/>
+        </p:nvPicPr>
+        <p:blipFill>
+          <a:blip r:embed="rId4"/>
+          <a:stretch>
+            <a:fillRect/>
+          </a:stretch>
+        </p:blipFill>
+        <p:spPr>
+          <a:xfrm>
+            <a:off x="6324356" y="1846486"/>
+            <a:ext cx="5384800" cy="3759200"/>
+          </a:xfrm>
+          <a:prstGeom prst="rect">
+            <a:avLst/>
+          </a:prstGeom>
+        </p:spPr>
+      </p:pic>
+      <p:sp>
+        <p:nvSpPr>
+          <p:cNvPr id="9" name="Oval 8">
+            <a:extLst>
+              <a:ext uri="{FF2B5EF4-FFF2-40B4-BE49-F238E27FC236}">
+                <a16:creationId xmlns:a16="http://schemas.microsoft.com/office/drawing/2014/main" id="{AD965EDF-68DA-81F8-28DF-D32F2D223701}"/>
+              </a:ext>
+            </a:extLst>
+          </p:cNvPr>
+          <p:cNvSpPr/>
+          <p:nvPr/>
+        </p:nvSpPr>
+        <p:spPr>
+          <a:xfrm>
+            <a:off x="3581400" y="4447713"/>
+            <a:ext cx="2286246" cy="568170"/>
+          </a:xfrm>
+          <a:prstGeom prst="ellipse">
+            <a:avLst/>
+          </a:prstGeom>
+          <a:noFill/>
+          <a:ln w="19050">
+            <a:solidFill>
+              <a:schemeClr val="accent6"/>
+            </a:solidFill>
+          </a:ln>
+        </p:spPr>
+        <p:style>
+          <a:lnRef idx="2">
+            <a:schemeClr val="accent1">
+              <a:shade val="15000"/>
+            </a:schemeClr>
+          </a:lnRef>
+          <a:fillRef idx="1">
+            <a:schemeClr val="accent1"/>
+          </a:fillRef>
+          <a:effectRef idx="0">
+            <a:schemeClr val="accent1"/>
+          </a:effectRef>
+          <a:fontRef idx="minor">
+            <a:schemeClr val="lt1"/>
+          </a:fontRef>
+        </p:style>
+        <p:txBody>
+          <a:bodyPr rtlCol="0" anchor="ctr"/>
+          <a:lstStyle/>
+          <a:p>
+            <a:pPr algn="ctr"/>
+            <a:endParaRPr lang="en-DE"/>
+          </a:p>
+        </p:txBody>
+      </p:sp>
+      <p:sp>
+        <p:nvSpPr>
+          <p:cNvPr id="10" name="Oval 9">
+            <a:extLst>
+              <a:ext uri="{FF2B5EF4-FFF2-40B4-BE49-F238E27FC236}">
+                <a16:creationId xmlns:a16="http://schemas.microsoft.com/office/drawing/2014/main" id="{741E45A7-46FD-DD7C-2FA6-45885CE1FEA7}"/>
+              </a:ext>
+            </a:extLst>
+          </p:cNvPr>
+          <p:cNvSpPr/>
+          <p:nvPr/>
+        </p:nvSpPr>
+        <p:spPr>
+          <a:xfrm>
+            <a:off x="10395857" y="4338856"/>
+            <a:ext cx="1130193" cy="568170"/>
+          </a:xfrm>
+          <a:prstGeom prst="ellipse">
+            <a:avLst/>
+          </a:prstGeom>
+          <a:noFill/>
+          <a:ln w="19050">
+            <a:solidFill>
+              <a:schemeClr val="accent6"/>
+            </a:solidFill>
+          </a:ln>
+        </p:spPr>
+        <p:style>
+          <a:lnRef idx="2">
+            <a:schemeClr val="accent1">
+              <a:shade val="15000"/>
+            </a:schemeClr>
+          </a:lnRef>
+          <a:fillRef idx="1">
+            <a:schemeClr val="accent1"/>
+          </a:fillRef>
+          <a:effectRef idx="0">
+            <a:schemeClr val="accent1"/>
+          </a:effectRef>
+          <a:fontRef idx="minor">
+            <a:schemeClr val="lt1"/>
+          </a:fontRef>
+        </p:style>
+        <p:txBody>
+          <a:bodyPr rtlCol="0" anchor="ctr"/>
+          <a:lstStyle/>
+          <a:p>
+            <a:pPr algn="ctr"/>
+            <a:endParaRPr lang="en-DE"/>
+          </a:p>
+        </p:txBody>
+      </p:sp>
+      <p:sp>
+        <p:nvSpPr>
+          <p:cNvPr id="11" name="TextBox 10">
+            <a:extLst>
+              <a:ext uri="{FF2B5EF4-FFF2-40B4-BE49-F238E27FC236}">
+                <a16:creationId xmlns:a16="http://schemas.microsoft.com/office/drawing/2014/main" id="{D53989D6-3A80-43A8-7D42-1B86F7881A58}"/>
+              </a:ext>
+            </a:extLst>
+          </p:cNvPr>
+          <p:cNvSpPr txBox="1"/>
+          <p:nvPr/>
+        </p:nvSpPr>
+        <p:spPr>
+          <a:xfrm>
+            <a:off x="3742124" y="6139543"/>
+            <a:ext cx="5384800" cy="307777"/>
+          </a:xfrm>
+          <a:prstGeom prst="rect">
+            <a:avLst/>
+          </a:prstGeom>
+          <a:noFill/>
+        </p:spPr>
+        <p:txBody>
+          <a:bodyPr wrap="square" rtlCol="0">
+            <a:spAutoFit/>
+          </a:bodyPr>
+          <a:lstStyle/>
+          <a:p>
+            <a:pPr marL="285750" indent="-285750">
+              <a:buFont typeface="Wingdings" pitchFamily="2" charset="2"/>
+              <a:buChar char="Ø"/>
+            </a:pPr>
+            <a:r>
+              <a:rPr lang="en-DE" sz="1400" dirty="0">
+                <a:solidFill>
+                  <a:schemeClr val="accent6"/>
+                </a:solidFill>
+              </a:rPr>
+              <a:t>Leading muon energy is more sensitive to detect prompt</a:t>
+            </a:r>
+          </a:p>
+        </p:txBody>
+      </p:sp>
+    </p:spTree>
+    <p:extLst>
+      <p:ext uri="{BB962C8B-B14F-4D97-AF65-F5344CB8AC3E}">
+        <p14:creationId xmlns:p14="http://schemas.microsoft.com/office/powerpoint/2010/main" val="2719550762"/>
+      </p:ext>
+    </p:extLst>
+  </p:cSld>
+  <p:clrMapOvr>
+    <a:masterClrMapping/>
+  </p:clrMapOvr>
+</p:sld>
+</file>
+
+<file path=ppt/slides/slide7.xml><?xml version="1.0" encoding="utf-8"?>
+<p:sld xmlns:a="http://schemas.openxmlformats.org/drawingml/2006/main" xmlns:r="http://schemas.openxmlformats.org/officeDocument/2006/relationships" xmlns:p="http://schemas.openxmlformats.org/presentationml/2006/main">
+  <p:cSld>
+    <p:spTree>
+      <p:nvGrpSpPr>
+        <p:cNvPr id="1" name=""/>
+        <p:cNvGrpSpPr/>
+        <p:nvPr/>
+      </p:nvGrpSpPr>
+      <p:grpSpPr>
+        <a:xfrm>
+          <a:off x="0" y="0"/>
+          <a:ext cx="0" cy="0"/>
+          <a:chOff x="0" y="0"/>
+          <a:chExt cx="0" cy="0"/>
+        </a:xfrm>
+      </p:grpSpPr>
+      <p:sp>
+        <p:nvSpPr>
+          <p:cNvPr id="2" name="Title 1">
+            <a:extLst>
+              <a:ext uri="{FF2B5EF4-FFF2-40B4-BE49-F238E27FC236}">
+                <a16:creationId xmlns:a16="http://schemas.microsoft.com/office/drawing/2014/main" id="{E24A93B4-DDCA-4F67-32CA-6BE9BC5B12AA}"/>
+              </a:ext>
+            </a:extLst>
+          </p:cNvPr>
+          <p:cNvSpPr>
+            <a:spLocks noGrp="1"/>
+          </p:cNvSpPr>
+          <p:nvPr>
+            <p:ph type="title"/>
+          </p:nvPr>
+        </p:nvSpPr>
+        <p:spPr/>
+        <p:txBody>
+          <a:bodyPr/>
+          <a:lstStyle/>
+          <a:p>
+            <a:r>
+              <a:rPr lang="en-DE" dirty="0"/>
+              <a:t>Leading muon energy fraction</a:t>
+            </a:r>
+          </a:p>
+        </p:txBody>
+      </p:sp>
+      <p:sp>
+        <p:nvSpPr>
+          <p:cNvPr id="3" name="Content Placeholder 2">
+            <a:extLst>
+              <a:ext uri="{FF2B5EF4-FFF2-40B4-BE49-F238E27FC236}">
+                <a16:creationId xmlns:a16="http://schemas.microsoft.com/office/drawing/2014/main" id="{96D32BCF-BF40-9C92-D525-FB9E5AC8FDA4}"/>
+              </a:ext>
+            </a:extLst>
+          </p:cNvPr>
+          <p:cNvSpPr>
+            <a:spLocks noGrp="1"/>
+          </p:cNvSpPr>
+          <p:nvPr>
+            <p:ph idx="1"/>
+          </p:nvPr>
+        </p:nvSpPr>
+        <p:spPr>
+          <a:xfrm>
+            <a:off x="838200" y="1825624"/>
+            <a:ext cx="4233458" cy="4530725"/>
+          </a:xfrm>
+        </p:spPr>
+        <p:txBody>
+          <a:bodyPr/>
+          <a:lstStyle/>
+          <a:p>
+            <a:r>
+              <a:rPr lang="en-DE" dirty="0"/>
+              <a:t>Prompt dominates for energies &gt; 1 PeV</a:t>
+            </a:r>
+          </a:p>
+          <a:p>
+            <a:r>
+              <a:rPr lang="en-DE" dirty="0"/>
+              <a:t>Leading energy sweet spot: 0.1 – 0.9  </a:t>
+            </a:r>
+          </a:p>
+        </p:txBody>
+      </p:sp>
+      <p:sp>
+        <p:nvSpPr>
+          <p:cNvPr id="4" name="Date Placeholder 3">
+            <a:extLst>
+              <a:ext uri="{FF2B5EF4-FFF2-40B4-BE49-F238E27FC236}">
+                <a16:creationId xmlns:a16="http://schemas.microsoft.com/office/drawing/2014/main" id="{C315B6BC-FF8B-F073-4FA1-75B3851526FC}"/>
+              </a:ext>
+            </a:extLst>
+          </p:cNvPr>
+          <p:cNvSpPr>
+            <a:spLocks noGrp="1"/>
+          </p:cNvSpPr>
+          <p:nvPr>
+            <p:ph type="dt" sz="half" idx="10"/>
+          </p:nvPr>
+        </p:nvSpPr>
+        <p:spPr/>
+        <p:txBody>
+          <a:bodyPr/>
+          <a:lstStyle/>
+          <a:p>
+            <a:r>
+              <a:rPr lang="de-DE"/>
+              <a:t>P. Gutjahr</a:t>
+            </a:r>
+            <a:endParaRPr lang="en-US"/>
+          </a:p>
+        </p:txBody>
+      </p:sp>
+      <p:sp>
+        <p:nvSpPr>
+          <p:cNvPr id="5" name="Slide Number Placeholder 4">
+            <a:extLst>
+              <a:ext uri="{FF2B5EF4-FFF2-40B4-BE49-F238E27FC236}">
+                <a16:creationId xmlns:a16="http://schemas.microsoft.com/office/drawing/2014/main" id="{7DE0D164-D5DD-3528-A353-BA51A85D148D}"/>
+              </a:ext>
+            </a:extLst>
+          </p:cNvPr>
+          <p:cNvSpPr>
+            <a:spLocks noGrp="1"/>
+          </p:cNvSpPr>
+          <p:nvPr>
+            <p:ph type="sldNum" sz="quarter" idx="12"/>
+          </p:nvPr>
+        </p:nvSpPr>
+        <p:spPr/>
+        <p:txBody>
+          <a:bodyPr/>
+          <a:lstStyle/>
+          <a:p>
+            <a:fld id="{CD8304E6-5469-594D-85BC-E468E92D2243}" type="slidenum">
+              <a:rPr lang="en-US" smtClean="0"/>
+              <a:t>7</a:t>
             </a:fld>
             <a:endParaRPr lang="en-US"/>
           </a:p>
@@ -10489,289 +12417,6 @@
 </p:sld>
 </file>
 
-<file path=ppt/slides/slide7.xml><?xml version="1.0" encoding="utf-8"?>
-<p:sld xmlns:a="http://schemas.openxmlformats.org/drawingml/2006/main" xmlns:r="http://schemas.openxmlformats.org/officeDocument/2006/relationships" xmlns:p="http://schemas.openxmlformats.org/presentationml/2006/main">
-  <p:cSld>
-    <p:spTree>
-      <p:nvGrpSpPr>
-        <p:cNvPr id="1" name=""/>
-        <p:cNvGrpSpPr/>
-        <p:nvPr/>
-      </p:nvGrpSpPr>
-      <p:grpSpPr>
-        <a:xfrm>
-          <a:off x="0" y="0"/>
-          <a:ext cx="0" cy="0"/>
-          <a:chOff x="0" y="0"/>
-          <a:chExt cx="0" cy="0"/>
-        </a:xfrm>
-      </p:grpSpPr>
-      <p:sp>
-        <p:nvSpPr>
-          <p:cNvPr id="2" name="Title 1">
-            <a:extLst>
-              <a:ext uri="{FF2B5EF4-FFF2-40B4-BE49-F238E27FC236}">
-                <a16:creationId xmlns:a16="http://schemas.microsoft.com/office/drawing/2014/main" id="{75A4E8C3-05A1-ACDC-A19F-CAE0FF3937F2}"/>
-              </a:ext>
-            </a:extLst>
-          </p:cNvPr>
-          <p:cNvSpPr>
-            <a:spLocks noGrp="1"/>
-          </p:cNvSpPr>
-          <p:nvPr>
-            <p:ph type="title"/>
-          </p:nvPr>
-        </p:nvSpPr>
-        <p:spPr/>
-        <p:txBody>
-          <a:bodyPr/>
-          <a:lstStyle/>
-          <a:p>
-            <a:r>
-              <a:rPr lang="en-DE" dirty="0"/>
-              <a:t>Leading muon contribution</a:t>
-            </a:r>
-          </a:p>
-        </p:txBody>
-      </p:sp>
-      <p:pic>
-        <p:nvPicPr>
-          <p:cNvPr id="6" name="Content Placeholder 5">
-            <a:extLst>
-              <a:ext uri="{FF2B5EF4-FFF2-40B4-BE49-F238E27FC236}">
-                <a16:creationId xmlns:a16="http://schemas.microsoft.com/office/drawing/2014/main" id="{E11E61D3-E4FF-ED12-62A7-EE71A8DBEC14}"/>
-              </a:ext>
-            </a:extLst>
-          </p:cNvPr>
-          <p:cNvPicPr>
-            <a:picLocks noGrp="1" noChangeAspect="1"/>
-          </p:cNvPicPr>
-          <p:nvPr>
-            <p:ph idx="1"/>
-          </p:nvPr>
-        </p:nvPicPr>
-        <p:blipFill>
-          <a:blip r:embed="rId2"/>
-          <a:stretch>
-            <a:fillRect/>
-          </a:stretch>
-        </p:blipFill>
-        <p:spPr>
-          <a:xfrm>
-            <a:off x="4402666" y="1690688"/>
-            <a:ext cx="6815667" cy="4718539"/>
-          </a:xfrm>
-        </p:spPr>
-      </p:pic>
-      <p:sp>
-        <p:nvSpPr>
-          <p:cNvPr id="4" name="Slide Number Placeholder 3">
-            <a:extLst>
-              <a:ext uri="{FF2B5EF4-FFF2-40B4-BE49-F238E27FC236}">
-                <a16:creationId xmlns:a16="http://schemas.microsoft.com/office/drawing/2014/main" id="{972C638F-29F0-BA35-224E-9D857389212F}"/>
-              </a:ext>
-            </a:extLst>
-          </p:cNvPr>
-          <p:cNvSpPr>
-            <a:spLocks noGrp="1"/>
-          </p:cNvSpPr>
-          <p:nvPr>
-            <p:ph type="sldNum" sz="quarter" idx="12"/>
-          </p:nvPr>
-        </p:nvSpPr>
-        <p:spPr/>
-        <p:txBody>
-          <a:bodyPr/>
-          <a:lstStyle/>
-          <a:p>
-            <a:fld id="{5AE0D498-42EE-5F49-9FFD-85B9B54DD666}" type="slidenum">
-              <a:rPr lang="en-DE" smtClean="0"/>
-              <a:t>7</a:t>
-            </a:fld>
-            <a:endParaRPr lang="en-DE"/>
-          </a:p>
-        </p:txBody>
-      </p:sp>
-      <p:pic>
-        <p:nvPicPr>
-          <p:cNvPr id="8" name="Picture 7" descr="A graph with red lines and black dots&#10;&#10;Description automatically generated">
-            <a:extLst>
-              <a:ext uri="{FF2B5EF4-FFF2-40B4-BE49-F238E27FC236}">
-                <a16:creationId xmlns:a16="http://schemas.microsoft.com/office/drawing/2014/main" id="{A3A1A0F4-7497-5850-FC07-395632148395}"/>
-              </a:ext>
-            </a:extLst>
-          </p:cNvPr>
-          <p:cNvPicPr>
-            <a:picLocks noChangeAspect="1"/>
-          </p:cNvPicPr>
-          <p:nvPr/>
-        </p:nvPicPr>
-        <p:blipFill>
-          <a:blip r:embed="rId3"/>
-          <a:stretch>
-            <a:fillRect/>
-          </a:stretch>
-        </p:blipFill>
-        <p:spPr>
-          <a:xfrm>
-            <a:off x="397522" y="1690688"/>
-            <a:ext cx="3342627" cy="2887133"/>
-          </a:xfrm>
-          <a:prstGeom prst="rect">
-            <a:avLst/>
-          </a:prstGeom>
-        </p:spPr>
-      </p:pic>
-      <p:sp>
-        <p:nvSpPr>
-          <p:cNvPr id="9" name="TextBox 8">
-            <a:extLst>
-              <a:ext uri="{FF2B5EF4-FFF2-40B4-BE49-F238E27FC236}">
-                <a16:creationId xmlns:a16="http://schemas.microsoft.com/office/drawing/2014/main" id="{CDFFBED2-F304-EA20-1346-C6B54152E4BA}"/>
-              </a:ext>
-            </a:extLst>
-          </p:cNvPr>
-          <p:cNvSpPr txBox="1"/>
-          <p:nvPr/>
-        </p:nvSpPr>
-        <p:spPr>
-          <a:xfrm>
-            <a:off x="250085" y="4797980"/>
-            <a:ext cx="4275145" cy="1600438"/>
-          </a:xfrm>
-          <a:prstGeom prst="rect">
-            <a:avLst/>
-          </a:prstGeom>
-          <a:noFill/>
-        </p:spPr>
-        <p:txBody>
-          <a:bodyPr wrap="none" rtlCol="0">
-            <a:spAutoFit/>
-          </a:bodyPr>
-          <a:lstStyle/>
-          <a:p>
-            <a:pPr marL="171450" indent="-171450">
-              <a:buFont typeface="Arial" panose="020B0604020202020204" pitchFamily="34" charset="0"/>
-              <a:buChar char="•"/>
-            </a:pPr>
-            <a:r>
-              <a:rPr lang="en-DE" sz="1400" dirty="0"/>
-              <a:t>Muons with energies between 100 TeV and 10 PeV </a:t>
-            </a:r>
-            <a:br>
-              <a:rPr lang="en-DE" sz="1400" dirty="0"/>
-            </a:br>
-            <a:r>
-              <a:rPr lang="en-DE" sz="1400" dirty="0"/>
-              <a:t>dominate the bundle by more than 90%</a:t>
-            </a:r>
-          </a:p>
-          <a:p>
-            <a:pPr marL="171450" indent="-171450">
-              <a:buFont typeface="Arial" panose="020B0604020202020204" pitchFamily="34" charset="0"/>
-              <a:buChar char="•"/>
-            </a:pPr>
-            <a:r>
-              <a:rPr lang="en-DE" sz="1400" dirty="0"/>
-              <a:t>Conventional muons are more dominant than prompt</a:t>
-            </a:r>
-          </a:p>
-          <a:p>
-            <a:pPr marL="171450" indent="-171450">
-              <a:buFont typeface="Arial" panose="020B0604020202020204" pitchFamily="34" charset="0"/>
-              <a:buChar char="•"/>
-            </a:pPr>
-            <a:endParaRPr lang="en-DE" sz="1400" dirty="0"/>
-          </a:p>
-          <a:p>
-            <a:pPr marL="171450" indent="-171450">
-              <a:buFont typeface="Arial" panose="020B0604020202020204" pitchFamily="34" charset="0"/>
-              <a:buChar char="•"/>
-            </a:pPr>
-            <a:endParaRPr lang="en-DE" sz="1400" dirty="0"/>
-          </a:p>
-          <a:p>
-            <a:pPr marL="285750" indent="-285750">
-              <a:buFont typeface="Wingdings" pitchFamily="2" charset="2"/>
-              <a:buChar char="Ø"/>
-            </a:pPr>
-            <a:r>
-              <a:rPr lang="en-GB" sz="1400" dirty="0">
-                <a:solidFill>
-                  <a:schemeClr val="accent6"/>
-                </a:solidFill>
-              </a:rPr>
-              <a:t>H</a:t>
-            </a:r>
-            <a:r>
-              <a:rPr lang="en-DE" sz="1400" dirty="0">
-                <a:solidFill>
-                  <a:schemeClr val="accent6"/>
-                </a:solidFill>
-              </a:rPr>
-              <a:t>igh leading energy fraction does not lead to more </a:t>
-            </a:r>
-            <a:br>
-              <a:rPr lang="en-DE" sz="1400" dirty="0">
-                <a:solidFill>
-                  <a:schemeClr val="accent6"/>
-                </a:solidFill>
-              </a:rPr>
-            </a:br>
-            <a:r>
-              <a:rPr lang="en-DE" sz="1400" dirty="0">
-                <a:solidFill>
-                  <a:schemeClr val="accent6"/>
-                </a:solidFill>
-              </a:rPr>
-              <a:t>sensitivity to detect prompt</a:t>
-            </a:r>
-          </a:p>
-        </p:txBody>
-      </p:sp>
-      <p:pic>
-        <p:nvPicPr>
-          <p:cNvPr id="3" name="Grafik 9">
-            <a:extLst>
-              <a:ext uri="{FF2B5EF4-FFF2-40B4-BE49-F238E27FC236}">
-                <a16:creationId xmlns:a16="http://schemas.microsoft.com/office/drawing/2014/main" id="{AE705598-464C-BB4A-5A94-E7E9A47A336B}"/>
-              </a:ext>
-            </a:extLst>
-          </p:cNvPr>
-          <p:cNvPicPr>
-            <a:picLocks noChangeAspect="1"/>
-          </p:cNvPicPr>
-          <p:nvPr/>
-        </p:nvPicPr>
-        <p:blipFill>
-          <a:blip r:embed="rId4"/>
-          <a:stretch>
-            <a:fillRect/>
-          </a:stretch>
-        </p:blipFill>
-        <p:spPr>
-          <a:xfrm>
-            <a:off x="145510" y="92738"/>
-            <a:ext cx="1832786" cy="365125"/>
-          </a:xfrm>
-          <a:prstGeom prst="rect">
-            <a:avLst/>
-          </a:prstGeom>
-        </p:spPr>
-      </p:pic>
-    </p:spTree>
-    <p:extLst>
-      <p:ext uri="{BB962C8B-B14F-4D97-AF65-F5344CB8AC3E}">
-        <p14:creationId xmlns:p14="http://schemas.microsoft.com/office/powerpoint/2010/main" val="4119613317"/>
-      </p:ext>
-    </p:extLst>
-  </p:cSld>
-  <p:clrMapOvr>
-    <a:masterClrMapping/>
-  </p:clrMapOvr>
-</p:sld>
-</file>
-
 <file path=ppt/slides/slide8.xml><?xml version="1.0" encoding="utf-8"?>
 <p:sld xmlns:a="http://schemas.openxmlformats.org/drawingml/2006/main" xmlns:r="http://schemas.openxmlformats.org/officeDocument/2006/relationships" xmlns:p="http://schemas.openxmlformats.org/presentationml/2006/main">
   <p:cSld>
@@ -10794,7 +12439,7 @@
           <p:cNvPr id="2" name="Title 1">
             <a:extLst>
               <a:ext uri="{FF2B5EF4-FFF2-40B4-BE49-F238E27FC236}">
-                <a16:creationId xmlns:a16="http://schemas.microsoft.com/office/drawing/2014/main" id="{F9A96586-E210-FC2F-7AAF-E34B8096B695}"/>
+                <a16:creationId xmlns:a16="http://schemas.microsoft.com/office/drawing/2014/main" id="{75A4E8C3-05A1-ACDC-A19F-CAE0FF3937F2}"/>
               </a:ext>
             </a:extLst>
           </p:cNvPr>
@@ -10812,144 +12457,26 @@
           <a:p>
             <a:r>
               <a:rPr lang="en-DE" dirty="0"/>
-              <a:t>Filters</a:t>
-            </a:r>
-          </a:p>
-        </p:txBody>
-      </p:sp>
-      <p:sp>
-        <p:nvSpPr>
-          <p:cNvPr id="3" name="Content Placeholder 2">
-            <a:extLst>
-              <a:ext uri="{FF2B5EF4-FFF2-40B4-BE49-F238E27FC236}">
-                <a16:creationId xmlns:a16="http://schemas.microsoft.com/office/drawing/2014/main" id="{CBB47CCC-DC19-0D2B-FC9C-271DC13C9AE9}"/>
-              </a:ext>
-            </a:extLst>
-          </p:cNvPr>
-          <p:cNvSpPr>
-            <a:spLocks noGrp="1"/>
-          </p:cNvSpPr>
-          <p:nvPr>
-            <p:ph idx="1"/>
-          </p:nvPr>
-        </p:nvSpPr>
-        <p:spPr/>
-        <p:txBody>
-          <a:bodyPr/>
-          <a:lstStyle/>
-          <a:p>
-            <a:r>
-              <a:rPr lang="en-DE" dirty="0">
-                <a:solidFill>
-                  <a:srgbClr val="C00000"/>
-                </a:solidFill>
-              </a:rPr>
-              <a:t>3 plots:</a:t>
-            </a:r>
-          </a:p>
-          <a:p>
-            <a:r>
-              <a:rPr lang="en-DE" dirty="0">
-                <a:solidFill>
-                  <a:srgbClr val="C00000"/>
-                </a:solidFill>
-              </a:rPr>
-              <a:t>1. total flux, muon filter and HQ filter, user MC primary energy</a:t>
-            </a:r>
-          </a:p>
-          <a:p>
-            <a:r>
-              <a:rPr lang="en-DE" dirty="0">
-                <a:solidFill>
-                  <a:srgbClr val="C00000"/>
-                </a:solidFill>
-              </a:rPr>
-              <a:t>2. prompt and conv flux, muon filter and HQ filter, use MC leading energy</a:t>
-            </a:r>
-          </a:p>
-          <a:p>
-            <a:r>
-              <a:rPr lang="en-DE" dirty="0">
-                <a:solidFill>
-                  <a:srgbClr val="C00000"/>
-                </a:solidFill>
-              </a:rPr>
-              <a:t>3. prompt and conv flux, muon filter and HQ filter, use MC bundle energy</a:t>
-            </a:r>
-          </a:p>
-        </p:txBody>
-      </p:sp>
-      <p:sp>
-        <p:nvSpPr>
-          <p:cNvPr id="4" name="Date Placeholder 3">
-            <a:extLst>
-              <a:ext uri="{FF2B5EF4-FFF2-40B4-BE49-F238E27FC236}">
-                <a16:creationId xmlns:a16="http://schemas.microsoft.com/office/drawing/2014/main" id="{8FDAD86F-D0C6-57A0-4C96-1665A491D424}"/>
-              </a:ext>
-            </a:extLst>
-          </p:cNvPr>
-          <p:cNvSpPr>
-            <a:spLocks noGrp="1"/>
-          </p:cNvSpPr>
-          <p:nvPr>
-            <p:ph type="dt" sz="half" idx="10"/>
-          </p:nvPr>
-        </p:nvSpPr>
-        <p:spPr/>
-        <p:txBody>
-          <a:bodyPr/>
-          <a:lstStyle/>
-          <a:p>
-            <a:r>
-              <a:rPr lang="de-DE"/>
-              <a:t>P. Gutjahr</a:t>
-            </a:r>
-            <a:endParaRPr lang="en-US"/>
-          </a:p>
-        </p:txBody>
-      </p:sp>
-      <p:sp>
-        <p:nvSpPr>
-          <p:cNvPr id="5" name="Slide Number Placeholder 4">
-            <a:extLst>
-              <a:ext uri="{FF2B5EF4-FFF2-40B4-BE49-F238E27FC236}">
-                <a16:creationId xmlns:a16="http://schemas.microsoft.com/office/drawing/2014/main" id="{A5EFDCB5-A8A5-F840-C08F-D57ADD106B94}"/>
-              </a:ext>
-            </a:extLst>
-          </p:cNvPr>
-          <p:cNvSpPr>
-            <a:spLocks noGrp="1"/>
-          </p:cNvSpPr>
-          <p:nvPr>
-            <p:ph type="sldNum" sz="quarter" idx="12"/>
-          </p:nvPr>
-        </p:nvSpPr>
-        <p:spPr/>
-        <p:txBody>
-          <a:bodyPr/>
-          <a:lstStyle/>
-          <a:p>
-            <a:fld id="{CD8304E6-5469-594D-85BC-E468E92D2243}" type="slidenum">
-              <a:rPr lang="en-US" smtClean="0"/>
-              <a:t>8</a:t>
-            </a:fld>
-            <a:endParaRPr lang="en-US"/>
+              <a:t>Leading muon contribution</a:t>
+            </a:r>
           </a:p>
         </p:txBody>
       </p:sp>
       <p:pic>
         <p:nvPicPr>
-          <p:cNvPr id="6" name="Grafik 9">
-            <a:extLst>
-              <a:ext uri="{FF2B5EF4-FFF2-40B4-BE49-F238E27FC236}">
-                <a16:creationId xmlns:a16="http://schemas.microsoft.com/office/drawing/2014/main" id="{AFCE7C2B-0CD7-EFF2-6AEB-F44BA30E74D9}"/>
+          <p:cNvPr id="6" name="Content Placeholder 5">
+            <a:extLst>
+              <a:ext uri="{FF2B5EF4-FFF2-40B4-BE49-F238E27FC236}">
+                <a16:creationId xmlns:a16="http://schemas.microsoft.com/office/drawing/2014/main" id="{E11E61D3-E4FF-ED12-62A7-EE71A8DBEC14}"/>
               </a:ext>
             </a:extLst>
           </p:cNvPr>
           <p:cNvPicPr>
-            <a:picLocks noChangeAspect="1"/>
+            <a:picLocks noGrp="1" noChangeAspect="1"/>
           </p:cNvPicPr>
-          <p:nvPr/>
+          <p:nvPr>
+            <p:ph idx="1"/>
+          </p:nvPr>
         </p:nvPicPr>
         <p:blipFill>
           <a:blip r:embed="rId2"/>
@@ -10959,6 +12486,199 @@
         </p:blipFill>
         <p:spPr>
           <a:xfrm>
+            <a:off x="4402666" y="1690688"/>
+            <a:ext cx="6815667" cy="4718539"/>
+          </a:xfrm>
+        </p:spPr>
+      </p:pic>
+      <p:sp>
+        <p:nvSpPr>
+          <p:cNvPr id="4" name="Slide Number Placeholder 3">
+            <a:extLst>
+              <a:ext uri="{FF2B5EF4-FFF2-40B4-BE49-F238E27FC236}">
+                <a16:creationId xmlns:a16="http://schemas.microsoft.com/office/drawing/2014/main" id="{972C638F-29F0-BA35-224E-9D857389212F}"/>
+              </a:ext>
+            </a:extLst>
+          </p:cNvPr>
+          <p:cNvSpPr>
+            <a:spLocks noGrp="1"/>
+          </p:cNvSpPr>
+          <p:nvPr>
+            <p:ph type="sldNum" sz="quarter" idx="12"/>
+          </p:nvPr>
+        </p:nvSpPr>
+        <p:spPr/>
+        <p:txBody>
+          <a:bodyPr/>
+          <a:lstStyle/>
+          <a:p>
+            <a:fld id="{5AE0D498-42EE-5F49-9FFD-85B9B54DD666}" type="slidenum">
+              <a:rPr lang="en-DE" smtClean="0"/>
+              <a:t>8</a:t>
+            </a:fld>
+            <a:endParaRPr lang="en-DE"/>
+          </a:p>
+        </p:txBody>
+      </p:sp>
+      <p:pic>
+        <p:nvPicPr>
+          <p:cNvPr id="8" name="Picture 7" descr="A graph with red lines and black dots&#10;&#10;Description automatically generated">
+            <a:extLst>
+              <a:ext uri="{FF2B5EF4-FFF2-40B4-BE49-F238E27FC236}">
+                <a16:creationId xmlns:a16="http://schemas.microsoft.com/office/drawing/2014/main" id="{A3A1A0F4-7497-5850-FC07-395632148395}"/>
+              </a:ext>
+            </a:extLst>
+          </p:cNvPr>
+          <p:cNvPicPr>
+            <a:picLocks noChangeAspect="1"/>
+          </p:cNvPicPr>
+          <p:nvPr/>
+        </p:nvPicPr>
+        <p:blipFill>
+          <a:blip r:embed="rId3"/>
+          <a:stretch>
+            <a:fillRect/>
+          </a:stretch>
+        </p:blipFill>
+        <p:spPr>
+          <a:xfrm>
+            <a:off x="397522" y="1690688"/>
+            <a:ext cx="3342627" cy="2887133"/>
+          </a:xfrm>
+          <a:prstGeom prst="rect">
+            <a:avLst/>
+          </a:prstGeom>
+        </p:spPr>
+      </p:pic>
+      <p:sp>
+        <p:nvSpPr>
+          <p:cNvPr id="9" name="TextBox 8">
+            <a:extLst>
+              <a:ext uri="{FF2B5EF4-FFF2-40B4-BE49-F238E27FC236}">
+                <a16:creationId xmlns:a16="http://schemas.microsoft.com/office/drawing/2014/main" id="{CDFFBED2-F304-EA20-1346-C6B54152E4BA}"/>
+              </a:ext>
+            </a:extLst>
+          </p:cNvPr>
+          <p:cNvSpPr txBox="1"/>
+          <p:nvPr/>
+        </p:nvSpPr>
+        <p:spPr>
+          <a:xfrm>
+            <a:off x="250085" y="4797980"/>
+            <a:ext cx="4275145" cy="1600438"/>
+          </a:xfrm>
+          <a:prstGeom prst="rect">
+            <a:avLst/>
+          </a:prstGeom>
+          <a:noFill/>
+        </p:spPr>
+        <p:txBody>
+          <a:bodyPr wrap="none" rtlCol="0">
+            <a:spAutoFit/>
+          </a:bodyPr>
+          <a:lstStyle/>
+          <a:p>
+            <a:pPr marL="171450" indent="-171450">
+              <a:buFont typeface="Arial" panose="020B0604020202020204" pitchFamily="34" charset="0"/>
+              <a:buChar char="•"/>
+            </a:pPr>
+            <a:r>
+              <a:rPr lang="en-DE" sz="1400" dirty="0"/>
+              <a:t>Muons with energies between 100 TeV and 10 PeV </a:t>
+            </a:r>
+            <a:br>
+              <a:rPr lang="en-DE" sz="1400" dirty="0"/>
+            </a:br>
+            <a:r>
+              <a:rPr lang="en-DE" sz="1400" dirty="0"/>
+              <a:t>dominate the bundle by more than 90%</a:t>
+            </a:r>
+          </a:p>
+          <a:p>
+            <a:pPr marL="171450" indent="-171450">
+              <a:buFont typeface="Arial" panose="020B0604020202020204" pitchFamily="34" charset="0"/>
+              <a:buChar char="•"/>
+            </a:pPr>
+            <a:r>
+              <a:rPr lang="en-DE" sz="1400" dirty="0"/>
+              <a:t>Conventional muons are more dominant than prompt</a:t>
+            </a:r>
+          </a:p>
+          <a:p>
+            <a:pPr marL="171450" indent="-171450">
+              <a:buFont typeface="Arial" panose="020B0604020202020204" pitchFamily="34" charset="0"/>
+              <a:buChar char="•"/>
+            </a:pPr>
+            <a:endParaRPr lang="en-DE" sz="1400" dirty="0"/>
+          </a:p>
+          <a:p>
+            <a:pPr marL="171450" indent="-171450">
+              <a:buFont typeface="Arial" panose="020B0604020202020204" pitchFamily="34" charset="0"/>
+              <a:buChar char="•"/>
+            </a:pPr>
+            <a:endParaRPr lang="en-DE" sz="1400" dirty="0"/>
+          </a:p>
+          <a:p>
+            <a:pPr marL="285750" indent="-285750">
+              <a:buFont typeface="Wingdings" pitchFamily="2" charset="2"/>
+              <a:buChar char="Ø"/>
+            </a:pPr>
+            <a:r>
+              <a:rPr lang="en-GB" sz="1400" dirty="0">
+                <a:solidFill>
+                  <a:schemeClr val="accent6"/>
+                </a:solidFill>
+              </a:rPr>
+              <a:t>H</a:t>
+            </a:r>
+            <a:r>
+              <a:rPr lang="en-DE" sz="1400" dirty="0">
+                <a:solidFill>
+                  <a:schemeClr val="accent6"/>
+                </a:solidFill>
+              </a:rPr>
+              <a:t>igh leading energy fraction does not lead to more </a:t>
+            </a:r>
+            <a:br>
+              <a:rPr lang="en-DE" sz="1400" dirty="0">
+                <a:solidFill>
+                  <a:schemeClr val="accent6"/>
+                </a:solidFill>
+              </a:rPr>
+            </a:br>
+            <a:r>
+              <a:rPr lang="en-DE" sz="1400" dirty="0">
+                <a:solidFill>
+                  <a:schemeClr val="accent6"/>
+                </a:solidFill>
+              </a:rPr>
+              <a:t>sensitivity to detect prompt</a:t>
+            </a:r>
+          </a:p>
+        </p:txBody>
+      </p:sp>
+      <p:pic>
+        <p:nvPicPr>
+          <p:cNvPr id="3" name="Grafik 9">
+            <a:extLst>
+              <a:ext uri="{FF2B5EF4-FFF2-40B4-BE49-F238E27FC236}">
+                <a16:creationId xmlns:a16="http://schemas.microsoft.com/office/drawing/2014/main" id="{AE705598-464C-BB4A-5A94-E7E9A47A336B}"/>
+              </a:ext>
+            </a:extLst>
+          </p:cNvPr>
+          <p:cNvPicPr>
+            <a:picLocks noChangeAspect="1"/>
+          </p:cNvPicPr>
+          <p:nvPr/>
+        </p:nvPicPr>
+        <p:blipFill>
+          <a:blip r:embed="rId4"/>
+          <a:stretch>
+            <a:fillRect/>
+          </a:stretch>
+        </p:blipFill>
+        <p:spPr>
+          <a:xfrm>
             <a:off x="145510" y="92738"/>
             <a:ext cx="1832786" cy="365125"/>
           </a:xfrm>
@@ -10970,7 +12690,7 @@
     </p:spTree>
     <p:extLst>
       <p:ext uri="{BB962C8B-B14F-4D97-AF65-F5344CB8AC3E}">
-        <p14:creationId xmlns:p14="http://schemas.microsoft.com/office/powerpoint/2010/main" val="1550868610"/>
+        <p14:creationId xmlns:p14="http://schemas.microsoft.com/office/powerpoint/2010/main" val="4119613317"/>
       </p:ext>
     </p:extLst>
   </p:cSld>
@@ -11002,7 +12722,7 @@
           <p:cNvPr id="2" name="Title 1">
             <a:extLst>
               <a:ext uri="{FF2B5EF4-FFF2-40B4-BE49-F238E27FC236}">
-                <a16:creationId xmlns:a16="http://schemas.microsoft.com/office/drawing/2014/main" id="{74DF8551-AA5A-92AB-C654-1E0B302BACCC}"/>
+                <a16:creationId xmlns:a16="http://schemas.microsoft.com/office/drawing/2014/main" id="{F9A96586-E210-FC2F-7AAF-E34B8096B695}"/>
               </a:ext>
             </a:extLst>
           </p:cNvPr>
@@ -11020,139 +12740,8 @@
           <a:p>
             <a:r>
               <a:rPr lang="en-DE" dirty="0"/>
-              <a:t>Data-MC agreements</a:t>
-            </a:r>
-          </a:p>
-        </p:txBody>
-      </p:sp>
-      <p:sp>
-        <p:nvSpPr>
-          <p:cNvPr id="3" name="Content Placeholder 2">
-            <a:extLst>
-              <a:ext uri="{FF2B5EF4-FFF2-40B4-BE49-F238E27FC236}">
-                <a16:creationId xmlns:a16="http://schemas.microsoft.com/office/drawing/2014/main" id="{9BCD1D6E-91E5-7C54-BAC8-26095A457173}"/>
-              </a:ext>
-            </a:extLst>
-          </p:cNvPr>
-          <p:cNvSpPr>
-            <a:spLocks noGrp="1"/>
-          </p:cNvSpPr>
-          <p:nvPr>
-            <p:ph idx="1"/>
-          </p:nvPr>
-        </p:nvSpPr>
-        <p:spPr/>
-        <p:txBody>
-          <a:bodyPr>
-            <a:normAutofit fontScale="85000" lnSpcReduction="20000"/>
-          </a:bodyPr>
-          <a:lstStyle/>
-          <a:p>
-            <a:r>
-              <a:rPr lang="en-DE" sz="2000" dirty="0"/>
-              <a:t>Two bachelor students worked on reconstructions using the dnn_reco framework:</a:t>
-            </a:r>
-          </a:p>
-          <a:p>
-            <a:pPr lvl="1"/>
-            <a:r>
-              <a:rPr lang="en-DE" sz="1600" dirty="0"/>
-              <a:t>Leander Flottau</a:t>
-            </a:r>
-          </a:p>
-          <a:p>
-            <a:pPr lvl="1"/>
-            <a:r>
-              <a:rPr lang="en-DE" sz="1600" dirty="0"/>
-              <a:t>Benjamin Brandt</a:t>
-            </a:r>
-          </a:p>
-          <a:p>
-            <a:pPr marL="0" indent="0">
-              <a:buNone/>
-            </a:pPr>
-            <a:r>
-              <a:rPr lang="en-DE" sz="2000" dirty="0"/>
-              <a:t>Reconstructions:</a:t>
-            </a:r>
-          </a:p>
-          <a:p>
-            <a:r>
-              <a:rPr lang="en-DE" sz="2000" dirty="0"/>
-              <a:t>Leading energy</a:t>
-            </a:r>
-          </a:p>
-          <a:p>
-            <a:r>
-              <a:rPr lang="en-DE" sz="2000" dirty="0"/>
-              <a:t>Leading fraction</a:t>
-            </a:r>
-          </a:p>
-          <a:p>
-            <a:r>
-              <a:rPr lang="en-DE" sz="2000" dirty="0"/>
-              <a:t>Bundle energy</a:t>
-            </a:r>
-          </a:p>
-          <a:p>
-            <a:r>
-              <a:rPr lang="en-DE" sz="2000" dirty="0"/>
-              <a:t>Multiplicity</a:t>
-            </a:r>
-          </a:p>
-          <a:p>
-            <a:r>
-              <a:rPr lang="en-GB" sz="2000" dirty="0"/>
-              <a:t>A</a:t>
-            </a:r>
-            <a:r>
-              <a:rPr lang="en-DE" sz="2000" dirty="0"/>
-              <a:t>zimuth</a:t>
-            </a:r>
-          </a:p>
-          <a:p>
-            <a:r>
-              <a:rPr lang="en-GB" sz="2000" dirty="0"/>
-              <a:t>Z</a:t>
-            </a:r>
-            <a:r>
-              <a:rPr lang="en-DE" sz="2000" dirty="0"/>
-              <a:t>enith </a:t>
-            </a:r>
-          </a:p>
-          <a:p>
-            <a:endParaRPr lang="en-DE" sz="2000" dirty="0"/>
-          </a:p>
-          <a:p>
-            <a:pPr marL="0" indent="0">
-              <a:buNone/>
-            </a:pPr>
-            <a:r>
-              <a:rPr lang="en-DE" sz="2000" dirty="0"/>
-              <a:t>General:</a:t>
-            </a:r>
-          </a:p>
-          <a:p>
-            <a:r>
-              <a:rPr lang="en-GB" sz="2000" dirty="0"/>
-              <a:t>T</a:t>
-            </a:r>
-            <a:r>
-              <a:rPr lang="en-DE" sz="2000" dirty="0"/>
-              <a:t>rained on uncleaned and 6µs cleaned muon pulses</a:t>
-            </a:r>
-          </a:p>
-          <a:p>
-            <a:r>
-              <a:rPr lang="en-DE" sz="2000" dirty="0"/>
-              <a:t>Processed 1 day of experimental data from 2011 to 2020 (July 4th)</a:t>
-            </a:r>
-          </a:p>
-          <a:p>
-            <a:endParaRPr lang="en-DE" sz="2000" dirty="0"/>
-          </a:p>
-          <a:p>
-            <a:endParaRPr lang="en-DE" sz="2000" dirty="0"/>
+              <a:t>Filters </a:t>
+            </a:r>
           </a:p>
         </p:txBody>
       </p:sp>
@@ -11161,7 +12750,7 @@
           <p:cNvPr id="4" name="Date Placeholder 3">
             <a:extLst>
               <a:ext uri="{FF2B5EF4-FFF2-40B4-BE49-F238E27FC236}">
-                <a16:creationId xmlns:a16="http://schemas.microsoft.com/office/drawing/2014/main" id="{64BB03D8-584B-AF38-60AA-364B2DD1CFD7}"/>
+                <a16:creationId xmlns:a16="http://schemas.microsoft.com/office/drawing/2014/main" id="{8FDAD86F-D0C6-57A0-4C96-1665A491D424}"/>
               </a:ext>
             </a:extLst>
           </p:cNvPr>
@@ -11190,7 +12779,7 @@
           <p:cNvPr id="5" name="Slide Number Placeholder 4">
             <a:extLst>
               <a:ext uri="{FF2B5EF4-FFF2-40B4-BE49-F238E27FC236}">
-                <a16:creationId xmlns:a16="http://schemas.microsoft.com/office/drawing/2014/main" id="{8EEEE76D-6281-285A-E944-FD2ED79C4D85}"/>
+                <a16:creationId xmlns:a16="http://schemas.microsoft.com/office/drawing/2014/main" id="{A5EFDCB5-A8A5-F840-C08F-D57ADD106B94}"/>
               </a:ext>
             </a:extLst>
           </p:cNvPr>
@@ -11219,7 +12808,7 @@
           <p:cNvPr id="6" name="Grafik 9">
             <a:extLst>
               <a:ext uri="{FF2B5EF4-FFF2-40B4-BE49-F238E27FC236}">
-                <a16:creationId xmlns:a16="http://schemas.microsoft.com/office/drawing/2014/main" id="{F4521686-84CC-0F33-E806-9A96EA07C7B4}"/>
+                <a16:creationId xmlns:a16="http://schemas.microsoft.com/office/drawing/2014/main" id="{AFCE7C2B-0CD7-EFF2-6AEB-F44BA30E74D9}"/>
               </a:ext>
             </a:extLst>
           </p:cNvPr>
@@ -11244,12 +12833,132 @@
           </a:prstGeom>
         </p:spPr>
       </p:pic>
-      <p:sp>
-        <p:nvSpPr>
-          <p:cNvPr id="7" name="TextBox 6">
-            <a:extLst>
-              <a:ext uri="{FF2B5EF4-FFF2-40B4-BE49-F238E27FC236}">
-                <a16:creationId xmlns:a16="http://schemas.microsoft.com/office/drawing/2014/main" id="{3CDAA2B3-B330-5B5E-F9FE-66C5DD0A4250}"/>
+      <p:pic>
+        <p:nvPicPr>
+          <p:cNvPr id="7" name="Picture 6">
+            <a:extLst>
+              <a:ext uri="{FF2B5EF4-FFF2-40B4-BE49-F238E27FC236}">
+                <a16:creationId xmlns:a16="http://schemas.microsoft.com/office/drawing/2014/main" id="{4C502981-C7D0-790D-18EF-5B55E93E7B8B}"/>
+              </a:ext>
+            </a:extLst>
+          </p:cNvPr>
+          <p:cNvPicPr>
+            <a:picLocks noChangeAspect="1"/>
+          </p:cNvPicPr>
+          <p:nvPr/>
+        </p:nvPicPr>
+        <p:blipFill>
+          <a:blip r:embed="rId3"/>
+          <a:stretch>
+            <a:fillRect/>
+          </a:stretch>
+        </p:blipFill>
+        <p:spPr>
+          <a:xfrm>
+            <a:off x="2266298" y="605603"/>
+            <a:ext cx="3829702" cy="2882484"/>
+          </a:xfrm>
+          <a:prstGeom prst="rect">
+            <a:avLst/>
+          </a:prstGeom>
+        </p:spPr>
+      </p:pic>
+      <p:pic>
+        <p:nvPicPr>
+          <p:cNvPr id="8" name="Picture 7">
+            <a:extLst>
+              <a:ext uri="{FF2B5EF4-FFF2-40B4-BE49-F238E27FC236}">
+                <a16:creationId xmlns:a16="http://schemas.microsoft.com/office/drawing/2014/main" id="{A917523B-EA28-1D97-AF60-D1B36BF48134}"/>
+              </a:ext>
+            </a:extLst>
+          </p:cNvPr>
+          <p:cNvPicPr>
+            <a:picLocks noChangeAspect="1"/>
+          </p:cNvPicPr>
+          <p:nvPr/>
+        </p:nvPicPr>
+        <p:blipFill>
+          <a:blip r:embed="rId4"/>
+          <a:stretch>
+            <a:fillRect/>
+          </a:stretch>
+        </p:blipFill>
+        <p:spPr>
+          <a:xfrm>
+            <a:off x="6478307" y="605603"/>
+            <a:ext cx="3829702" cy="2882484"/>
+          </a:xfrm>
+          <a:prstGeom prst="rect">
+            <a:avLst/>
+          </a:prstGeom>
+        </p:spPr>
+      </p:pic>
+      <p:pic>
+        <p:nvPicPr>
+          <p:cNvPr id="9" name="Picture 8">
+            <a:extLst>
+              <a:ext uri="{FF2B5EF4-FFF2-40B4-BE49-F238E27FC236}">
+                <a16:creationId xmlns:a16="http://schemas.microsoft.com/office/drawing/2014/main" id="{2AED3D51-43FD-23DF-0211-EE82C39DBC9D}"/>
+              </a:ext>
+            </a:extLst>
+          </p:cNvPr>
+          <p:cNvPicPr>
+            <a:picLocks noChangeAspect="1"/>
+          </p:cNvPicPr>
+          <p:nvPr/>
+        </p:nvPicPr>
+        <p:blipFill>
+          <a:blip r:embed="rId5"/>
+          <a:stretch>
+            <a:fillRect/>
+          </a:stretch>
+        </p:blipFill>
+        <p:spPr>
+          <a:xfrm>
+            <a:off x="2266298" y="3663539"/>
+            <a:ext cx="3829702" cy="2882484"/>
+          </a:xfrm>
+          <a:prstGeom prst="rect">
+            <a:avLst/>
+          </a:prstGeom>
+        </p:spPr>
+      </p:pic>
+      <p:pic>
+        <p:nvPicPr>
+          <p:cNvPr id="10" name="Picture 9">
+            <a:extLst>
+              <a:ext uri="{FF2B5EF4-FFF2-40B4-BE49-F238E27FC236}">
+                <a16:creationId xmlns:a16="http://schemas.microsoft.com/office/drawing/2014/main" id="{CB8A2A68-D344-7100-7493-30A2ED58B441}"/>
+              </a:ext>
+            </a:extLst>
+          </p:cNvPr>
+          <p:cNvPicPr>
+            <a:picLocks noChangeAspect="1"/>
+          </p:cNvPicPr>
+          <p:nvPr/>
+        </p:nvPicPr>
+        <p:blipFill>
+          <a:blip r:embed="rId6"/>
+          <a:stretch>
+            <a:fillRect/>
+          </a:stretch>
+        </p:blipFill>
+        <p:spPr>
+          <a:xfrm>
+            <a:off x="6478307" y="3663539"/>
+            <a:ext cx="3829702" cy="2882484"/>
+          </a:xfrm>
+          <a:prstGeom prst="rect">
+            <a:avLst/>
+          </a:prstGeom>
+        </p:spPr>
+      </p:pic>
+      <p:sp>
+        <p:nvSpPr>
+          <p:cNvPr id="11" name="TextBox 10">
+            <a:extLst>
+              <a:ext uri="{FF2B5EF4-FFF2-40B4-BE49-F238E27FC236}">
+                <a16:creationId xmlns:a16="http://schemas.microsoft.com/office/drawing/2014/main" id="{6DA5BA53-C484-8E3D-BB24-0F0D9A39E37B}"/>
               </a:ext>
             </a:extLst>
           </p:cNvPr>
@@ -11257,9 +12966,9 @@
           <p:nvPr/>
         </p:nvSpPr>
         <p:spPr>
-          <a:xfrm rot="1309674">
-            <a:off x="3768810" y="3091565"/>
-            <a:ext cx="2977979" cy="369332"/>
+          <a:xfrm>
+            <a:off x="145510" y="3150674"/>
+            <a:ext cx="2379215" cy="584775"/>
           </a:xfrm>
           <a:prstGeom prst="rect">
             <a:avLst/>
@@ -11273,28 +12982,130 @@
           <a:lstStyle/>
           <a:p>
             <a:r>
-              <a:rPr lang="en-GB" dirty="0">
-                <a:solidFill>
-                  <a:schemeClr val="accent6"/>
-                </a:solidFill>
-              </a:rPr>
-              <a:t>W</a:t>
-            </a:r>
-            <a:r>
-              <a:rPr lang="en-DE" dirty="0">
-                <a:solidFill>
-                  <a:schemeClr val="accent6"/>
-                </a:solidFill>
-              </a:rPr>
-              <a:t>ork in progress</a:t>
-            </a:r>
+              <a:rPr lang="en-DE" sz="1600" dirty="0"/>
+              <a:t>Choose muon filter, </a:t>
+            </a:r>
+          </a:p>
+          <a:p>
+            <a:r>
+              <a:rPr lang="en-GB" sz="1600" dirty="0"/>
+              <a:t>l</a:t>
+            </a:r>
+            <a:r>
+              <a:rPr lang="en-DE" sz="1600" dirty="0"/>
+              <a:t>arger statistics at 10 TeV</a:t>
+            </a:r>
+          </a:p>
+        </p:txBody>
+      </p:sp>
+      <p:sp>
+        <p:nvSpPr>
+          <p:cNvPr id="12" name="Oval 11">
+            <a:extLst>
+              <a:ext uri="{FF2B5EF4-FFF2-40B4-BE49-F238E27FC236}">
+                <a16:creationId xmlns:a16="http://schemas.microsoft.com/office/drawing/2014/main" id="{41169C02-EC25-AE1E-5F13-167238BA5BA3}"/>
+              </a:ext>
+            </a:extLst>
+          </p:cNvPr>
+          <p:cNvSpPr/>
+          <p:nvPr/>
+        </p:nvSpPr>
+        <p:spPr>
+          <a:xfrm>
+            <a:off x="3545656" y="4311589"/>
+            <a:ext cx="928456" cy="621437"/>
+          </a:xfrm>
+          <a:prstGeom prst="ellipse">
+            <a:avLst/>
+          </a:prstGeom>
+          <a:noFill/>
+          <a:ln w="15875">
+            <a:solidFill>
+              <a:schemeClr val="accent6"/>
+            </a:solidFill>
+          </a:ln>
+        </p:spPr>
+        <p:style>
+          <a:lnRef idx="2">
+            <a:schemeClr val="accent1">
+              <a:shade val="15000"/>
+            </a:schemeClr>
+          </a:lnRef>
+          <a:fillRef idx="1">
+            <a:schemeClr val="accent1"/>
+          </a:fillRef>
+          <a:effectRef idx="0">
+            <a:schemeClr val="accent1"/>
+          </a:effectRef>
+          <a:fontRef idx="minor">
+            <a:schemeClr val="lt1"/>
+          </a:fontRef>
+        </p:style>
+        <p:txBody>
+          <a:bodyPr rtlCol="0" anchor="ctr"/>
+          <a:lstStyle/>
+          <a:p>
+            <a:pPr algn="ctr"/>
+            <a:endParaRPr lang="en-DE"/>
+          </a:p>
+        </p:txBody>
+      </p:sp>
+      <p:sp>
+        <p:nvSpPr>
+          <p:cNvPr id="13" name="Oval 12">
+            <a:extLst>
+              <a:ext uri="{FF2B5EF4-FFF2-40B4-BE49-F238E27FC236}">
+                <a16:creationId xmlns:a16="http://schemas.microsoft.com/office/drawing/2014/main" id="{B92954DD-CBCC-A41B-FB22-089F7B7F0522}"/>
+              </a:ext>
+            </a:extLst>
+          </p:cNvPr>
+          <p:cNvSpPr/>
+          <p:nvPr/>
+        </p:nvSpPr>
+        <p:spPr>
+          <a:xfrm>
+            <a:off x="7852805" y="4225771"/>
+            <a:ext cx="928456" cy="696447"/>
+          </a:xfrm>
+          <a:prstGeom prst="ellipse">
+            <a:avLst/>
+          </a:prstGeom>
+          <a:noFill/>
+          <a:ln w="15875">
+            <a:solidFill>
+              <a:schemeClr val="accent6"/>
+            </a:solidFill>
+          </a:ln>
+        </p:spPr>
+        <p:style>
+          <a:lnRef idx="2">
+            <a:schemeClr val="accent1">
+              <a:shade val="15000"/>
+            </a:schemeClr>
+          </a:lnRef>
+          <a:fillRef idx="1">
+            <a:schemeClr val="accent1"/>
+          </a:fillRef>
+          <a:effectRef idx="0">
+            <a:schemeClr val="accent1"/>
+          </a:effectRef>
+          <a:fontRef idx="minor">
+            <a:schemeClr val="lt1"/>
+          </a:fontRef>
+        </p:style>
+        <p:txBody>
+          <a:bodyPr rtlCol="0" anchor="ctr"/>
+          <a:lstStyle/>
+          <a:p>
+            <a:pPr algn="ctr"/>
+            <a:endParaRPr lang="en-DE"/>
           </a:p>
         </p:txBody>
       </p:sp>
     </p:spTree>
     <p:extLst>
       <p:ext uri="{BB962C8B-B14F-4D97-AF65-F5344CB8AC3E}">
-        <p14:creationId xmlns:p14="http://schemas.microsoft.com/office/powerpoint/2010/main" val="3283814381"/>
+        <p14:creationId xmlns:p14="http://schemas.microsoft.com/office/powerpoint/2010/main" val="1550868610"/>
       </p:ext>
     </p:extLst>
   </p:cSld>

--- a/cr_group/cr_call_2023_09_22.pptx
+++ b/cr_group/cr_call_2023_09_22.pptx
@@ -5,7 +5,7 @@
     <p:sldMasterId id="2147483660" r:id="rId1"/>
   </p:sldMasterIdLst>
   <p:notesMasterIdLst>
-    <p:notesMasterId r:id="rId29"/>
+    <p:notesMasterId r:id="rId34"/>
   </p:notesMasterIdLst>
   <p:sldIdLst>
     <p:sldId id="258" r:id="rId2"/>
@@ -29,12 +29,17 @@
     <p:sldId id="293" r:id="rId20"/>
     <p:sldId id="294" r:id="rId21"/>
     <p:sldId id="260" r:id="rId22"/>
-    <p:sldId id="295" r:id="rId23"/>
-    <p:sldId id="278" r:id="rId24"/>
-    <p:sldId id="265" r:id="rId25"/>
-    <p:sldId id="296" r:id="rId26"/>
-    <p:sldId id="277" r:id="rId27"/>
-    <p:sldId id="298" r:id="rId28"/>
+    <p:sldId id="278" r:id="rId23"/>
+    <p:sldId id="265" r:id="rId24"/>
+    <p:sldId id="296" r:id="rId25"/>
+    <p:sldId id="277" r:id="rId26"/>
+    <p:sldId id="298" r:id="rId27"/>
+    <p:sldId id="304" r:id="rId28"/>
+    <p:sldId id="300" r:id="rId29"/>
+    <p:sldId id="301" r:id="rId30"/>
+    <p:sldId id="302" r:id="rId31"/>
+    <p:sldId id="303" r:id="rId32"/>
+    <p:sldId id="305" r:id="rId33"/>
   </p:sldIdLst>
   <p:sldSz cx="12192000" cy="6858000"/>
   <p:notesSz cx="6858000" cy="9144000"/>
@@ -223,7 +228,7 @@
           <a:p>
             <a:fld id="{3303E88C-5052-EB47-BBCD-87ED51A84B6C}" type="datetimeFigureOut">
               <a:rPr lang="en-DE" smtClean="0"/>
-              <a:t>22.09.23</a:t>
+              <a:t>27.09.23</a:t>
             </a:fld>
             <a:endParaRPr lang="en-DE"/>
           </a:p>
@@ -700,7 +705,7 @@
           <a:p>
             <a:fld id="{B70C131E-6A5F-7C4D-B446-5120FAFA4622}" type="slidenum">
               <a:rPr lang="en-US" smtClean="0"/>
-              <a:t>23</a:t>
+              <a:t>22</a:t>
             </a:fld>
             <a:endParaRPr lang="en-US"/>
           </a:p>
@@ -4230,7 +4235,7 @@
                 <a:cs typeface="Arial" pitchFamily="34" charset="0"/>
                 <a:sym typeface="Akkurat-Bold"/>
               </a:rPr>
-              <a:t>CR-Call September 22, 2023</a:t>
+              <a:t>CR-Call September 29, 2023</a:t>
             </a:r>
             <a:endParaRPr lang="en-US" sz="2800" dirty="0">
               <a:solidFill>
@@ -4713,7 +4718,7 @@
           <a:p>
             <a:r>
               <a:rPr lang="en-DE" sz="2000" dirty="0"/>
-              <a:t>Processed 1 day of experimental data from 2011 to 2020 (July 4th)</a:t>
+              <a:t>Processed 1 day of experimental data (July 4th, 2020)</a:t>
             </a:r>
           </a:p>
           <a:p>
@@ -5943,8 +5948,8 @@
         </p:nvSpPr>
         <p:spPr>
           <a:xfrm>
-            <a:off x="4802819" y="5672831"/>
-            <a:ext cx="3807781" cy="369332"/>
+            <a:off x="4802819" y="5337551"/>
+            <a:ext cx="3807781" cy="923330"/>
           </a:xfrm>
           <a:prstGeom prst="rect">
             <a:avLst/>
@@ -5960,6 +5965,23 @@
             <a:r>
               <a:rPr lang="en-DE" dirty="0"/>
               <a:t>Reconstructed bundle energy &gt; 10 TeV</a:t>
+            </a:r>
+          </a:p>
+          <a:p>
+            <a:endParaRPr lang="en-DE" dirty="0"/>
+          </a:p>
+          <a:p>
+            <a:pPr marL="285750" indent="-285750">
+              <a:buFont typeface="Wingdings" pitchFamily="2" charset="2"/>
+              <a:buChar char="Ø"/>
+            </a:pPr>
+            <a:r>
+              <a:rPr lang="en-DE" dirty="0">
+                <a:solidFill>
+                  <a:schemeClr val="accent6"/>
+                </a:solidFill>
+              </a:rPr>
+              <a:t>Good agreement for pulses</a:t>
             </a:r>
           </a:p>
         </p:txBody>
@@ -6204,6 +6226,49 @@
           </a:p>
         </p:txBody>
       </p:sp>
+      <p:sp>
+        <p:nvSpPr>
+          <p:cNvPr id="3" name="TextBox 2">
+            <a:extLst>
+              <a:ext uri="{FF2B5EF4-FFF2-40B4-BE49-F238E27FC236}">
+                <a16:creationId xmlns:a16="http://schemas.microsoft.com/office/drawing/2014/main" id="{9E1E706A-76D5-BF48-38BD-AFDEBAEC52B4}"/>
+              </a:ext>
+            </a:extLst>
+          </p:cNvPr>
+          <p:cNvSpPr txBox="1"/>
+          <p:nvPr/>
+        </p:nvSpPr>
+        <p:spPr>
+          <a:xfrm>
+            <a:off x="3250238" y="6123543"/>
+            <a:ext cx="5862320" cy="369332"/>
+          </a:xfrm>
+          <a:prstGeom prst="rect">
+            <a:avLst/>
+          </a:prstGeom>
+          <a:noFill/>
+        </p:spPr>
+        <p:txBody>
+          <a:bodyPr wrap="square" rtlCol="0">
+            <a:spAutoFit/>
+          </a:bodyPr>
+          <a:lstStyle/>
+          <a:p>
+            <a:pPr marL="285750" indent="-285750">
+              <a:buFont typeface="Wingdings" pitchFamily="2" charset="2"/>
+              <a:buChar char="Ø"/>
+            </a:pPr>
+            <a:r>
+              <a:rPr lang="en-DE" dirty="0">
+                <a:solidFill>
+                  <a:schemeClr val="accent6"/>
+                </a:solidFill>
+              </a:rPr>
+              <a:t>Deviations at low cos(zenith), but very small statistics</a:t>
+            </a:r>
+          </a:p>
+        </p:txBody>
+      </p:sp>
     </p:spTree>
     <p:extLst>
       <p:ext uri="{BB962C8B-B14F-4D97-AF65-F5344CB8AC3E}">
@@ -6409,6 +6474,247 @@
           </a:prstGeom>
         </p:spPr>
       </p:pic>
+      <p:sp>
+        <p:nvSpPr>
+          <p:cNvPr id="9" name="Oval 8">
+            <a:extLst>
+              <a:ext uri="{FF2B5EF4-FFF2-40B4-BE49-F238E27FC236}">
+                <a16:creationId xmlns:a16="http://schemas.microsoft.com/office/drawing/2014/main" id="{804653BA-CB0B-7F08-1D9A-E5B60D813864}"/>
+              </a:ext>
+            </a:extLst>
+          </p:cNvPr>
+          <p:cNvSpPr/>
+          <p:nvPr/>
+        </p:nvSpPr>
+        <p:spPr>
+          <a:xfrm>
+            <a:off x="5059680" y="3327400"/>
+            <a:ext cx="816975" cy="543560"/>
+          </a:xfrm>
+          <a:prstGeom prst="ellipse">
+            <a:avLst/>
+          </a:prstGeom>
+          <a:noFill/>
+          <a:ln w="19050">
+            <a:solidFill>
+              <a:schemeClr val="accent6"/>
+            </a:solidFill>
+          </a:ln>
+        </p:spPr>
+        <p:style>
+          <a:lnRef idx="2">
+            <a:schemeClr val="accent1">
+              <a:shade val="15000"/>
+            </a:schemeClr>
+          </a:lnRef>
+          <a:fillRef idx="1">
+            <a:schemeClr val="accent1"/>
+          </a:fillRef>
+          <a:effectRef idx="0">
+            <a:schemeClr val="accent1"/>
+          </a:effectRef>
+          <a:fontRef idx="minor">
+            <a:schemeClr val="lt1"/>
+          </a:fontRef>
+        </p:style>
+        <p:txBody>
+          <a:bodyPr rtlCol="0" anchor="ctr"/>
+          <a:lstStyle/>
+          <a:p>
+            <a:pPr algn="ctr"/>
+            <a:endParaRPr lang="en-DE"/>
+          </a:p>
+        </p:txBody>
+      </p:sp>
+      <p:sp>
+        <p:nvSpPr>
+          <p:cNvPr id="10" name="Oval 9">
+            <a:extLst>
+              <a:ext uri="{FF2B5EF4-FFF2-40B4-BE49-F238E27FC236}">
+                <a16:creationId xmlns:a16="http://schemas.microsoft.com/office/drawing/2014/main" id="{EA248419-C95B-BF48-7FC2-DF67B1B6241B}"/>
+              </a:ext>
+            </a:extLst>
+          </p:cNvPr>
+          <p:cNvSpPr/>
+          <p:nvPr/>
+        </p:nvSpPr>
+        <p:spPr>
+          <a:xfrm rot="1149822">
+            <a:off x="9569753" y="2820066"/>
+            <a:ext cx="1565738" cy="642620"/>
+          </a:xfrm>
+          <a:prstGeom prst="ellipse">
+            <a:avLst/>
+          </a:prstGeom>
+          <a:noFill/>
+          <a:ln w="19050">
+            <a:solidFill>
+              <a:schemeClr val="accent6"/>
+            </a:solidFill>
+          </a:ln>
+        </p:spPr>
+        <p:style>
+          <a:lnRef idx="2">
+            <a:schemeClr val="accent1">
+              <a:shade val="15000"/>
+            </a:schemeClr>
+          </a:lnRef>
+          <a:fillRef idx="1">
+            <a:schemeClr val="accent1"/>
+          </a:fillRef>
+          <a:effectRef idx="0">
+            <a:schemeClr val="accent1"/>
+          </a:effectRef>
+          <a:fontRef idx="minor">
+            <a:schemeClr val="lt1"/>
+          </a:fontRef>
+        </p:style>
+        <p:txBody>
+          <a:bodyPr rtlCol="0" anchor="ctr"/>
+          <a:lstStyle/>
+          <a:p>
+            <a:pPr algn="ctr"/>
+            <a:endParaRPr lang="en-DE"/>
+          </a:p>
+        </p:txBody>
+      </p:sp>
+      <p:cxnSp>
+        <p:nvCxnSpPr>
+          <p:cNvPr id="13" name="Straight Connector 12">
+            <a:extLst>
+              <a:ext uri="{FF2B5EF4-FFF2-40B4-BE49-F238E27FC236}">
+                <a16:creationId xmlns:a16="http://schemas.microsoft.com/office/drawing/2014/main" id="{BD6466CD-86DA-014C-8F79-B328F8514364}"/>
+              </a:ext>
+              <a:ext uri="{C183D7F6-B498-43B3-948B-1728B52AA6E4}">
+                <adec:decorative xmlns:adec="http://schemas.microsoft.com/office/drawing/2017/decorative" val="0"/>
+              </a:ext>
+            </a:extLst>
+          </p:cNvPr>
+          <p:cNvCxnSpPr>
+            <a:stCxn id="9" idx="6"/>
+            <a:endCxn id="10" idx="3"/>
+          </p:cNvCxnSpPr>
+          <p:nvPr/>
+        </p:nvCxnSpPr>
+        <p:spPr>
+          <a:xfrm flipV="1">
+            <a:off x="5876655" y="3174265"/>
+            <a:ext cx="3878489" cy="424915"/>
+          </a:xfrm>
+          <a:prstGeom prst="line">
+            <a:avLst/>
+          </a:prstGeom>
+          <a:ln w="19050">
+            <a:solidFill>
+              <a:schemeClr val="accent6"/>
+            </a:solidFill>
+          </a:ln>
+        </p:spPr>
+        <p:style>
+          <a:lnRef idx="1">
+            <a:schemeClr val="accent1"/>
+          </a:lnRef>
+          <a:fillRef idx="0">
+            <a:schemeClr val="accent1"/>
+          </a:fillRef>
+          <a:effectRef idx="0">
+            <a:schemeClr val="accent1"/>
+          </a:effectRef>
+          <a:fontRef idx="minor">
+            <a:schemeClr val="tx1"/>
+          </a:fontRef>
+        </p:style>
+      </p:cxnSp>
+      <p:sp>
+        <p:nvSpPr>
+          <p:cNvPr id="17" name="TextBox 16">
+            <a:extLst>
+              <a:ext uri="{FF2B5EF4-FFF2-40B4-BE49-F238E27FC236}">
+                <a16:creationId xmlns:a16="http://schemas.microsoft.com/office/drawing/2014/main" id="{B33A5B6B-8C89-56EA-C342-A5A21A77A129}"/>
+              </a:ext>
+            </a:extLst>
+          </p:cNvPr>
+          <p:cNvSpPr txBox="1"/>
+          <p:nvPr/>
+        </p:nvSpPr>
+        <p:spPr>
+          <a:xfrm rot="21197851">
+            <a:off x="7443690" y="3108081"/>
+            <a:ext cx="843280" cy="276999"/>
+          </a:xfrm>
+          <a:prstGeom prst="rect">
+            <a:avLst/>
+          </a:prstGeom>
+          <a:noFill/>
+        </p:spPr>
+        <p:txBody>
+          <a:bodyPr wrap="square" rtlCol="0">
+            <a:spAutoFit/>
+          </a:bodyPr>
+          <a:lstStyle/>
+          <a:p>
+            <a:r>
+              <a:rPr lang="en-GB" sz="1200" dirty="0">
+                <a:solidFill>
+                  <a:schemeClr val="accent6"/>
+                </a:solidFill>
+              </a:rPr>
+              <a:t>P</a:t>
+            </a:r>
+            <a:r>
+              <a:rPr lang="en-DE" sz="1200" dirty="0">
+                <a:solidFill>
+                  <a:schemeClr val="accent6"/>
+                </a:solidFill>
+              </a:rPr>
+              <a:t>rompt?</a:t>
+            </a:r>
+          </a:p>
+        </p:txBody>
+      </p:sp>
+      <p:sp>
+        <p:nvSpPr>
+          <p:cNvPr id="18" name="TextBox 17">
+            <a:extLst>
+              <a:ext uri="{FF2B5EF4-FFF2-40B4-BE49-F238E27FC236}">
+                <a16:creationId xmlns:a16="http://schemas.microsoft.com/office/drawing/2014/main" id="{2F3DEEA8-F1EE-F544-FD5F-4A7866C7A16E}"/>
+              </a:ext>
+            </a:extLst>
+          </p:cNvPr>
+          <p:cNvSpPr txBox="1"/>
+          <p:nvPr/>
+        </p:nvSpPr>
+        <p:spPr>
+          <a:xfrm>
+            <a:off x="3220720" y="5872480"/>
+            <a:ext cx="4663440" cy="369332"/>
+          </a:xfrm>
+          <a:prstGeom prst="rect">
+            <a:avLst/>
+          </a:prstGeom>
+          <a:noFill/>
+        </p:spPr>
+        <p:txBody>
+          <a:bodyPr wrap="square" rtlCol="0">
+            <a:spAutoFit/>
+          </a:bodyPr>
+          <a:lstStyle/>
+          <a:p>
+            <a:pPr marL="285750" indent="-285750">
+              <a:buFont typeface="Wingdings" pitchFamily="2" charset="2"/>
+              <a:buChar char="Ø"/>
+            </a:pPr>
+            <a:r>
+              <a:rPr lang="en-DE" dirty="0">
+                <a:solidFill>
+                  <a:schemeClr val="accent6"/>
+                </a:solidFill>
+              </a:rPr>
+              <a:t>Bundle energy: good agreement with GSF</a:t>
+            </a:r>
+          </a:p>
+        </p:txBody>
+      </p:sp>
     </p:spTree>
     <p:extLst>
       <p:ext uri="{BB962C8B-B14F-4D97-AF65-F5344CB8AC3E}">
@@ -6796,6 +7102,62 @@
           </a:prstGeom>
         </p:spPr>
       </p:pic>
+      <p:sp>
+        <p:nvSpPr>
+          <p:cNvPr id="3" name="TextBox 2">
+            <a:extLst>
+              <a:ext uri="{FF2B5EF4-FFF2-40B4-BE49-F238E27FC236}">
+                <a16:creationId xmlns:a16="http://schemas.microsoft.com/office/drawing/2014/main" id="{AA34C1D8-32F5-BB63-A663-0F1DFC0A60F5}"/>
+              </a:ext>
+            </a:extLst>
+          </p:cNvPr>
+          <p:cNvSpPr txBox="1"/>
+          <p:nvPr/>
+        </p:nvSpPr>
+        <p:spPr>
+          <a:xfrm>
+            <a:off x="2682240" y="5913120"/>
+            <a:ext cx="5384800" cy="369332"/>
+          </a:xfrm>
+          <a:prstGeom prst="rect">
+            <a:avLst/>
+          </a:prstGeom>
+          <a:noFill/>
+        </p:spPr>
+        <p:txBody>
+          <a:bodyPr wrap="square" rtlCol="0">
+            <a:spAutoFit/>
+          </a:bodyPr>
+          <a:lstStyle/>
+          <a:p>
+            <a:pPr marL="285750" indent="-285750">
+              <a:buFont typeface="Wingdings" pitchFamily="2" charset="2"/>
+              <a:buChar char="Ø"/>
+            </a:pPr>
+            <a:r>
+              <a:rPr lang="en-DE" dirty="0">
+                <a:solidFill>
+                  <a:schemeClr val="accent6"/>
+                </a:solidFill>
+              </a:rPr>
+              <a:t>Tagging alows scaling of prompt by factor n</a:t>
+            </a:r>
+            <a:r>
+              <a:rPr lang="en-DE" baseline="-25000" dirty="0">
+                <a:solidFill>
+                  <a:schemeClr val="accent6"/>
+                </a:solidFill>
+              </a:rPr>
+              <a:t>pr</a:t>
+            </a:r>
+            <a:endParaRPr lang="en-DE" dirty="0">
+              <a:solidFill>
+                <a:schemeClr val="accent6"/>
+              </a:solidFill>
+            </a:endParaRPr>
+          </a:p>
+        </p:txBody>
+      </p:sp>
     </p:spTree>
     <p:extLst>
       <p:ext uri="{BB962C8B-B14F-4D97-AF65-F5344CB8AC3E}">
@@ -6971,6 +7333,57 @@
           </a:prstGeom>
         </p:spPr>
       </p:pic>
+      <p:sp>
+        <p:nvSpPr>
+          <p:cNvPr id="3" name="TextBox 2">
+            <a:extLst>
+              <a:ext uri="{FF2B5EF4-FFF2-40B4-BE49-F238E27FC236}">
+                <a16:creationId xmlns:a16="http://schemas.microsoft.com/office/drawing/2014/main" id="{E5B11366-863A-824B-C2EE-8FA3260532B2}"/>
+              </a:ext>
+            </a:extLst>
+          </p:cNvPr>
+          <p:cNvSpPr txBox="1"/>
+          <p:nvPr/>
+        </p:nvSpPr>
+        <p:spPr>
+          <a:xfrm>
+            <a:off x="838200" y="2770496"/>
+            <a:ext cx="3242481" cy="646331"/>
+          </a:xfrm>
+          <a:prstGeom prst="rect">
+            <a:avLst/>
+          </a:prstGeom>
+          <a:noFill/>
+        </p:spPr>
+        <p:txBody>
+          <a:bodyPr wrap="square" rtlCol="0">
+            <a:spAutoFit/>
+          </a:bodyPr>
+          <a:lstStyle/>
+          <a:p>
+            <a:pPr marL="285750" indent="-285750">
+              <a:buFont typeface="Wingdings" pitchFamily="2" charset="2"/>
+              <a:buChar char="Ø"/>
+            </a:pPr>
+            <a:r>
+              <a:rPr lang="en-GB" dirty="0">
+                <a:solidFill>
+                  <a:schemeClr val="accent6"/>
+                </a:solidFill>
+              </a:rPr>
+              <a:t>B</a:t>
+            </a:r>
+            <a:r>
+              <a:rPr lang="en-DE" dirty="0">
+                <a:solidFill>
+                  <a:schemeClr val="accent6"/>
+                </a:solidFill>
+              </a:rPr>
+              <a:t>ias starts below a prompt normalization of 0.1</a:t>
+            </a:r>
+          </a:p>
+        </p:txBody>
+      </p:sp>
     </p:spTree>
     <p:extLst>
       <p:ext uri="{BB962C8B-B14F-4D97-AF65-F5344CB8AC3E}">
@@ -7234,21 +7647,77 @@
           </a:p>
         </p:txBody>
       </p:sp>
+      <p:sp>
+        <p:nvSpPr>
+          <p:cNvPr id="4" name="Date Placeholder 3">
+            <a:extLst>
+              <a:ext uri="{FF2B5EF4-FFF2-40B4-BE49-F238E27FC236}">
+                <a16:creationId xmlns:a16="http://schemas.microsoft.com/office/drawing/2014/main" id="{5A26C7EF-F222-0C8D-1E54-8FC56E159DDF}"/>
+              </a:ext>
+            </a:extLst>
+          </p:cNvPr>
+          <p:cNvSpPr>
+            <a:spLocks noGrp="1"/>
+          </p:cNvSpPr>
+          <p:nvPr>
+            <p:ph type="dt" sz="half" idx="10"/>
+          </p:nvPr>
+        </p:nvSpPr>
+        <p:spPr/>
+        <p:txBody>
+          <a:bodyPr/>
+          <a:lstStyle/>
+          <a:p>
+            <a:r>
+              <a:rPr lang="de-DE"/>
+              <a:t>P. Gutjahr</a:t>
+            </a:r>
+            <a:endParaRPr lang="en-US"/>
+          </a:p>
+        </p:txBody>
+      </p:sp>
+      <p:sp>
+        <p:nvSpPr>
+          <p:cNvPr id="5" name="Slide Number Placeholder 4">
+            <a:extLst>
+              <a:ext uri="{FF2B5EF4-FFF2-40B4-BE49-F238E27FC236}">
+                <a16:creationId xmlns:a16="http://schemas.microsoft.com/office/drawing/2014/main" id="{804FC3CD-7016-A6FC-D8F4-E9B26E9BC762}"/>
+              </a:ext>
+            </a:extLst>
+          </p:cNvPr>
+          <p:cNvSpPr>
+            <a:spLocks noGrp="1"/>
+          </p:cNvSpPr>
+          <p:nvPr>
+            <p:ph type="sldNum" sz="quarter" idx="12"/>
+          </p:nvPr>
+        </p:nvSpPr>
+        <p:spPr/>
+        <p:txBody>
+          <a:bodyPr/>
+          <a:lstStyle/>
+          <a:p>
+            <a:fld id="{CD8304E6-5469-594D-85BC-E468E92D2243}" type="slidenum">
+              <a:rPr lang="en-US" smtClean="0"/>
+              <a:t>19</a:t>
+            </a:fld>
+            <a:endParaRPr lang="en-US"/>
+          </a:p>
+        </p:txBody>
+      </p:sp>
       <p:pic>
         <p:nvPicPr>
-          <p:cNvPr id="7" name="Content Placeholder 6">
-            <a:extLst>
-              <a:ext uri="{FF2B5EF4-FFF2-40B4-BE49-F238E27FC236}">
-                <a16:creationId xmlns:a16="http://schemas.microsoft.com/office/drawing/2014/main" id="{CE645729-4DAC-A01C-AB22-0D657C3561AE}"/>
+          <p:cNvPr id="6" name="Grafik 9">
+            <a:extLst>
+              <a:ext uri="{FF2B5EF4-FFF2-40B4-BE49-F238E27FC236}">
+                <a16:creationId xmlns:a16="http://schemas.microsoft.com/office/drawing/2014/main" id="{FC8542A3-201B-F93E-25AB-93C8B7D9D52A}"/>
               </a:ext>
             </a:extLst>
           </p:cNvPr>
           <p:cNvPicPr>
-            <a:picLocks noGrp="1" noChangeAspect="1"/>
+            <a:picLocks noChangeAspect="1"/>
           </p:cNvPicPr>
-          <p:nvPr>
-            <p:ph idx="1"/>
-          </p:nvPr>
+          <p:nvPr/>
         </p:nvPicPr>
         <p:blipFill>
           <a:blip r:embed="rId2"/>
@@ -7258,75 +7727,68 @@
         </p:blipFill>
         <p:spPr>
           <a:xfrm>
-            <a:off x="5418831" y="1864241"/>
-            <a:ext cx="5384800" cy="3759200"/>
-          </a:xfrm>
+            <a:off x="145510" y="92738"/>
+            <a:ext cx="1832786" cy="365125"/>
+          </a:xfrm>
+          <a:prstGeom prst="rect">
+            <a:avLst/>
+          </a:prstGeom>
         </p:spPr>
       </p:pic>
       <p:sp>
         <p:nvSpPr>
-          <p:cNvPr id="4" name="Date Placeholder 3">
-            <a:extLst>
-              <a:ext uri="{FF2B5EF4-FFF2-40B4-BE49-F238E27FC236}">
-                <a16:creationId xmlns:a16="http://schemas.microsoft.com/office/drawing/2014/main" id="{5A26C7EF-F222-0C8D-1E54-8FC56E159DDF}"/>
-              </a:ext>
-            </a:extLst>
-          </p:cNvPr>
-          <p:cNvSpPr>
-            <a:spLocks noGrp="1"/>
-          </p:cNvSpPr>
-          <p:nvPr>
-            <p:ph type="dt" sz="half" idx="10"/>
-          </p:nvPr>
-        </p:nvSpPr>
-        <p:spPr/>
-        <p:txBody>
-          <a:bodyPr/>
-          <a:lstStyle/>
-          <a:p>
-            <a:r>
-              <a:rPr lang="de-DE"/>
-              <a:t>P. Gutjahr</a:t>
-            </a:r>
-            <a:endParaRPr lang="en-US"/>
-          </a:p>
-        </p:txBody>
-      </p:sp>
-      <p:sp>
-        <p:nvSpPr>
-          <p:cNvPr id="5" name="Slide Number Placeholder 4">
-            <a:extLst>
-              <a:ext uri="{FF2B5EF4-FFF2-40B4-BE49-F238E27FC236}">
-                <a16:creationId xmlns:a16="http://schemas.microsoft.com/office/drawing/2014/main" id="{804FC3CD-7016-A6FC-D8F4-E9B26E9BC762}"/>
-              </a:ext>
-            </a:extLst>
-          </p:cNvPr>
-          <p:cNvSpPr>
-            <a:spLocks noGrp="1"/>
-          </p:cNvSpPr>
-          <p:nvPr>
-            <p:ph type="sldNum" sz="quarter" idx="12"/>
-          </p:nvPr>
-        </p:nvSpPr>
-        <p:spPr/>
-        <p:txBody>
-          <a:bodyPr/>
-          <a:lstStyle/>
-          <a:p>
-            <a:fld id="{CD8304E6-5469-594D-85BC-E468E92D2243}" type="slidenum">
-              <a:rPr lang="en-US" smtClean="0"/>
-              <a:t>19</a:t>
-            </a:fld>
-            <a:endParaRPr lang="en-US"/>
+          <p:cNvPr id="8" name="TextBox 7">
+            <a:extLst>
+              <a:ext uri="{FF2B5EF4-FFF2-40B4-BE49-F238E27FC236}">
+                <a16:creationId xmlns:a16="http://schemas.microsoft.com/office/drawing/2014/main" id="{AA71ED94-43C7-4063-695C-0609409D7AD8}"/>
+              </a:ext>
+            </a:extLst>
+          </p:cNvPr>
+          <p:cNvSpPr txBox="1"/>
+          <p:nvPr/>
+        </p:nvSpPr>
+        <p:spPr>
+          <a:xfrm>
+            <a:off x="550415" y="2769833"/>
+            <a:ext cx="4358935" cy="923330"/>
+          </a:xfrm>
+          <a:prstGeom prst="rect">
+            <a:avLst/>
+          </a:prstGeom>
+          <a:noFill/>
+        </p:spPr>
+        <p:txBody>
+          <a:bodyPr wrap="square" rtlCol="0">
+            <a:spAutoFit/>
+          </a:bodyPr>
+          <a:lstStyle/>
+          <a:p>
+            <a:r>
+              <a:rPr lang="en-DE" dirty="0"/>
+              <a:t>5 sigma discovery potential: 0.102 ± 0.005</a:t>
+            </a:r>
+          </a:p>
+          <a:p>
+            <a:endParaRPr lang="en-DE" dirty="0"/>
+          </a:p>
+          <a:p>
+            <a:r>
+              <a:rPr lang="en-GB" dirty="0"/>
+              <a:t>S</a:t>
+            </a:r>
+            <a:r>
+              <a:rPr lang="en-DE" dirty="0"/>
+              <a:t>ensitivity: 0.024 ± 0.001</a:t>
+            </a:r>
           </a:p>
         </p:txBody>
       </p:sp>
       <p:pic>
         <p:nvPicPr>
-          <p:cNvPr id="6" name="Grafik 9">
-            <a:extLst>
-              <a:ext uri="{FF2B5EF4-FFF2-40B4-BE49-F238E27FC236}">
-                <a16:creationId xmlns:a16="http://schemas.microsoft.com/office/drawing/2014/main" id="{FC8542A3-201B-F93E-25AB-93C8B7D9D52A}"/>
+          <p:cNvPr id="10" name="Picture 9">
+            <a:extLst>
+              <a:ext uri="{FF2B5EF4-FFF2-40B4-BE49-F238E27FC236}">
+                <a16:creationId xmlns:a16="http://schemas.microsoft.com/office/drawing/2014/main" id="{C1D12CFC-64D0-876D-55E3-9FC657853213}"/>
               </a:ext>
             </a:extLst>
           </p:cNvPr>
@@ -7343,62 +7805,14 @@
         </p:blipFill>
         <p:spPr>
           <a:xfrm>
-            <a:off x="145510" y="92738"/>
-            <a:ext cx="1832786" cy="365125"/>
+            <a:off x="4909350" y="1579599"/>
+            <a:ext cx="6893310" cy="4812311"/>
           </a:xfrm>
           <a:prstGeom prst="rect">
             <a:avLst/>
           </a:prstGeom>
         </p:spPr>
       </p:pic>
-      <p:sp>
-        <p:nvSpPr>
-          <p:cNvPr id="8" name="TextBox 7">
-            <a:extLst>
-              <a:ext uri="{FF2B5EF4-FFF2-40B4-BE49-F238E27FC236}">
-                <a16:creationId xmlns:a16="http://schemas.microsoft.com/office/drawing/2014/main" id="{AA71ED94-43C7-4063-695C-0609409D7AD8}"/>
-              </a:ext>
-            </a:extLst>
-          </p:cNvPr>
-          <p:cNvSpPr txBox="1"/>
-          <p:nvPr/>
-        </p:nvSpPr>
-        <p:spPr>
-          <a:xfrm>
-            <a:off x="550415" y="2769833"/>
-            <a:ext cx="4358935" cy="923330"/>
-          </a:xfrm>
-          <a:prstGeom prst="rect">
-            <a:avLst/>
-          </a:prstGeom>
-          <a:noFill/>
-        </p:spPr>
-        <p:txBody>
-          <a:bodyPr wrap="square" rtlCol="0">
-            <a:spAutoFit/>
-          </a:bodyPr>
-          <a:lstStyle/>
-          <a:p>
-            <a:r>
-              <a:rPr lang="en-DE" dirty="0"/>
-              <a:t>5 sigma discovery potential: 0.102 ± 0.005</a:t>
-            </a:r>
-          </a:p>
-          <a:p>
-            <a:endParaRPr lang="en-DE" dirty="0"/>
-          </a:p>
-          <a:p>
-            <a:r>
-              <a:rPr lang="en-GB" dirty="0"/>
-              <a:t>S</a:t>
-            </a:r>
-            <a:r>
-              <a:rPr lang="en-DE" dirty="0"/>
-              <a:t>ensitivity: 0.024 ± 0.001</a:t>
-            </a:r>
-          </a:p>
-        </p:txBody>
-      </p:sp>
     </p:spTree>
     <p:extLst>
       <p:ext uri="{BB962C8B-B14F-4D97-AF65-F5344CB8AC3E}">
@@ -8383,166 +8797,6 @@
 </file>
 
 <file path=ppt/slides/slide22.xml><?xml version="1.0" encoding="utf-8"?>
-<p:sld xmlns:a="http://schemas.openxmlformats.org/drawingml/2006/main" xmlns:r="http://schemas.openxmlformats.org/officeDocument/2006/relationships" xmlns:p="http://schemas.openxmlformats.org/presentationml/2006/main">
-  <p:cSld>
-    <p:spTree>
-      <p:nvGrpSpPr>
-        <p:cNvPr id="1" name=""/>
-        <p:cNvGrpSpPr/>
-        <p:nvPr/>
-      </p:nvGrpSpPr>
-      <p:grpSpPr>
-        <a:xfrm>
-          <a:off x="0" y="0"/>
-          <a:ext cx="0" cy="0"/>
-          <a:chOff x="0" y="0"/>
-          <a:chExt cx="0" cy="0"/>
-        </a:xfrm>
-      </p:grpSpPr>
-      <p:sp>
-        <p:nvSpPr>
-          <p:cNvPr id="2" name="Title 1">
-            <a:extLst>
-              <a:ext uri="{FF2B5EF4-FFF2-40B4-BE49-F238E27FC236}">
-                <a16:creationId xmlns:a16="http://schemas.microsoft.com/office/drawing/2014/main" id="{38B22C72-F738-6861-6CB5-26ED5790BF17}"/>
-              </a:ext>
-            </a:extLst>
-          </p:cNvPr>
-          <p:cNvSpPr>
-            <a:spLocks noGrp="1"/>
-          </p:cNvSpPr>
-          <p:nvPr>
-            <p:ph type="title"/>
-          </p:nvPr>
-        </p:nvSpPr>
-        <p:spPr/>
-        <p:txBody>
-          <a:bodyPr/>
-          <a:lstStyle/>
-          <a:p>
-            <a:r>
-              <a:rPr lang="en-GB" dirty="0">
-                <a:solidFill>
-                  <a:srgbClr val="C00000"/>
-                </a:solidFill>
-              </a:rPr>
-              <a:t>A</a:t>
-            </a:r>
-            <a:r>
-              <a:rPr lang="en-DE" dirty="0">
-                <a:solidFill>
-                  <a:srgbClr val="C00000"/>
-                </a:solidFill>
-              </a:rPr>
-              <a:t>dd backup slides:</a:t>
-            </a:r>
-          </a:p>
-        </p:txBody>
-      </p:sp>
-      <p:sp>
-        <p:nvSpPr>
-          <p:cNvPr id="3" name="Content Placeholder 2">
-            <a:extLst>
-              <a:ext uri="{FF2B5EF4-FFF2-40B4-BE49-F238E27FC236}">
-                <a16:creationId xmlns:a16="http://schemas.microsoft.com/office/drawing/2014/main" id="{FAB238AE-6087-F1E9-E27F-4DE76B597D93}"/>
-              </a:ext>
-            </a:extLst>
-          </p:cNvPr>
-          <p:cNvSpPr>
-            <a:spLocks noGrp="1"/>
-          </p:cNvSpPr>
-          <p:nvPr>
-            <p:ph idx="1"/>
-          </p:nvPr>
-        </p:nvSpPr>
-        <p:spPr/>
-        <p:txBody>
-          <a:bodyPr/>
-          <a:lstStyle/>
-          <a:p>
-            <a:r>
-              <a:rPr lang="en-GB" dirty="0"/>
-              <a:t>E</a:t>
-            </a:r>
-            <a:r>
-              <a:rPr lang="en-DE" dirty="0"/>
-              <a:t>vluation of models used for this talk</a:t>
-            </a:r>
-          </a:p>
-        </p:txBody>
-      </p:sp>
-      <p:sp>
-        <p:nvSpPr>
-          <p:cNvPr id="4" name="Date Placeholder 3">
-            <a:extLst>
-              <a:ext uri="{FF2B5EF4-FFF2-40B4-BE49-F238E27FC236}">
-                <a16:creationId xmlns:a16="http://schemas.microsoft.com/office/drawing/2014/main" id="{35627C57-BFE7-917A-2E6C-357CB8A096F5}"/>
-              </a:ext>
-            </a:extLst>
-          </p:cNvPr>
-          <p:cNvSpPr>
-            <a:spLocks noGrp="1"/>
-          </p:cNvSpPr>
-          <p:nvPr>
-            <p:ph type="dt" sz="half" idx="10"/>
-          </p:nvPr>
-        </p:nvSpPr>
-        <p:spPr/>
-        <p:txBody>
-          <a:bodyPr/>
-          <a:lstStyle/>
-          <a:p>
-            <a:r>
-              <a:rPr lang="de-DE"/>
-              <a:t>P. Gutjahr</a:t>
-            </a:r>
-            <a:endParaRPr lang="en-US"/>
-          </a:p>
-        </p:txBody>
-      </p:sp>
-      <p:sp>
-        <p:nvSpPr>
-          <p:cNvPr id="5" name="Slide Number Placeholder 4">
-            <a:extLst>
-              <a:ext uri="{FF2B5EF4-FFF2-40B4-BE49-F238E27FC236}">
-                <a16:creationId xmlns:a16="http://schemas.microsoft.com/office/drawing/2014/main" id="{3A4219A5-1089-6D90-6DD6-EBED7BE61145}"/>
-              </a:ext>
-            </a:extLst>
-          </p:cNvPr>
-          <p:cNvSpPr>
-            <a:spLocks noGrp="1"/>
-          </p:cNvSpPr>
-          <p:nvPr>
-            <p:ph type="sldNum" sz="quarter" idx="12"/>
-          </p:nvPr>
-        </p:nvSpPr>
-        <p:spPr/>
-        <p:txBody>
-          <a:bodyPr/>
-          <a:lstStyle/>
-          <a:p>
-            <a:fld id="{CD8304E6-5469-594D-85BC-E468E92D2243}" type="slidenum">
-              <a:rPr lang="en-US" smtClean="0"/>
-              <a:t>22</a:t>
-            </a:fld>
-            <a:endParaRPr lang="en-US"/>
-          </a:p>
-        </p:txBody>
-      </p:sp>
-    </p:spTree>
-    <p:extLst>
-      <p:ext uri="{BB962C8B-B14F-4D97-AF65-F5344CB8AC3E}">
-        <p14:creationId xmlns:p14="http://schemas.microsoft.com/office/powerpoint/2010/main" val="1754214238"/>
-      </p:ext>
-    </p:extLst>
-  </p:cSld>
-  <p:clrMapOvr>
-    <a:masterClrMapping/>
-  </p:clrMapOvr>
-</p:sld>
-</file>
-
-<file path=ppt/slides/slide23.xml><?xml version="1.0" encoding="utf-8"?>
 <p:sld xmlns:a="http://schemas.openxmlformats.org/drawingml/2006/main" xmlns:r="http://schemas.openxmlformats.org/officeDocument/2006/relationships" xmlns:p="http://schemas.openxmlformats.org/presentationml/2006/main">
   <p:cSld>
     <p:spTree>
@@ -8794,7 +9048,7 @@
           <a:p>
             <a:fld id="{CD8304E6-5469-594D-85BC-E468E92D2243}" type="slidenum">
               <a:rPr lang="en-US" smtClean="0"/>
-              <a:t>23</a:t>
+              <a:t>22</a:t>
             </a:fld>
             <a:endParaRPr lang="en-US"/>
           </a:p>
@@ -9351,7 +9605,7 @@
 </p:sld>
 </file>
 
-<file path=ppt/slides/slide24.xml><?xml version="1.0" encoding="utf-8"?>
+<file path=ppt/slides/slide23.xml><?xml version="1.0" encoding="utf-8"?>
 <p:sld xmlns:a="http://schemas.openxmlformats.org/drawingml/2006/main" xmlns:r="http://schemas.openxmlformats.org/officeDocument/2006/relationships" xmlns:p="http://schemas.openxmlformats.org/presentationml/2006/main">
   <p:cSld>
     <p:spTree>
@@ -9630,7 +9884,7 @@
           <a:p>
             <a:fld id="{CD8304E6-5469-594D-85BC-E468E92D2243}" type="slidenum">
               <a:rPr lang="en-US" smtClean="0"/>
-              <a:t>24</a:t>
+              <a:t>23</a:t>
             </a:fld>
             <a:endParaRPr lang="en-US"/>
           </a:p>
@@ -10001,6 +10255,225 @@
     <p:extLst>
       <p:ext uri="{BB962C8B-B14F-4D97-AF65-F5344CB8AC3E}">
         <p14:creationId xmlns:p14="http://schemas.microsoft.com/office/powerpoint/2010/main" val="1400391078"/>
+      </p:ext>
+    </p:extLst>
+  </p:cSld>
+  <p:clrMapOvr>
+    <a:masterClrMapping/>
+  </p:clrMapOvr>
+</p:sld>
+</file>
+
+<file path=ppt/slides/slide24.xml><?xml version="1.0" encoding="utf-8"?>
+<p:sld xmlns:a="http://schemas.openxmlformats.org/drawingml/2006/main" xmlns:r="http://schemas.openxmlformats.org/officeDocument/2006/relationships" xmlns:p="http://schemas.openxmlformats.org/presentationml/2006/main">
+  <p:cSld>
+    <p:spTree>
+      <p:nvGrpSpPr>
+        <p:cNvPr id="1" name=""/>
+        <p:cNvGrpSpPr/>
+        <p:nvPr/>
+      </p:nvGrpSpPr>
+      <p:grpSpPr>
+        <a:xfrm>
+          <a:off x="0" y="0"/>
+          <a:ext cx="0" cy="0"/>
+          <a:chOff x="0" y="0"/>
+          <a:chExt cx="0" cy="0"/>
+        </a:xfrm>
+      </p:grpSpPr>
+      <p:sp>
+        <p:nvSpPr>
+          <p:cNvPr id="2" name="Title 1">
+            <a:extLst>
+              <a:ext uri="{FF2B5EF4-FFF2-40B4-BE49-F238E27FC236}">
+                <a16:creationId xmlns:a16="http://schemas.microsoft.com/office/drawing/2014/main" id="{818AD616-4098-6177-1D0C-4D63D5230F4A}"/>
+              </a:ext>
+            </a:extLst>
+          </p:cNvPr>
+          <p:cNvSpPr>
+            <a:spLocks noGrp="1"/>
+          </p:cNvSpPr>
+          <p:nvPr>
+            <p:ph type="title"/>
+          </p:nvPr>
+        </p:nvSpPr>
+        <p:spPr/>
+        <p:txBody>
+          <a:bodyPr/>
+          <a:lstStyle/>
+          <a:p>
+            <a:r>
+              <a:rPr lang="en-DE" dirty="0"/>
+              <a:t>Muon production – different weightings</a:t>
+            </a:r>
+          </a:p>
+        </p:txBody>
+      </p:sp>
+      <p:pic>
+        <p:nvPicPr>
+          <p:cNvPr id="4" name="Content Placeholder 3">
+            <a:extLst>
+              <a:ext uri="{FF2B5EF4-FFF2-40B4-BE49-F238E27FC236}">
+                <a16:creationId xmlns:a16="http://schemas.microsoft.com/office/drawing/2014/main" id="{9373CD95-2600-590F-719C-6AD3BD38A1CB}"/>
+              </a:ext>
+            </a:extLst>
+          </p:cNvPr>
+          <p:cNvPicPr>
+            <a:picLocks noGrp="1" noChangeAspect="1"/>
+          </p:cNvPicPr>
+          <p:nvPr>
+            <p:ph idx="1"/>
+          </p:nvPr>
+        </p:nvPicPr>
+        <p:blipFill>
+          <a:blip r:embed="rId2"/>
+          <a:stretch>
+            <a:fillRect/>
+          </a:stretch>
+        </p:blipFill>
+        <p:spPr>
+          <a:xfrm>
+            <a:off x="3403600" y="2121694"/>
+            <a:ext cx="5384800" cy="3759200"/>
+          </a:xfrm>
+        </p:spPr>
+      </p:pic>
+      <p:sp>
+        <p:nvSpPr>
+          <p:cNvPr id="5" name="TextBox 4">
+            <a:extLst>
+              <a:ext uri="{FF2B5EF4-FFF2-40B4-BE49-F238E27FC236}">
+                <a16:creationId xmlns:a16="http://schemas.microsoft.com/office/drawing/2014/main" id="{846265BF-F2B9-F8A2-C4E4-A915A26B37BC}"/>
+              </a:ext>
+            </a:extLst>
+          </p:cNvPr>
+          <p:cNvSpPr txBox="1"/>
+          <p:nvPr/>
+        </p:nvSpPr>
+        <p:spPr>
+          <a:xfrm>
+            <a:off x="7010401" y="6311900"/>
+            <a:ext cx="3846630" cy="369332"/>
+          </a:xfrm>
+          <a:prstGeom prst="rect">
+            <a:avLst/>
+          </a:prstGeom>
+          <a:noFill/>
+        </p:spPr>
+        <p:txBody>
+          <a:bodyPr wrap="none" rtlCol="0">
+            <a:spAutoFit/>
+          </a:bodyPr>
+          <a:lstStyle/>
+          <a:p>
+            <a:r>
+              <a:rPr lang="en-GB" dirty="0" err="1">
+                <a:effectLst/>
+              </a:rPr>
+              <a:t>MCLabelsLeadingMuons_entry_energy</a:t>
+            </a:r>
+            <a:endParaRPr lang="en-DE" dirty="0"/>
+          </a:p>
+        </p:txBody>
+      </p:sp>
+      <p:sp>
+        <p:nvSpPr>
+          <p:cNvPr id="6" name="TextBox 5">
+            <a:extLst>
+              <a:ext uri="{FF2B5EF4-FFF2-40B4-BE49-F238E27FC236}">
+                <a16:creationId xmlns:a16="http://schemas.microsoft.com/office/drawing/2014/main" id="{3F78F890-93C6-A64F-76A4-2F8006D50D16}"/>
+              </a:ext>
+            </a:extLst>
+          </p:cNvPr>
+          <p:cNvSpPr txBox="1"/>
+          <p:nvPr/>
+        </p:nvSpPr>
+        <p:spPr>
+          <a:xfrm>
+            <a:off x="465666" y="2497667"/>
+            <a:ext cx="2709333" cy="369332"/>
+          </a:xfrm>
+          <a:prstGeom prst="rect">
+            <a:avLst/>
+          </a:prstGeom>
+          <a:noFill/>
+        </p:spPr>
+        <p:txBody>
+          <a:bodyPr wrap="square" rtlCol="0">
+            <a:spAutoFit/>
+          </a:bodyPr>
+          <a:lstStyle/>
+          <a:p>
+            <a:r>
+              <a:rPr lang="en-DE" dirty="0"/>
+              <a:t>GST predicts most prompt</a:t>
+            </a:r>
+          </a:p>
+        </p:txBody>
+      </p:sp>
+      <p:sp>
+        <p:nvSpPr>
+          <p:cNvPr id="7" name="Slide Number Placeholder 6">
+            <a:extLst>
+              <a:ext uri="{FF2B5EF4-FFF2-40B4-BE49-F238E27FC236}">
+                <a16:creationId xmlns:a16="http://schemas.microsoft.com/office/drawing/2014/main" id="{9F45AF48-92CA-AD9D-7D16-87AC5BFBE85C}"/>
+              </a:ext>
+            </a:extLst>
+          </p:cNvPr>
+          <p:cNvSpPr>
+            <a:spLocks noGrp="1"/>
+          </p:cNvSpPr>
+          <p:nvPr>
+            <p:ph type="sldNum" sz="quarter" idx="12"/>
+          </p:nvPr>
+        </p:nvSpPr>
+        <p:spPr/>
+        <p:txBody>
+          <a:bodyPr/>
+          <a:lstStyle/>
+          <a:p>
+            <a:fld id="{5AE0D498-42EE-5F49-9FFD-85B9B54DD666}" type="slidenum">
+              <a:rPr lang="en-DE" smtClean="0"/>
+              <a:t>24</a:t>
+            </a:fld>
+            <a:endParaRPr lang="en-DE"/>
+          </a:p>
+        </p:txBody>
+      </p:sp>
+      <p:pic>
+        <p:nvPicPr>
+          <p:cNvPr id="3" name="Grafik 4">
+            <a:extLst>
+              <a:ext uri="{FF2B5EF4-FFF2-40B4-BE49-F238E27FC236}">
+                <a16:creationId xmlns:a16="http://schemas.microsoft.com/office/drawing/2014/main" id="{D6AC981E-56FF-849B-ED6B-BE91C3250DB4}"/>
+              </a:ext>
+            </a:extLst>
+          </p:cNvPr>
+          <p:cNvPicPr>
+            <a:picLocks noChangeAspect="1"/>
+          </p:cNvPicPr>
+          <p:nvPr/>
+        </p:nvPicPr>
+        <p:blipFill>
+          <a:blip r:embed="rId3"/>
+          <a:stretch>
+            <a:fillRect/>
+          </a:stretch>
+        </p:blipFill>
+        <p:spPr>
+          <a:xfrm>
+            <a:off x="145510" y="92738"/>
+            <a:ext cx="1832786" cy="365125"/>
+          </a:xfrm>
+          <a:prstGeom prst="rect">
+            <a:avLst/>
+          </a:prstGeom>
+        </p:spPr>
+      </p:pic>
+    </p:spTree>
+    <p:extLst>
+      <p:ext uri="{BB962C8B-B14F-4D97-AF65-F5344CB8AC3E}">
+        <p14:creationId xmlns:p14="http://schemas.microsoft.com/office/powerpoint/2010/main" val="2441767521"/>
       </p:ext>
     </p:extLst>
   </p:cSld>
@@ -10032,7 +10505,7 @@
           <p:cNvPr id="2" name="Title 1">
             <a:extLst>
               <a:ext uri="{FF2B5EF4-FFF2-40B4-BE49-F238E27FC236}">
-                <a16:creationId xmlns:a16="http://schemas.microsoft.com/office/drawing/2014/main" id="{818AD616-4098-6177-1D0C-4D63D5230F4A}"/>
+                <a16:creationId xmlns:a16="http://schemas.microsoft.com/office/drawing/2014/main" id="{B9EB2E2C-8A7D-E802-AC0E-22BBBAF3E3E1}"/>
               </a:ext>
             </a:extLst>
           </p:cNvPr>
@@ -10050,26 +10523,53 @@
           <a:p>
             <a:r>
               <a:rPr lang="en-DE" dirty="0"/>
-              <a:t>Muon production – different weightings</a:t>
-            </a:r>
+              <a:t>Solution to zenith problem?</a:t>
+            </a:r>
+          </a:p>
+        </p:txBody>
+      </p:sp>
+      <p:sp>
+        <p:nvSpPr>
+          <p:cNvPr id="5" name="Slide Number Placeholder 4">
+            <a:extLst>
+              <a:ext uri="{FF2B5EF4-FFF2-40B4-BE49-F238E27FC236}">
+                <a16:creationId xmlns:a16="http://schemas.microsoft.com/office/drawing/2014/main" id="{9350CB99-0FA9-F445-DD4C-8257B308B3EC}"/>
+              </a:ext>
+            </a:extLst>
+          </p:cNvPr>
+          <p:cNvSpPr>
+            <a:spLocks noGrp="1"/>
+          </p:cNvSpPr>
+          <p:nvPr>
+            <p:ph type="sldNum" sz="quarter" idx="12"/>
+          </p:nvPr>
+        </p:nvSpPr>
+        <p:spPr/>
+        <p:txBody>
+          <a:bodyPr/>
+          <a:lstStyle/>
+          <a:p>
+            <a:fld id="{CD8304E6-5469-594D-85BC-E468E92D2243}" type="slidenum">
+              <a:rPr lang="en-US" smtClean="0"/>
+              <a:t>25</a:t>
+            </a:fld>
+            <a:endParaRPr lang="en-US"/>
           </a:p>
         </p:txBody>
       </p:sp>
       <p:pic>
         <p:nvPicPr>
-          <p:cNvPr id="4" name="Content Placeholder 3">
-            <a:extLst>
-              <a:ext uri="{FF2B5EF4-FFF2-40B4-BE49-F238E27FC236}">
-                <a16:creationId xmlns:a16="http://schemas.microsoft.com/office/drawing/2014/main" id="{9373CD95-2600-590F-719C-6AD3BD38A1CB}"/>
+          <p:cNvPr id="7" name="Grafik 9">
+            <a:extLst>
+              <a:ext uri="{FF2B5EF4-FFF2-40B4-BE49-F238E27FC236}">
+                <a16:creationId xmlns:a16="http://schemas.microsoft.com/office/drawing/2014/main" id="{FE38CECB-A2AA-AB74-71E2-A63BA93B6C36}"/>
               </a:ext>
             </a:extLst>
           </p:cNvPr>
           <p:cNvPicPr>
-            <a:picLocks noGrp="1" noChangeAspect="1"/>
+            <a:picLocks noChangeAspect="1"/>
           </p:cNvPicPr>
-          <p:nvPr>
-            <p:ph idx="1"/>
-          </p:nvPr>
+          <p:nvPr/>
         </p:nvPicPr>
         <p:blipFill>
           <a:blip r:embed="rId2"/>
@@ -10079,126 +10579,29 @@
         </p:blipFill>
         <p:spPr>
           <a:xfrm>
-            <a:off x="3403600" y="2121694"/>
-            <a:ext cx="5384800" cy="3759200"/>
-          </a:xfrm>
-        </p:spPr>
-      </p:pic>
-      <p:sp>
-        <p:nvSpPr>
-          <p:cNvPr id="5" name="TextBox 4">
-            <a:extLst>
-              <a:ext uri="{FF2B5EF4-FFF2-40B4-BE49-F238E27FC236}">
-                <a16:creationId xmlns:a16="http://schemas.microsoft.com/office/drawing/2014/main" id="{846265BF-F2B9-F8A2-C4E4-A915A26B37BC}"/>
-              </a:ext>
-            </a:extLst>
-          </p:cNvPr>
-          <p:cNvSpPr txBox="1"/>
-          <p:nvPr/>
-        </p:nvSpPr>
-        <p:spPr>
-          <a:xfrm>
-            <a:off x="7010401" y="6311900"/>
-            <a:ext cx="3846630" cy="369332"/>
+            <a:off x="145510" y="92738"/>
+            <a:ext cx="1832786" cy="365125"/>
           </a:xfrm>
           <a:prstGeom prst="rect">
             <a:avLst/>
           </a:prstGeom>
-          <a:noFill/>
-        </p:spPr>
-        <p:txBody>
-          <a:bodyPr wrap="none" rtlCol="0">
-            <a:spAutoFit/>
-          </a:bodyPr>
-          <a:lstStyle/>
-          <a:p>
-            <a:r>
-              <a:rPr lang="en-GB" dirty="0" err="1">
-                <a:effectLst/>
-              </a:rPr>
-              <a:t>MCLabelsLeadingMuons_entry_energy</a:t>
-            </a:r>
-            <a:endParaRPr lang="en-DE" dirty="0"/>
-          </a:p>
-        </p:txBody>
-      </p:sp>
-      <p:sp>
-        <p:nvSpPr>
-          <p:cNvPr id="6" name="TextBox 5">
-            <a:extLst>
-              <a:ext uri="{FF2B5EF4-FFF2-40B4-BE49-F238E27FC236}">
-                <a16:creationId xmlns:a16="http://schemas.microsoft.com/office/drawing/2014/main" id="{3F78F890-93C6-A64F-76A4-2F8006D50D16}"/>
-              </a:ext>
-            </a:extLst>
-          </p:cNvPr>
-          <p:cNvSpPr txBox="1"/>
-          <p:nvPr/>
-        </p:nvSpPr>
-        <p:spPr>
-          <a:xfrm>
-            <a:off x="465666" y="2497667"/>
-            <a:ext cx="2709333" cy="369332"/>
-          </a:xfrm>
-          <a:prstGeom prst="rect">
-            <a:avLst/>
-          </a:prstGeom>
-          <a:noFill/>
-        </p:spPr>
-        <p:txBody>
-          <a:bodyPr wrap="square" rtlCol="0">
-            <a:spAutoFit/>
-          </a:bodyPr>
-          <a:lstStyle/>
-          <a:p>
-            <a:r>
-              <a:rPr lang="en-DE" dirty="0"/>
-              <a:t>GST predicts most prompt</a:t>
-            </a:r>
-          </a:p>
-        </p:txBody>
-      </p:sp>
-      <p:sp>
-        <p:nvSpPr>
-          <p:cNvPr id="7" name="Slide Number Placeholder 6">
-            <a:extLst>
-              <a:ext uri="{FF2B5EF4-FFF2-40B4-BE49-F238E27FC236}">
-                <a16:creationId xmlns:a16="http://schemas.microsoft.com/office/drawing/2014/main" id="{9F45AF48-92CA-AD9D-7D16-87AC5BFBE85C}"/>
-              </a:ext>
-            </a:extLst>
-          </p:cNvPr>
-          <p:cNvSpPr>
-            <a:spLocks noGrp="1"/>
-          </p:cNvSpPr>
-          <p:nvPr>
-            <p:ph type="sldNum" sz="quarter" idx="12"/>
-          </p:nvPr>
-        </p:nvSpPr>
-        <p:spPr/>
-        <p:txBody>
-          <a:bodyPr/>
-          <a:lstStyle/>
-          <a:p>
-            <a:fld id="{5AE0D498-42EE-5F49-9FFD-85B9B54DD666}" type="slidenum">
-              <a:rPr lang="en-DE" smtClean="0"/>
-              <a:t>25</a:t>
-            </a:fld>
-            <a:endParaRPr lang="en-DE"/>
-          </a:p>
-        </p:txBody>
-      </p:sp>
+        </p:spPr>
+      </p:pic>
       <p:pic>
         <p:nvPicPr>
-          <p:cNvPr id="3" name="Grafik 4">
-            <a:extLst>
-              <a:ext uri="{FF2B5EF4-FFF2-40B4-BE49-F238E27FC236}">
-                <a16:creationId xmlns:a16="http://schemas.microsoft.com/office/drawing/2014/main" id="{D6AC981E-56FF-849B-ED6B-BE91C3250DB4}"/>
+          <p:cNvPr id="9" name="Content Placeholder 8" descr="Chart&#10;&#10;Description automatically generated">
+            <a:extLst>
+              <a:ext uri="{FF2B5EF4-FFF2-40B4-BE49-F238E27FC236}">
+                <a16:creationId xmlns:a16="http://schemas.microsoft.com/office/drawing/2014/main" id="{917E9A1A-BFA8-7D9C-D260-1982054823A7}"/>
               </a:ext>
             </a:extLst>
           </p:cNvPr>
           <p:cNvPicPr>
-            <a:picLocks noChangeAspect="1"/>
+            <a:picLocks noGrp="1" noChangeAspect="1"/>
           </p:cNvPicPr>
-          <p:nvPr/>
+          <p:nvPr>
+            <p:ph sz="half" idx="2"/>
+          </p:nvPr>
         </p:nvPicPr>
         <p:blipFill>
           <a:blip r:embed="rId3"/>
@@ -10208,18 +10611,119 @@
         </p:blipFill>
         <p:spPr>
           <a:xfrm>
-            <a:off x="145510" y="92738"/>
-            <a:ext cx="1832786" cy="365125"/>
+            <a:off x="6172200" y="1568473"/>
+            <a:ext cx="5181600" cy="3831973"/>
           </a:xfrm>
           <a:prstGeom prst="rect">
             <a:avLst/>
           </a:prstGeom>
         </p:spPr>
       </p:pic>
+      <p:sp>
+        <p:nvSpPr>
+          <p:cNvPr id="12" name="TextBox 11">
+            <a:extLst>
+              <a:ext uri="{FF2B5EF4-FFF2-40B4-BE49-F238E27FC236}">
+                <a16:creationId xmlns:a16="http://schemas.microsoft.com/office/drawing/2014/main" id="{5F97C467-D4A3-8982-0A8B-74F014F60B7C}"/>
+              </a:ext>
+            </a:extLst>
+          </p:cNvPr>
+          <p:cNvSpPr txBox="1"/>
+          <p:nvPr/>
+        </p:nvSpPr>
+        <p:spPr>
+          <a:xfrm>
+            <a:off x="1025942" y="5516217"/>
+            <a:ext cx="8426171" cy="369332"/>
+          </a:xfrm>
+          <a:prstGeom prst="rect">
+            <a:avLst/>
+          </a:prstGeom>
+          <a:noFill/>
+        </p:spPr>
+        <p:txBody>
+          <a:bodyPr wrap="square" rtlCol="0">
+            <a:spAutoFit/>
+          </a:bodyPr>
+          <a:lstStyle/>
+          <a:p>
+            <a:pPr marL="285750" indent="-285750">
+              <a:buFont typeface="Wingdings" pitchFamily="2" charset="2"/>
+              <a:buChar char="Ø"/>
+            </a:pPr>
+            <a:r>
+              <a:rPr lang="en-GB" dirty="0"/>
+              <a:t>N</a:t>
+            </a:r>
+            <a:r>
+              <a:rPr lang="en-DE" dirty="0"/>
+              <a:t>o complete solution, but a step in the right direction</a:t>
+            </a:r>
+          </a:p>
+        </p:txBody>
+      </p:sp>
+      <p:pic>
+        <p:nvPicPr>
+          <p:cNvPr id="16" name="Content Placeholder 15" descr="Chart, line chart&#10;&#10;Description automatically generated">
+            <a:extLst>
+              <a:ext uri="{FF2B5EF4-FFF2-40B4-BE49-F238E27FC236}">
+                <a16:creationId xmlns:a16="http://schemas.microsoft.com/office/drawing/2014/main" id="{09D18AE3-A57C-E895-BC68-47D4DF9D313E}"/>
+              </a:ext>
+            </a:extLst>
+          </p:cNvPr>
+          <p:cNvPicPr>
+            <a:picLocks noGrp="1" noChangeAspect="1"/>
+          </p:cNvPicPr>
+          <p:nvPr>
+            <p:ph sz="half" idx="1"/>
+          </p:nvPr>
+        </p:nvPicPr>
+        <p:blipFill>
+          <a:blip r:embed="rId4"/>
+          <a:stretch>
+            <a:fillRect/>
+          </a:stretch>
+        </p:blipFill>
+        <p:spPr>
+          <a:xfrm>
+            <a:off x="585782" y="1679477"/>
+            <a:ext cx="5434019" cy="3720969"/>
+          </a:xfrm>
+        </p:spPr>
+      </p:pic>
+      <p:sp>
+        <p:nvSpPr>
+          <p:cNvPr id="3" name="Date Placeholder 2">
+            <a:extLst>
+              <a:ext uri="{FF2B5EF4-FFF2-40B4-BE49-F238E27FC236}">
+                <a16:creationId xmlns:a16="http://schemas.microsoft.com/office/drawing/2014/main" id="{7ED66C9D-6582-5822-0129-B225F1B580AA}"/>
+              </a:ext>
+            </a:extLst>
+          </p:cNvPr>
+          <p:cNvSpPr>
+            <a:spLocks noGrp="1"/>
+          </p:cNvSpPr>
+          <p:nvPr>
+            <p:ph type="dt" sz="half" idx="10"/>
+          </p:nvPr>
+        </p:nvSpPr>
+        <p:spPr/>
+        <p:txBody>
+          <a:bodyPr/>
+          <a:lstStyle/>
+          <a:p>
+            <a:r>
+              <a:rPr lang="de-DE"/>
+              <a:t>P. Gutjahr</a:t>
+            </a:r>
+            <a:endParaRPr lang="en-US"/>
+          </a:p>
+        </p:txBody>
+      </p:sp>
     </p:spTree>
     <p:extLst>
       <p:ext uri="{BB962C8B-B14F-4D97-AF65-F5344CB8AC3E}">
-        <p14:creationId xmlns:p14="http://schemas.microsoft.com/office/powerpoint/2010/main" val="2441767521"/>
+        <p14:creationId xmlns:p14="http://schemas.microsoft.com/office/powerpoint/2010/main" val="1732105963"/>
       </p:ext>
     </p:extLst>
   </p:cSld>
@@ -10251,7 +10755,7 @@
           <p:cNvPr id="2" name="Title 1">
             <a:extLst>
               <a:ext uri="{FF2B5EF4-FFF2-40B4-BE49-F238E27FC236}">
-                <a16:creationId xmlns:a16="http://schemas.microsoft.com/office/drawing/2014/main" id="{B9EB2E2C-8A7D-E802-AC0E-22BBBAF3E3E1}"/>
+                <a16:creationId xmlns:a16="http://schemas.microsoft.com/office/drawing/2014/main" id="{1F445261-A8A3-EB47-5609-292F8E03CBF3}"/>
               </a:ext>
             </a:extLst>
           </p:cNvPr>
@@ -10269,53 +10773,26 @@
           <a:p>
             <a:r>
               <a:rPr lang="en-DE" dirty="0"/>
-              <a:t>Solution to zenith problem?</a:t>
-            </a:r>
-          </a:p>
-        </p:txBody>
-      </p:sp>
-      <p:sp>
-        <p:nvSpPr>
-          <p:cNvPr id="5" name="Slide Number Placeholder 4">
-            <a:extLst>
-              <a:ext uri="{FF2B5EF4-FFF2-40B4-BE49-F238E27FC236}">
-                <a16:creationId xmlns:a16="http://schemas.microsoft.com/office/drawing/2014/main" id="{9350CB99-0FA9-F445-DD4C-8257B308B3EC}"/>
-              </a:ext>
-            </a:extLst>
-          </p:cNvPr>
-          <p:cNvSpPr>
-            <a:spLocks noGrp="1"/>
-          </p:cNvSpPr>
-          <p:nvPr>
-            <p:ph type="sldNum" sz="quarter" idx="12"/>
-          </p:nvPr>
-        </p:nvSpPr>
-        <p:spPr/>
-        <p:txBody>
-          <a:bodyPr/>
-          <a:lstStyle/>
-          <a:p>
-            <a:fld id="{CD8304E6-5469-594D-85BC-E468E92D2243}" type="slidenum">
-              <a:rPr lang="en-US" smtClean="0"/>
-              <a:t>26</a:t>
-            </a:fld>
-            <a:endParaRPr lang="en-US"/>
+              <a:t>Simulated events</a:t>
+            </a:r>
           </a:p>
         </p:txBody>
       </p:sp>
       <p:pic>
         <p:nvPicPr>
-          <p:cNvPr id="7" name="Grafik 9">
-            <a:extLst>
-              <a:ext uri="{FF2B5EF4-FFF2-40B4-BE49-F238E27FC236}">
-                <a16:creationId xmlns:a16="http://schemas.microsoft.com/office/drawing/2014/main" id="{FE38CECB-A2AA-AB74-71E2-A63BA93B6C36}"/>
+          <p:cNvPr id="7" name="Content Placeholder 6">
+            <a:extLst>
+              <a:ext uri="{FF2B5EF4-FFF2-40B4-BE49-F238E27FC236}">
+                <a16:creationId xmlns:a16="http://schemas.microsoft.com/office/drawing/2014/main" id="{E9C79BD1-4D6F-B1C6-6215-307EE024F01B}"/>
               </a:ext>
             </a:extLst>
           </p:cNvPr>
           <p:cNvPicPr>
-            <a:picLocks noChangeAspect="1"/>
+            <a:picLocks noGrp="1" noChangeAspect="1"/>
           </p:cNvPicPr>
-          <p:nvPr/>
+          <p:nvPr>
+            <p:ph sz="half" idx="1"/>
+          </p:nvPr>
         </p:nvPicPr>
         <p:blipFill>
           <a:blip r:embed="rId2"/>
@@ -10325,29 +10802,107 @@
         </p:blipFill>
         <p:spPr>
           <a:xfrm>
-            <a:off x="145510" y="92738"/>
-            <a:ext cx="1832786" cy="365125"/>
-          </a:xfrm>
-          <a:prstGeom prst="rect">
-            <a:avLst/>
-          </a:prstGeom>
+            <a:off x="838200" y="2192622"/>
+            <a:ext cx="5181600" cy="3617343"/>
+          </a:xfrm>
         </p:spPr>
       </p:pic>
+      <p:sp>
+        <p:nvSpPr>
+          <p:cNvPr id="4" name="Content Placeholder 3">
+            <a:extLst>
+              <a:ext uri="{FF2B5EF4-FFF2-40B4-BE49-F238E27FC236}">
+                <a16:creationId xmlns:a16="http://schemas.microsoft.com/office/drawing/2014/main" id="{7D813AC9-977D-E5E6-3304-7FDF9CB024C9}"/>
+              </a:ext>
+            </a:extLst>
+          </p:cNvPr>
+          <p:cNvSpPr>
+            <a:spLocks noGrp="1"/>
+          </p:cNvSpPr>
+          <p:nvPr>
+            <p:ph sz="half" idx="2"/>
+          </p:nvPr>
+        </p:nvSpPr>
+        <p:spPr/>
+        <p:txBody>
+          <a:bodyPr/>
+          <a:lstStyle/>
+          <a:p>
+            <a:endParaRPr lang="en-DE"/>
+          </a:p>
+        </p:txBody>
+      </p:sp>
+      <p:sp>
+        <p:nvSpPr>
+          <p:cNvPr id="5" name="Date Placeholder 4">
+            <a:extLst>
+              <a:ext uri="{FF2B5EF4-FFF2-40B4-BE49-F238E27FC236}">
+                <a16:creationId xmlns:a16="http://schemas.microsoft.com/office/drawing/2014/main" id="{DA61A265-FB4E-D6A4-1753-7556362E9C82}"/>
+              </a:ext>
+            </a:extLst>
+          </p:cNvPr>
+          <p:cNvSpPr>
+            <a:spLocks noGrp="1"/>
+          </p:cNvSpPr>
+          <p:nvPr>
+            <p:ph type="dt" sz="half" idx="10"/>
+          </p:nvPr>
+        </p:nvSpPr>
+        <p:spPr/>
+        <p:txBody>
+          <a:bodyPr/>
+          <a:lstStyle/>
+          <a:p>
+            <a:r>
+              <a:rPr lang="de-DE"/>
+              <a:t>P. Gutjahr</a:t>
+            </a:r>
+            <a:endParaRPr lang="en-US"/>
+          </a:p>
+        </p:txBody>
+      </p:sp>
+      <p:sp>
+        <p:nvSpPr>
+          <p:cNvPr id="6" name="Slide Number Placeholder 5">
+            <a:extLst>
+              <a:ext uri="{FF2B5EF4-FFF2-40B4-BE49-F238E27FC236}">
+                <a16:creationId xmlns:a16="http://schemas.microsoft.com/office/drawing/2014/main" id="{EA8E1054-8423-8311-32B2-6261C88516FD}"/>
+              </a:ext>
+            </a:extLst>
+          </p:cNvPr>
+          <p:cNvSpPr>
+            <a:spLocks noGrp="1"/>
+          </p:cNvSpPr>
+          <p:nvPr>
+            <p:ph type="sldNum" sz="quarter" idx="12"/>
+          </p:nvPr>
+        </p:nvSpPr>
+        <p:spPr/>
+        <p:txBody>
+          <a:bodyPr/>
+          <a:lstStyle/>
+          <a:p>
+            <a:fld id="{CD8304E6-5469-594D-85BC-E468E92D2243}" type="slidenum">
+              <a:rPr lang="en-US" smtClean="0"/>
+              <a:t>26</a:t>
+            </a:fld>
+            <a:endParaRPr lang="en-US"/>
+          </a:p>
+        </p:txBody>
+      </p:sp>
       <p:pic>
         <p:nvPicPr>
-          <p:cNvPr id="9" name="Content Placeholder 8" descr="Chart&#10;&#10;Description automatically generated">
-            <a:extLst>
-              <a:ext uri="{FF2B5EF4-FFF2-40B4-BE49-F238E27FC236}">
-                <a16:creationId xmlns:a16="http://schemas.microsoft.com/office/drawing/2014/main" id="{917E9A1A-BFA8-7D9C-D260-1982054823A7}"/>
+          <p:cNvPr id="8" name="Grafik 9">
+            <a:extLst>
+              <a:ext uri="{FF2B5EF4-FFF2-40B4-BE49-F238E27FC236}">
+                <a16:creationId xmlns:a16="http://schemas.microsoft.com/office/drawing/2014/main" id="{E57A2013-756C-586D-9093-AB3489C50A16}"/>
               </a:ext>
             </a:extLst>
           </p:cNvPr>
           <p:cNvPicPr>
-            <a:picLocks noGrp="1" noChangeAspect="1"/>
+            <a:picLocks noChangeAspect="1"/>
           </p:cNvPicPr>
-          <p:nvPr>
-            <p:ph sz="half" idx="2"/>
-          </p:nvPr>
+          <p:nvPr/>
         </p:nvPicPr>
         <p:blipFill>
           <a:blip r:embed="rId3"/>
@@ -10357,8 +10912,8 @@
         </p:blipFill>
         <p:spPr>
           <a:xfrm>
-            <a:off x="6172200" y="1568473"/>
-            <a:ext cx="5181600" cy="3831973"/>
+            <a:off x="145510" y="92738"/>
+            <a:ext cx="1832786" cy="365125"/>
           </a:xfrm>
           <a:prstGeom prst="rect">
             <a:avLst/>
@@ -10367,10 +10922,10 @@
       </p:pic>
       <p:sp>
         <p:nvSpPr>
-          <p:cNvPr id="12" name="TextBox 11">
-            <a:extLst>
-              <a:ext uri="{FF2B5EF4-FFF2-40B4-BE49-F238E27FC236}">
-                <a16:creationId xmlns:a16="http://schemas.microsoft.com/office/drawing/2014/main" id="{5F97C467-D4A3-8982-0A8B-74F014F60B7C}"/>
+          <p:cNvPr id="9" name="TextBox 8">
+            <a:extLst>
+              <a:ext uri="{FF2B5EF4-FFF2-40B4-BE49-F238E27FC236}">
+                <a16:creationId xmlns:a16="http://schemas.microsoft.com/office/drawing/2014/main" id="{5D5F0D0A-D1C1-CCC6-F174-ACE031E65557}"/>
               </a:ext>
             </a:extLst>
           </p:cNvPr>
@@ -10379,8 +10934,8 @@
         </p:nvSpPr>
         <p:spPr>
           <a:xfrm>
-            <a:off x="1025942" y="5516217"/>
-            <a:ext cx="8426171" cy="369332"/>
+            <a:off x="4356549" y="1988287"/>
+            <a:ext cx="2450236" cy="307777"/>
           </a:xfrm>
           <a:prstGeom prst="rect">
             <a:avLst/>
@@ -10393,83 +10948,21 @@
           </a:bodyPr>
           <a:lstStyle/>
           <a:p>
-            <a:pPr marL="285750" indent="-285750">
-              <a:buFont typeface="Wingdings" pitchFamily="2" charset="2"/>
-              <a:buChar char="Ø"/>
-            </a:pPr>
-            <a:r>
-              <a:rPr lang="en-GB" dirty="0"/>
-              <a:t>N</a:t>
-            </a:r>
-            <a:r>
-              <a:rPr lang="en-DE" dirty="0"/>
-              <a:t>o complete solution, but a step in the right direction</a:t>
-            </a:r>
-          </a:p>
-        </p:txBody>
-      </p:sp>
-      <p:pic>
-        <p:nvPicPr>
-          <p:cNvPr id="16" name="Content Placeholder 15" descr="Chart, line chart&#10;&#10;Description automatically generated">
-            <a:extLst>
-              <a:ext uri="{FF2B5EF4-FFF2-40B4-BE49-F238E27FC236}">
-                <a16:creationId xmlns:a16="http://schemas.microsoft.com/office/drawing/2014/main" id="{09D18AE3-A57C-E895-BC68-47D4DF9D313E}"/>
-              </a:ext>
-            </a:extLst>
-          </p:cNvPr>
-          <p:cNvPicPr>
-            <a:picLocks noGrp="1" noChangeAspect="1"/>
-          </p:cNvPicPr>
-          <p:nvPr>
-            <p:ph sz="half" idx="1"/>
-          </p:nvPr>
-        </p:nvPicPr>
-        <p:blipFill>
-          <a:blip r:embed="rId4"/>
-          <a:stretch>
-            <a:fillRect/>
-          </a:stretch>
-        </p:blipFill>
-        <p:spPr>
-          <a:xfrm>
-            <a:off x="585782" y="1679477"/>
-            <a:ext cx="5434019" cy="3720969"/>
-          </a:xfrm>
-        </p:spPr>
-      </p:pic>
-      <p:sp>
-        <p:nvSpPr>
-          <p:cNvPr id="3" name="Date Placeholder 2">
-            <a:extLst>
-              <a:ext uri="{FF2B5EF4-FFF2-40B4-BE49-F238E27FC236}">
-                <a16:creationId xmlns:a16="http://schemas.microsoft.com/office/drawing/2014/main" id="{7ED66C9D-6582-5822-0129-B225F1B580AA}"/>
-              </a:ext>
-            </a:extLst>
-          </p:cNvPr>
-          <p:cNvSpPr>
-            <a:spLocks noGrp="1"/>
-          </p:cNvSpPr>
-          <p:nvPr>
-            <p:ph type="dt" sz="half" idx="10"/>
-          </p:nvPr>
-        </p:nvSpPr>
-        <p:spPr/>
-        <p:txBody>
-          <a:bodyPr/>
-          <a:lstStyle/>
-          <a:p>
-            <a:r>
-              <a:rPr lang="de-DE"/>
-              <a:t>P. Gutjahr</a:t>
-            </a:r>
-            <a:endParaRPr lang="en-US"/>
+            <a:r>
+              <a:rPr lang="en-GB" sz="1400" dirty="0"/>
+              <a:t>P</a:t>
+            </a:r>
+            <a:r>
+              <a:rPr lang="en-DE" sz="1400" dirty="0"/>
+              <a:t>assed muon filter</a:t>
+            </a:r>
           </a:p>
         </p:txBody>
       </p:sp>
     </p:spTree>
     <p:extLst>
       <p:ext uri="{BB962C8B-B14F-4D97-AF65-F5344CB8AC3E}">
-        <p14:creationId xmlns:p14="http://schemas.microsoft.com/office/powerpoint/2010/main" val="1732105963"/>
+        <p14:creationId xmlns:p14="http://schemas.microsoft.com/office/powerpoint/2010/main" val="2372299448"/>
       </p:ext>
     </p:extLst>
   </p:cSld>
@@ -10501,7 +10994,7 @@
           <p:cNvPr id="2" name="Title 1">
             <a:extLst>
               <a:ext uri="{FF2B5EF4-FFF2-40B4-BE49-F238E27FC236}">
-                <a16:creationId xmlns:a16="http://schemas.microsoft.com/office/drawing/2014/main" id="{1F445261-A8A3-EB47-5609-292F8E03CBF3}"/>
+                <a16:creationId xmlns:a16="http://schemas.microsoft.com/office/drawing/2014/main" id="{B6B0A36A-DA61-9284-D163-D93834555CA0}"/>
               </a:ext>
             </a:extLst>
           </p:cNvPr>
@@ -10519,26 +11012,145 @@
           <a:p>
             <a:r>
               <a:rPr lang="en-DE" dirty="0"/>
-              <a:t>Simulated events</a:t>
-            </a:r>
+              <a:t>Evaluation of models used in pseudo analysis</a:t>
+            </a:r>
+          </a:p>
+        </p:txBody>
+      </p:sp>
+      <p:sp>
+        <p:nvSpPr>
+          <p:cNvPr id="3" name="Content Placeholder 2">
+            <a:extLst>
+              <a:ext uri="{FF2B5EF4-FFF2-40B4-BE49-F238E27FC236}">
+                <a16:creationId xmlns:a16="http://schemas.microsoft.com/office/drawing/2014/main" id="{52E13574-9B8A-A382-E21D-9A5A6197E8C6}"/>
+              </a:ext>
+            </a:extLst>
+          </p:cNvPr>
+          <p:cNvSpPr>
+            <a:spLocks noGrp="1"/>
+          </p:cNvSpPr>
+          <p:nvPr>
+            <p:ph sz="half" idx="1"/>
+          </p:nvPr>
+        </p:nvSpPr>
+        <p:spPr>
+          <a:xfrm>
+            <a:off x="838200" y="1825625"/>
+            <a:ext cx="10366612" cy="4351338"/>
+          </a:xfrm>
+        </p:spPr>
+        <p:txBody>
+          <a:bodyPr/>
+          <a:lstStyle/>
+          <a:p>
+            <a:r>
+              <a:rPr lang="en-DE" dirty="0">
+                <a:solidFill>
+                  <a:schemeClr val="accent6"/>
+                </a:solidFill>
+              </a:rPr>
+              <a:t>Note: the DNN reconstruction models are still investigated! </a:t>
+            </a:r>
+            <a:r>
+              <a:rPr lang="en-GB" dirty="0">
+                <a:solidFill>
+                  <a:schemeClr val="accent6"/>
+                </a:solidFill>
+              </a:rPr>
+              <a:t>T</a:t>
+            </a:r>
+            <a:r>
+              <a:rPr lang="en-DE" dirty="0">
+                <a:solidFill>
+                  <a:schemeClr val="accent6"/>
+                </a:solidFill>
+              </a:rPr>
+              <a:t>he models used here are in an early stage. So far, the two bachelor students have trained models with better performance. </a:t>
+            </a:r>
+          </a:p>
+          <a:p>
+            <a:r>
+              <a:rPr lang="en-DE" dirty="0">
+                <a:solidFill>
+                  <a:schemeClr val="accent6"/>
+                </a:solidFill>
+              </a:rPr>
+              <a:t>Updates on the models and reconstructions are provided in the near future</a:t>
+            </a:r>
+          </a:p>
+        </p:txBody>
+      </p:sp>
+      <p:sp>
+        <p:nvSpPr>
+          <p:cNvPr id="5" name="Date Placeholder 4">
+            <a:extLst>
+              <a:ext uri="{FF2B5EF4-FFF2-40B4-BE49-F238E27FC236}">
+                <a16:creationId xmlns:a16="http://schemas.microsoft.com/office/drawing/2014/main" id="{FCC0E638-723A-EB7A-2A82-B379B64CFA66}"/>
+              </a:ext>
+            </a:extLst>
+          </p:cNvPr>
+          <p:cNvSpPr>
+            <a:spLocks noGrp="1"/>
+          </p:cNvSpPr>
+          <p:nvPr>
+            <p:ph type="dt" sz="half" idx="10"/>
+          </p:nvPr>
+        </p:nvSpPr>
+        <p:spPr/>
+        <p:txBody>
+          <a:bodyPr/>
+          <a:lstStyle/>
+          <a:p>
+            <a:r>
+              <a:rPr lang="de-DE"/>
+              <a:t>P. Gutjahr</a:t>
+            </a:r>
+            <a:endParaRPr lang="en-US"/>
+          </a:p>
+        </p:txBody>
+      </p:sp>
+      <p:sp>
+        <p:nvSpPr>
+          <p:cNvPr id="6" name="Slide Number Placeholder 5">
+            <a:extLst>
+              <a:ext uri="{FF2B5EF4-FFF2-40B4-BE49-F238E27FC236}">
+                <a16:creationId xmlns:a16="http://schemas.microsoft.com/office/drawing/2014/main" id="{82CE5F79-AC58-EDC5-DEF1-BC9E7D929D11}"/>
+              </a:ext>
+            </a:extLst>
+          </p:cNvPr>
+          <p:cNvSpPr>
+            <a:spLocks noGrp="1"/>
+          </p:cNvSpPr>
+          <p:nvPr>
+            <p:ph type="sldNum" sz="quarter" idx="12"/>
+          </p:nvPr>
+        </p:nvSpPr>
+        <p:spPr/>
+        <p:txBody>
+          <a:bodyPr/>
+          <a:lstStyle/>
+          <a:p>
+            <a:fld id="{CD8304E6-5469-594D-85BC-E468E92D2243}" type="slidenum">
+              <a:rPr lang="en-US" smtClean="0"/>
+              <a:t>27</a:t>
+            </a:fld>
+            <a:endParaRPr lang="en-US"/>
           </a:p>
         </p:txBody>
       </p:sp>
       <p:pic>
         <p:nvPicPr>
-          <p:cNvPr id="7" name="Content Placeholder 6">
-            <a:extLst>
-              <a:ext uri="{FF2B5EF4-FFF2-40B4-BE49-F238E27FC236}">
-                <a16:creationId xmlns:a16="http://schemas.microsoft.com/office/drawing/2014/main" id="{E9C79BD1-4D6F-B1C6-6215-307EE024F01B}"/>
+          <p:cNvPr id="7" name="Grafik 9">
+            <a:extLst>
+              <a:ext uri="{FF2B5EF4-FFF2-40B4-BE49-F238E27FC236}">
+                <a16:creationId xmlns:a16="http://schemas.microsoft.com/office/drawing/2014/main" id="{A428D2F0-FFE6-70AA-CE5E-4877C5D6AD5B}"/>
               </a:ext>
             </a:extLst>
           </p:cNvPr>
           <p:cNvPicPr>
-            <a:picLocks noGrp="1" noChangeAspect="1"/>
+            <a:picLocks noChangeAspect="1"/>
           </p:cNvPicPr>
-          <p:nvPr>
-            <p:ph sz="half" idx="1"/>
-          </p:nvPr>
+          <p:nvPr/>
         </p:nvPicPr>
         <p:blipFill>
           <a:blip r:embed="rId2"/>
@@ -10548,25 +11160,58 @@
         </p:blipFill>
         <p:spPr>
           <a:xfrm>
-            <a:off x="838200" y="2192622"/>
-            <a:ext cx="5181600" cy="3617343"/>
-          </a:xfrm>
+            <a:off x="145510" y="92738"/>
+            <a:ext cx="1832786" cy="365125"/>
+          </a:xfrm>
+          <a:prstGeom prst="rect">
+            <a:avLst/>
+          </a:prstGeom>
         </p:spPr>
       </p:pic>
-      <p:sp>
-        <p:nvSpPr>
-          <p:cNvPr id="4" name="Content Placeholder 3">
-            <a:extLst>
-              <a:ext uri="{FF2B5EF4-FFF2-40B4-BE49-F238E27FC236}">
-                <a16:creationId xmlns:a16="http://schemas.microsoft.com/office/drawing/2014/main" id="{7D813AC9-977D-E5E6-3304-7FDF9CB024C9}"/>
-              </a:ext>
-            </a:extLst>
-          </p:cNvPr>
-          <p:cNvSpPr>
-            <a:spLocks noGrp="1"/>
-          </p:cNvSpPr>
-          <p:nvPr>
-            <p:ph sz="half" idx="2"/>
+    </p:spTree>
+    <p:extLst>
+      <p:ext uri="{BB962C8B-B14F-4D97-AF65-F5344CB8AC3E}">
+        <p14:creationId xmlns:p14="http://schemas.microsoft.com/office/powerpoint/2010/main" val="1033025600"/>
+      </p:ext>
+    </p:extLst>
+  </p:cSld>
+  <p:clrMapOvr>
+    <a:masterClrMapping/>
+  </p:clrMapOvr>
+</p:sld>
+</file>
+
+<file path=ppt/slides/slide28.xml><?xml version="1.0" encoding="utf-8"?>
+<p:sld xmlns:a="http://schemas.openxmlformats.org/drawingml/2006/main" xmlns:r="http://schemas.openxmlformats.org/officeDocument/2006/relationships" xmlns:p="http://schemas.openxmlformats.org/presentationml/2006/main">
+  <p:cSld>
+    <p:spTree>
+      <p:nvGrpSpPr>
+        <p:cNvPr id="1" name=""/>
+        <p:cNvGrpSpPr/>
+        <p:nvPr/>
+      </p:nvGrpSpPr>
+      <p:grpSpPr>
+        <a:xfrm>
+          <a:off x="0" y="0"/>
+          <a:ext cx="0" cy="0"/>
+          <a:chOff x="0" y="0"/>
+          <a:chExt cx="0" cy="0"/>
+        </a:xfrm>
+      </p:grpSpPr>
+      <p:sp>
+        <p:nvSpPr>
+          <p:cNvPr id="2" name="Title 1">
+            <a:extLst>
+              <a:ext uri="{FF2B5EF4-FFF2-40B4-BE49-F238E27FC236}">
+                <a16:creationId xmlns:a16="http://schemas.microsoft.com/office/drawing/2014/main" id="{3F029C72-AE62-0C1E-949E-CAEFFF8361B5}"/>
+              </a:ext>
+            </a:extLst>
+          </p:cNvPr>
+          <p:cNvSpPr>
+            <a:spLocks noGrp="1"/>
+          </p:cNvSpPr>
+          <p:nvPr>
+            <p:ph type="title"/>
           </p:nvPr>
         </p:nvSpPr>
         <p:spPr/>
@@ -10574,7 +11219,10 @@
           <a:bodyPr/>
           <a:lstStyle/>
           <a:p>
-            <a:endParaRPr lang="en-DE"/>
+            <a:r>
+              <a:rPr lang="en-DE" dirty="0"/>
+              <a:t>Zenith reconstructions</a:t>
+            </a:r>
           </a:p>
         </p:txBody>
       </p:sp>
@@ -10583,7 +11231,7 @@
           <p:cNvPr id="5" name="Date Placeholder 4">
             <a:extLst>
               <a:ext uri="{FF2B5EF4-FFF2-40B4-BE49-F238E27FC236}">
-                <a16:creationId xmlns:a16="http://schemas.microsoft.com/office/drawing/2014/main" id="{DA61A265-FB4E-D6A4-1753-7556362E9C82}"/>
+                <a16:creationId xmlns:a16="http://schemas.microsoft.com/office/drawing/2014/main" id="{A9318CDD-F6C4-81EF-0D57-074624A1FB79}"/>
               </a:ext>
             </a:extLst>
           </p:cNvPr>
@@ -10612,7 +11260,7 @@
           <p:cNvPr id="6" name="Slide Number Placeholder 5">
             <a:extLst>
               <a:ext uri="{FF2B5EF4-FFF2-40B4-BE49-F238E27FC236}">
-                <a16:creationId xmlns:a16="http://schemas.microsoft.com/office/drawing/2014/main" id="{EA8E1054-8423-8311-32B2-6261C88516FD}"/>
+                <a16:creationId xmlns:a16="http://schemas.microsoft.com/office/drawing/2014/main" id="{11309104-EF2E-D3FA-F9F2-AD98B709FC7B}"/>
               </a:ext>
             </a:extLst>
           </p:cNvPr>
@@ -10630,7 +11278,7 @@
           <a:p>
             <a:fld id="{CD8304E6-5469-594D-85BC-E468E92D2243}" type="slidenum">
               <a:rPr lang="en-US" smtClean="0"/>
-              <a:t>27</a:t>
+              <a:t>28</a:t>
             </a:fld>
             <a:endParaRPr lang="en-US"/>
           </a:p>
@@ -10638,10 +11286,40 @@
       </p:sp>
       <p:pic>
         <p:nvPicPr>
-          <p:cNvPr id="8" name="Grafik 9">
-            <a:extLst>
-              <a:ext uri="{FF2B5EF4-FFF2-40B4-BE49-F238E27FC236}">
-                <a16:creationId xmlns:a16="http://schemas.microsoft.com/office/drawing/2014/main" id="{E57A2013-756C-586D-9093-AB3489C50A16}"/>
+          <p:cNvPr id="7" name="Grafik 9">
+            <a:extLst>
+              <a:ext uri="{FF2B5EF4-FFF2-40B4-BE49-F238E27FC236}">
+                <a16:creationId xmlns:a16="http://schemas.microsoft.com/office/drawing/2014/main" id="{BD478FFC-DABB-6E68-558F-76BD4361F19D}"/>
+              </a:ext>
+            </a:extLst>
+          </p:cNvPr>
+          <p:cNvPicPr>
+            <a:picLocks noChangeAspect="1"/>
+          </p:cNvPicPr>
+          <p:nvPr/>
+        </p:nvPicPr>
+        <p:blipFill>
+          <a:blip r:embed="rId2"/>
+          <a:stretch>
+            <a:fillRect/>
+          </a:stretch>
+        </p:blipFill>
+        <p:spPr>
+          <a:xfrm>
+            <a:off x="145510" y="92738"/>
+            <a:ext cx="1832786" cy="365125"/>
+          </a:xfrm>
+          <a:prstGeom prst="rect">
+            <a:avLst/>
+          </a:prstGeom>
+        </p:spPr>
+      </p:pic>
+      <p:pic>
+        <p:nvPicPr>
+          <p:cNvPr id="8" name="Picture 7">
+            <a:extLst>
+              <a:ext uri="{FF2B5EF4-FFF2-40B4-BE49-F238E27FC236}">
+                <a16:creationId xmlns:a16="http://schemas.microsoft.com/office/drawing/2014/main" id="{AFE98933-FD48-B582-AE31-9996B0DCA9A9}"/>
               </a:ext>
             </a:extLst>
           </p:cNvPr>
@@ -10658,57 +11336,244 @@
         </p:blipFill>
         <p:spPr>
           <a:xfrm>
-            <a:off x="145510" y="92738"/>
-            <a:ext cx="1832786" cy="365125"/>
+            <a:off x="1535448" y="1356917"/>
+            <a:ext cx="9121104" cy="4999433"/>
           </a:xfrm>
           <a:prstGeom prst="rect">
             <a:avLst/>
           </a:prstGeom>
         </p:spPr>
       </p:pic>
-      <p:sp>
-        <p:nvSpPr>
-          <p:cNvPr id="9" name="TextBox 8">
-            <a:extLst>
-              <a:ext uri="{FF2B5EF4-FFF2-40B4-BE49-F238E27FC236}">
-                <a16:creationId xmlns:a16="http://schemas.microsoft.com/office/drawing/2014/main" id="{5D5F0D0A-D1C1-CCC6-F174-ACE031E65557}"/>
-              </a:ext>
-            </a:extLst>
-          </p:cNvPr>
-          <p:cNvSpPr txBox="1"/>
+    </p:spTree>
+    <p:extLst>
+      <p:ext uri="{BB962C8B-B14F-4D97-AF65-F5344CB8AC3E}">
+        <p14:creationId xmlns:p14="http://schemas.microsoft.com/office/powerpoint/2010/main" val="4116928373"/>
+      </p:ext>
+    </p:extLst>
+  </p:cSld>
+  <p:clrMapOvr>
+    <a:masterClrMapping/>
+  </p:clrMapOvr>
+</p:sld>
+</file>
+
+<file path=ppt/slides/slide29.xml><?xml version="1.0" encoding="utf-8"?>
+<p:sld xmlns:a="http://schemas.openxmlformats.org/drawingml/2006/main" xmlns:r="http://schemas.openxmlformats.org/officeDocument/2006/relationships" xmlns:p="http://schemas.openxmlformats.org/presentationml/2006/main">
+  <p:cSld>
+    <p:spTree>
+      <p:nvGrpSpPr>
+        <p:cNvPr id="1" name=""/>
+        <p:cNvGrpSpPr/>
+        <p:nvPr/>
+      </p:nvGrpSpPr>
+      <p:grpSpPr>
+        <a:xfrm>
+          <a:off x="0" y="0"/>
+          <a:ext cx="0" cy="0"/>
+          <a:chOff x="0" y="0"/>
+          <a:chExt cx="0" cy="0"/>
+        </a:xfrm>
+      </p:grpSpPr>
+      <p:sp>
+        <p:nvSpPr>
+          <p:cNvPr id="2" name="Title 1">
+            <a:extLst>
+              <a:ext uri="{FF2B5EF4-FFF2-40B4-BE49-F238E27FC236}">
+                <a16:creationId xmlns:a16="http://schemas.microsoft.com/office/drawing/2014/main" id="{E5097628-E5D6-442F-41AB-9746823D1945}"/>
+              </a:ext>
+            </a:extLst>
+          </p:cNvPr>
+          <p:cNvSpPr>
+            <a:spLocks noGrp="1"/>
+          </p:cNvSpPr>
+          <p:nvPr>
+            <p:ph type="title"/>
+          </p:nvPr>
+        </p:nvSpPr>
+        <p:spPr/>
+        <p:txBody>
+          <a:bodyPr/>
+          <a:lstStyle/>
+          <a:p>
+            <a:r>
+              <a:rPr lang="en-DE" dirty="0"/>
+              <a:t>Azimuth reconstructions</a:t>
+            </a:r>
+          </a:p>
+        </p:txBody>
+      </p:sp>
+      <p:sp>
+        <p:nvSpPr>
+          <p:cNvPr id="3" name="Content Placeholder 2">
+            <a:extLst>
+              <a:ext uri="{FF2B5EF4-FFF2-40B4-BE49-F238E27FC236}">
+                <a16:creationId xmlns:a16="http://schemas.microsoft.com/office/drawing/2014/main" id="{6339B4A9-C9AB-4B34-5392-FF13354DB010}"/>
+              </a:ext>
+            </a:extLst>
+          </p:cNvPr>
+          <p:cNvSpPr>
+            <a:spLocks noGrp="1"/>
+          </p:cNvSpPr>
+          <p:nvPr>
+            <p:ph sz="half" idx="1"/>
+          </p:nvPr>
+        </p:nvSpPr>
+        <p:spPr/>
+        <p:txBody>
+          <a:bodyPr/>
+          <a:lstStyle/>
+          <a:p>
+            <a:endParaRPr lang="en-DE"/>
+          </a:p>
+        </p:txBody>
+      </p:sp>
+      <p:sp>
+        <p:nvSpPr>
+          <p:cNvPr id="4" name="Content Placeholder 3">
+            <a:extLst>
+              <a:ext uri="{FF2B5EF4-FFF2-40B4-BE49-F238E27FC236}">
+                <a16:creationId xmlns:a16="http://schemas.microsoft.com/office/drawing/2014/main" id="{75603404-5CC0-F437-7C99-DE5F595C40EB}"/>
+              </a:ext>
+            </a:extLst>
+          </p:cNvPr>
+          <p:cNvSpPr>
+            <a:spLocks noGrp="1"/>
+          </p:cNvSpPr>
+          <p:nvPr>
+            <p:ph sz="half" idx="2"/>
+          </p:nvPr>
+        </p:nvSpPr>
+        <p:spPr/>
+        <p:txBody>
+          <a:bodyPr/>
+          <a:lstStyle/>
+          <a:p>
+            <a:endParaRPr lang="en-DE"/>
+          </a:p>
+        </p:txBody>
+      </p:sp>
+      <p:sp>
+        <p:nvSpPr>
+          <p:cNvPr id="5" name="Date Placeholder 4">
+            <a:extLst>
+              <a:ext uri="{FF2B5EF4-FFF2-40B4-BE49-F238E27FC236}">
+                <a16:creationId xmlns:a16="http://schemas.microsoft.com/office/drawing/2014/main" id="{C5F109F3-3867-BFC8-178E-62F44AB9A285}"/>
+              </a:ext>
+            </a:extLst>
+          </p:cNvPr>
+          <p:cNvSpPr>
+            <a:spLocks noGrp="1"/>
+          </p:cNvSpPr>
+          <p:nvPr>
+            <p:ph type="dt" sz="half" idx="10"/>
+          </p:nvPr>
+        </p:nvSpPr>
+        <p:spPr/>
+        <p:txBody>
+          <a:bodyPr/>
+          <a:lstStyle/>
+          <a:p>
+            <a:r>
+              <a:rPr lang="de-DE"/>
+              <a:t>P. Gutjahr</a:t>
+            </a:r>
+            <a:endParaRPr lang="en-US"/>
+          </a:p>
+        </p:txBody>
+      </p:sp>
+      <p:sp>
+        <p:nvSpPr>
+          <p:cNvPr id="6" name="Slide Number Placeholder 5">
+            <a:extLst>
+              <a:ext uri="{FF2B5EF4-FFF2-40B4-BE49-F238E27FC236}">
+                <a16:creationId xmlns:a16="http://schemas.microsoft.com/office/drawing/2014/main" id="{5E708145-5354-4FD6-91E6-7F44F621501F}"/>
+              </a:ext>
+            </a:extLst>
+          </p:cNvPr>
+          <p:cNvSpPr>
+            <a:spLocks noGrp="1"/>
+          </p:cNvSpPr>
+          <p:nvPr>
+            <p:ph type="sldNum" sz="quarter" idx="12"/>
+          </p:nvPr>
+        </p:nvSpPr>
+        <p:spPr/>
+        <p:txBody>
+          <a:bodyPr/>
+          <a:lstStyle/>
+          <a:p>
+            <a:fld id="{CD8304E6-5469-594D-85BC-E468E92D2243}" type="slidenum">
+              <a:rPr lang="en-US" smtClean="0"/>
+              <a:t>29</a:t>
+            </a:fld>
+            <a:endParaRPr lang="en-US"/>
+          </a:p>
+        </p:txBody>
+      </p:sp>
+      <p:pic>
+        <p:nvPicPr>
+          <p:cNvPr id="7" name="Grafik 9">
+            <a:extLst>
+              <a:ext uri="{FF2B5EF4-FFF2-40B4-BE49-F238E27FC236}">
+                <a16:creationId xmlns:a16="http://schemas.microsoft.com/office/drawing/2014/main" id="{C352451D-96D5-8166-577D-355E45B847C8}"/>
+              </a:ext>
+            </a:extLst>
+          </p:cNvPr>
+          <p:cNvPicPr>
+            <a:picLocks noChangeAspect="1"/>
+          </p:cNvPicPr>
           <p:nvPr/>
-        </p:nvSpPr>
-        <p:spPr>
-          <a:xfrm>
-            <a:off x="4356549" y="1988287"/>
-            <a:ext cx="2450236" cy="307777"/>
+        </p:nvPicPr>
+        <p:blipFill>
+          <a:blip r:embed="rId2"/>
+          <a:stretch>
+            <a:fillRect/>
+          </a:stretch>
+        </p:blipFill>
+        <p:spPr>
+          <a:xfrm>
+            <a:off x="145510" y="92738"/>
+            <a:ext cx="1832786" cy="365125"/>
           </a:xfrm>
           <a:prstGeom prst="rect">
             <a:avLst/>
           </a:prstGeom>
-          <a:noFill/>
-        </p:spPr>
-        <p:txBody>
-          <a:bodyPr wrap="square" rtlCol="0">
-            <a:spAutoFit/>
-          </a:bodyPr>
-          <a:lstStyle/>
-          <a:p>
-            <a:r>
-              <a:rPr lang="en-GB" sz="1400" dirty="0"/>
-              <a:t>P</a:t>
-            </a:r>
-            <a:r>
-              <a:rPr lang="en-DE" sz="1400" dirty="0"/>
-              <a:t>assed muon filter</a:t>
-            </a:r>
-          </a:p>
-        </p:txBody>
-      </p:sp>
+        </p:spPr>
+      </p:pic>
+      <p:pic>
+        <p:nvPicPr>
+          <p:cNvPr id="8" name="Picture 7">
+            <a:extLst>
+              <a:ext uri="{FF2B5EF4-FFF2-40B4-BE49-F238E27FC236}">
+                <a16:creationId xmlns:a16="http://schemas.microsoft.com/office/drawing/2014/main" id="{4AD9CFEA-06E2-9F4D-11F2-DB1E25180569}"/>
+              </a:ext>
+            </a:extLst>
+          </p:cNvPr>
+          <p:cNvPicPr>
+            <a:picLocks noChangeAspect="1"/>
+          </p:cNvPicPr>
+          <p:nvPr/>
+        </p:nvPicPr>
+        <p:blipFill>
+          <a:blip r:embed="rId3"/>
+          <a:stretch>
+            <a:fillRect/>
+          </a:stretch>
+        </p:blipFill>
+        <p:spPr>
+          <a:xfrm>
+            <a:off x="1774209" y="1646238"/>
+            <a:ext cx="8716221" cy="4845084"/>
+          </a:xfrm>
+          <a:prstGeom prst="rect">
+            <a:avLst/>
+          </a:prstGeom>
+        </p:spPr>
+      </p:pic>
     </p:spTree>
     <p:extLst>
       <p:ext uri="{BB962C8B-B14F-4D97-AF65-F5344CB8AC3E}">
-        <p14:creationId xmlns:p14="http://schemas.microsoft.com/office/powerpoint/2010/main" val="2372299448"/>
+        <p14:creationId xmlns:p14="http://schemas.microsoft.com/office/powerpoint/2010/main" val="335753573"/>
       </p:ext>
     </p:extLst>
   </p:cSld>
@@ -11093,6 +11958,684 @@
 </p:sld>
 </file>
 
+<file path=ppt/slides/slide30.xml><?xml version="1.0" encoding="utf-8"?>
+<p:sld xmlns:a="http://schemas.openxmlformats.org/drawingml/2006/main" xmlns:r="http://schemas.openxmlformats.org/officeDocument/2006/relationships" xmlns:p="http://schemas.openxmlformats.org/presentationml/2006/main">
+  <p:cSld>
+    <p:spTree>
+      <p:nvGrpSpPr>
+        <p:cNvPr id="1" name=""/>
+        <p:cNvGrpSpPr/>
+        <p:nvPr/>
+      </p:nvGrpSpPr>
+      <p:grpSpPr>
+        <a:xfrm>
+          <a:off x="0" y="0"/>
+          <a:ext cx="0" cy="0"/>
+          <a:chOff x="0" y="0"/>
+          <a:chExt cx="0" cy="0"/>
+        </a:xfrm>
+      </p:grpSpPr>
+      <p:sp>
+        <p:nvSpPr>
+          <p:cNvPr id="2" name="Title 1">
+            <a:extLst>
+              <a:ext uri="{FF2B5EF4-FFF2-40B4-BE49-F238E27FC236}">
+                <a16:creationId xmlns:a16="http://schemas.microsoft.com/office/drawing/2014/main" id="{75D59680-8FD7-BCEE-FA93-A759FE438507}"/>
+              </a:ext>
+            </a:extLst>
+          </p:cNvPr>
+          <p:cNvSpPr>
+            <a:spLocks noGrp="1"/>
+          </p:cNvSpPr>
+          <p:nvPr>
+            <p:ph type="title"/>
+          </p:nvPr>
+        </p:nvSpPr>
+        <p:spPr/>
+        <p:txBody>
+          <a:bodyPr/>
+          <a:lstStyle/>
+          <a:p>
+            <a:r>
+              <a:rPr lang="en-DE" dirty="0"/>
+              <a:t>Angular resolution</a:t>
+            </a:r>
+          </a:p>
+        </p:txBody>
+      </p:sp>
+      <p:sp>
+        <p:nvSpPr>
+          <p:cNvPr id="3" name="Content Placeholder 2">
+            <a:extLst>
+              <a:ext uri="{FF2B5EF4-FFF2-40B4-BE49-F238E27FC236}">
+                <a16:creationId xmlns:a16="http://schemas.microsoft.com/office/drawing/2014/main" id="{9FB1A567-1F61-B83F-9E40-B7DFF8B0E40C}"/>
+              </a:ext>
+            </a:extLst>
+          </p:cNvPr>
+          <p:cNvSpPr>
+            <a:spLocks noGrp="1"/>
+          </p:cNvSpPr>
+          <p:nvPr>
+            <p:ph sz="half" idx="1"/>
+          </p:nvPr>
+        </p:nvSpPr>
+        <p:spPr/>
+        <p:txBody>
+          <a:bodyPr/>
+          <a:lstStyle/>
+          <a:p>
+            <a:endParaRPr lang="en-DE"/>
+          </a:p>
+        </p:txBody>
+      </p:sp>
+      <p:sp>
+        <p:nvSpPr>
+          <p:cNvPr id="4" name="Content Placeholder 3">
+            <a:extLst>
+              <a:ext uri="{FF2B5EF4-FFF2-40B4-BE49-F238E27FC236}">
+                <a16:creationId xmlns:a16="http://schemas.microsoft.com/office/drawing/2014/main" id="{326D35F9-7F43-CF32-D82C-47AB2014513D}"/>
+              </a:ext>
+            </a:extLst>
+          </p:cNvPr>
+          <p:cNvSpPr>
+            <a:spLocks noGrp="1"/>
+          </p:cNvSpPr>
+          <p:nvPr>
+            <p:ph sz="half" idx="2"/>
+          </p:nvPr>
+        </p:nvSpPr>
+        <p:spPr/>
+        <p:txBody>
+          <a:bodyPr/>
+          <a:lstStyle/>
+          <a:p>
+            <a:endParaRPr lang="en-DE"/>
+          </a:p>
+        </p:txBody>
+      </p:sp>
+      <p:sp>
+        <p:nvSpPr>
+          <p:cNvPr id="5" name="Date Placeholder 4">
+            <a:extLst>
+              <a:ext uri="{FF2B5EF4-FFF2-40B4-BE49-F238E27FC236}">
+                <a16:creationId xmlns:a16="http://schemas.microsoft.com/office/drawing/2014/main" id="{CB3489F2-C1B2-E99D-16DC-5B54070F83CB}"/>
+              </a:ext>
+            </a:extLst>
+          </p:cNvPr>
+          <p:cNvSpPr>
+            <a:spLocks noGrp="1"/>
+          </p:cNvSpPr>
+          <p:nvPr>
+            <p:ph type="dt" sz="half" idx="10"/>
+          </p:nvPr>
+        </p:nvSpPr>
+        <p:spPr/>
+        <p:txBody>
+          <a:bodyPr/>
+          <a:lstStyle/>
+          <a:p>
+            <a:r>
+              <a:rPr lang="de-DE"/>
+              <a:t>P. Gutjahr</a:t>
+            </a:r>
+            <a:endParaRPr lang="en-US"/>
+          </a:p>
+        </p:txBody>
+      </p:sp>
+      <p:sp>
+        <p:nvSpPr>
+          <p:cNvPr id="6" name="Slide Number Placeholder 5">
+            <a:extLst>
+              <a:ext uri="{FF2B5EF4-FFF2-40B4-BE49-F238E27FC236}">
+                <a16:creationId xmlns:a16="http://schemas.microsoft.com/office/drawing/2014/main" id="{E9FA2742-7FAD-15C9-336F-5A3F02F7B55C}"/>
+              </a:ext>
+            </a:extLst>
+          </p:cNvPr>
+          <p:cNvSpPr>
+            <a:spLocks noGrp="1"/>
+          </p:cNvSpPr>
+          <p:nvPr>
+            <p:ph type="sldNum" sz="quarter" idx="12"/>
+          </p:nvPr>
+        </p:nvSpPr>
+        <p:spPr/>
+        <p:txBody>
+          <a:bodyPr/>
+          <a:lstStyle/>
+          <a:p>
+            <a:fld id="{CD8304E6-5469-594D-85BC-E468E92D2243}" type="slidenum">
+              <a:rPr lang="en-US" smtClean="0"/>
+              <a:t>30</a:t>
+            </a:fld>
+            <a:endParaRPr lang="en-US"/>
+          </a:p>
+        </p:txBody>
+      </p:sp>
+      <p:pic>
+        <p:nvPicPr>
+          <p:cNvPr id="7" name="Grafik 9">
+            <a:extLst>
+              <a:ext uri="{FF2B5EF4-FFF2-40B4-BE49-F238E27FC236}">
+                <a16:creationId xmlns:a16="http://schemas.microsoft.com/office/drawing/2014/main" id="{B7C05405-960B-2FD8-CC0E-12DD474EF704}"/>
+              </a:ext>
+            </a:extLst>
+          </p:cNvPr>
+          <p:cNvPicPr>
+            <a:picLocks noChangeAspect="1"/>
+          </p:cNvPicPr>
+          <p:nvPr/>
+        </p:nvPicPr>
+        <p:blipFill>
+          <a:blip r:embed="rId2"/>
+          <a:stretch>
+            <a:fillRect/>
+          </a:stretch>
+        </p:blipFill>
+        <p:spPr>
+          <a:xfrm>
+            <a:off x="145510" y="92738"/>
+            <a:ext cx="1832786" cy="365125"/>
+          </a:xfrm>
+          <a:prstGeom prst="rect">
+            <a:avLst/>
+          </a:prstGeom>
+        </p:spPr>
+      </p:pic>
+      <p:pic>
+        <p:nvPicPr>
+          <p:cNvPr id="8" name="Picture 7">
+            <a:extLst>
+              <a:ext uri="{FF2B5EF4-FFF2-40B4-BE49-F238E27FC236}">
+                <a16:creationId xmlns:a16="http://schemas.microsoft.com/office/drawing/2014/main" id="{D0D99A31-64B3-8863-B944-10A2ED3FFE68}"/>
+              </a:ext>
+            </a:extLst>
+          </p:cNvPr>
+          <p:cNvPicPr>
+            <a:picLocks noChangeAspect="1"/>
+          </p:cNvPicPr>
+          <p:nvPr/>
+        </p:nvPicPr>
+        <p:blipFill>
+          <a:blip r:embed="rId3"/>
+          <a:stretch>
+            <a:fillRect/>
+          </a:stretch>
+        </p:blipFill>
+        <p:spPr>
+          <a:xfrm>
+            <a:off x="1259858" y="1506926"/>
+            <a:ext cx="9016906" cy="4830919"/>
+          </a:xfrm>
+          <a:prstGeom prst="rect">
+            <a:avLst/>
+          </a:prstGeom>
+        </p:spPr>
+      </p:pic>
+    </p:spTree>
+    <p:extLst>
+      <p:ext uri="{BB962C8B-B14F-4D97-AF65-F5344CB8AC3E}">
+        <p14:creationId xmlns:p14="http://schemas.microsoft.com/office/powerpoint/2010/main" val="2437602002"/>
+      </p:ext>
+    </p:extLst>
+  </p:cSld>
+  <p:clrMapOvr>
+    <a:masterClrMapping/>
+  </p:clrMapOvr>
+</p:sld>
+</file>
+
+<file path=ppt/slides/slide31.xml><?xml version="1.0" encoding="utf-8"?>
+<p:sld xmlns:a="http://schemas.openxmlformats.org/drawingml/2006/main" xmlns:r="http://schemas.openxmlformats.org/officeDocument/2006/relationships" xmlns:p="http://schemas.openxmlformats.org/presentationml/2006/main">
+  <p:cSld>
+    <p:spTree>
+      <p:nvGrpSpPr>
+        <p:cNvPr id="1" name=""/>
+        <p:cNvGrpSpPr/>
+        <p:nvPr/>
+      </p:nvGrpSpPr>
+      <p:grpSpPr>
+        <a:xfrm>
+          <a:off x="0" y="0"/>
+          <a:ext cx="0" cy="0"/>
+          <a:chOff x="0" y="0"/>
+          <a:chExt cx="0" cy="0"/>
+        </a:xfrm>
+      </p:grpSpPr>
+      <p:sp>
+        <p:nvSpPr>
+          <p:cNvPr id="2" name="Title 1">
+            <a:extLst>
+              <a:ext uri="{FF2B5EF4-FFF2-40B4-BE49-F238E27FC236}">
+                <a16:creationId xmlns:a16="http://schemas.microsoft.com/office/drawing/2014/main" id="{11FFF05B-1781-5730-2926-20D26C44C26E}"/>
+              </a:ext>
+            </a:extLst>
+          </p:cNvPr>
+          <p:cNvSpPr>
+            <a:spLocks noGrp="1"/>
+          </p:cNvSpPr>
+          <p:nvPr>
+            <p:ph type="title"/>
+          </p:nvPr>
+        </p:nvSpPr>
+        <p:spPr/>
+        <p:txBody>
+          <a:bodyPr/>
+          <a:lstStyle/>
+          <a:p>
+            <a:r>
+              <a:rPr lang="en-DE" dirty="0"/>
+              <a:t>Bundle energy reconstruction</a:t>
+            </a:r>
+          </a:p>
+        </p:txBody>
+      </p:sp>
+      <p:sp>
+        <p:nvSpPr>
+          <p:cNvPr id="3" name="Content Placeholder 2">
+            <a:extLst>
+              <a:ext uri="{FF2B5EF4-FFF2-40B4-BE49-F238E27FC236}">
+                <a16:creationId xmlns:a16="http://schemas.microsoft.com/office/drawing/2014/main" id="{31A40705-A510-84E9-7784-50C56ADEE3E1}"/>
+              </a:ext>
+            </a:extLst>
+          </p:cNvPr>
+          <p:cNvSpPr>
+            <a:spLocks noGrp="1"/>
+          </p:cNvSpPr>
+          <p:nvPr>
+            <p:ph sz="half" idx="1"/>
+          </p:nvPr>
+        </p:nvSpPr>
+        <p:spPr/>
+        <p:txBody>
+          <a:bodyPr/>
+          <a:lstStyle/>
+          <a:p>
+            <a:endParaRPr lang="en-DE"/>
+          </a:p>
+        </p:txBody>
+      </p:sp>
+      <p:sp>
+        <p:nvSpPr>
+          <p:cNvPr id="4" name="Content Placeholder 3">
+            <a:extLst>
+              <a:ext uri="{FF2B5EF4-FFF2-40B4-BE49-F238E27FC236}">
+                <a16:creationId xmlns:a16="http://schemas.microsoft.com/office/drawing/2014/main" id="{A74E26DB-4650-599D-4A89-675F29AAE738}"/>
+              </a:ext>
+            </a:extLst>
+          </p:cNvPr>
+          <p:cNvSpPr>
+            <a:spLocks noGrp="1"/>
+          </p:cNvSpPr>
+          <p:nvPr>
+            <p:ph sz="half" idx="2"/>
+          </p:nvPr>
+        </p:nvSpPr>
+        <p:spPr/>
+        <p:txBody>
+          <a:bodyPr/>
+          <a:lstStyle/>
+          <a:p>
+            <a:endParaRPr lang="en-DE"/>
+          </a:p>
+        </p:txBody>
+      </p:sp>
+      <p:sp>
+        <p:nvSpPr>
+          <p:cNvPr id="5" name="Date Placeholder 4">
+            <a:extLst>
+              <a:ext uri="{FF2B5EF4-FFF2-40B4-BE49-F238E27FC236}">
+                <a16:creationId xmlns:a16="http://schemas.microsoft.com/office/drawing/2014/main" id="{6C782318-99A7-F5A5-3AEA-2ADA73FB8F86}"/>
+              </a:ext>
+            </a:extLst>
+          </p:cNvPr>
+          <p:cNvSpPr>
+            <a:spLocks noGrp="1"/>
+          </p:cNvSpPr>
+          <p:nvPr>
+            <p:ph type="dt" sz="half" idx="10"/>
+          </p:nvPr>
+        </p:nvSpPr>
+        <p:spPr/>
+        <p:txBody>
+          <a:bodyPr/>
+          <a:lstStyle/>
+          <a:p>
+            <a:r>
+              <a:rPr lang="de-DE"/>
+              <a:t>P. Gutjahr</a:t>
+            </a:r>
+            <a:endParaRPr lang="en-US"/>
+          </a:p>
+        </p:txBody>
+      </p:sp>
+      <p:sp>
+        <p:nvSpPr>
+          <p:cNvPr id="6" name="Slide Number Placeholder 5">
+            <a:extLst>
+              <a:ext uri="{FF2B5EF4-FFF2-40B4-BE49-F238E27FC236}">
+                <a16:creationId xmlns:a16="http://schemas.microsoft.com/office/drawing/2014/main" id="{63D9C2F8-3623-3BC9-88AB-CA712883D0DB}"/>
+              </a:ext>
+            </a:extLst>
+          </p:cNvPr>
+          <p:cNvSpPr>
+            <a:spLocks noGrp="1"/>
+          </p:cNvSpPr>
+          <p:nvPr>
+            <p:ph type="sldNum" sz="quarter" idx="12"/>
+          </p:nvPr>
+        </p:nvSpPr>
+        <p:spPr/>
+        <p:txBody>
+          <a:bodyPr/>
+          <a:lstStyle/>
+          <a:p>
+            <a:fld id="{CD8304E6-5469-594D-85BC-E468E92D2243}" type="slidenum">
+              <a:rPr lang="en-US" smtClean="0"/>
+              <a:t>31</a:t>
+            </a:fld>
+            <a:endParaRPr lang="en-US"/>
+          </a:p>
+        </p:txBody>
+      </p:sp>
+      <p:pic>
+        <p:nvPicPr>
+          <p:cNvPr id="7" name="Grafik 9">
+            <a:extLst>
+              <a:ext uri="{FF2B5EF4-FFF2-40B4-BE49-F238E27FC236}">
+                <a16:creationId xmlns:a16="http://schemas.microsoft.com/office/drawing/2014/main" id="{8C0508F6-C7C9-AE67-AF20-F7C240062559}"/>
+              </a:ext>
+            </a:extLst>
+          </p:cNvPr>
+          <p:cNvPicPr>
+            <a:picLocks noChangeAspect="1"/>
+          </p:cNvPicPr>
+          <p:nvPr/>
+        </p:nvPicPr>
+        <p:blipFill>
+          <a:blip r:embed="rId2"/>
+          <a:stretch>
+            <a:fillRect/>
+          </a:stretch>
+        </p:blipFill>
+        <p:spPr>
+          <a:xfrm>
+            <a:off x="145510" y="92738"/>
+            <a:ext cx="1832786" cy="365125"/>
+          </a:xfrm>
+          <a:prstGeom prst="rect">
+            <a:avLst/>
+          </a:prstGeom>
+        </p:spPr>
+      </p:pic>
+      <p:pic>
+        <p:nvPicPr>
+          <p:cNvPr id="8" name="Picture 7">
+            <a:extLst>
+              <a:ext uri="{FF2B5EF4-FFF2-40B4-BE49-F238E27FC236}">
+                <a16:creationId xmlns:a16="http://schemas.microsoft.com/office/drawing/2014/main" id="{9281F447-F36C-B745-9FEF-A3BC76203DB7}"/>
+              </a:ext>
+            </a:extLst>
+          </p:cNvPr>
+          <p:cNvPicPr>
+            <a:picLocks noChangeAspect="1"/>
+          </p:cNvPicPr>
+          <p:nvPr/>
+        </p:nvPicPr>
+        <p:blipFill>
+          <a:blip r:embed="rId3"/>
+          <a:stretch>
+            <a:fillRect/>
+          </a:stretch>
+        </p:blipFill>
+        <p:spPr>
+          <a:xfrm>
+            <a:off x="1978296" y="1557111"/>
+            <a:ext cx="8691822" cy="4799239"/>
+          </a:xfrm>
+          <a:prstGeom prst="rect">
+            <a:avLst/>
+          </a:prstGeom>
+        </p:spPr>
+      </p:pic>
+    </p:spTree>
+    <p:extLst>
+      <p:ext uri="{BB962C8B-B14F-4D97-AF65-F5344CB8AC3E}">
+        <p14:creationId xmlns:p14="http://schemas.microsoft.com/office/powerpoint/2010/main" val="418875704"/>
+      </p:ext>
+    </p:extLst>
+  </p:cSld>
+  <p:clrMapOvr>
+    <a:masterClrMapping/>
+  </p:clrMapOvr>
+</p:sld>
+</file>
+
+<file path=ppt/slides/slide32.xml><?xml version="1.0" encoding="utf-8"?>
+<p:sld xmlns:a="http://schemas.openxmlformats.org/drawingml/2006/main" xmlns:r="http://schemas.openxmlformats.org/officeDocument/2006/relationships" xmlns:p="http://schemas.openxmlformats.org/presentationml/2006/main">
+  <p:cSld>
+    <p:spTree>
+      <p:nvGrpSpPr>
+        <p:cNvPr id="1" name=""/>
+        <p:cNvGrpSpPr/>
+        <p:nvPr/>
+      </p:nvGrpSpPr>
+      <p:grpSpPr>
+        <a:xfrm>
+          <a:off x="0" y="0"/>
+          <a:ext cx="0" cy="0"/>
+          <a:chOff x="0" y="0"/>
+          <a:chExt cx="0" cy="0"/>
+        </a:xfrm>
+      </p:grpSpPr>
+      <p:sp>
+        <p:nvSpPr>
+          <p:cNvPr id="2" name="Title 1">
+            <a:extLst>
+              <a:ext uri="{FF2B5EF4-FFF2-40B4-BE49-F238E27FC236}">
+                <a16:creationId xmlns:a16="http://schemas.microsoft.com/office/drawing/2014/main" id="{EFB18931-6AAA-3BAE-CA4D-977C18976E40}"/>
+              </a:ext>
+            </a:extLst>
+          </p:cNvPr>
+          <p:cNvSpPr>
+            <a:spLocks noGrp="1"/>
+          </p:cNvSpPr>
+          <p:nvPr>
+            <p:ph type="title"/>
+          </p:nvPr>
+        </p:nvSpPr>
+        <p:spPr/>
+        <p:txBody>
+          <a:bodyPr/>
+          <a:lstStyle/>
+          <a:p>
+            <a:r>
+              <a:rPr lang="en-DE" dirty="0"/>
+              <a:t>Leading energy reconstruction</a:t>
+            </a:r>
+          </a:p>
+        </p:txBody>
+      </p:sp>
+      <p:sp>
+        <p:nvSpPr>
+          <p:cNvPr id="3" name="Content Placeholder 2">
+            <a:extLst>
+              <a:ext uri="{FF2B5EF4-FFF2-40B4-BE49-F238E27FC236}">
+                <a16:creationId xmlns:a16="http://schemas.microsoft.com/office/drawing/2014/main" id="{969E07FA-CA5F-5DDF-301C-4CD43A26F7FD}"/>
+              </a:ext>
+            </a:extLst>
+          </p:cNvPr>
+          <p:cNvSpPr>
+            <a:spLocks noGrp="1"/>
+          </p:cNvSpPr>
+          <p:nvPr>
+            <p:ph sz="half" idx="1"/>
+          </p:nvPr>
+        </p:nvSpPr>
+        <p:spPr/>
+        <p:txBody>
+          <a:bodyPr/>
+          <a:lstStyle/>
+          <a:p>
+            <a:endParaRPr lang="en-DE"/>
+          </a:p>
+        </p:txBody>
+      </p:sp>
+      <p:sp>
+        <p:nvSpPr>
+          <p:cNvPr id="4" name="Content Placeholder 3">
+            <a:extLst>
+              <a:ext uri="{FF2B5EF4-FFF2-40B4-BE49-F238E27FC236}">
+                <a16:creationId xmlns:a16="http://schemas.microsoft.com/office/drawing/2014/main" id="{5B2D9C85-749A-85B3-F274-D6264C9AC609}"/>
+              </a:ext>
+            </a:extLst>
+          </p:cNvPr>
+          <p:cNvSpPr>
+            <a:spLocks noGrp="1"/>
+          </p:cNvSpPr>
+          <p:nvPr>
+            <p:ph sz="half" idx="2"/>
+          </p:nvPr>
+        </p:nvSpPr>
+        <p:spPr/>
+        <p:txBody>
+          <a:bodyPr/>
+          <a:lstStyle/>
+          <a:p>
+            <a:endParaRPr lang="en-DE"/>
+          </a:p>
+        </p:txBody>
+      </p:sp>
+      <p:sp>
+        <p:nvSpPr>
+          <p:cNvPr id="5" name="Date Placeholder 4">
+            <a:extLst>
+              <a:ext uri="{FF2B5EF4-FFF2-40B4-BE49-F238E27FC236}">
+                <a16:creationId xmlns:a16="http://schemas.microsoft.com/office/drawing/2014/main" id="{5AF22C7D-B0E2-A4DF-5F22-CE0B3F33E0F0}"/>
+              </a:ext>
+            </a:extLst>
+          </p:cNvPr>
+          <p:cNvSpPr>
+            <a:spLocks noGrp="1"/>
+          </p:cNvSpPr>
+          <p:nvPr>
+            <p:ph type="dt" sz="half" idx="10"/>
+          </p:nvPr>
+        </p:nvSpPr>
+        <p:spPr/>
+        <p:txBody>
+          <a:bodyPr/>
+          <a:lstStyle/>
+          <a:p>
+            <a:r>
+              <a:rPr lang="de-DE"/>
+              <a:t>P. Gutjahr</a:t>
+            </a:r>
+            <a:endParaRPr lang="en-US"/>
+          </a:p>
+        </p:txBody>
+      </p:sp>
+      <p:sp>
+        <p:nvSpPr>
+          <p:cNvPr id="6" name="Slide Number Placeholder 5">
+            <a:extLst>
+              <a:ext uri="{FF2B5EF4-FFF2-40B4-BE49-F238E27FC236}">
+                <a16:creationId xmlns:a16="http://schemas.microsoft.com/office/drawing/2014/main" id="{945538C7-3971-E742-01DC-D88D468C7DCA}"/>
+              </a:ext>
+            </a:extLst>
+          </p:cNvPr>
+          <p:cNvSpPr>
+            <a:spLocks noGrp="1"/>
+          </p:cNvSpPr>
+          <p:nvPr>
+            <p:ph type="sldNum" sz="quarter" idx="12"/>
+          </p:nvPr>
+        </p:nvSpPr>
+        <p:spPr/>
+        <p:txBody>
+          <a:bodyPr/>
+          <a:lstStyle/>
+          <a:p>
+            <a:fld id="{CD8304E6-5469-594D-85BC-E468E92D2243}" type="slidenum">
+              <a:rPr lang="en-US" smtClean="0"/>
+              <a:t>32</a:t>
+            </a:fld>
+            <a:endParaRPr lang="en-US"/>
+          </a:p>
+        </p:txBody>
+      </p:sp>
+      <p:pic>
+        <p:nvPicPr>
+          <p:cNvPr id="7" name="Grafik 9">
+            <a:extLst>
+              <a:ext uri="{FF2B5EF4-FFF2-40B4-BE49-F238E27FC236}">
+                <a16:creationId xmlns:a16="http://schemas.microsoft.com/office/drawing/2014/main" id="{179EDF35-C988-E6C8-A818-B9829A489DBB}"/>
+              </a:ext>
+            </a:extLst>
+          </p:cNvPr>
+          <p:cNvPicPr>
+            <a:picLocks noChangeAspect="1"/>
+          </p:cNvPicPr>
+          <p:nvPr/>
+        </p:nvPicPr>
+        <p:blipFill>
+          <a:blip r:embed="rId2"/>
+          <a:stretch>
+            <a:fillRect/>
+          </a:stretch>
+        </p:blipFill>
+        <p:spPr>
+          <a:xfrm>
+            <a:off x="145510" y="92738"/>
+            <a:ext cx="1832786" cy="365125"/>
+          </a:xfrm>
+          <a:prstGeom prst="rect">
+            <a:avLst/>
+          </a:prstGeom>
+        </p:spPr>
+      </p:pic>
+      <p:pic>
+        <p:nvPicPr>
+          <p:cNvPr id="8" name="Picture 7">
+            <a:extLst>
+              <a:ext uri="{FF2B5EF4-FFF2-40B4-BE49-F238E27FC236}">
+                <a16:creationId xmlns:a16="http://schemas.microsoft.com/office/drawing/2014/main" id="{C0F392F9-7935-68C6-4F29-DBF1D9C8454C}"/>
+              </a:ext>
+            </a:extLst>
+          </p:cNvPr>
+          <p:cNvPicPr>
+            <a:picLocks noChangeAspect="1"/>
+          </p:cNvPicPr>
+          <p:nvPr/>
+        </p:nvPicPr>
+        <p:blipFill>
+          <a:blip r:embed="rId3"/>
+          <a:stretch>
+            <a:fillRect/>
+          </a:stretch>
+        </p:blipFill>
+        <p:spPr>
+          <a:xfrm>
+            <a:off x="1596787" y="1465689"/>
+            <a:ext cx="8857397" cy="4890662"/>
+          </a:xfrm>
+          <a:prstGeom prst="rect">
+            <a:avLst/>
+          </a:prstGeom>
+        </p:spPr>
+      </p:pic>
+    </p:spTree>
+    <p:extLst>
+      <p:ext uri="{BB962C8B-B14F-4D97-AF65-F5344CB8AC3E}">
+        <p14:creationId xmlns:p14="http://schemas.microsoft.com/office/powerpoint/2010/main" val="3947414289"/>
+      </p:ext>
+    </p:extLst>
+  </p:cSld>
+  <p:clrMapOvr>
+    <a:masterClrMapping/>
+  </p:clrMapOvr>
+</p:sld>
+</file>
+
 <file path=ppt/slides/slide4.xml><?xml version="1.0" encoding="utf-8"?>
 <p:sld xmlns:a="http://schemas.openxmlformats.org/drawingml/2006/main" xmlns:r="http://schemas.openxmlformats.org/officeDocument/2006/relationships" xmlns:p="http://schemas.openxmlformats.org/presentationml/2006/main">
   <p:cSld>
@@ -11250,7 +12793,7 @@
         </p:blipFill>
         <p:spPr>
           <a:xfrm>
-            <a:off x="6226519" y="1690688"/>
+            <a:off x="6226519" y="2361248"/>
             <a:ext cx="5819972" cy="4062627"/>
           </a:xfrm>
           <a:prstGeom prst="rect">
@@ -11272,7 +12815,7 @@
         </p:nvSpPr>
         <p:spPr>
           <a:xfrm>
-            <a:off x="10124303" y="1570850"/>
+            <a:off x="10124303" y="2241410"/>
             <a:ext cx="2458994" cy="276999"/>
           </a:xfrm>
           <a:prstGeom prst="rect">
@@ -11289,41 +12832,6 @@
             <a:r>
               <a:rPr lang="en-DE" sz="1200" dirty="0"/>
               <a:t>IceCube CORSIKA step 0</a:t>
-            </a:r>
-          </a:p>
-        </p:txBody>
-      </p:sp>
-      <p:sp>
-        <p:nvSpPr>
-          <p:cNvPr id="9" name="TextBox 8">
-            <a:extLst>
-              <a:ext uri="{FF2B5EF4-FFF2-40B4-BE49-F238E27FC236}">
-                <a16:creationId xmlns:a16="http://schemas.microsoft.com/office/drawing/2014/main" id="{A8FB6579-11D7-1E92-F090-7E7B5494231E}"/>
-              </a:ext>
-            </a:extLst>
-          </p:cNvPr>
-          <p:cNvSpPr txBox="1"/>
-          <p:nvPr/>
-        </p:nvSpPr>
-        <p:spPr>
-          <a:xfrm>
-            <a:off x="6215449" y="630195"/>
-            <a:ext cx="4027368" cy="369332"/>
-          </a:xfrm>
-          <a:prstGeom prst="rect">
-            <a:avLst/>
-          </a:prstGeom>
-          <a:noFill/>
-        </p:spPr>
-        <p:txBody>
-          <a:bodyPr wrap="square" rtlCol="0">
-            <a:spAutoFit/>
-          </a:bodyPr>
-          <a:lstStyle/>
-          <a:p>
-            <a:r>
-              <a:rPr lang="en-DE" dirty="0"/>
-              <a:t>Prompt definition: not pion and kaon</a:t>
             </a:r>
           </a:p>
         </p:txBody>
@@ -11393,7 +12901,7 @@
         </p:blipFill>
         <p:spPr>
           <a:xfrm>
-            <a:off x="451795" y="1778814"/>
+            <a:off x="451795" y="2449374"/>
             <a:ext cx="5644205" cy="3907527"/>
           </a:xfrm>
           <a:prstGeom prst="rect">
@@ -11401,6 +12909,488 @@
           </a:prstGeom>
         </p:spPr>
       </p:pic>
+      <p:sp>
+        <p:nvSpPr>
+          <p:cNvPr id="3" name="TextBox 2">
+            <a:extLst>
+              <a:ext uri="{FF2B5EF4-FFF2-40B4-BE49-F238E27FC236}">
+                <a16:creationId xmlns:a16="http://schemas.microsoft.com/office/drawing/2014/main" id="{9675AF0C-2E50-D8C3-708E-3221C16B7409}"/>
+              </a:ext>
+            </a:extLst>
+          </p:cNvPr>
+          <p:cNvSpPr txBox="1"/>
+          <p:nvPr/>
+        </p:nvSpPr>
+        <p:spPr>
+          <a:xfrm>
+            <a:off x="4350016" y="2241410"/>
+            <a:ext cx="2458994" cy="276999"/>
+          </a:xfrm>
+          <a:prstGeom prst="rect">
+            <a:avLst/>
+          </a:prstGeom>
+          <a:noFill/>
+        </p:spPr>
+        <p:txBody>
+          <a:bodyPr wrap="square" rtlCol="0">
+            <a:spAutoFit/>
+          </a:bodyPr>
+          <a:lstStyle/>
+          <a:p>
+            <a:r>
+              <a:rPr lang="en-DE" sz="1200" dirty="0"/>
+              <a:t>CORSIKA standalone</a:t>
+            </a:r>
+          </a:p>
+        </p:txBody>
+      </p:sp>
+      <p:sp>
+        <p:nvSpPr>
+          <p:cNvPr id="22" name="Rounded Rectangle 21">
+            <a:extLst>
+              <a:ext uri="{FF2B5EF4-FFF2-40B4-BE49-F238E27FC236}">
+                <a16:creationId xmlns:a16="http://schemas.microsoft.com/office/drawing/2014/main" id="{865DFA84-AA24-7420-D354-250E76CB79F6}"/>
+              </a:ext>
+            </a:extLst>
+          </p:cNvPr>
+          <p:cNvSpPr/>
+          <p:nvPr/>
+        </p:nvSpPr>
+        <p:spPr>
+          <a:xfrm>
+            <a:off x="7495672" y="252663"/>
+            <a:ext cx="1383632" cy="473144"/>
+          </a:xfrm>
+          <a:prstGeom prst="roundRect">
+            <a:avLst/>
+          </a:prstGeom>
+          <a:noFill/>
+        </p:spPr>
+        <p:style>
+          <a:lnRef idx="2">
+            <a:schemeClr val="accent1">
+              <a:shade val="15000"/>
+            </a:schemeClr>
+          </a:lnRef>
+          <a:fillRef idx="1">
+            <a:schemeClr val="accent1"/>
+          </a:fillRef>
+          <a:effectRef idx="0">
+            <a:schemeClr val="accent1"/>
+          </a:effectRef>
+          <a:fontRef idx="minor">
+            <a:schemeClr val="lt1"/>
+          </a:fontRef>
+        </p:style>
+        <p:txBody>
+          <a:bodyPr rtlCol="0" anchor="ctr"/>
+          <a:lstStyle/>
+          <a:p>
+            <a:pPr algn="ctr"/>
+            <a:r>
+              <a:rPr lang="en-DE" sz="1400" dirty="0">
+                <a:solidFill>
+                  <a:schemeClr val="accent6"/>
+                </a:solidFill>
+              </a:rPr>
+              <a:t>Most energetic muon inside</a:t>
+            </a:r>
+          </a:p>
+        </p:txBody>
+      </p:sp>
+      <p:sp>
+        <p:nvSpPr>
+          <p:cNvPr id="24" name="Rounded Rectangle 23">
+            <a:extLst>
+              <a:ext uri="{FF2B5EF4-FFF2-40B4-BE49-F238E27FC236}">
+                <a16:creationId xmlns:a16="http://schemas.microsoft.com/office/drawing/2014/main" id="{F3570585-7DEC-A484-6B1B-D9EA3150D827}"/>
+              </a:ext>
+            </a:extLst>
+          </p:cNvPr>
+          <p:cNvSpPr/>
+          <p:nvPr/>
+        </p:nvSpPr>
+        <p:spPr>
+          <a:xfrm>
+            <a:off x="7495672" y="1039187"/>
+            <a:ext cx="1383632" cy="473144"/>
+          </a:xfrm>
+          <a:prstGeom prst="roundRect">
+            <a:avLst/>
+          </a:prstGeom>
+          <a:noFill/>
+        </p:spPr>
+        <p:style>
+          <a:lnRef idx="2">
+            <a:schemeClr val="accent1">
+              <a:shade val="15000"/>
+            </a:schemeClr>
+          </a:lnRef>
+          <a:fillRef idx="1">
+            <a:schemeClr val="accent1"/>
+          </a:fillRef>
+          <a:effectRef idx="0">
+            <a:schemeClr val="accent1"/>
+          </a:effectRef>
+          <a:fontRef idx="minor">
+            <a:schemeClr val="lt1"/>
+          </a:fontRef>
+        </p:style>
+        <p:txBody>
+          <a:bodyPr rtlCol="0" anchor="ctr"/>
+          <a:lstStyle/>
+          <a:p>
+            <a:pPr algn="ctr"/>
+            <a:r>
+              <a:rPr lang="en-DE" sz="1400" dirty="0">
+                <a:solidFill>
+                  <a:schemeClr val="accent6"/>
+                </a:solidFill>
+              </a:rPr>
+              <a:t>Muon parent:</a:t>
+            </a:r>
+          </a:p>
+          <a:p>
+            <a:pPr algn="ctr"/>
+            <a:r>
+              <a:rPr lang="en-GB" sz="1400" dirty="0">
+                <a:solidFill>
+                  <a:schemeClr val="accent6"/>
+                </a:solidFill>
+              </a:rPr>
+              <a:t>pion or kaon</a:t>
+            </a:r>
+            <a:endParaRPr lang="en-DE" sz="1400" dirty="0">
+              <a:solidFill>
+                <a:schemeClr val="accent6"/>
+              </a:solidFill>
+            </a:endParaRPr>
+          </a:p>
+        </p:txBody>
+      </p:sp>
+      <p:sp>
+        <p:nvSpPr>
+          <p:cNvPr id="25" name="Rounded Rectangle 24">
+            <a:extLst>
+              <a:ext uri="{FF2B5EF4-FFF2-40B4-BE49-F238E27FC236}">
+                <a16:creationId xmlns:a16="http://schemas.microsoft.com/office/drawing/2014/main" id="{C8586F3E-D63D-CAD7-EB10-B09C83448221}"/>
+              </a:ext>
+            </a:extLst>
+          </p:cNvPr>
+          <p:cNvSpPr/>
+          <p:nvPr/>
+        </p:nvSpPr>
+        <p:spPr>
+          <a:xfrm>
+            <a:off x="8413487" y="1888104"/>
+            <a:ext cx="1383632" cy="473144"/>
+          </a:xfrm>
+          <a:prstGeom prst="roundRect">
+            <a:avLst/>
+          </a:prstGeom>
+          <a:noFill/>
+        </p:spPr>
+        <p:style>
+          <a:lnRef idx="2">
+            <a:schemeClr val="accent1">
+              <a:shade val="15000"/>
+            </a:schemeClr>
+          </a:lnRef>
+          <a:fillRef idx="1">
+            <a:schemeClr val="accent1"/>
+          </a:fillRef>
+          <a:effectRef idx="0">
+            <a:schemeClr val="accent1"/>
+          </a:effectRef>
+          <a:fontRef idx="minor">
+            <a:schemeClr val="lt1"/>
+          </a:fontRef>
+        </p:style>
+        <p:txBody>
+          <a:bodyPr rtlCol="0" anchor="ctr"/>
+          <a:lstStyle/>
+          <a:p>
+            <a:pPr algn="ctr"/>
+            <a:r>
+              <a:rPr lang="de-DE" sz="1400" dirty="0">
+                <a:solidFill>
+                  <a:schemeClr val="accent6"/>
+                </a:solidFill>
+              </a:rPr>
+              <a:t>prompt</a:t>
+            </a:r>
+            <a:endParaRPr lang="en-DE" sz="1400" dirty="0">
+              <a:solidFill>
+                <a:schemeClr val="accent6"/>
+              </a:solidFill>
+            </a:endParaRPr>
+          </a:p>
+        </p:txBody>
+      </p:sp>
+      <p:sp>
+        <p:nvSpPr>
+          <p:cNvPr id="26" name="Rounded Rectangle 25">
+            <a:extLst>
+              <a:ext uri="{FF2B5EF4-FFF2-40B4-BE49-F238E27FC236}">
+                <a16:creationId xmlns:a16="http://schemas.microsoft.com/office/drawing/2014/main" id="{01E8E016-B52A-CA51-E118-AEAC7FDE9A34}"/>
+              </a:ext>
+            </a:extLst>
+          </p:cNvPr>
+          <p:cNvSpPr/>
+          <p:nvPr/>
+        </p:nvSpPr>
+        <p:spPr>
+          <a:xfrm>
+            <a:off x="6549626" y="1879959"/>
+            <a:ext cx="1383632" cy="473144"/>
+          </a:xfrm>
+          <a:prstGeom prst="roundRect">
+            <a:avLst/>
+          </a:prstGeom>
+          <a:noFill/>
+        </p:spPr>
+        <p:style>
+          <a:lnRef idx="2">
+            <a:schemeClr val="accent1">
+              <a:shade val="15000"/>
+            </a:schemeClr>
+          </a:lnRef>
+          <a:fillRef idx="1">
+            <a:schemeClr val="accent1"/>
+          </a:fillRef>
+          <a:effectRef idx="0">
+            <a:schemeClr val="accent1"/>
+          </a:effectRef>
+          <a:fontRef idx="minor">
+            <a:schemeClr val="lt1"/>
+          </a:fontRef>
+        </p:style>
+        <p:txBody>
+          <a:bodyPr rtlCol="0" anchor="ctr"/>
+          <a:lstStyle/>
+          <a:p>
+            <a:pPr algn="ctr"/>
+            <a:r>
+              <a:rPr lang="de-DE" sz="1400" dirty="0" err="1">
+                <a:solidFill>
+                  <a:schemeClr val="accent6"/>
+                </a:solidFill>
+              </a:rPr>
+              <a:t>conventional</a:t>
+            </a:r>
+            <a:endParaRPr lang="en-DE" sz="1400" dirty="0">
+              <a:solidFill>
+                <a:schemeClr val="accent6"/>
+              </a:solidFill>
+            </a:endParaRPr>
+          </a:p>
+        </p:txBody>
+      </p:sp>
+      <p:cxnSp>
+        <p:nvCxnSpPr>
+          <p:cNvPr id="28" name="Straight Connector 27">
+            <a:extLst>
+              <a:ext uri="{FF2B5EF4-FFF2-40B4-BE49-F238E27FC236}">
+                <a16:creationId xmlns:a16="http://schemas.microsoft.com/office/drawing/2014/main" id="{0DF28315-1D37-4C90-8C2D-C4C4344DF930}"/>
+              </a:ext>
+            </a:extLst>
+          </p:cNvPr>
+          <p:cNvCxnSpPr>
+            <a:cxnSpLocks/>
+            <a:stCxn id="22" idx="2"/>
+            <a:endCxn id="24" idx="0"/>
+          </p:cNvCxnSpPr>
+          <p:nvPr/>
+        </p:nvCxnSpPr>
+        <p:spPr>
+          <a:xfrm>
+            <a:off x="8187488" y="725807"/>
+            <a:ext cx="0" cy="313380"/>
+          </a:xfrm>
+          <a:prstGeom prst="line">
+            <a:avLst/>
+          </a:prstGeom>
+          <a:ln w="9525">
+            <a:solidFill>
+              <a:schemeClr val="tx1"/>
+            </a:solidFill>
+          </a:ln>
+        </p:spPr>
+        <p:style>
+          <a:lnRef idx="1">
+            <a:schemeClr val="accent1"/>
+          </a:lnRef>
+          <a:fillRef idx="0">
+            <a:schemeClr val="accent1"/>
+          </a:fillRef>
+          <a:effectRef idx="0">
+            <a:schemeClr val="accent1"/>
+          </a:effectRef>
+          <a:fontRef idx="minor">
+            <a:schemeClr val="tx1"/>
+          </a:fontRef>
+        </p:style>
+      </p:cxnSp>
+      <p:cxnSp>
+        <p:nvCxnSpPr>
+          <p:cNvPr id="30" name="Straight Connector 29">
+            <a:extLst>
+              <a:ext uri="{FF2B5EF4-FFF2-40B4-BE49-F238E27FC236}">
+                <a16:creationId xmlns:a16="http://schemas.microsoft.com/office/drawing/2014/main" id="{0BD97D0C-F03C-4D3D-BCE1-4DF1D5328248}"/>
+              </a:ext>
+            </a:extLst>
+          </p:cNvPr>
+          <p:cNvCxnSpPr>
+            <a:cxnSpLocks/>
+            <a:stCxn id="24" idx="2"/>
+            <a:endCxn id="26" idx="0"/>
+          </p:cNvCxnSpPr>
+          <p:nvPr/>
+        </p:nvCxnSpPr>
+        <p:spPr>
+          <a:xfrm flipH="1">
+            <a:off x="7241442" y="1512331"/>
+            <a:ext cx="946046" cy="367628"/>
+          </a:xfrm>
+          <a:prstGeom prst="line">
+            <a:avLst/>
+          </a:prstGeom>
+          <a:ln w="9525">
+            <a:solidFill>
+              <a:schemeClr val="tx1"/>
+            </a:solidFill>
+          </a:ln>
+        </p:spPr>
+        <p:style>
+          <a:lnRef idx="1">
+            <a:schemeClr val="accent1"/>
+          </a:lnRef>
+          <a:fillRef idx="0">
+            <a:schemeClr val="accent1"/>
+          </a:fillRef>
+          <a:effectRef idx="0">
+            <a:schemeClr val="accent1"/>
+          </a:effectRef>
+          <a:fontRef idx="minor">
+            <a:schemeClr val="tx1"/>
+          </a:fontRef>
+        </p:style>
+      </p:cxnSp>
+      <p:cxnSp>
+        <p:nvCxnSpPr>
+          <p:cNvPr id="32" name="Straight Connector 31">
+            <a:extLst>
+              <a:ext uri="{FF2B5EF4-FFF2-40B4-BE49-F238E27FC236}">
+                <a16:creationId xmlns:a16="http://schemas.microsoft.com/office/drawing/2014/main" id="{C27A4B18-D82D-34FA-9FB5-D9C72F5E9A68}"/>
+              </a:ext>
+            </a:extLst>
+          </p:cNvPr>
+          <p:cNvCxnSpPr>
+            <a:cxnSpLocks/>
+            <a:stCxn id="24" idx="2"/>
+            <a:endCxn id="25" idx="0"/>
+          </p:cNvCxnSpPr>
+          <p:nvPr/>
+        </p:nvCxnSpPr>
+        <p:spPr>
+          <a:xfrm>
+            <a:off x="8187488" y="1512331"/>
+            <a:ext cx="917815" cy="375773"/>
+          </a:xfrm>
+          <a:prstGeom prst="line">
+            <a:avLst/>
+          </a:prstGeom>
+          <a:ln w="9525">
+            <a:solidFill>
+              <a:schemeClr val="tx1"/>
+            </a:solidFill>
+          </a:ln>
+        </p:spPr>
+        <p:style>
+          <a:lnRef idx="1">
+            <a:schemeClr val="accent1"/>
+          </a:lnRef>
+          <a:fillRef idx="0">
+            <a:schemeClr val="accent1"/>
+          </a:fillRef>
+          <a:effectRef idx="0">
+            <a:schemeClr val="accent1"/>
+          </a:effectRef>
+          <a:fontRef idx="minor">
+            <a:schemeClr val="tx1"/>
+          </a:fontRef>
+        </p:style>
+      </p:cxnSp>
+      <p:sp>
+        <p:nvSpPr>
+          <p:cNvPr id="37" name="TextBox 36">
+            <a:extLst>
+              <a:ext uri="{FF2B5EF4-FFF2-40B4-BE49-F238E27FC236}">
+                <a16:creationId xmlns:a16="http://schemas.microsoft.com/office/drawing/2014/main" id="{0BE765AE-7E35-A198-8F23-6A181228E2C7}"/>
+              </a:ext>
+            </a:extLst>
+          </p:cNvPr>
+          <p:cNvSpPr txBox="1"/>
+          <p:nvPr/>
+        </p:nvSpPr>
+        <p:spPr>
+          <a:xfrm>
+            <a:off x="8764110" y="1531711"/>
+            <a:ext cx="682386" cy="307777"/>
+          </a:xfrm>
+          <a:prstGeom prst="rect">
+            <a:avLst/>
+          </a:prstGeom>
+          <a:noFill/>
+        </p:spPr>
+        <p:txBody>
+          <a:bodyPr wrap="square" rtlCol="0">
+            <a:spAutoFit/>
+          </a:bodyPr>
+          <a:lstStyle/>
+          <a:p>
+            <a:r>
+              <a:rPr lang="en-DE" sz="1400" dirty="0"/>
+              <a:t>yes</a:t>
+            </a:r>
+          </a:p>
+        </p:txBody>
+      </p:sp>
+      <p:sp>
+        <p:nvSpPr>
+          <p:cNvPr id="38" name="TextBox 37">
+            <a:extLst>
+              <a:ext uri="{FF2B5EF4-FFF2-40B4-BE49-F238E27FC236}">
+                <a16:creationId xmlns:a16="http://schemas.microsoft.com/office/drawing/2014/main" id="{4332D3ED-AE73-4AAB-682E-37FAF59CD6A5}"/>
+              </a:ext>
+            </a:extLst>
+          </p:cNvPr>
+          <p:cNvSpPr txBox="1"/>
+          <p:nvPr/>
+        </p:nvSpPr>
+        <p:spPr>
+          <a:xfrm>
+            <a:off x="7241442" y="1504186"/>
+            <a:ext cx="682386" cy="307777"/>
+          </a:xfrm>
+          <a:prstGeom prst="rect">
+            <a:avLst/>
+          </a:prstGeom>
+          <a:noFill/>
+        </p:spPr>
+        <p:txBody>
+          <a:bodyPr wrap="square" rtlCol="0">
+            <a:spAutoFit/>
+          </a:bodyPr>
+          <a:lstStyle/>
+          <a:p>
+            <a:r>
+              <a:rPr lang="en-DE" sz="1400" dirty="0"/>
+              <a:t>no</a:t>
+            </a:r>
+          </a:p>
+        </p:txBody>
+      </p:sp>
     </p:spTree>
     <p:extLst>
       <p:ext uri="{BB962C8B-B14F-4D97-AF65-F5344CB8AC3E}">
@@ -11607,6 +13597,48 @@
           </a:prstGeom>
         </p:spPr>
       </p:pic>
+      <p:sp>
+        <p:nvSpPr>
+          <p:cNvPr id="3" name="TextBox 2">
+            <a:extLst>
+              <a:ext uri="{FF2B5EF4-FFF2-40B4-BE49-F238E27FC236}">
+                <a16:creationId xmlns:a16="http://schemas.microsoft.com/office/drawing/2014/main" id="{3B93710C-7BBC-4B05-8247-8E8011FED7F5}"/>
+              </a:ext>
+            </a:extLst>
+          </p:cNvPr>
+          <p:cNvSpPr txBox="1"/>
+          <p:nvPr/>
+        </p:nvSpPr>
+        <p:spPr>
+          <a:xfrm>
+            <a:off x="10418350" y="1501410"/>
+            <a:ext cx="3256280" cy="461665"/>
+          </a:xfrm>
+          <a:prstGeom prst="rect">
+            <a:avLst/>
+          </a:prstGeom>
+          <a:noFill/>
+        </p:spPr>
+        <p:txBody>
+          <a:bodyPr wrap="square" rtlCol="0">
+            <a:spAutoFit/>
+          </a:bodyPr>
+          <a:lstStyle/>
+          <a:p>
+            <a:r>
+              <a:rPr lang="en-GB" sz="1200" dirty="0"/>
+              <a:t>Solid: conventional</a:t>
+            </a:r>
+          </a:p>
+          <a:p>
+            <a:r>
+              <a:rPr lang="en-GB" sz="1200" dirty="0"/>
+              <a:t>Dashed: prompt</a:t>
+            </a:r>
+            <a:endParaRPr lang="en-DE" sz="1200" dirty="0"/>
+          </a:p>
+        </p:txBody>
+      </p:sp>
     </p:spTree>
     <p:extLst>
       <p:ext uri="{BB962C8B-B14F-4D97-AF65-F5344CB8AC3E}">
@@ -11660,7 +13692,7 @@
           <a:p>
             <a:r>
               <a:rPr lang="en-DE" dirty="0"/>
-              <a:t>Expected muons for 10 years: leading vs. bundle energy</a:t>
+              <a:t>Expected muons for 10 years: leading vs. bundle energy (GSF)</a:t>
             </a:r>
           </a:p>
         </p:txBody>
@@ -12188,7 +14220,7 @@
         </p:nvSpPr>
         <p:spPr>
           <a:xfrm>
-            <a:off x="8260247" y="1866013"/>
+            <a:off x="8260247" y="1794893"/>
             <a:ext cx="1368965" cy="461665"/>
           </a:xfrm>
           <a:prstGeom prst="rect">
